--- a/Presentation/slide_deck.pptx
+++ b/Presentation/slide_deck.pptx
@@ -4,8 +4,13 @@
   <p:sldMasterIdLst>
     <p:sldMasterId id="2147483648" r:id="rId1"/>
   </p:sldMasterIdLst>
+  <p:notesMasterIdLst>
+    <p:notesMasterId r:id="rId5"/>
+  </p:notesMasterIdLst>
   <p:sldIdLst>
     <p:sldId id="256" r:id="rId2"/>
+    <p:sldId id="260" r:id="rId3"/>
+    <p:sldId id="259" r:id="rId4"/>
   </p:sldIdLst>
   <p:sldSz cx="12192000" cy="6858000"/>
   <p:notesSz cx="6858000" cy="9144000"/>
@@ -112,6 +117,356 @@
 </p:presentation>
 </file>
 
+<file path=ppt/notesMasters/notesMaster1.xml><?xml version="1.0" encoding="utf-8"?>
+<p:notesMaster xmlns:a="http://schemas.openxmlformats.org/drawingml/2006/main" xmlns:r="http://schemas.openxmlformats.org/officeDocument/2006/relationships" xmlns:p="http://schemas.openxmlformats.org/presentationml/2006/main">
+  <p:cSld>
+    <p:bg>
+      <p:bgRef idx="1001">
+        <a:schemeClr val="bg1"/>
+      </p:bgRef>
+    </p:bg>
+    <p:spTree>
+      <p:nvGrpSpPr>
+        <p:cNvPr id="1" name=""/>
+        <p:cNvGrpSpPr/>
+        <p:nvPr/>
+      </p:nvGrpSpPr>
+      <p:grpSpPr>
+        <a:xfrm>
+          <a:off x="0" y="0"/>
+          <a:ext cx="0" cy="0"/>
+          <a:chOff x="0" y="0"/>
+          <a:chExt cx="0" cy="0"/>
+        </a:xfrm>
+      </p:grpSpPr>
+      <p:sp>
+        <p:nvSpPr>
+          <p:cNvPr id="2" name="Header Placeholder 1"/>
+          <p:cNvSpPr>
+            <a:spLocks noGrp="1"/>
+          </p:cNvSpPr>
+          <p:nvPr>
+            <p:ph type="hdr" sz="quarter"/>
+          </p:nvPr>
+        </p:nvSpPr>
+        <p:spPr>
+          <a:xfrm>
+            <a:off x="0" y="0"/>
+            <a:ext cx="2971800" cy="458788"/>
+          </a:xfrm>
+          <a:prstGeom prst="rect">
+            <a:avLst/>
+          </a:prstGeom>
+        </p:spPr>
+        <p:txBody>
+          <a:bodyPr vert="horz" lIns="91440" tIns="45720" rIns="91440" bIns="45720" rtlCol="0"/>
+          <a:lstStyle>
+            <a:lvl1pPr algn="l">
+              <a:defRPr sz="1200"/>
+            </a:lvl1pPr>
+          </a:lstStyle>
+          <a:p>
+            <a:endParaRPr lang="en-US"/>
+          </a:p>
+        </p:txBody>
+      </p:sp>
+      <p:sp>
+        <p:nvSpPr>
+          <p:cNvPr id="3" name="Date Placeholder 2"/>
+          <p:cNvSpPr>
+            <a:spLocks noGrp="1"/>
+          </p:cNvSpPr>
+          <p:nvPr>
+            <p:ph type="dt" idx="1"/>
+          </p:nvPr>
+        </p:nvSpPr>
+        <p:spPr>
+          <a:xfrm>
+            <a:off x="3884613" y="0"/>
+            <a:ext cx="2971800" cy="458788"/>
+          </a:xfrm>
+          <a:prstGeom prst="rect">
+            <a:avLst/>
+          </a:prstGeom>
+        </p:spPr>
+        <p:txBody>
+          <a:bodyPr vert="horz" lIns="91440" tIns="45720" rIns="91440" bIns="45720" rtlCol="0"/>
+          <a:lstStyle>
+            <a:lvl1pPr algn="r">
+              <a:defRPr sz="1200"/>
+            </a:lvl1pPr>
+          </a:lstStyle>
+          <a:p>
+            <a:fld id="{3398E8B9-81F1-424D-AE77-F968A2DCD636}" type="datetimeFigureOut">
+              <a:rPr lang="en-US" smtClean="0"/>
+              <a:t>9/27/21</a:t>
+            </a:fld>
+            <a:endParaRPr lang="en-US"/>
+          </a:p>
+        </p:txBody>
+      </p:sp>
+      <p:sp>
+        <p:nvSpPr>
+          <p:cNvPr id="4" name="Slide Image Placeholder 3"/>
+          <p:cNvSpPr>
+            <a:spLocks noGrp="1" noRot="1" noChangeAspect="1"/>
+          </p:cNvSpPr>
+          <p:nvPr>
+            <p:ph type="sldImg" idx="2"/>
+          </p:nvPr>
+        </p:nvSpPr>
+        <p:spPr>
+          <a:xfrm>
+            <a:off x="685800" y="1143000"/>
+            <a:ext cx="5486400" cy="3086100"/>
+          </a:xfrm>
+          <a:prstGeom prst="rect">
+            <a:avLst/>
+          </a:prstGeom>
+          <a:noFill/>
+          <a:ln w="12700">
+            <a:solidFill>
+              <a:prstClr val="black"/>
+            </a:solidFill>
+          </a:ln>
+        </p:spPr>
+        <p:txBody>
+          <a:bodyPr vert="horz" lIns="91440" tIns="45720" rIns="91440" bIns="45720" rtlCol="0" anchor="ctr"/>
+          <a:lstStyle/>
+          <a:p>
+            <a:endParaRPr lang="en-US"/>
+          </a:p>
+        </p:txBody>
+      </p:sp>
+      <p:sp>
+        <p:nvSpPr>
+          <p:cNvPr id="5" name="Notes Placeholder 4"/>
+          <p:cNvSpPr>
+            <a:spLocks noGrp="1"/>
+          </p:cNvSpPr>
+          <p:nvPr>
+            <p:ph type="body" sz="quarter" idx="3"/>
+          </p:nvPr>
+        </p:nvSpPr>
+        <p:spPr>
+          <a:xfrm>
+            <a:off x="685800" y="4400550"/>
+            <a:ext cx="5486400" cy="3600450"/>
+          </a:xfrm>
+          <a:prstGeom prst="rect">
+            <a:avLst/>
+          </a:prstGeom>
+        </p:spPr>
+        <p:txBody>
+          <a:bodyPr vert="horz" lIns="91440" tIns="45720" rIns="91440" bIns="45720" rtlCol="0"/>
+          <a:lstStyle/>
+          <a:p>
+            <a:pPr lvl="0"/>
+            <a:r>
+              <a:rPr lang="en-GB"/>
+              <a:t>Click to edit Master text styles</a:t>
+            </a:r>
+          </a:p>
+          <a:p>
+            <a:pPr lvl="1"/>
+            <a:r>
+              <a:rPr lang="en-GB"/>
+              <a:t>Second level</a:t>
+            </a:r>
+          </a:p>
+          <a:p>
+            <a:pPr lvl="2"/>
+            <a:r>
+              <a:rPr lang="en-GB"/>
+              <a:t>Third level</a:t>
+            </a:r>
+          </a:p>
+          <a:p>
+            <a:pPr lvl="3"/>
+            <a:r>
+              <a:rPr lang="en-GB"/>
+              <a:t>Fourth level</a:t>
+            </a:r>
+          </a:p>
+          <a:p>
+            <a:pPr lvl="4"/>
+            <a:r>
+              <a:rPr lang="en-GB"/>
+              <a:t>Fifth level</a:t>
+            </a:r>
+            <a:endParaRPr lang="en-US"/>
+          </a:p>
+        </p:txBody>
+      </p:sp>
+      <p:sp>
+        <p:nvSpPr>
+          <p:cNvPr id="6" name="Footer Placeholder 5"/>
+          <p:cNvSpPr>
+            <a:spLocks noGrp="1"/>
+          </p:cNvSpPr>
+          <p:nvPr>
+            <p:ph type="ftr" sz="quarter" idx="4"/>
+          </p:nvPr>
+        </p:nvSpPr>
+        <p:spPr>
+          <a:xfrm>
+            <a:off x="0" y="8685213"/>
+            <a:ext cx="2971800" cy="458787"/>
+          </a:xfrm>
+          <a:prstGeom prst="rect">
+            <a:avLst/>
+          </a:prstGeom>
+        </p:spPr>
+        <p:txBody>
+          <a:bodyPr vert="horz" lIns="91440" tIns="45720" rIns="91440" bIns="45720" rtlCol="0" anchor="b"/>
+          <a:lstStyle>
+            <a:lvl1pPr algn="l">
+              <a:defRPr sz="1200"/>
+            </a:lvl1pPr>
+          </a:lstStyle>
+          <a:p>
+            <a:endParaRPr lang="en-US"/>
+          </a:p>
+        </p:txBody>
+      </p:sp>
+      <p:sp>
+        <p:nvSpPr>
+          <p:cNvPr id="7" name="Slide Number Placeholder 6"/>
+          <p:cNvSpPr>
+            <a:spLocks noGrp="1"/>
+          </p:cNvSpPr>
+          <p:nvPr>
+            <p:ph type="sldNum" sz="quarter" idx="5"/>
+          </p:nvPr>
+        </p:nvSpPr>
+        <p:spPr>
+          <a:xfrm>
+            <a:off x="3884613" y="8685213"/>
+            <a:ext cx="2971800" cy="458787"/>
+          </a:xfrm>
+          <a:prstGeom prst="rect">
+            <a:avLst/>
+          </a:prstGeom>
+        </p:spPr>
+        <p:txBody>
+          <a:bodyPr vert="horz" lIns="91440" tIns="45720" rIns="91440" bIns="45720" rtlCol="0" anchor="b"/>
+          <a:lstStyle>
+            <a:lvl1pPr algn="r">
+              <a:defRPr sz="1200"/>
+            </a:lvl1pPr>
+          </a:lstStyle>
+          <a:p>
+            <a:fld id="{F5134806-D19D-A540-9B0B-614DC5FE67CD}" type="slidenum">
+              <a:rPr lang="en-US" smtClean="0"/>
+              <a:t>‹#›</a:t>
+            </a:fld>
+            <a:endParaRPr lang="en-US"/>
+          </a:p>
+        </p:txBody>
+      </p:sp>
+    </p:spTree>
+    <p:extLst>
+      <p:ext uri="{BB962C8B-B14F-4D97-AF65-F5344CB8AC3E}">
+        <p14:creationId xmlns:p14="http://schemas.microsoft.com/office/powerpoint/2010/main" val="385245446"/>
+      </p:ext>
+    </p:extLst>
+  </p:cSld>
+  <p:clrMap bg1="lt1" tx1="dk1" bg2="lt2" tx2="dk2" accent1="accent1" accent2="accent2" accent3="accent3" accent4="accent4" accent5="accent5" accent6="accent6" hlink="hlink" folHlink="folHlink"/>
+  <p:notesStyle>
+    <a:lvl1pPr marL="0" algn="l" defTabSz="914400" rtl="0" eaLnBrk="1" latinLnBrk="0" hangingPunct="1">
+      <a:defRPr sz="1200" kern="1200">
+        <a:solidFill>
+          <a:schemeClr val="tx1"/>
+        </a:solidFill>
+        <a:latin typeface="+mn-lt"/>
+        <a:ea typeface="+mn-ea"/>
+        <a:cs typeface="+mn-cs"/>
+      </a:defRPr>
+    </a:lvl1pPr>
+    <a:lvl2pPr marL="457200" algn="l" defTabSz="914400" rtl="0" eaLnBrk="1" latinLnBrk="0" hangingPunct="1">
+      <a:defRPr sz="1200" kern="1200">
+        <a:solidFill>
+          <a:schemeClr val="tx1"/>
+        </a:solidFill>
+        <a:latin typeface="+mn-lt"/>
+        <a:ea typeface="+mn-ea"/>
+        <a:cs typeface="+mn-cs"/>
+      </a:defRPr>
+    </a:lvl2pPr>
+    <a:lvl3pPr marL="914400" algn="l" defTabSz="914400" rtl="0" eaLnBrk="1" latinLnBrk="0" hangingPunct="1">
+      <a:defRPr sz="1200" kern="1200">
+        <a:solidFill>
+          <a:schemeClr val="tx1"/>
+        </a:solidFill>
+        <a:latin typeface="+mn-lt"/>
+        <a:ea typeface="+mn-ea"/>
+        <a:cs typeface="+mn-cs"/>
+      </a:defRPr>
+    </a:lvl3pPr>
+    <a:lvl4pPr marL="1371600" algn="l" defTabSz="914400" rtl="0" eaLnBrk="1" latinLnBrk="0" hangingPunct="1">
+      <a:defRPr sz="1200" kern="1200">
+        <a:solidFill>
+          <a:schemeClr val="tx1"/>
+        </a:solidFill>
+        <a:latin typeface="+mn-lt"/>
+        <a:ea typeface="+mn-ea"/>
+        <a:cs typeface="+mn-cs"/>
+      </a:defRPr>
+    </a:lvl4pPr>
+    <a:lvl5pPr marL="1828800" algn="l" defTabSz="914400" rtl="0" eaLnBrk="1" latinLnBrk="0" hangingPunct="1">
+      <a:defRPr sz="1200" kern="1200">
+        <a:solidFill>
+          <a:schemeClr val="tx1"/>
+        </a:solidFill>
+        <a:latin typeface="+mn-lt"/>
+        <a:ea typeface="+mn-ea"/>
+        <a:cs typeface="+mn-cs"/>
+      </a:defRPr>
+    </a:lvl5pPr>
+    <a:lvl6pPr marL="2286000" algn="l" defTabSz="914400" rtl="0" eaLnBrk="1" latinLnBrk="0" hangingPunct="1">
+      <a:defRPr sz="1200" kern="1200">
+        <a:solidFill>
+          <a:schemeClr val="tx1"/>
+        </a:solidFill>
+        <a:latin typeface="+mn-lt"/>
+        <a:ea typeface="+mn-ea"/>
+        <a:cs typeface="+mn-cs"/>
+      </a:defRPr>
+    </a:lvl6pPr>
+    <a:lvl7pPr marL="2743200" algn="l" defTabSz="914400" rtl="0" eaLnBrk="1" latinLnBrk="0" hangingPunct="1">
+      <a:defRPr sz="1200" kern="1200">
+        <a:solidFill>
+          <a:schemeClr val="tx1"/>
+        </a:solidFill>
+        <a:latin typeface="+mn-lt"/>
+        <a:ea typeface="+mn-ea"/>
+        <a:cs typeface="+mn-cs"/>
+      </a:defRPr>
+    </a:lvl7pPr>
+    <a:lvl8pPr marL="3200400" algn="l" defTabSz="914400" rtl="0" eaLnBrk="1" latinLnBrk="0" hangingPunct="1">
+      <a:defRPr sz="1200" kern="1200">
+        <a:solidFill>
+          <a:schemeClr val="tx1"/>
+        </a:solidFill>
+        <a:latin typeface="+mn-lt"/>
+        <a:ea typeface="+mn-ea"/>
+        <a:cs typeface="+mn-cs"/>
+      </a:defRPr>
+    </a:lvl8pPr>
+    <a:lvl9pPr marL="3657600" algn="l" defTabSz="914400" rtl="0" eaLnBrk="1" latinLnBrk="0" hangingPunct="1">
+      <a:defRPr sz="1200" kern="1200">
+        <a:solidFill>
+          <a:schemeClr val="tx1"/>
+        </a:solidFill>
+        <a:latin typeface="+mn-lt"/>
+        <a:ea typeface="+mn-ea"/>
+        <a:cs typeface="+mn-cs"/>
+      </a:defRPr>
+    </a:lvl9pPr>
+  </p:notesStyle>
+</p:notesMaster>
+</file>
+
 <file path=ppt/slideLayouts/slideLayout1.xml><?xml version="1.0" encoding="utf-8"?>
 <p:sldLayout xmlns:a="http://schemas.openxmlformats.org/drawingml/2006/main" xmlns:r="http://schemas.openxmlformats.org/officeDocument/2006/relationships" xmlns:p="http://schemas.openxmlformats.org/presentationml/2006/main" type="title" preserve="1">
   <p:cSld name="Title Slide">
@@ -259,9 +614,9 @@
           <a:bodyPr/>
           <a:lstStyle/>
           <a:p>
-            <a:fld id="{A8E47153-B658-BC4A-BAE9-B6A78E9A8566}" type="datetimeFigureOut">
-              <a:rPr lang="en-US" smtClean="0"/>
-              <a:t>9/27/21</a:t>
+            <a:fld id="{D7919F00-95C3-E345-9A68-6806DD4786C7}" type="datetime1">
+              <a:rPr lang="de-DE" smtClean="0"/>
+              <a:t>27.09.21</a:t>
             </a:fld>
             <a:endParaRPr lang="en-US"/>
           </a:p>
@@ -459,9 +814,9 @@
           <a:bodyPr/>
           <a:lstStyle/>
           <a:p>
-            <a:fld id="{A8E47153-B658-BC4A-BAE9-B6A78E9A8566}" type="datetimeFigureOut">
-              <a:rPr lang="en-US" smtClean="0"/>
-              <a:t>9/27/21</a:t>
+            <a:fld id="{EEF8CF17-46D6-4746-9F83-62838F7FFA9E}" type="datetime1">
+              <a:rPr lang="de-DE" smtClean="0"/>
+              <a:t>27.09.21</a:t>
             </a:fld>
             <a:endParaRPr lang="en-US"/>
           </a:p>
@@ -669,9 +1024,9 @@
           <a:bodyPr/>
           <a:lstStyle/>
           <a:p>
-            <a:fld id="{A8E47153-B658-BC4A-BAE9-B6A78E9A8566}" type="datetimeFigureOut">
-              <a:rPr lang="en-US" smtClean="0"/>
-              <a:t>9/27/21</a:t>
+            <a:fld id="{846669D5-C56A-D444-8228-920498C21CB5}" type="datetime1">
+              <a:rPr lang="de-DE" smtClean="0"/>
+              <a:t>27.09.21</a:t>
             </a:fld>
             <a:endParaRPr lang="en-US"/>
           </a:p>
@@ -869,9 +1224,9 @@
           <a:bodyPr/>
           <a:lstStyle/>
           <a:p>
-            <a:fld id="{A8E47153-B658-BC4A-BAE9-B6A78E9A8566}" type="datetimeFigureOut">
-              <a:rPr lang="en-US" smtClean="0"/>
-              <a:t>9/27/21</a:t>
+            <a:fld id="{6B2A11E0-3F60-484C-B31C-C335BE773633}" type="datetime1">
+              <a:rPr lang="de-DE" smtClean="0"/>
+              <a:t>27.09.21</a:t>
             </a:fld>
             <a:endParaRPr lang="en-US"/>
           </a:p>
@@ -1145,9 +1500,9 @@
           <a:bodyPr/>
           <a:lstStyle/>
           <a:p>
-            <a:fld id="{A8E47153-B658-BC4A-BAE9-B6A78E9A8566}" type="datetimeFigureOut">
-              <a:rPr lang="en-US" smtClean="0"/>
-              <a:t>9/27/21</a:t>
+            <a:fld id="{AD0CF0BE-8C02-7A46-B8F9-9A1A359A3221}" type="datetime1">
+              <a:rPr lang="de-DE" smtClean="0"/>
+              <a:t>27.09.21</a:t>
             </a:fld>
             <a:endParaRPr lang="en-US"/>
           </a:p>
@@ -1413,9 +1768,9 @@
           <a:bodyPr/>
           <a:lstStyle/>
           <a:p>
-            <a:fld id="{A8E47153-B658-BC4A-BAE9-B6A78E9A8566}" type="datetimeFigureOut">
-              <a:rPr lang="en-US" smtClean="0"/>
-              <a:t>9/27/21</a:t>
+            <a:fld id="{E3D55EAB-06EA-2B41-8799-9D715C6BB5C9}" type="datetime1">
+              <a:rPr lang="de-DE" smtClean="0"/>
+              <a:t>27.09.21</a:t>
             </a:fld>
             <a:endParaRPr lang="en-US"/>
           </a:p>
@@ -1828,9 +2183,9 @@
           <a:bodyPr/>
           <a:lstStyle/>
           <a:p>
-            <a:fld id="{A8E47153-B658-BC4A-BAE9-B6A78E9A8566}" type="datetimeFigureOut">
-              <a:rPr lang="en-US" smtClean="0"/>
-              <a:t>9/27/21</a:t>
+            <a:fld id="{899C43E9-79E3-0343-886E-B54191E8154C}" type="datetime1">
+              <a:rPr lang="de-DE" smtClean="0"/>
+              <a:t>27.09.21</a:t>
             </a:fld>
             <a:endParaRPr lang="en-US"/>
           </a:p>
@@ -1970,9 +2325,9 @@
           <a:bodyPr/>
           <a:lstStyle/>
           <a:p>
-            <a:fld id="{A8E47153-B658-BC4A-BAE9-B6A78E9A8566}" type="datetimeFigureOut">
-              <a:rPr lang="en-US" smtClean="0"/>
-              <a:t>9/27/21</a:t>
+            <a:fld id="{38D1FDF0-7FAD-B74F-9C14-35E95702474C}" type="datetime1">
+              <a:rPr lang="de-DE" smtClean="0"/>
+              <a:t>27.09.21</a:t>
             </a:fld>
             <a:endParaRPr lang="en-US"/>
           </a:p>
@@ -2083,9 +2438,9 @@
           <a:bodyPr/>
           <a:lstStyle/>
           <a:p>
-            <a:fld id="{A8E47153-B658-BC4A-BAE9-B6A78E9A8566}" type="datetimeFigureOut">
-              <a:rPr lang="en-US" smtClean="0"/>
-              <a:t>9/27/21</a:t>
+            <a:fld id="{40CA08E2-633C-6F4C-B416-7B24EADBD5D5}" type="datetime1">
+              <a:rPr lang="de-DE" smtClean="0"/>
+              <a:t>27.09.21</a:t>
             </a:fld>
             <a:endParaRPr lang="en-US"/>
           </a:p>
@@ -2118,10 +2473,10 @@
       </p:sp>
       <p:sp>
         <p:nvSpPr>
-          <p:cNvPr id="4" name="Slide Number Placeholder 3">
-            <a:extLst>
-              <a:ext uri="{FF2B5EF4-FFF2-40B4-BE49-F238E27FC236}">
-                <a16:creationId xmlns:a16="http://schemas.microsoft.com/office/drawing/2014/main" id="{9A1AA8FE-E5A8-274A-99EE-C6B6D7FE94A8}"/>
+          <p:cNvPr id="5" name="Slide Number Placeholder 4">
+            <a:extLst>
+              <a:ext uri="{FF2B5EF4-FFF2-40B4-BE49-F238E27FC236}">
+                <a16:creationId xmlns:a16="http://schemas.microsoft.com/office/drawing/2014/main" id="{6C3C11A4-CEE1-4642-ABC0-C040FD55EF2A}"/>
               </a:ext>
             </a:extLst>
           </p:cNvPr>
@@ -2132,7 +2487,12 @@
             <p:ph type="sldNum" sz="quarter" idx="12"/>
           </p:nvPr>
         </p:nvSpPr>
-        <p:spPr/>
+        <p:spPr>
+          <a:xfrm>
+            <a:off x="9264352" y="6356350"/>
+            <a:ext cx="2743200" cy="365125"/>
+          </a:xfrm>
+        </p:spPr>
         <p:txBody>
           <a:bodyPr/>
           <a:lstStyle/>
@@ -2396,9 +2756,9 @@
           <a:bodyPr/>
           <a:lstStyle/>
           <a:p>
-            <a:fld id="{A8E47153-B658-BC4A-BAE9-B6A78E9A8566}" type="datetimeFigureOut">
-              <a:rPr lang="en-US" smtClean="0"/>
-              <a:t>9/27/21</a:t>
+            <a:fld id="{25A8823F-BF39-4B48-92AC-7573D6900421}" type="datetime1">
+              <a:rPr lang="de-DE" smtClean="0"/>
+              <a:t>27.09.21</a:t>
             </a:fld>
             <a:endParaRPr lang="en-US"/>
           </a:p>
@@ -2689,9 +3049,9 @@
           <a:bodyPr/>
           <a:lstStyle/>
           <a:p>
-            <a:fld id="{A8E47153-B658-BC4A-BAE9-B6A78E9A8566}" type="datetimeFigureOut">
-              <a:rPr lang="en-US" smtClean="0"/>
-              <a:t>9/27/21</a:t>
+            <a:fld id="{9133BCCA-5C2C-1E48-9D3E-EC5297EB8560}" type="datetime1">
+              <a:rPr lang="de-DE" smtClean="0"/>
+              <a:t>27.09.21</a:t>
             </a:fld>
             <a:endParaRPr lang="en-US"/>
           </a:p>
@@ -2941,9 +3301,9 @@
             </a:lvl1pPr>
           </a:lstStyle>
           <a:p>
-            <a:fld id="{A8E47153-B658-BC4A-BAE9-B6A78E9A8566}" type="datetimeFigureOut">
-              <a:rPr lang="en-US" smtClean="0"/>
-              <a:t>9/27/21</a:t>
+            <a:fld id="{4ECDE09A-B1E7-BF49-A4A8-79F389F3B4B8}" type="datetime1">
+              <a:rPr lang="de-DE" smtClean="0"/>
+              <a:t>27.09.21</a:t>
             </a:fld>
             <a:endParaRPr lang="en-US"/>
           </a:p>
@@ -3010,7 +3370,7 @@
         </p:nvSpPr>
         <p:spPr>
           <a:xfrm>
-            <a:off x="8610600" y="6356350"/>
+            <a:off x="9264352" y="6356350"/>
             <a:ext cx="2743200" cy="365125"/>
           </a:xfrm>
           <a:prstGeom prst="rect">
@@ -3023,19 +3383,20 @@
             <a:lvl1pPr algn="r">
               <a:defRPr sz="1200">
                 <a:solidFill>
-                  <a:schemeClr val="tx1">
-                    <a:tint val="75000"/>
-                  </a:schemeClr>
+                  <a:schemeClr val="tx1"/>
                 </a:solidFill>
+                <a:latin typeface="Arial" panose="020B0604020202020204" pitchFamily="34" charset="0"/>
+                <a:cs typeface="Arial" panose="020B0604020202020204" pitchFamily="34" charset="0"/>
               </a:defRPr>
             </a:lvl1pPr>
           </a:lstStyle>
           <a:p>
             <a:fld id="{2D00CA07-45C7-8142-9F4D-3A07AD48DFA1}" type="slidenum">
               <a:rPr lang="en-US" smtClean="0"/>
+              <a:pPr/>
               <a:t>‹#›</a:t>
             </a:fld>
-            <a:endParaRPr lang="en-US"/>
+            <a:endParaRPr lang="en-US" dirty="0"/>
           </a:p>
         </p:txBody>
       </p:sp>
@@ -3060,6 +3421,7 @@
     <p:sldLayoutId id="2147483658" r:id="rId10"/>
     <p:sldLayoutId id="2147483659" r:id="rId11"/>
   </p:sldLayoutIdLst>
+  <p:hf hdr="0" ftr="0" dt="0"/>
   <p:txStyles>
     <p:titleStyle>
       <a:lvl1pPr algn="l" defTabSz="914400" rtl="0" eaLnBrk="1" latinLnBrk="0" hangingPunct="1">
@@ -3384,7 +3746,7 @@
           <a:lstStyle/>
           <a:p>
             <a:r>
-              <a:rPr lang="en-US" sz="4800" dirty="0">
+              <a:rPr lang="en-US" sz="4800" b="1" dirty="0">
                 <a:latin typeface="Arial" panose="020B0604020202020204" pitchFamily="34" charset="0"/>
                 <a:cs typeface="Arial" panose="020B0604020202020204" pitchFamily="34" charset="0"/>
               </a:rPr>
@@ -3424,10 +3786,329 @@
           </a:p>
         </p:txBody>
       </p:sp>
+      <p:sp>
+        <p:nvSpPr>
+          <p:cNvPr id="5" name="Slide Number Placeholder 4">
+            <a:extLst>
+              <a:ext uri="{FF2B5EF4-FFF2-40B4-BE49-F238E27FC236}">
+                <a16:creationId xmlns:a16="http://schemas.microsoft.com/office/drawing/2014/main" id="{2C9CDC5C-02CF-3F40-801E-F1FE2B062A18}"/>
+              </a:ext>
+            </a:extLst>
+          </p:cNvPr>
+          <p:cNvSpPr>
+            <a:spLocks noGrp="1"/>
+          </p:cNvSpPr>
+          <p:nvPr>
+            <p:ph type="sldNum" sz="quarter" idx="12"/>
+          </p:nvPr>
+        </p:nvSpPr>
+        <p:spPr/>
+        <p:txBody>
+          <a:bodyPr/>
+          <a:lstStyle/>
+          <a:p>
+            <a:fld id="{2D00CA07-45C7-8142-9F4D-3A07AD48DFA1}" type="slidenum">
+              <a:rPr lang="en-US" smtClean="0"/>
+              <a:t>1</a:t>
+            </a:fld>
+            <a:endParaRPr lang="en-US"/>
+          </a:p>
+        </p:txBody>
+      </p:sp>
+      <p:sp>
+        <p:nvSpPr>
+          <p:cNvPr id="6" name="Rectangle 5">
+            <a:extLst>
+              <a:ext uri="{FF2B5EF4-FFF2-40B4-BE49-F238E27FC236}">
+                <a16:creationId xmlns:a16="http://schemas.microsoft.com/office/drawing/2014/main" id="{B50B0B4A-6F3A-9F4B-A708-85A28F48E867}"/>
+              </a:ext>
+            </a:extLst>
+          </p:cNvPr>
+          <p:cNvSpPr/>
+          <p:nvPr/>
+        </p:nvSpPr>
+        <p:spPr>
+          <a:xfrm>
+            <a:off x="11568608" y="6356350"/>
+            <a:ext cx="438944" cy="313010"/>
+          </a:xfrm>
+          <a:prstGeom prst="rect">
+            <a:avLst/>
+          </a:prstGeom>
+          <a:solidFill>
+            <a:schemeClr val="bg1"/>
+          </a:solidFill>
+          <a:ln>
+            <a:noFill/>
+          </a:ln>
+        </p:spPr>
+        <p:style>
+          <a:lnRef idx="2">
+            <a:schemeClr val="accent1">
+              <a:shade val="50000"/>
+            </a:schemeClr>
+          </a:lnRef>
+          <a:fillRef idx="1">
+            <a:schemeClr val="accent1"/>
+          </a:fillRef>
+          <a:effectRef idx="0">
+            <a:schemeClr val="accent1"/>
+          </a:effectRef>
+          <a:fontRef idx="minor">
+            <a:schemeClr val="lt1"/>
+          </a:fontRef>
+        </p:style>
+        <p:txBody>
+          <a:bodyPr rtlCol="0" anchor="ctr"/>
+          <a:lstStyle/>
+          <a:p>
+            <a:pPr algn="ctr"/>
+            <a:endParaRPr lang="en-US"/>
+          </a:p>
+        </p:txBody>
+      </p:sp>
     </p:spTree>
     <p:extLst>
       <p:ext uri="{BB962C8B-B14F-4D97-AF65-F5344CB8AC3E}">
         <p14:creationId xmlns:p14="http://schemas.microsoft.com/office/powerpoint/2010/main" val="3005639951"/>
+      </p:ext>
+    </p:extLst>
+  </p:cSld>
+  <p:clrMapOvr>
+    <a:masterClrMapping/>
+  </p:clrMapOvr>
+</p:sld>
+</file>
+
+<file path=ppt/slides/slide2.xml><?xml version="1.0" encoding="utf-8"?>
+<p:sld xmlns:a="http://schemas.openxmlformats.org/drawingml/2006/main" xmlns:r="http://schemas.openxmlformats.org/officeDocument/2006/relationships" xmlns:p="http://schemas.openxmlformats.org/presentationml/2006/main">
+  <p:cSld>
+    <p:spTree>
+      <p:nvGrpSpPr>
+        <p:cNvPr id="1" name=""/>
+        <p:cNvGrpSpPr/>
+        <p:nvPr/>
+      </p:nvGrpSpPr>
+      <p:grpSpPr>
+        <a:xfrm>
+          <a:off x="0" y="0"/>
+          <a:ext cx="0" cy="0"/>
+          <a:chOff x="0" y="0"/>
+          <a:chExt cx="0" cy="0"/>
+        </a:xfrm>
+      </p:grpSpPr>
+      <p:sp>
+        <p:nvSpPr>
+          <p:cNvPr id="2" name="Slide Number Placeholder 1">
+            <a:extLst>
+              <a:ext uri="{FF2B5EF4-FFF2-40B4-BE49-F238E27FC236}">
+                <a16:creationId xmlns:a16="http://schemas.microsoft.com/office/drawing/2014/main" id="{B854B1D3-9D48-284F-B62E-6BB1A876D3F8}"/>
+              </a:ext>
+            </a:extLst>
+          </p:cNvPr>
+          <p:cNvSpPr>
+            <a:spLocks noGrp="1"/>
+          </p:cNvSpPr>
+          <p:nvPr>
+            <p:ph type="sldNum" sz="quarter" idx="12"/>
+          </p:nvPr>
+        </p:nvSpPr>
+        <p:spPr/>
+        <p:txBody>
+          <a:bodyPr/>
+          <a:lstStyle/>
+          <a:p>
+            <a:fld id="{2D00CA07-45C7-8142-9F4D-3A07AD48DFA1}" type="slidenum">
+              <a:rPr lang="en-US" smtClean="0"/>
+              <a:t>2</a:t>
+            </a:fld>
+            <a:endParaRPr lang="en-US"/>
+          </a:p>
+        </p:txBody>
+      </p:sp>
+      <p:sp>
+        <p:nvSpPr>
+          <p:cNvPr id="3" name="TextBox 2">
+            <a:extLst>
+              <a:ext uri="{FF2B5EF4-FFF2-40B4-BE49-F238E27FC236}">
+                <a16:creationId xmlns:a16="http://schemas.microsoft.com/office/drawing/2014/main" id="{A70D8A1C-105A-C94A-A36B-D18710BCC2CD}"/>
+              </a:ext>
+            </a:extLst>
+          </p:cNvPr>
+          <p:cNvSpPr txBox="1"/>
+          <p:nvPr/>
+        </p:nvSpPr>
+        <p:spPr>
+          <a:xfrm>
+            <a:off x="767408" y="548680"/>
+            <a:ext cx="617157" cy="369332"/>
+          </a:xfrm>
+          <a:prstGeom prst="rect">
+            <a:avLst/>
+          </a:prstGeom>
+          <a:noFill/>
+        </p:spPr>
+        <p:txBody>
+          <a:bodyPr wrap="none" lIns="0" tIns="0" rIns="0" bIns="0" rtlCol="0">
+            <a:spAutoFit/>
+          </a:bodyPr>
+          <a:lstStyle/>
+          <a:p>
+            <a:pPr algn="l"/>
+            <a:r>
+              <a:rPr lang="en-US" sz="2400" dirty="0">
+                <a:latin typeface="Arial" panose="020B0604020202020204" pitchFamily="34" charset="0"/>
+                <a:cs typeface="Arial" panose="020B0604020202020204" pitchFamily="34" charset="0"/>
+              </a:rPr>
+              <a:t>Plan</a:t>
+            </a:r>
+          </a:p>
+        </p:txBody>
+      </p:sp>
+    </p:spTree>
+    <p:extLst>
+      <p:ext uri="{BB962C8B-B14F-4D97-AF65-F5344CB8AC3E}">
+        <p14:creationId xmlns:p14="http://schemas.microsoft.com/office/powerpoint/2010/main" val="1506158686"/>
+      </p:ext>
+    </p:extLst>
+  </p:cSld>
+  <p:clrMapOvr>
+    <a:masterClrMapping/>
+  </p:clrMapOvr>
+</p:sld>
+</file>
+
+<file path=ppt/slides/slide3.xml><?xml version="1.0" encoding="utf-8"?>
+<p:sld xmlns:a="http://schemas.openxmlformats.org/drawingml/2006/main" xmlns:r="http://schemas.openxmlformats.org/officeDocument/2006/relationships" xmlns:p="http://schemas.openxmlformats.org/presentationml/2006/main" show="0">
+  <p:cSld>
+    <p:spTree>
+      <p:nvGrpSpPr>
+        <p:cNvPr id="1" name=""/>
+        <p:cNvGrpSpPr/>
+        <p:nvPr/>
+      </p:nvGrpSpPr>
+      <p:grpSpPr>
+        <a:xfrm>
+          <a:off x="0" y="0"/>
+          <a:ext cx="0" cy="0"/>
+          <a:chOff x="0" y="0"/>
+          <a:chExt cx="0" cy="0"/>
+        </a:xfrm>
+      </p:grpSpPr>
+      <p:sp>
+        <p:nvSpPr>
+          <p:cNvPr id="2" name="Slide Number Placeholder 1">
+            <a:extLst>
+              <a:ext uri="{FF2B5EF4-FFF2-40B4-BE49-F238E27FC236}">
+                <a16:creationId xmlns:a16="http://schemas.microsoft.com/office/drawing/2014/main" id="{9B12371F-989E-EE43-B20F-90E48B433F0A}"/>
+              </a:ext>
+            </a:extLst>
+          </p:cNvPr>
+          <p:cNvSpPr>
+            <a:spLocks noGrp="1"/>
+          </p:cNvSpPr>
+          <p:nvPr>
+            <p:ph type="sldNum" sz="quarter" idx="12"/>
+          </p:nvPr>
+        </p:nvSpPr>
+        <p:spPr/>
+        <p:txBody>
+          <a:bodyPr/>
+          <a:lstStyle/>
+          <a:p>
+            <a:fld id="{2D00CA07-45C7-8142-9F4D-3A07AD48DFA1}" type="slidenum">
+              <a:rPr lang="en-US" smtClean="0"/>
+              <a:t>3</a:t>
+            </a:fld>
+            <a:endParaRPr lang="en-US"/>
+          </a:p>
+        </p:txBody>
+      </p:sp>
+      <p:sp>
+        <p:nvSpPr>
+          <p:cNvPr id="3" name="TextBox 2">
+            <a:extLst>
+              <a:ext uri="{FF2B5EF4-FFF2-40B4-BE49-F238E27FC236}">
+                <a16:creationId xmlns:a16="http://schemas.microsoft.com/office/drawing/2014/main" id="{2B4E9B55-4425-2740-A108-76FF69BA3D12}"/>
+              </a:ext>
+            </a:extLst>
+          </p:cNvPr>
+          <p:cNvSpPr txBox="1"/>
+          <p:nvPr/>
+        </p:nvSpPr>
+        <p:spPr>
+          <a:xfrm>
+            <a:off x="460713" y="332656"/>
+            <a:ext cx="2915542" cy="553998"/>
+          </a:xfrm>
+          <a:prstGeom prst="rect">
+            <a:avLst/>
+          </a:prstGeom>
+          <a:noFill/>
+        </p:spPr>
+        <p:txBody>
+          <a:bodyPr wrap="none" lIns="0" tIns="0" rIns="0" bIns="0" rtlCol="0">
+            <a:spAutoFit/>
+          </a:bodyPr>
+          <a:lstStyle/>
+          <a:p>
+            <a:r>
+              <a:rPr lang="en-US" sz="3600" b="1" dirty="0">
+                <a:latin typeface="Arial" panose="020B0604020202020204" pitchFamily="34" charset="0"/>
+                <a:cs typeface="Arial" panose="020B0604020202020204" pitchFamily="34" charset="0"/>
+              </a:rPr>
+              <a:t>This is a Title</a:t>
+            </a:r>
+          </a:p>
+        </p:txBody>
+      </p:sp>
+      <p:cxnSp>
+        <p:nvCxnSpPr>
+          <p:cNvPr id="4" name="Straight Connector 3">
+            <a:extLst>
+              <a:ext uri="{FF2B5EF4-FFF2-40B4-BE49-F238E27FC236}">
+                <a16:creationId xmlns:a16="http://schemas.microsoft.com/office/drawing/2014/main" id="{CFDF23E1-C7BD-4C48-9E8A-53704A4D662C}"/>
+              </a:ext>
+            </a:extLst>
+          </p:cNvPr>
+          <p:cNvCxnSpPr>
+            <a:cxnSpLocks/>
+          </p:cNvCxnSpPr>
+          <p:nvPr/>
+        </p:nvCxnSpPr>
+        <p:spPr>
+          <a:xfrm>
+            <a:off x="460714" y="886654"/>
+            <a:ext cx="11270573" cy="0"/>
+          </a:xfrm>
+          <a:prstGeom prst="line">
+            <a:avLst/>
+          </a:prstGeom>
+          <a:ln w="38100">
+            <a:solidFill>
+              <a:schemeClr val="tx1"/>
+            </a:solidFill>
+          </a:ln>
+        </p:spPr>
+        <p:style>
+          <a:lnRef idx="1">
+            <a:schemeClr val="accent1"/>
+          </a:lnRef>
+          <a:fillRef idx="0">
+            <a:schemeClr val="accent1"/>
+          </a:fillRef>
+          <a:effectRef idx="0">
+            <a:schemeClr val="accent1"/>
+          </a:effectRef>
+          <a:fontRef idx="minor">
+            <a:schemeClr val="tx1"/>
+          </a:fontRef>
+        </p:style>
+      </p:cxnSp>
+    </p:spTree>
+    <p:extLst>
+      <p:ext uri="{BB962C8B-B14F-4D97-AF65-F5344CB8AC3E}">
+        <p14:creationId xmlns:p14="http://schemas.microsoft.com/office/powerpoint/2010/main" val="1887103581"/>
       </p:ext>
     </p:extLst>
   </p:cSld>
@@ -3722,7 +4403,24 @@
       </a:bgFillStyleLst>
     </a:fmtScheme>
   </a:themeElements>
-  <a:objectDefaults/>
+  <a:objectDefaults>
+    <a:txDef>
+      <a:spPr>
+        <a:noFill/>
+      </a:spPr>
+      <a:bodyPr wrap="none" lIns="0" tIns="0" rIns="0" bIns="0" rtlCol="0">
+        <a:spAutoFit/>
+      </a:bodyPr>
+      <a:lstStyle>
+        <a:defPPr algn="l">
+          <a:defRPr sz="2400" dirty="0" smtClean="0">
+            <a:latin typeface="Arial" panose="020B0604020202020204" pitchFamily="34" charset="0"/>
+            <a:cs typeface="Arial" panose="020B0604020202020204" pitchFamily="34" charset="0"/>
+          </a:defRPr>
+        </a:defPPr>
+      </a:lstStyle>
+    </a:txDef>
+  </a:objectDefaults>
   <a:extraClrSchemeLst/>
   <a:extLst>
     <a:ext uri="{05A4C25C-085E-4340-85A3-A5531E510DB2}">
@@ -3730,4 +4428,299 @@
     </a:ext>
   </a:extLst>
 </a:theme>
+</file>
+
+<file path=ppt/theme/theme2.xml><?xml version="1.0" encoding="utf-8"?>
+<a:theme xmlns:a="http://schemas.openxmlformats.org/drawingml/2006/main" name="Office Theme">
+  <a:themeElements>
+    <a:clrScheme name="Office">
+      <a:dk1>
+        <a:sysClr val="windowText" lastClr="000000"/>
+      </a:dk1>
+      <a:lt1>
+        <a:sysClr val="window" lastClr="FFFFFF"/>
+      </a:lt1>
+      <a:dk2>
+        <a:srgbClr val="44546A"/>
+      </a:dk2>
+      <a:lt2>
+        <a:srgbClr val="E7E6E6"/>
+      </a:lt2>
+      <a:accent1>
+        <a:srgbClr val="4472C4"/>
+      </a:accent1>
+      <a:accent2>
+        <a:srgbClr val="ED7D31"/>
+      </a:accent2>
+      <a:accent3>
+        <a:srgbClr val="A5A5A5"/>
+      </a:accent3>
+      <a:accent4>
+        <a:srgbClr val="FFC000"/>
+      </a:accent4>
+      <a:accent5>
+        <a:srgbClr val="5B9BD5"/>
+      </a:accent5>
+      <a:accent6>
+        <a:srgbClr val="70AD47"/>
+      </a:accent6>
+      <a:hlink>
+        <a:srgbClr val="0563C1"/>
+      </a:hlink>
+      <a:folHlink>
+        <a:srgbClr val="954F72"/>
+      </a:folHlink>
+    </a:clrScheme>
+    <a:fontScheme name="Office">
+      <a:majorFont>
+        <a:latin typeface="Calibri Light" panose="020F0302020204030204"/>
+        <a:ea typeface=""/>
+        <a:cs typeface=""/>
+        <a:font script="Jpan" typeface="游ゴシック Light"/>
+        <a:font script="Hang" typeface="맑은 고딕"/>
+        <a:font script="Hans" typeface="等线 Light"/>
+        <a:font script="Hant" typeface="新細明體"/>
+        <a:font script="Arab" typeface="Times New Roman"/>
+        <a:font script="Hebr" typeface="Times New Roman"/>
+        <a:font script="Thai" typeface="Angsana New"/>
+        <a:font script="Ethi" typeface="Nyala"/>
+        <a:font script="Beng" typeface="Vrinda"/>
+        <a:font script="Gujr" typeface="Shruti"/>
+        <a:font script="Khmr" typeface="MoolBoran"/>
+        <a:font script="Knda" typeface="Tunga"/>
+        <a:font script="Guru" typeface="Raavi"/>
+        <a:font script="Cans" typeface="Euphemia"/>
+        <a:font script="Cher" typeface="Plantagenet Cherokee"/>
+        <a:font script="Yiii" typeface="Microsoft Yi Baiti"/>
+        <a:font script="Tibt" typeface="Microsoft Himalaya"/>
+        <a:font script="Thaa" typeface="MV Boli"/>
+        <a:font script="Deva" typeface="Mangal"/>
+        <a:font script="Telu" typeface="Gautami"/>
+        <a:font script="Taml" typeface="Latha"/>
+        <a:font script="Syrc" typeface="Estrangelo Edessa"/>
+        <a:font script="Orya" typeface="Kalinga"/>
+        <a:font script="Mlym" typeface="Kartika"/>
+        <a:font script="Laoo" typeface="DokChampa"/>
+        <a:font script="Sinh" typeface="Iskoola Pota"/>
+        <a:font script="Mong" typeface="Mongolian Baiti"/>
+        <a:font script="Viet" typeface="Times New Roman"/>
+        <a:font script="Uigh" typeface="Microsoft Uighur"/>
+        <a:font script="Geor" typeface="Sylfaen"/>
+        <a:font script="Armn" typeface="Arial"/>
+        <a:font script="Bugi" typeface="Leelawadee UI"/>
+        <a:font script="Bopo" typeface="Microsoft JhengHei"/>
+        <a:font script="Java" typeface="Javanese Text"/>
+        <a:font script="Lisu" typeface="Segoe UI"/>
+        <a:font script="Mymr" typeface="Myanmar Text"/>
+        <a:font script="Nkoo" typeface="Ebrima"/>
+        <a:font script="Olck" typeface="Nirmala UI"/>
+        <a:font script="Osma" typeface="Ebrima"/>
+        <a:font script="Phag" typeface="Phagspa"/>
+        <a:font script="Syrn" typeface="Estrangelo Edessa"/>
+        <a:font script="Syrj" typeface="Estrangelo Edessa"/>
+        <a:font script="Syre" typeface="Estrangelo Edessa"/>
+        <a:font script="Sora" typeface="Nirmala UI"/>
+        <a:font script="Tale" typeface="Microsoft Tai Le"/>
+        <a:font script="Talu" typeface="Microsoft New Tai Lue"/>
+        <a:font script="Tfng" typeface="Ebrima"/>
+      </a:majorFont>
+      <a:minorFont>
+        <a:latin typeface="Calibri" panose="020F0502020204030204"/>
+        <a:ea typeface=""/>
+        <a:cs typeface=""/>
+        <a:font script="Jpan" typeface="游ゴシック"/>
+        <a:font script="Hang" typeface="맑은 고딕"/>
+        <a:font script="Hans" typeface="等线"/>
+        <a:font script="Hant" typeface="新細明體"/>
+        <a:font script="Arab" typeface="Arial"/>
+        <a:font script="Hebr" typeface="Arial"/>
+        <a:font script="Thai" typeface="Cordia New"/>
+        <a:font script="Ethi" typeface="Nyala"/>
+        <a:font script="Beng" typeface="Vrinda"/>
+        <a:font script="Gujr" typeface="Shruti"/>
+        <a:font script="Khmr" typeface="DaunPenh"/>
+        <a:font script="Knda" typeface="Tunga"/>
+        <a:font script="Guru" typeface="Raavi"/>
+        <a:font script="Cans" typeface="Euphemia"/>
+        <a:font script="Cher" typeface="Plantagenet Cherokee"/>
+        <a:font script="Yiii" typeface="Microsoft Yi Baiti"/>
+        <a:font script="Tibt" typeface="Microsoft Himalaya"/>
+        <a:font script="Thaa" typeface="MV Boli"/>
+        <a:font script="Deva" typeface="Mangal"/>
+        <a:font script="Telu" typeface="Gautami"/>
+        <a:font script="Taml" typeface="Latha"/>
+        <a:font script="Syrc" typeface="Estrangelo Edessa"/>
+        <a:font script="Orya" typeface="Kalinga"/>
+        <a:font script="Mlym" typeface="Kartika"/>
+        <a:font script="Laoo" typeface="DokChampa"/>
+        <a:font script="Sinh" typeface="Iskoola Pota"/>
+        <a:font script="Mong" typeface="Mongolian Baiti"/>
+        <a:font script="Viet" typeface="Arial"/>
+        <a:font script="Uigh" typeface="Microsoft Uighur"/>
+        <a:font script="Geor" typeface="Sylfaen"/>
+        <a:font script="Armn" typeface="Arial"/>
+        <a:font script="Bugi" typeface="Leelawadee UI"/>
+        <a:font script="Bopo" typeface="Microsoft JhengHei"/>
+        <a:font script="Java" typeface="Javanese Text"/>
+        <a:font script="Lisu" typeface="Segoe UI"/>
+        <a:font script="Mymr" typeface="Myanmar Text"/>
+        <a:font script="Nkoo" typeface="Ebrima"/>
+        <a:font script="Olck" typeface="Nirmala UI"/>
+        <a:font script="Osma" typeface="Ebrima"/>
+        <a:font script="Phag" typeface="Phagspa"/>
+        <a:font script="Syrn" typeface="Estrangelo Edessa"/>
+        <a:font script="Syrj" typeface="Estrangelo Edessa"/>
+        <a:font script="Syre" typeface="Estrangelo Edessa"/>
+        <a:font script="Sora" typeface="Nirmala UI"/>
+        <a:font script="Tale" typeface="Microsoft Tai Le"/>
+        <a:font script="Talu" typeface="Microsoft New Tai Lue"/>
+        <a:font script="Tfng" typeface="Ebrima"/>
+      </a:minorFont>
+    </a:fontScheme>
+    <a:fmtScheme name="Office">
+      <a:fillStyleLst>
+        <a:solidFill>
+          <a:schemeClr val="phClr"/>
+        </a:solidFill>
+        <a:gradFill rotWithShape="1">
+          <a:gsLst>
+            <a:gs pos="0">
+              <a:schemeClr val="phClr">
+                <a:lumMod val="110000"/>
+                <a:satMod val="105000"/>
+                <a:tint val="67000"/>
+              </a:schemeClr>
+            </a:gs>
+            <a:gs pos="50000">
+              <a:schemeClr val="phClr">
+                <a:lumMod val="105000"/>
+                <a:satMod val="103000"/>
+                <a:tint val="73000"/>
+              </a:schemeClr>
+            </a:gs>
+            <a:gs pos="100000">
+              <a:schemeClr val="phClr">
+                <a:lumMod val="105000"/>
+                <a:satMod val="109000"/>
+                <a:tint val="81000"/>
+              </a:schemeClr>
+            </a:gs>
+          </a:gsLst>
+          <a:lin ang="5400000" scaled="0"/>
+        </a:gradFill>
+        <a:gradFill rotWithShape="1">
+          <a:gsLst>
+            <a:gs pos="0">
+              <a:schemeClr val="phClr">
+                <a:satMod val="103000"/>
+                <a:lumMod val="102000"/>
+                <a:tint val="94000"/>
+              </a:schemeClr>
+            </a:gs>
+            <a:gs pos="50000">
+              <a:schemeClr val="phClr">
+                <a:satMod val="110000"/>
+                <a:lumMod val="100000"/>
+                <a:shade val="100000"/>
+              </a:schemeClr>
+            </a:gs>
+            <a:gs pos="100000">
+              <a:schemeClr val="phClr">
+                <a:lumMod val="99000"/>
+                <a:satMod val="120000"/>
+                <a:shade val="78000"/>
+              </a:schemeClr>
+            </a:gs>
+          </a:gsLst>
+          <a:lin ang="5400000" scaled="0"/>
+        </a:gradFill>
+      </a:fillStyleLst>
+      <a:lnStyleLst>
+        <a:ln w="6350" cap="flat" cmpd="sng" algn="ctr">
+          <a:solidFill>
+            <a:schemeClr val="phClr"/>
+          </a:solidFill>
+          <a:prstDash val="solid"/>
+          <a:miter lim="800000"/>
+        </a:ln>
+        <a:ln w="12700" cap="flat" cmpd="sng" algn="ctr">
+          <a:solidFill>
+            <a:schemeClr val="phClr"/>
+          </a:solidFill>
+          <a:prstDash val="solid"/>
+          <a:miter lim="800000"/>
+        </a:ln>
+        <a:ln w="19050" cap="flat" cmpd="sng" algn="ctr">
+          <a:solidFill>
+            <a:schemeClr val="phClr"/>
+          </a:solidFill>
+          <a:prstDash val="solid"/>
+          <a:miter lim="800000"/>
+        </a:ln>
+      </a:lnStyleLst>
+      <a:effectStyleLst>
+        <a:effectStyle>
+          <a:effectLst/>
+        </a:effectStyle>
+        <a:effectStyle>
+          <a:effectLst/>
+        </a:effectStyle>
+        <a:effectStyle>
+          <a:effectLst>
+            <a:outerShdw blurRad="57150" dist="19050" dir="5400000" algn="ctr" rotWithShape="0">
+              <a:srgbClr val="000000">
+                <a:alpha val="63000"/>
+              </a:srgbClr>
+            </a:outerShdw>
+          </a:effectLst>
+        </a:effectStyle>
+      </a:effectStyleLst>
+      <a:bgFillStyleLst>
+        <a:solidFill>
+          <a:schemeClr val="phClr"/>
+        </a:solidFill>
+        <a:solidFill>
+          <a:schemeClr val="phClr">
+            <a:tint val="95000"/>
+            <a:satMod val="170000"/>
+          </a:schemeClr>
+        </a:solidFill>
+        <a:gradFill rotWithShape="1">
+          <a:gsLst>
+            <a:gs pos="0">
+              <a:schemeClr val="phClr">
+                <a:tint val="93000"/>
+                <a:satMod val="150000"/>
+                <a:shade val="98000"/>
+                <a:lumMod val="102000"/>
+              </a:schemeClr>
+            </a:gs>
+            <a:gs pos="50000">
+              <a:schemeClr val="phClr">
+                <a:tint val="98000"/>
+                <a:satMod val="130000"/>
+                <a:shade val="90000"/>
+                <a:lumMod val="103000"/>
+              </a:schemeClr>
+            </a:gs>
+            <a:gs pos="100000">
+              <a:schemeClr val="phClr">
+                <a:shade val="63000"/>
+                <a:satMod val="120000"/>
+              </a:schemeClr>
+            </a:gs>
+          </a:gsLst>
+          <a:lin ang="5400000" scaled="0"/>
+        </a:gradFill>
+      </a:bgFillStyleLst>
+    </a:fmtScheme>
+  </a:themeElements>
+  <a:objectDefaults/>
+  <a:extraClrSchemeLst/>
+  <a:extLst>
+    <a:ext uri="{05A4C25C-085E-4340-85A3-A5531E510DB2}">
+      <thm15:themeFamily xmlns:thm15="http://schemas.microsoft.com/office/thememl/2012/main" name="Office Theme" id="{62F939B6-93AF-4DB8-9C6B-D6C7DFDC589F}" vid="{4A3C46E8-61CC-4603-A589-7422A47A8E4A}"/>
+    </a:ext>
+  </a:extLst>
+</a:theme>
 </file>
--- a/Presentation/slide_deck.pptx
+++ b/Presentation/slide_deck.pptx
@@ -5,12 +5,14 @@
     <p:sldMasterId id="2147483648" r:id="rId1"/>
   </p:sldMasterIdLst>
   <p:notesMasterIdLst>
-    <p:notesMasterId r:id="rId5"/>
+    <p:notesMasterId r:id="rId7"/>
   </p:notesMasterIdLst>
   <p:sldIdLst>
     <p:sldId id="256" r:id="rId2"/>
     <p:sldId id="260" r:id="rId3"/>
-    <p:sldId id="259" r:id="rId4"/>
+    <p:sldId id="262" r:id="rId4"/>
+    <p:sldId id="261" r:id="rId5"/>
+    <p:sldId id="259" r:id="rId6"/>
   </p:sldIdLst>
   <p:sldSz cx="12192000" cy="6858000"/>
   <p:notesSz cx="6858000" cy="9144000"/>
@@ -3881,7 +3883,7 @@
 </file>
 
 <file path=ppt/slides/slide2.xml><?xml version="1.0" encoding="utf-8"?>
-<p:sld xmlns:a="http://schemas.openxmlformats.org/drawingml/2006/main" xmlns:r="http://schemas.openxmlformats.org/officeDocument/2006/relationships" xmlns:p="http://schemas.openxmlformats.org/presentationml/2006/main">
+<p:sld xmlns:a="http://schemas.openxmlformats.org/drawingml/2006/main" xmlns:r="http://schemas.openxmlformats.org/officeDocument/2006/relationships" xmlns:p="http://schemas.openxmlformats.org/presentationml/2006/main" show="0">
   <p:cSld>
     <p:spTree>
       <p:nvGrpSpPr>
@@ -3941,7 +3943,7 @@
         <p:spPr>
           <a:xfrm>
             <a:off x="767408" y="548680"/>
-            <a:ext cx="617157" cy="369332"/>
+            <a:ext cx="1436291" cy="369332"/>
           </a:xfrm>
           <a:prstGeom prst="rect">
             <a:avLst/>
@@ -3960,11 +3962,403 @@
                 <a:latin typeface="Arial" panose="020B0604020202020204" pitchFamily="34" charset="0"/>
                 <a:cs typeface="Arial" panose="020B0604020202020204" pitchFamily="34" charset="0"/>
               </a:rPr>
-              <a:t>Plan</a:t>
-            </a:r>
-          </a:p>
-        </p:txBody>
-      </p:sp>
+              <a:t>Plan Part I</a:t>
+            </a:r>
+          </a:p>
+        </p:txBody>
+      </p:sp>
+      <p:sp>
+        <p:nvSpPr>
+          <p:cNvPr id="4" name="TextBox 3">
+            <a:extLst>
+              <a:ext uri="{FF2B5EF4-FFF2-40B4-BE49-F238E27FC236}">
+                <a16:creationId xmlns:a16="http://schemas.microsoft.com/office/drawing/2014/main" id="{F82EC506-50BC-A44E-B49E-761346717201}"/>
+              </a:ext>
+            </a:extLst>
+          </p:cNvPr>
+          <p:cNvSpPr txBox="1"/>
+          <p:nvPr/>
+        </p:nvSpPr>
+        <p:spPr>
+          <a:xfrm>
+            <a:off x="551384" y="1089741"/>
+            <a:ext cx="10913971" cy="6771084"/>
+          </a:xfrm>
+          <a:prstGeom prst="rect">
+            <a:avLst/>
+          </a:prstGeom>
+          <a:noFill/>
+        </p:spPr>
+        <p:txBody>
+          <a:bodyPr wrap="square" lIns="0" tIns="0" rIns="0" bIns="0" rtlCol="0">
+            <a:spAutoFit/>
+          </a:bodyPr>
+          <a:lstStyle/>
+          <a:p>
+            <a:pPr algn="l"/>
+            <a:r>
+              <a:rPr lang="en-US" sz="2000" b="1" dirty="0">
+                <a:latin typeface="Arial" panose="020B0604020202020204" pitchFamily="34" charset="0"/>
+                <a:cs typeface="Arial" panose="020B0604020202020204" pitchFamily="34" charset="0"/>
+              </a:rPr>
+              <a:t>EDA</a:t>
+            </a:r>
+          </a:p>
+          <a:p>
+            <a:pPr marL="342900" indent="-342900" algn="l">
+              <a:buFontTx/>
+              <a:buChar char="-"/>
+            </a:pPr>
+            <a:r>
+              <a:rPr lang="en-US" sz="2000" dirty="0">
+                <a:latin typeface="Arial" panose="020B0604020202020204" pitchFamily="34" charset="0"/>
+                <a:cs typeface="Arial" panose="020B0604020202020204" pitchFamily="34" charset="0"/>
+              </a:rPr>
+              <a:t>Pretty plot</a:t>
+            </a:r>
+          </a:p>
+          <a:p>
+            <a:pPr algn="l"/>
+            <a:endParaRPr lang="en-US" sz="2000" b="1" dirty="0">
+              <a:latin typeface="Arial" panose="020B0604020202020204" pitchFamily="34" charset="0"/>
+              <a:cs typeface="Arial" panose="020B0604020202020204" pitchFamily="34" charset="0"/>
+            </a:endParaRPr>
+          </a:p>
+          <a:p>
+            <a:pPr algn="l"/>
+            <a:r>
+              <a:rPr lang="en-US" sz="2000" b="1" dirty="0">
+                <a:latin typeface="Arial" panose="020B0604020202020204" pitchFamily="34" charset="0"/>
+                <a:cs typeface="Arial" panose="020B0604020202020204" pitchFamily="34" charset="0"/>
+              </a:rPr>
+              <a:t>Experiments</a:t>
+            </a:r>
+          </a:p>
+          <a:p>
+            <a:pPr marL="342900" indent="-342900" algn="l">
+              <a:buFontTx/>
+              <a:buChar char="-"/>
+            </a:pPr>
+            <a:r>
+              <a:rPr lang="en-US" sz="2000" dirty="0">
+                <a:latin typeface="Arial" panose="020B0604020202020204" pitchFamily="34" charset="0"/>
+                <a:cs typeface="Arial" panose="020B0604020202020204" pitchFamily="34" charset="0"/>
+              </a:rPr>
+              <a:t>Issues with re78 (zero inflation)</a:t>
+            </a:r>
+          </a:p>
+          <a:p>
+            <a:pPr algn="l"/>
+            <a:endParaRPr lang="en-US" sz="2000" b="1" dirty="0">
+              <a:latin typeface="Arial" panose="020B0604020202020204" pitchFamily="34" charset="0"/>
+              <a:cs typeface="Arial" panose="020B0604020202020204" pitchFamily="34" charset="0"/>
+            </a:endParaRPr>
+          </a:p>
+          <a:p>
+            <a:pPr algn="l"/>
+            <a:r>
+              <a:rPr lang="en-US" sz="2000" b="1" dirty="0">
+                <a:latin typeface="Arial" panose="020B0604020202020204" pitchFamily="34" charset="0"/>
+                <a:cs typeface="Arial" panose="020B0604020202020204" pitchFamily="34" charset="0"/>
+              </a:rPr>
+              <a:t>Process description</a:t>
+            </a:r>
+          </a:p>
+          <a:p>
+            <a:pPr marL="342900" indent="-342900" algn="l">
+              <a:buFontTx/>
+              <a:buChar char="-"/>
+            </a:pPr>
+            <a:r>
+              <a:rPr lang="en-US" sz="2000" dirty="0">
+                <a:latin typeface="Arial" panose="020B0604020202020204" pitchFamily="34" charset="0"/>
+                <a:cs typeface="Arial" panose="020B0604020202020204" pitchFamily="34" charset="0"/>
+              </a:rPr>
+              <a:t>Stepwise</a:t>
+            </a:r>
+          </a:p>
+          <a:p>
+            <a:pPr marL="800100" lvl="1" indent="-342900">
+              <a:buFontTx/>
+              <a:buChar char="-"/>
+            </a:pPr>
+            <a:r>
+              <a:rPr lang="en-US" sz="2000" dirty="0">
+                <a:latin typeface="Arial" panose="020B0604020202020204" pitchFamily="34" charset="0"/>
+                <a:cs typeface="Arial" panose="020B0604020202020204" pitchFamily="34" charset="0"/>
+              </a:rPr>
+              <a:t>Null: only treat</a:t>
+            </a:r>
+          </a:p>
+          <a:p>
+            <a:pPr marL="800100" lvl="1" indent="-342900">
+              <a:buFontTx/>
+              <a:buChar char="-"/>
+            </a:pPr>
+            <a:r>
+              <a:rPr lang="en-US" sz="2000" dirty="0">
+                <a:latin typeface="Arial" panose="020B0604020202020204" pitchFamily="34" charset="0"/>
+                <a:cs typeface="Arial" panose="020B0604020202020204" pitchFamily="34" charset="0"/>
+              </a:rPr>
+              <a:t>Full: All mean effects</a:t>
+            </a:r>
+          </a:p>
+          <a:p>
+            <a:pPr marL="800100" lvl="1" indent="-342900">
+              <a:buFontTx/>
+              <a:buChar char="-"/>
+            </a:pPr>
+            <a:r>
+              <a:rPr lang="en-US" sz="2000" dirty="0">
+                <a:latin typeface="Arial" panose="020B0604020202020204" pitchFamily="34" charset="0"/>
+                <a:cs typeface="Arial" panose="020B0604020202020204" pitchFamily="34" charset="0"/>
+              </a:rPr>
+              <a:t>Uses: treat + age + married</a:t>
+            </a:r>
+          </a:p>
+          <a:p>
+            <a:pPr marL="342900" indent="-342900">
+              <a:buFontTx/>
+              <a:buChar char="-"/>
+            </a:pPr>
+            <a:r>
+              <a:rPr lang="en-US" sz="2000" dirty="0">
+                <a:latin typeface="Arial" panose="020B0604020202020204" pitchFamily="34" charset="0"/>
+                <a:cs typeface="Arial" panose="020B0604020202020204" pitchFamily="34" charset="0"/>
+              </a:rPr>
+              <a:t>Test interactions of  these 3</a:t>
+            </a:r>
+          </a:p>
+          <a:p>
+            <a:pPr marL="800100" lvl="1" indent="-342900">
+              <a:buFontTx/>
+              <a:buChar char="-"/>
+            </a:pPr>
+            <a:r>
+              <a:rPr lang="en-US" sz="2000" dirty="0" err="1">
+                <a:latin typeface="Arial" panose="020B0604020202020204" pitchFamily="34" charset="0"/>
+                <a:cs typeface="Arial" panose="020B0604020202020204" pitchFamily="34" charset="0"/>
+              </a:rPr>
+              <a:t>Anova</a:t>
+            </a:r>
+            <a:r>
+              <a:rPr lang="en-US" sz="2000" dirty="0">
+                <a:latin typeface="Arial" panose="020B0604020202020204" pitchFamily="34" charset="0"/>
+                <a:cs typeface="Arial" panose="020B0604020202020204" pitchFamily="34" charset="0"/>
+              </a:rPr>
+              <a:t>: SIG: Treat x age | NS: Treat x married, married x age</a:t>
+            </a:r>
+          </a:p>
+          <a:p>
+            <a:pPr marL="342900" indent="-342900">
+              <a:buFontTx/>
+              <a:buChar char="-"/>
+            </a:pPr>
+            <a:r>
+              <a:rPr lang="en-US" sz="2000" dirty="0">
+                <a:latin typeface="Arial" panose="020B0604020202020204" pitchFamily="34" charset="0"/>
+                <a:cs typeface="Arial" panose="020B0604020202020204" pitchFamily="34" charset="0"/>
+              </a:rPr>
+              <a:t>Test interactions between demographic groups</a:t>
+            </a:r>
+          </a:p>
+          <a:p>
+            <a:pPr marL="800100" lvl="1" indent="-342900">
+              <a:buFontTx/>
+              <a:buChar char="-"/>
+            </a:pPr>
+            <a:r>
+              <a:rPr lang="en-US" sz="2000" dirty="0">
+                <a:latin typeface="Arial" panose="020B0604020202020204" pitchFamily="34" charset="0"/>
+                <a:cs typeface="Arial" panose="020B0604020202020204" pitchFamily="34" charset="0"/>
+              </a:rPr>
+              <a:t>No sig interactions for AIC result VS. AIC result + race x treat interaction</a:t>
+            </a:r>
+          </a:p>
+          <a:p>
+            <a:pPr marL="342900" indent="-342900">
+              <a:buFontTx/>
+              <a:buChar char="-"/>
+            </a:pPr>
+            <a:r>
+              <a:rPr lang="en-US" sz="2000" dirty="0">
+                <a:latin typeface="Arial" panose="020B0604020202020204" pitchFamily="34" charset="0"/>
+                <a:cs typeface="Arial" panose="020B0604020202020204" pitchFamily="34" charset="0"/>
+              </a:rPr>
+              <a:t>Model assessment</a:t>
+            </a:r>
+          </a:p>
+          <a:p>
+            <a:pPr marL="800100" lvl="1" indent="-342900">
+              <a:buFontTx/>
+              <a:buChar char="-"/>
+            </a:pPr>
+            <a:r>
+              <a:rPr lang="en-US" sz="2000" dirty="0" err="1">
+                <a:latin typeface="Arial" panose="020B0604020202020204" pitchFamily="34" charset="0"/>
+                <a:cs typeface="Arial" panose="020B0604020202020204" pitchFamily="34" charset="0"/>
+              </a:rPr>
+              <a:t>Nuice</a:t>
+            </a:r>
+            <a:r>
+              <a:rPr lang="en-US" sz="2000" dirty="0">
+                <a:latin typeface="Arial" panose="020B0604020202020204" pitchFamily="34" charset="0"/>
+                <a:cs typeface="Arial" panose="020B0604020202020204" pitchFamily="34" charset="0"/>
+              </a:rPr>
+              <a:t>, but a couple of outliers, they are not influential -&gt; ignore</a:t>
+            </a:r>
+          </a:p>
+          <a:p>
+            <a:pPr marL="800100" lvl="1" indent="-342900">
+              <a:buFontTx/>
+              <a:buChar char="-"/>
+            </a:pPr>
+            <a:endParaRPr lang="en-US" sz="2000" dirty="0">
+              <a:latin typeface="Arial" panose="020B0604020202020204" pitchFamily="34" charset="0"/>
+              <a:cs typeface="Arial" panose="020B0604020202020204" pitchFamily="34" charset="0"/>
+            </a:endParaRPr>
+          </a:p>
+          <a:p>
+            <a:pPr marL="800100" lvl="1" indent="-342900">
+              <a:buFontTx/>
+              <a:buChar char="-"/>
+            </a:pPr>
+            <a:endParaRPr lang="en-US" sz="2000" dirty="0">
+              <a:latin typeface="Arial" panose="020B0604020202020204" pitchFamily="34" charset="0"/>
+              <a:cs typeface="Arial" panose="020B0604020202020204" pitchFamily="34" charset="0"/>
+            </a:endParaRPr>
+          </a:p>
+          <a:p>
+            <a:pPr marL="800100" lvl="1" indent="-342900">
+              <a:buFontTx/>
+              <a:buChar char="-"/>
+            </a:pPr>
+            <a:endParaRPr lang="en-US" sz="2000" dirty="0">
+              <a:latin typeface="Arial" panose="020B0604020202020204" pitchFamily="34" charset="0"/>
+              <a:cs typeface="Arial" panose="020B0604020202020204" pitchFamily="34" charset="0"/>
+            </a:endParaRPr>
+          </a:p>
+          <a:p>
+            <a:pPr marL="342900" indent="-342900">
+              <a:buFontTx/>
+              <a:buChar char="-"/>
+            </a:pPr>
+            <a:endParaRPr lang="en-US" sz="2000" dirty="0">
+              <a:latin typeface="Arial" panose="020B0604020202020204" pitchFamily="34" charset="0"/>
+              <a:cs typeface="Arial" panose="020B0604020202020204" pitchFamily="34" charset="0"/>
+            </a:endParaRPr>
+          </a:p>
+          <a:p>
+            <a:pPr marL="342900" indent="-342900" algn="l">
+              <a:buFontTx/>
+              <a:buChar char="-"/>
+            </a:pPr>
+            <a:endParaRPr lang="en-US" sz="2000" dirty="0">
+              <a:latin typeface="Arial" panose="020B0604020202020204" pitchFamily="34" charset="0"/>
+              <a:cs typeface="Arial" panose="020B0604020202020204" pitchFamily="34" charset="0"/>
+            </a:endParaRPr>
+          </a:p>
+        </p:txBody>
+      </p:sp>
+      <p:pic>
+        <p:nvPicPr>
+          <p:cNvPr id="5" name="Picture 4">
+            <a:extLst>
+              <a:ext uri="{FF2B5EF4-FFF2-40B4-BE49-F238E27FC236}">
+                <a16:creationId xmlns:a16="http://schemas.microsoft.com/office/drawing/2014/main" id="{D60A6A20-BA13-B445-98C4-855935A46F3D}"/>
+              </a:ext>
+            </a:extLst>
+          </p:cNvPr>
+          <p:cNvPicPr>
+            <a:picLocks noChangeAspect="1"/>
+          </p:cNvPicPr>
+          <p:nvPr/>
+        </p:nvPicPr>
+        <p:blipFill>
+          <a:blip r:embed="rId2"/>
+          <a:stretch>
+            <a:fillRect/>
+          </a:stretch>
+        </p:blipFill>
+        <p:spPr>
+          <a:xfrm>
+            <a:off x="4511824" y="548680"/>
+            <a:ext cx="3212112" cy="1113532"/>
+          </a:xfrm>
+          <a:prstGeom prst="rect">
+            <a:avLst/>
+          </a:prstGeom>
+        </p:spPr>
+      </p:pic>
+      <p:sp>
+        <p:nvSpPr>
+          <p:cNvPr id="6" name="TextBox 5">
+            <a:extLst>
+              <a:ext uri="{FF2B5EF4-FFF2-40B4-BE49-F238E27FC236}">
+                <a16:creationId xmlns:a16="http://schemas.microsoft.com/office/drawing/2014/main" id="{26A56D10-50C0-B045-8DAA-C4397B556404}"/>
+              </a:ext>
+            </a:extLst>
+          </p:cNvPr>
+          <p:cNvSpPr txBox="1"/>
+          <p:nvPr/>
+        </p:nvSpPr>
+        <p:spPr>
+          <a:xfrm>
+            <a:off x="4511824" y="166725"/>
+            <a:ext cx="3977692" cy="369332"/>
+          </a:xfrm>
+          <a:prstGeom prst="rect">
+            <a:avLst/>
+          </a:prstGeom>
+          <a:noFill/>
+        </p:spPr>
+        <p:txBody>
+          <a:bodyPr wrap="none" lIns="0" tIns="0" rIns="0" bIns="0" rtlCol="0">
+            <a:spAutoFit/>
+          </a:bodyPr>
+          <a:lstStyle/>
+          <a:p>
+            <a:pPr algn="l"/>
+            <a:r>
+              <a:rPr lang="en-US" sz="2400" dirty="0">
+                <a:latin typeface="Arial" panose="020B0604020202020204" pitchFamily="34" charset="0"/>
+                <a:cs typeface="Arial" panose="020B0604020202020204" pitchFamily="34" charset="0"/>
+              </a:rPr>
+              <a:t>Final model AIC + treat x age</a:t>
+            </a:r>
+          </a:p>
+        </p:txBody>
+      </p:sp>
+      <p:pic>
+        <p:nvPicPr>
+          <p:cNvPr id="7" name="Picture 6">
+            <a:extLst>
+              <a:ext uri="{FF2B5EF4-FFF2-40B4-BE49-F238E27FC236}">
+                <a16:creationId xmlns:a16="http://schemas.microsoft.com/office/drawing/2014/main" id="{9D544BCF-E0D3-A74C-B9AA-42E46625A08F}"/>
+              </a:ext>
+            </a:extLst>
+          </p:cNvPr>
+          <p:cNvPicPr>
+            <a:picLocks noChangeAspect="1"/>
+          </p:cNvPicPr>
+          <p:nvPr/>
+        </p:nvPicPr>
+        <p:blipFill>
+          <a:blip r:embed="rId3"/>
+          <a:stretch>
+            <a:fillRect/>
+          </a:stretch>
+        </p:blipFill>
+        <p:spPr>
+          <a:xfrm>
+            <a:off x="7738826" y="535050"/>
+            <a:ext cx="4032530" cy="1171716"/>
+          </a:xfrm>
+          <a:prstGeom prst="rect">
+            <a:avLst/>
+          </a:prstGeom>
+        </p:spPr>
+      </p:pic>
     </p:spTree>
     <p:extLst>
       <p:ext uri="{BB962C8B-B14F-4D97-AF65-F5344CB8AC3E}">
@@ -4000,7 +4394,7 @@
           <p:cNvPr id="2" name="Slide Number Placeholder 1">
             <a:extLst>
               <a:ext uri="{FF2B5EF4-FFF2-40B4-BE49-F238E27FC236}">
-                <a16:creationId xmlns:a16="http://schemas.microsoft.com/office/drawing/2014/main" id="{9B12371F-989E-EE43-B20F-90E48B433F0A}"/>
+                <a16:creationId xmlns:a16="http://schemas.microsoft.com/office/drawing/2014/main" id="{B854B1D3-9D48-284F-B62E-6BB1A876D3F8}"/>
               </a:ext>
             </a:extLst>
           </p:cNvPr>
@@ -4019,6 +4413,299 @@
             <a:fld id="{2D00CA07-45C7-8142-9F4D-3A07AD48DFA1}" type="slidenum">
               <a:rPr lang="en-US" smtClean="0"/>
               <a:t>3</a:t>
+            </a:fld>
+            <a:endParaRPr lang="en-US"/>
+          </a:p>
+        </p:txBody>
+      </p:sp>
+      <p:sp>
+        <p:nvSpPr>
+          <p:cNvPr id="3" name="TextBox 2">
+            <a:extLst>
+              <a:ext uri="{FF2B5EF4-FFF2-40B4-BE49-F238E27FC236}">
+                <a16:creationId xmlns:a16="http://schemas.microsoft.com/office/drawing/2014/main" id="{A70D8A1C-105A-C94A-A36B-D18710BCC2CD}"/>
+              </a:ext>
+            </a:extLst>
+          </p:cNvPr>
+          <p:cNvSpPr txBox="1"/>
+          <p:nvPr/>
+        </p:nvSpPr>
+        <p:spPr>
+          <a:xfrm>
+            <a:off x="767408" y="548680"/>
+            <a:ext cx="1521250" cy="369332"/>
+          </a:xfrm>
+          <a:prstGeom prst="rect">
+            <a:avLst/>
+          </a:prstGeom>
+          <a:noFill/>
+        </p:spPr>
+        <p:txBody>
+          <a:bodyPr wrap="none" lIns="0" tIns="0" rIns="0" bIns="0" rtlCol="0">
+            <a:spAutoFit/>
+          </a:bodyPr>
+          <a:lstStyle/>
+          <a:p>
+            <a:pPr algn="l"/>
+            <a:r>
+              <a:rPr lang="en-US" sz="2400" dirty="0">
+                <a:latin typeface="Arial" panose="020B0604020202020204" pitchFamily="34" charset="0"/>
+                <a:cs typeface="Arial" panose="020B0604020202020204" pitchFamily="34" charset="0"/>
+              </a:rPr>
+              <a:t>Plan Part II</a:t>
+            </a:r>
+          </a:p>
+        </p:txBody>
+      </p:sp>
+      <p:sp>
+        <p:nvSpPr>
+          <p:cNvPr id="4" name="TextBox 3">
+            <a:extLst>
+              <a:ext uri="{FF2B5EF4-FFF2-40B4-BE49-F238E27FC236}">
+                <a16:creationId xmlns:a16="http://schemas.microsoft.com/office/drawing/2014/main" id="{F82EC506-50BC-A44E-B49E-761346717201}"/>
+              </a:ext>
+            </a:extLst>
+          </p:cNvPr>
+          <p:cNvSpPr txBox="1"/>
+          <p:nvPr/>
+        </p:nvSpPr>
+        <p:spPr>
+          <a:xfrm>
+            <a:off x="551384" y="1089741"/>
+            <a:ext cx="10913971" cy="1538883"/>
+          </a:xfrm>
+          <a:prstGeom prst="rect">
+            <a:avLst/>
+          </a:prstGeom>
+          <a:noFill/>
+        </p:spPr>
+        <p:txBody>
+          <a:bodyPr wrap="square" lIns="0" tIns="0" rIns="0" bIns="0" rtlCol="0">
+            <a:spAutoFit/>
+          </a:bodyPr>
+          <a:lstStyle/>
+          <a:p>
+            <a:pPr algn="l"/>
+            <a:endParaRPr lang="en-US" sz="2000" dirty="0">
+              <a:latin typeface="Arial" panose="020B0604020202020204" pitchFamily="34" charset="0"/>
+              <a:cs typeface="Arial" panose="020B0604020202020204" pitchFamily="34" charset="0"/>
+            </a:endParaRPr>
+          </a:p>
+          <a:p>
+            <a:pPr marL="800100" lvl="1" indent="-342900">
+              <a:buFontTx/>
+              <a:buChar char="-"/>
+            </a:pPr>
+            <a:endParaRPr lang="en-US" sz="2000" dirty="0">
+              <a:latin typeface="Arial" panose="020B0604020202020204" pitchFamily="34" charset="0"/>
+              <a:cs typeface="Arial" panose="020B0604020202020204" pitchFamily="34" charset="0"/>
+            </a:endParaRPr>
+          </a:p>
+          <a:p>
+            <a:pPr marL="800100" lvl="1" indent="-342900">
+              <a:buFontTx/>
+              <a:buChar char="-"/>
+            </a:pPr>
+            <a:endParaRPr lang="en-US" sz="2000" dirty="0">
+              <a:latin typeface="Arial" panose="020B0604020202020204" pitchFamily="34" charset="0"/>
+              <a:cs typeface="Arial" panose="020B0604020202020204" pitchFamily="34" charset="0"/>
+            </a:endParaRPr>
+          </a:p>
+          <a:p>
+            <a:pPr marL="342900" indent="-342900">
+              <a:buFontTx/>
+              <a:buChar char="-"/>
+            </a:pPr>
+            <a:endParaRPr lang="en-US" sz="2000" dirty="0">
+              <a:latin typeface="Arial" panose="020B0604020202020204" pitchFamily="34" charset="0"/>
+              <a:cs typeface="Arial" panose="020B0604020202020204" pitchFamily="34" charset="0"/>
+            </a:endParaRPr>
+          </a:p>
+          <a:p>
+            <a:pPr marL="342900" indent="-342900" algn="l">
+              <a:buFontTx/>
+              <a:buChar char="-"/>
+            </a:pPr>
+            <a:endParaRPr lang="en-US" sz="2000" dirty="0">
+              <a:latin typeface="Arial" panose="020B0604020202020204" pitchFamily="34" charset="0"/>
+              <a:cs typeface="Arial" panose="020B0604020202020204" pitchFamily="34" charset="0"/>
+            </a:endParaRPr>
+          </a:p>
+        </p:txBody>
+      </p:sp>
+      <p:pic>
+        <p:nvPicPr>
+          <p:cNvPr id="10" name="Picture 9">
+            <a:extLst>
+              <a:ext uri="{FF2B5EF4-FFF2-40B4-BE49-F238E27FC236}">
+                <a16:creationId xmlns:a16="http://schemas.microsoft.com/office/drawing/2014/main" id="{FD7E4863-4D5D-6842-B136-2B542DB335D7}"/>
+              </a:ext>
+            </a:extLst>
+          </p:cNvPr>
+          <p:cNvPicPr>
+            <a:picLocks noChangeAspect="1"/>
+          </p:cNvPicPr>
+          <p:nvPr/>
+        </p:nvPicPr>
+        <p:blipFill>
+          <a:blip r:embed="rId2"/>
+          <a:stretch>
+            <a:fillRect/>
+          </a:stretch>
+        </p:blipFill>
+        <p:spPr>
+          <a:xfrm>
+            <a:off x="551384" y="1340768"/>
+            <a:ext cx="6731000" cy="1981200"/>
+          </a:xfrm>
+          <a:prstGeom prst="rect">
+            <a:avLst/>
+          </a:prstGeom>
+        </p:spPr>
+      </p:pic>
+      <p:pic>
+        <p:nvPicPr>
+          <p:cNvPr id="11" name="Picture 10">
+            <a:extLst>
+              <a:ext uri="{FF2B5EF4-FFF2-40B4-BE49-F238E27FC236}">
+                <a16:creationId xmlns:a16="http://schemas.microsoft.com/office/drawing/2014/main" id="{01715E03-ED27-5A49-AB8F-15D21BF3023C}"/>
+              </a:ext>
+            </a:extLst>
+          </p:cNvPr>
+          <p:cNvPicPr>
+            <a:picLocks noChangeAspect="1"/>
+          </p:cNvPicPr>
+          <p:nvPr/>
+        </p:nvPicPr>
+        <p:blipFill>
+          <a:blip r:embed="rId3"/>
+          <a:stretch>
+            <a:fillRect/>
+          </a:stretch>
+        </p:blipFill>
+        <p:spPr>
+          <a:xfrm>
+            <a:off x="539199" y="3586320"/>
+            <a:ext cx="6731000" cy="1981200"/>
+          </a:xfrm>
+          <a:prstGeom prst="rect">
+            <a:avLst/>
+          </a:prstGeom>
+        </p:spPr>
+      </p:pic>
+    </p:spTree>
+    <p:extLst>
+      <p:ext uri="{BB962C8B-B14F-4D97-AF65-F5344CB8AC3E}">
+        <p14:creationId xmlns:p14="http://schemas.microsoft.com/office/powerpoint/2010/main" val="1020958659"/>
+      </p:ext>
+    </p:extLst>
+  </p:cSld>
+  <p:clrMapOvr>
+    <a:masterClrMapping/>
+  </p:clrMapOvr>
+</p:sld>
+</file>
+
+<file path=ppt/slides/slide4.xml><?xml version="1.0" encoding="utf-8"?>
+<p:sld xmlns:a="http://schemas.openxmlformats.org/drawingml/2006/main" xmlns:r="http://schemas.openxmlformats.org/officeDocument/2006/relationships" xmlns:p="http://schemas.openxmlformats.org/presentationml/2006/main">
+  <p:cSld>
+    <p:spTree>
+      <p:nvGrpSpPr>
+        <p:cNvPr id="1" name=""/>
+        <p:cNvGrpSpPr/>
+        <p:nvPr/>
+      </p:nvGrpSpPr>
+      <p:grpSpPr>
+        <a:xfrm>
+          <a:off x="0" y="0"/>
+          <a:ext cx="0" cy="0"/>
+          <a:chOff x="0" y="0"/>
+          <a:chExt cx="0" cy="0"/>
+        </a:xfrm>
+      </p:grpSpPr>
+      <p:sp>
+        <p:nvSpPr>
+          <p:cNvPr id="2" name="Slide Number Placeholder 1">
+            <a:extLst>
+              <a:ext uri="{FF2B5EF4-FFF2-40B4-BE49-F238E27FC236}">
+                <a16:creationId xmlns:a16="http://schemas.microsoft.com/office/drawing/2014/main" id="{E2075DE5-C3EF-AD4F-8874-494E7084ED20}"/>
+              </a:ext>
+            </a:extLst>
+          </p:cNvPr>
+          <p:cNvSpPr>
+            <a:spLocks noGrp="1"/>
+          </p:cNvSpPr>
+          <p:nvPr>
+            <p:ph type="sldNum" sz="quarter" idx="12"/>
+          </p:nvPr>
+        </p:nvSpPr>
+        <p:spPr/>
+        <p:txBody>
+          <a:bodyPr/>
+          <a:lstStyle/>
+          <a:p>
+            <a:fld id="{2D00CA07-45C7-8142-9F4D-3A07AD48DFA1}" type="slidenum">
+              <a:rPr lang="en-US" smtClean="0"/>
+              <a:t>4</a:t>
+            </a:fld>
+            <a:endParaRPr lang="en-US"/>
+          </a:p>
+        </p:txBody>
+      </p:sp>
+    </p:spTree>
+    <p:extLst>
+      <p:ext uri="{BB962C8B-B14F-4D97-AF65-F5344CB8AC3E}">
+        <p14:creationId xmlns:p14="http://schemas.microsoft.com/office/powerpoint/2010/main" val="2397182481"/>
+      </p:ext>
+    </p:extLst>
+  </p:cSld>
+  <p:clrMapOvr>
+    <a:masterClrMapping/>
+  </p:clrMapOvr>
+</p:sld>
+</file>
+
+<file path=ppt/slides/slide5.xml><?xml version="1.0" encoding="utf-8"?>
+<p:sld xmlns:a="http://schemas.openxmlformats.org/drawingml/2006/main" xmlns:r="http://schemas.openxmlformats.org/officeDocument/2006/relationships" xmlns:p="http://schemas.openxmlformats.org/presentationml/2006/main" show="0">
+  <p:cSld>
+    <p:spTree>
+      <p:nvGrpSpPr>
+        <p:cNvPr id="1" name=""/>
+        <p:cNvGrpSpPr/>
+        <p:nvPr/>
+      </p:nvGrpSpPr>
+      <p:grpSpPr>
+        <a:xfrm>
+          <a:off x="0" y="0"/>
+          <a:ext cx="0" cy="0"/>
+          <a:chOff x="0" y="0"/>
+          <a:chExt cx="0" cy="0"/>
+        </a:xfrm>
+      </p:grpSpPr>
+      <p:sp>
+        <p:nvSpPr>
+          <p:cNvPr id="2" name="Slide Number Placeholder 1">
+            <a:extLst>
+              <a:ext uri="{FF2B5EF4-FFF2-40B4-BE49-F238E27FC236}">
+                <a16:creationId xmlns:a16="http://schemas.microsoft.com/office/drawing/2014/main" id="{9B12371F-989E-EE43-B20F-90E48B433F0A}"/>
+              </a:ext>
+            </a:extLst>
+          </p:cNvPr>
+          <p:cNvSpPr>
+            <a:spLocks noGrp="1"/>
+          </p:cNvSpPr>
+          <p:nvPr>
+            <p:ph type="sldNum" sz="quarter" idx="12"/>
+          </p:nvPr>
+        </p:nvSpPr>
+        <p:spPr/>
+        <p:txBody>
+          <a:bodyPr/>
+          <a:lstStyle/>
+          <a:p>
+            <a:fld id="{2D00CA07-45C7-8142-9F4D-3A07AD48DFA1}" type="slidenum">
+              <a:rPr lang="en-US" smtClean="0"/>
+              <a:t>5</a:t>
             </a:fld>
             <a:endParaRPr lang="en-US"/>
           </a:p>

--- a/Presentation/slide_deck.pptx
+++ b/Presentation/slide_deck.pptx
@@ -5,14 +5,18 @@
     <p:sldMasterId id="2147483648" r:id="rId1"/>
   </p:sldMasterIdLst>
   <p:notesMasterIdLst>
-    <p:notesMasterId r:id="rId7"/>
+    <p:notesMasterId r:id="rId11"/>
   </p:notesMasterIdLst>
   <p:sldIdLst>
     <p:sldId id="256" r:id="rId2"/>
     <p:sldId id="260" r:id="rId3"/>
-    <p:sldId id="262" r:id="rId4"/>
-    <p:sldId id="261" r:id="rId5"/>
-    <p:sldId id="259" r:id="rId6"/>
+    <p:sldId id="259" r:id="rId4"/>
+    <p:sldId id="264" r:id="rId5"/>
+    <p:sldId id="265" r:id="rId6"/>
+    <p:sldId id="263" r:id="rId7"/>
+    <p:sldId id="262" r:id="rId8"/>
+    <p:sldId id="261" r:id="rId9"/>
+    <p:sldId id="266" r:id="rId10"/>
   </p:sldIdLst>
   <p:sldSz cx="12192000" cy="6858000"/>
   <p:notesSz cx="6858000" cy="9144000"/>
@@ -4373,6 +4377,1348 @@
 </file>
 
 <file path=ppt/slides/slide3.xml><?xml version="1.0" encoding="utf-8"?>
+<p:sld xmlns:a="http://schemas.openxmlformats.org/drawingml/2006/main" xmlns:r="http://schemas.openxmlformats.org/officeDocument/2006/relationships" xmlns:p="http://schemas.openxmlformats.org/presentationml/2006/main">
+  <p:cSld>
+    <p:spTree>
+      <p:nvGrpSpPr>
+        <p:cNvPr id="1" name=""/>
+        <p:cNvGrpSpPr/>
+        <p:nvPr/>
+      </p:nvGrpSpPr>
+      <p:grpSpPr>
+        <a:xfrm>
+          <a:off x="0" y="0"/>
+          <a:ext cx="0" cy="0"/>
+          <a:chOff x="0" y="0"/>
+          <a:chExt cx="0" cy="0"/>
+        </a:xfrm>
+      </p:grpSpPr>
+      <p:sp>
+        <p:nvSpPr>
+          <p:cNvPr id="2" name="Slide Number Placeholder 1">
+            <a:extLst>
+              <a:ext uri="{FF2B5EF4-FFF2-40B4-BE49-F238E27FC236}">
+                <a16:creationId xmlns:a16="http://schemas.microsoft.com/office/drawing/2014/main" id="{9B12371F-989E-EE43-B20F-90E48B433F0A}"/>
+              </a:ext>
+            </a:extLst>
+          </p:cNvPr>
+          <p:cNvSpPr>
+            <a:spLocks noGrp="1"/>
+          </p:cNvSpPr>
+          <p:nvPr>
+            <p:ph type="sldNum" sz="quarter" idx="12"/>
+          </p:nvPr>
+        </p:nvSpPr>
+        <p:spPr/>
+        <p:txBody>
+          <a:bodyPr/>
+          <a:lstStyle/>
+          <a:p>
+            <a:fld id="{2D00CA07-45C7-8142-9F4D-3A07AD48DFA1}" type="slidenum">
+              <a:rPr lang="en-US" smtClean="0"/>
+              <a:t>3</a:t>
+            </a:fld>
+            <a:endParaRPr lang="en-US"/>
+          </a:p>
+        </p:txBody>
+      </p:sp>
+      <p:sp>
+        <p:nvSpPr>
+          <p:cNvPr id="3" name="TextBox 2">
+            <a:extLst>
+              <a:ext uri="{FF2B5EF4-FFF2-40B4-BE49-F238E27FC236}">
+                <a16:creationId xmlns:a16="http://schemas.microsoft.com/office/drawing/2014/main" id="{2B4E9B55-4425-2740-A108-76FF69BA3D12}"/>
+              </a:ext>
+            </a:extLst>
+          </p:cNvPr>
+          <p:cNvSpPr txBox="1"/>
+          <p:nvPr/>
+        </p:nvSpPr>
+        <p:spPr>
+          <a:xfrm>
+            <a:off x="460713" y="332656"/>
+            <a:ext cx="3949799" cy="553998"/>
+          </a:xfrm>
+          <a:prstGeom prst="rect">
+            <a:avLst/>
+          </a:prstGeom>
+          <a:noFill/>
+        </p:spPr>
+        <p:txBody>
+          <a:bodyPr wrap="none" lIns="0" tIns="0" rIns="0" bIns="0" rtlCol="0">
+            <a:spAutoFit/>
+          </a:bodyPr>
+          <a:lstStyle/>
+          <a:p>
+            <a:r>
+              <a:rPr lang="en-US" sz="3600" b="1" dirty="0">
+                <a:latin typeface="Arial" panose="020B0604020202020204" pitchFamily="34" charset="0"/>
+                <a:cs typeface="Arial" panose="020B0604020202020204" pitchFamily="34" charset="0"/>
+              </a:rPr>
+              <a:t>Modeling Process</a:t>
+            </a:r>
+          </a:p>
+        </p:txBody>
+      </p:sp>
+      <p:cxnSp>
+        <p:nvCxnSpPr>
+          <p:cNvPr id="4" name="Straight Connector 3">
+            <a:extLst>
+              <a:ext uri="{FF2B5EF4-FFF2-40B4-BE49-F238E27FC236}">
+                <a16:creationId xmlns:a16="http://schemas.microsoft.com/office/drawing/2014/main" id="{CFDF23E1-C7BD-4C48-9E8A-53704A4D662C}"/>
+              </a:ext>
+            </a:extLst>
+          </p:cNvPr>
+          <p:cNvCxnSpPr>
+            <a:cxnSpLocks/>
+          </p:cNvCxnSpPr>
+          <p:nvPr/>
+        </p:nvCxnSpPr>
+        <p:spPr>
+          <a:xfrm>
+            <a:off x="460714" y="886654"/>
+            <a:ext cx="11270573" cy="0"/>
+          </a:xfrm>
+          <a:prstGeom prst="line">
+            <a:avLst/>
+          </a:prstGeom>
+          <a:ln w="38100">
+            <a:solidFill>
+              <a:schemeClr val="tx1"/>
+            </a:solidFill>
+          </a:ln>
+        </p:spPr>
+        <p:style>
+          <a:lnRef idx="1">
+            <a:schemeClr val="accent1"/>
+          </a:lnRef>
+          <a:fillRef idx="0">
+            <a:schemeClr val="accent1"/>
+          </a:fillRef>
+          <a:effectRef idx="0">
+            <a:schemeClr val="accent1"/>
+          </a:effectRef>
+          <a:fontRef idx="minor">
+            <a:schemeClr val="tx1"/>
+          </a:fontRef>
+        </p:style>
+      </p:cxnSp>
+      <p:sp>
+        <p:nvSpPr>
+          <p:cNvPr id="5" name="Rectangle 4">
+            <a:extLst>
+              <a:ext uri="{FF2B5EF4-FFF2-40B4-BE49-F238E27FC236}">
+                <a16:creationId xmlns:a16="http://schemas.microsoft.com/office/drawing/2014/main" id="{51A6D943-D3C6-704C-B71D-862CD909B942}"/>
+              </a:ext>
+            </a:extLst>
+          </p:cNvPr>
+          <p:cNvSpPr/>
+          <p:nvPr/>
+        </p:nvSpPr>
+        <p:spPr>
+          <a:xfrm>
+            <a:off x="443945" y="2996960"/>
+            <a:ext cx="1242799" cy="864080"/>
+          </a:xfrm>
+          <a:prstGeom prst="rect">
+            <a:avLst/>
+          </a:prstGeom>
+          <a:solidFill>
+            <a:schemeClr val="bg1">
+              <a:lumMod val="95000"/>
+            </a:schemeClr>
+          </a:solidFill>
+          <a:ln w="28575">
+            <a:solidFill>
+              <a:schemeClr val="tx1"/>
+            </a:solidFill>
+          </a:ln>
+        </p:spPr>
+        <p:style>
+          <a:lnRef idx="2">
+            <a:schemeClr val="accent1">
+              <a:shade val="50000"/>
+            </a:schemeClr>
+          </a:lnRef>
+          <a:fillRef idx="1">
+            <a:schemeClr val="accent1"/>
+          </a:fillRef>
+          <a:effectRef idx="0">
+            <a:schemeClr val="accent1"/>
+          </a:effectRef>
+          <a:fontRef idx="minor">
+            <a:schemeClr val="lt1"/>
+          </a:fontRef>
+        </p:style>
+        <p:txBody>
+          <a:bodyPr rtlCol="0" anchor="ctr"/>
+          <a:lstStyle/>
+          <a:p>
+            <a:pPr algn="ctr"/>
+            <a:r>
+              <a:rPr lang="en-US" sz="2400" dirty="0">
+                <a:solidFill>
+                  <a:schemeClr val="tx1"/>
+                </a:solidFill>
+                <a:latin typeface="Arial" panose="020B0604020202020204" pitchFamily="34" charset="0"/>
+                <a:cs typeface="Arial" panose="020B0604020202020204" pitchFamily="34" charset="0"/>
+              </a:rPr>
+              <a:t>EDA</a:t>
+            </a:r>
+          </a:p>
+        </p:txBody>
+      </p:sp>
+      <p:sp>
+        <p:nvSpPr>
+          <p:cNvPr id="9" name="Rectangle 8">
+            <a:extLst>
+              <a:ext uri="{FF2B5EF4-FFF2-40B4-BE49-F238E27FC236}">
+                <a16:creationId xmlns:a16="http://schemas.microsoft.com/office/drawing/2014/main" id="{AF3BB73F-EDA3-524A-9402-C0B173CBC247}"/>
+              </a:ext>
+            </a:extLst>
+          </p:cNvPr>
+          <p:cNvSpPr/>
+          <p:nvPr/>
+        </p:nvSpPr>
+        <p:spPr>
+          <a:xfrm>
+            <a:off x="2285476" y="2996960"/>
+            <a:ext cx="1944216" cy="864080"/>
+          </a:xfrm>
+          <a:prstGeom prst="rect">
+            <a:avLst/>
+          </a:prstGeom>
+          <a:solidFill>
+            <a:schemeClr val="bg1">
+              <a:lumMod val="95000"/>
+            </a:schemeClr>
+          </a:solidFill>
+          <a:ln w="28575">
+            <a:solidFill>
+              <a:schemeClr val="tx1"/>
+            </a:solidFill>
+          </a:ln>
+        </p:spPr>
+        <p:style>
+          <a:lnRef idx="2">
+            <a:schemeClr val="accent1">
+              <a:shade val="50000"/>
+            </a:schemeClr>
+          </a:lnRef>
+          <a:fillRef idx="1">
+            <a:schemeClr val="accent1"/>
+          </a:fillRef>
+          <a:effectRef idx="0">
+            <a:schemeClr val="accent1"/>
+          </a:effectRef>
+          <a:fontRef idx="minor">
+            <a:schemeClr val="lt1"/>
+          </a:fontRef>
+        </p:style>
+        <p:txBody>
+          <a:bodyPr rtlCol="0" anchor="ctr"/>
+          <a:lstStyle/>
+          <a:p>
+            <a:pPr algn="ctr"/>
+            <a:r>
+              <a:rPr lang="en-US" sz="2400" dirty="0">
+                <a:solidFill>
+                  <a:schemeClr val="tx1"/>
+                </a:solidFill>
+                <a:latin typeface="Arial" panose="020B0604020202020204" pitchFamily="34" charset="0"/>
+                <a:cs typeface="Arial" panose="020B0604020202020204" pitchFamily="34" charset="0"/>
+              </a:rPr>
+              <a:t>Experiments</a:t>
+            </a:r>
+          </a:p>
+        </p:txBody>
+      </p:sp>
+      <p:cxnSp>
+        <p:nvCxnSpPr>
+          <p:cNvPr id="11" name="Straight Arrow Connector 10">
+            <a:extLst>
+              <a:ext uri="{FF2B5EF4-FFF2-40B4-BE49-F238E27FC236}">
+                <a16:creationId xmlns:a16="http://schemas.microsoft.com/office/drawing/2014/main" id="{4B903348-6DD5-D545-8CB0-2C0E22A9049A}"/>
+              </a:ext>
+            </a:extLst>
+          </p:cNvPr>
+          <p:cNvCxnSpPr>
+            <a:cxnSpLocks/>
+          </p:cNvCxnSpPr>
+          <p:nvPr/>
+        </p:nvCxnSpPr>
+        <p:spPr>
+          <a:xfrm>
+            <a:off x="1686744" y="3429000"/>
+            <a:ext cx="598732" cy="0"/>
+          </a:xfrm>
+          <a:prstGeom prst="straightConnector1">
+            <a:avLst/>
+          </a:prstGeom>
+          <a:ln w="57150">
+            <a:solidFill>
+              <a:schemeClr val="tx1"/>
+            </a:solidFill>
+            <a:tailEnd type="triangle"/>
+          </a:ln>
+        </p:spPr>
+        <p:style>
+          <a:lnRef idx="1">
+            <a:schemeClr val="accent1"/>
+          </a:lnRef>
+          <a:fillRef idx="0">
+            <a:schemeClr val="accent1"/>
+          </a:fillRef>
+          <a:effectRef idx="0">
+            <a:schemeClr val="accent1"/>
+          </a:effectRef>
+          <a:fontRef idx="minor">
+            <a:schemeClr val="tx1"/>
+          </a:fontRef>
+        </p:style>
+      </p:cxnSp>
+      <p:sp>
+        <p:nvSpPr>
+          <p:cNvPr id="14" name="Rectangle 13">
+            <a:extLst>
+              <a:ext uri="{FF2B5EF4-FFF2-40B4-BE49-F238E27FC236}">
+                <a16:creationId xmlns:a16="http://schemas.microsoft.com/office/drawing/2014/main" id="{B5B08CAE-0FBB-6D44-BBF0-75F8C5CB7CD8}"/>
+              </a:ext>
+            </a:extLst>
+          </p:cNvPr>
+          <p:cNvSpPr/>
+          <p:nvPr/>
+        </p:nvSpPr>
+        <p:spPr>
+          <a:xfrm>
+            <a:off x="4828424" y="2996960"/>
+            <a:ext cx="1944216" cy="864080"/>
+          </a:xfrm>
+          <a:prstGeom prst="rect">
+            <a:avLst/>
+          </a:prstGeom>
+          <a:solidFill>
+            <a:schemeClr val="bg1">
+              <a:lumMod val="95000"/>
+            </a:schemeClr>
+          </a:solidFill>
+          <a:ln w="28575">
+            <a:solidFill>
+              <a:schemeClr val="tx1"/>
+            </a:solidFill>
+          </a:ln>
+        </p:spPr>
+        <p:style>
+          <a:lnRef idx="2">
+            <a:schemeClr val="accent1">
+              <a:shade val="50000"/>
+            </a:schemeClr>
+          </a:lnRef>
+          <a:fillRef idx="1">
+            <a:schemeClr val="accent1"/>
+          </a:fillRef>
+          <a:effectRef idx="0">
+            <a:schemeClr val="accent1"/>
+          </a:effectRef>
+          <a:fontRef idx="minor">
+            <a:schemeClr val="lt1"/>
+          </a:fontRef>
+        </p:style>
+        <p:txBody>
+          <a:bodyPr rtlCol="0" anchor="ctr"/>
+          <a:lstStyle/>
+          <a:p>
+            <a:pPr algn="ctr"/>
+            <a:r>
+              <a:rPr lang="en-US" sz="2400" dirty="0">
+                <a:solidFill>
+                  <a:schemeClr val="tx1"/>
+                </a:solidFill>
+                <a:latin typeface="Arial" panose="020B0604020202020204" pitchFamily="34" charset="0"/>
+                <a:cs typeface="Arial" panose="020B0604020202020204" pitchFamily="34" charset="0"/>
+              </a:rPr>
+              <a:t>Stepwise Regression</a:t>
+            </a:r>
+          </a:p>
+        </p:txBody>
+      </p:sp>
+      <p:sp>
+        <p:nvSpPr>
+          <p:cNvPr id="17" name="Rectangle 16">
+            <a:extLst>
+              <a:ext uri="{FF2B5EF4-FFF2-40B4-BE49-F238E27FC236}">
+                <a16:creationId xmlns:a16="http://schemas.microsoft.com/office/drawing/2014/main" id="{67958A4B-3DF5-8644-8862-76793BED6B1B}"/>
+              </a:ext>
+            </a:extLst>
+          </p:cNvPr>
+          <p:cNvSpPr/>
+          <p:nvPr/>
+        </p:nvSpPr>
+        <p:spPr>
+          <a:xfrm>
+            <a:off x="7371372" y="2996960"/>
+            <a:ext cx="1800200" cy="864080"/>
+          </a:xfrm>
+          <a:prstGeom prst="rect">
+            <a:avLst/>
+          </a:prstGeom>
+          <a:solidFill>
+            <a:schemeClr val="bg1">
+              <a:lumMod val="95000"/>
+            </a:schemeClr>
+          </a:solidFill>
+          <a:ln w="28575">
+            <a:solidFill>
+              <a:schemeClr val="tx1"/>
+            </a:solidFill>
+          </a:ln>
+        </p:spPr>
+        <p:style>
+          <a:lnRef idx="2">
+            <a:schemeClr val="accent1">
+              <a:shade val="50000"/>
+            </a:schemeClr>
+          </a:lnRef>
+          <a:fillRef idx="1">
+            <a:schemeClr val="accent1"/>
+          </a:fillRef>
+          <a:effectRef idx="0">
+            <a:schemeClr val="accent1"/>
+          </a:effectRef>
+          <a:fontRef idx="minor">
+            <a:schemeClr val="lt1"/>
+          </a:fontRef>
+        </p:style>
+        <p:txBody>
+          <a:bodyPr rtlCol="0" anchor="ctr"/>
+          <a:lstStyle/>
+          <a:p>
+            <a:pPr algn="ctr"/>
+            <a:r>
+              <a:rPr lang="en-US" sz="2400" dirty="0">
+                <a:solidFill>
+                  <a:schemeClr val="tx1"/>
+                </a:solidFill>
+                <a:latin typeface="Arial" panose="020B0604020202020204" pitchFamily="34" charset="0"/>
+                <a:cs typeface="Arial" panose="020B0604020202020204" pitchFamily="34" charset="0"/>
+              </a:rPr>
+              <a:t>Testing Interactions</a:t>
+            </a:r>
+          </a:p>
+        </p:txBody>
+      </p:sp>
+      <p:sp>
+        <p:nvSpPr>
+          <p:cNvPr id="21" name="Rectangle 20">
+            <a:extLst>
+              <a:ext uri="{FF2B5EF4-FFF2-40B4-BE49-F238E27FC236}">
+                <a16:creationId xmlns:a16="http://schemas.microsoft.com/office/drawing/2014/main" id="{A19A4E76-2EE5-DB46-8046-D224EF877A7B}"/>
+              </a:ext>
+            </a:extLst>
+          </p:cNvPr>
+          <p:cNvSpPr/>
+          <p:nvPr/>
+        </p:nvSpPr>
+        <p:spPr>
+          <a:xfrm>
+            <a:off x="9770303" y="2996960"/>
+            <a:ext cx="1944216" cy="864080"/>
+          </a:xfrm>
+          <a:prstGeom prst="rect">
+            <a:avLst/>
+          </a:prstGeom>
+          <a:solidFill>
+            <a:schemeClr val="bg1">
+              <a:lumMod val="95000"/>
+            </a:schemeClr>
+          </a:solidFill>
+          <a:ln w="28575">
+            <a:solidFill>
+              <a:schemeClr val="tx1"/>
+            </a:solidFill>
+          </a:ln>
+        </p:spPr>
+        <p:style>
+          <a:lnRef idx="2">
+            <a:schemeClr val="accent1">
+              <a:shade val="50000"/>
+            </a:schemeClr>
+          </a:lnRef>
+          <a:fillRef idx="1">
+            <a:schemeClr val="accent1"/>
+          </a:fillRef>
+          <a:effectRef idx="0">
+            <a:schemeClr val="accent1"/>
+          </a:effectRef>
+          <a:fontRef idx="minor">
+            <a:schemeClr val="lt1"/>
+          </a:fontRef>
+        </p:style>
+        <p:txBody>
+          <a:bodyPr rtlCol="0" anchor="ctr"/>
+          <a:lstStyle/>
+          <a:p>
+            <a:pPr algn="ctr"/>
+            <a:r>
+              <a:rPr lang="en-US" sz="2400" dirty="0">
+                <a:solidFill>
+                  <a:schemeClr val="tx1"/>
+                </a:solidFill>
+                <a:latin typeface="Arial" panose="020B0604020202020204" pitchFamily="34" charset="0"/>
+                <a:cs typeface="Arial" panose="020B0604020202020204" pitchFamily="34" charset="0"/>
+              </a:rPr>
+              <a:t>Model Assessment</a:t>
+            </a:r>
+          </a:p>
+        </p:txBody>
+      </p:sp>
+      <p:cxnSp>
+        <p:nvCxnSpPr>
+          <p:cNvPr id="26" name="Straight Arrow Connector 25">
+            <a:extLst>
+              <a:ext uri="{FF2B5EF4-FFF2-40B4-BE49-F238E27FC236}">
+                <a16:creationId xmlns:a16="http://schemas.microsoft.com/office/drawing/2014/main" id="{6FCAC956-B87F-CE4D-9A15-03E102B15299}"/>
+              </a:ext>
+            </a:extLst>
+          </p:cNvPr>
+          <p:cNvCxnSpPr>
+            <a:cxnSpLocks/>
+          </p:cNvCxnSpPr>
+          <p:nvPr/>
+        </p:nvCxnSpPr>
+        <p:spPr>
+          <a:xfrm>
+            <a:off x="4229692" y="3429000"/>
+            <a:ext cx="598732" cy="0"/>
+          </a:xfrm>
+          <a:prstGeom prst="straightConnector1">
+            <a:avLst/>
+          </a:prstGeom>
+          <a:ln w="57150">
+            <a:solidFill>
+              <a:schemeClr val="tx1"/>
+            </a:solidFill>
+            <a:tailEnd type="triangle"/>
+          </a:ln>
+        </p:spPr>
+        <p:style>
+          <a:lnRef idx="1">
+            <a:schemeClr val="accent1"/>
+          </a:lnRef>
+          <a:fillRef idx="0">
+            <a:schemeClr val="accent1"/>
+          </a:fillRef>
+          <a:effectRef idx="0">
+            <a:schemeClr val="accent1"/>
+          </a:effectRef>
+          <a:fontRef idx="minor">
+            <a:schemeClr val="tx1"/>
+          </a:fontRef>
+        </p:style>
+      </p:cxnSp>
+      <p:cxnSp>
+        <p:nvCxnSpPr>
+          <p:cNvPr id="27" name="Straight Arrow Connector 26">
+            <a:extLst>
+              <a:ext uri="{FF2B5EF4-FFF2-40B4-BE49-F238E27FC236}">
+                <a16:creationId xmlns:a16="http://schemas.microsoft.com/office/drawing/2014/main" id="{8B7CFED4-BB38-704C-B0A5-095B44255B60}"/>
+              </a:ext>
+            </a:extLst>
+          </p:cNvPr>
+          <p:cNvCxnSpPr>
+            <a:cxnSpLocks/>
+          </p:cNvCxnSpPr>
+          <p:nvPr/>
+        </p:nvCxnSpPr>
+        <p:spPr>
+          <a:xfrm>
+            <a:off x="6772640" y="3429000"/>
+            <a:ext cx="598732" cy="0"/>
+          </a:xfrm>
+          <a:prstGeom prst="straightConnector1">
+            <a:avLst/>
+          </a:prstGeom>
+          <a:ln w="57150">
+            <a:solidFill>
+              <a:schemeClr val="tx1"/>
+            </a:solidFill>
+            <a:tailEnd type="triangle"/>
+          </a:ln>
+        </p:spPr>
+        <p:style>
+          <a:lnRef idx="1">
+            <a:schemeClr val="accent1"/>
+          </a:lnRef>
+          <a:fillRef idx="0">
+            <a:schemeClr val="accent1"/>
+          </a:fillRef>
+          <a:effectRef idx="0">
+            <a:schemeClr val="accent1"/>
+          </a:effectRef>
+          <a:fontRef idx="minor">
+            <a:schemeClr val="tx1"/>
+          </a:fontRef>
+        </p:style>
+      </p:cxnSp>
+      <p:cxnSp>
+        <p:nvCxnSpPr>
+          <p:cNvPr id="28" name="Straight Arrow Connector 27">
+            <a:extLst>
+              <a:ext uri="{FF2B5EF4-FFF2-40B4-BE49-F238E27FC236}">
+                <a16:creationId xmlns:a16="http://schemas.microsoft.com/office/drawing/2014/main" id="{A2AE797E-8991-A946-BE59-37E1E1DE5291}"/>
+              </a:ext>
+            </a:extLst>
+          </p:cNvPr>
+          <p:cNvCxnSpPr>
+            <a:cxnSpLocks/>
+          </p:cNvCxnSpPr>
+          <p:nvPr/>
+        </p:nvCxnSpPr>
+        <p:spPr>
+          <a:xfrm>
+            <a:off x="9171572" y="3429000"/>
+            <a:ext cx="598732" cy="0"/>
+          </a:xfrm>
+          <a:prstGeom prst="straightConnector1">
+            <a:avLst/>
+          </a:prstGeom>
+          <a:ln w="57150">
+            <a:solidFill>
+              <a:schemeClr val="tx1"/>
+            </a:solidFill>
+            <a:tailEnd type="triangle"/>
+          </a:ln>
+        </p:spPr>
+        <p:style>
+          <a:lnRef idx="1">
+            <a:schemeClr val="accent1"/>
+          </a:lnRef>
+          <a:fillRef idx="0">
+            <a:schemeClr val="accent1"/>
+          </a:fillRef>
+          <a:effectRef idx="0">
+            <a:schemeClr val="accent1"/>
+          </a:effectRef>
+          <a:fontRef idx="minor">
+            <a:schemeClr val="tx1"/>
+          </a:fontRef>
+        </p:style>
+      </p:cxnSp>
+    </p:spTree>
+    <p:extLst>
+      <p:ext uri="{BB962C8B-B14F-4D97-AF65-F5344CB8AC3E}">
+        <p14:creationId xmlns:p14="http://schemas.microsoft.com/office/powerpoint/2010/main" val="1887103581"/>
+      </p:ext>
+    </p:extLst>
+  </p:cSld>
+  <p:clrMapOvr>
+    <a:masterClrMapping/>
+  </p:clrMapOvr>
+</p:sld>
+</file>
+
+<file path=ppt/slides/slide4.xml><?xml version="1.0" encoding="utf-8"?>
+<p:sld xmlns:a="http://schemas.openxmlformats.org/drawingml/2006/main" xmlns:r="http://schemas.openxmlformats.org/officeDocument/2006/relationships" xmlns:p="http://schemas.openxmlformats.org/presentationml/2006/main">
+  <p:cSld>
+    <p:spTree>
+      <p:nvGrpSpPr>
+        <p:cNvPr id="1" name=""/>
+        <p:cNvGrpSpPr/>
+        <p:nvPr/>
+      </p:nvGrpSpPr>
+      <p:grpSpPr>
+        <a:xfrm>
+          <a:off x="0" y="0"/>
+          <a:ext cx="0" cy="0"/>
+          <a:chOff x="0" y="0"/>
+          <a:chExt cx="0" cy="0"/>
+        </a:xfrm>
+      </p:grpSpPr>
+      <p:sp>
+        <p:nvSpPr>
+          <p:cNvPr id="17" name="Rectangle 16">
+            <a:extLst>
+              <a:ext uri="{FF2B5EF4-FFF2-40B4-BE49-F238E27FC236}">
+                <a16:creationId xmlns:a16="http://schemas.microsoft.com/office/drawing/2014/main" id="{14142523-B9D3-A349-BCDE-3FFBC2A198DE}"/>
+              </a:ext>
+            </a:extLst>
+          </p:cNvPr>
+          <p:cNvSpPr/>
+          <p:nvPr/>
+        </p:nvSpPr>
+        <p:spPr>
+          <a:xfrm>
+            <a:off x="246887" y="6023447"/>
+            <a:ext cx="1188452" cy="497233"/>
+          </a:xfrm>
+          <a:prstGeom prst="rect">
+            <a:avLst/>
+          </a:prstGeom>
+          <a:solidFill>
+            <a:schemeClr val="bg1"/>
+          </a:solidFill>
+          <a:ln>
+            <a:noFill/>
+          </a:ln>
+        </p:spPr>
+        <p:style>
+          <a:lnRef idx="2">
+            <a:schemeClr val="accent1">
+              <a:shade val="50000"/>
+            </a:schemeClr>
+          </a:lnRef>
+          <a:fillRef idx="1">
+            <a:schemeClr val="accent1"/>
+          </a:fillRef>
+          <a:effectRef idx="0">
+            <a:schemeClr val="accent1"/>
+          </a:effectRef>
+          <a:fontRef idx="minor">
+            <a:schemeClr val="lt1"/>
+          </a:fontRef>
+        </p:style>
+        <p:txBody>
+          <a:bodyPr rtlCol="0" anchor="ctr"/>
+          <a:lstStyle/>
+          <a:p>
+            <a:pPr algn="ctr"/>
+            <a:endParaRPr lang="en-US" dirty="0"/>
+          </a:p>
+        </p:txBody>
+      </p:sp>
+      <p:sp>
+        <p:nvSpPr>
+          <p:cNvPr id="2" name="Slide Number Placeholder 1">
+            <a:extLst>
+              <a:ext uri="{FF2B5EF4-FFF2-40B4-BE49-F238E27FC236}">
+                <a16:creationId xmlns:a16="http://schemas.microsoft.com/office/drawing/2014/main" id="{9B12371F-989E-EE43-B20F-90E48B433F0A}"/>
+              </a:ext>
+            </a:extLst>
+          </p:cNvPr>
+          <p:cNvSpPr>
+            <a:spLocks noGrp="1"/>
+          </p:cNvSpPr>
+          <p:nvPr>
+            <p:ph type="sldNum" sz="quarter" idx="12"/>
+          </p:nvPr>
+        </p:nvSpPr>
+        <p:spPr/>
+        <p:txBody>
+          <a:bodyPr/>
+          <a:lstStyle/>
+          <a:p>
+            <a:fld id="{2D00CA07-45C7-8142-9F4D-3A07AD48DFA1}" type="slidenum">
+              <a:rPr lang="en-US" smtClean="0"/>
+              <a:t>4</a:t>
+            </a:fld>
+            <a:endParaRPr lang="en-US"/>
+          </a:p>
+        </p:txBody>
+      </p:sp>
+      <p:sp>
+        <p:nvSpPr>
+          <p:cNvPr id="3" name="TextBox 2">
+            <a:extLst>
+              <a:ext uri="{FF2B5EF4-FFF2-40B4-BE49-F238E27FC236}">
+                <a16:creationId xmlns:a16="http://schemas.microsoft.com/office/drawing/2014/main" id="{2B4E9B55-4425-2740-A108-76FF69BA3D12}"/>
+              </a:ext>
+            </a:extLst>
+          </p:cNvPr>
+          <p:cNvSpPr txBox="1"/>
+          <p:nvPr/>
+        </p:nvSpPr>
+        <p:spPr>
+          <a:xfrm>
+            <a:off x="460713" y="332656"/>
+            <a:ext cx="974626" cy="553998"/>
+          </a:xfrm>
+          <a:prstGeom prst="rect">
+            <a:avLst/>
+          </a:prstGeom>
+          <a:noFill/>
+        </p:spPr>
+        <p:txBody>
+          <a:bodyPr wrap="none" lIns="0" tIns="0" rIns="0" bIns="0" rtlCol="0">
+            <a:spAutoFit/>
+          </a:bodyPr>
+          <a:lstStyle/>
+          <a:p>
+            <a:r>
+              <a:rPr lang="en-US" sz="3600" b="1" dirty="0">
+                <a:latin typeface="Arial" panose="020B0604020202020204" pitchFamily="34" charset="0"/>
+                <a:cs typeface="Arial" panose="020B0604020202020204" pitchFamily="34" charset="0"/>
+              </a:rPr>
+              <a:t>EDA</a:t>
+            </a:r>
+          </a:p>
+        </p:txBody>
+      </p:sp>
+      <p:cxnSp>
+        <p:nvCxnSpPr>
+          <p:cNvPr id="4" name="Straight Connector 3">
+            <a:extLst>
+              <a:ext uri="{FF2B5EF4-FFF2-40B4-BE49-F238E27FC236}">
+                <a16:creationId xmlns:a16="http://schemas.microsoft.com/office/drawing/2014/main" id="{CFDF23E1-C7BD-4C48-9E8A-53704A4D662C}"/>
+              </a:ext>
+            </a:extLst>
+          </p:cNvPr>
+          <p:cNvCxnSpPr>
+            <a:cxnSpLocks/>
+          </p:cNvCxnSpPr>
+          <p:nvPr/>
+        </p:nvCxnSpPr>
+        <p:spPr>
+          <a:xfrm>
+            <a:off x="460714" y="886654"/>
+            <a:ext cx="11270573" cy="0"/>
+          </a:xfrm>
+          <a:prstGeom prst="line">
+            <a:avLst/>
+          </a:prstGeom>
+          <a:ln w="38100">
+            <a:solidFill>
+              <a:schemeClr val="tx1"/>
+            </a:solidFill>
+          </a:ln>
+        </p:spPr>
+        <p:style>
+          <a:lnRef idx="1">
+            <a:schemeClr val="accent1"/>
+          </a:lnRef>
+          <a:fillRef idx="0">
+            <a:schemeClr val="accent1"/>
+          </a:fillRef>
+          <a:effectRef idx="0">
+            <a:schemeClr val="accent1"/>
+          </a:effectRef>
+          <a:fontRef idx="minor">
+            <a:schemeClr val="tx1"/>
+          </a:fontRef>
+        </p:style>
+      </p:cxnSp>
+      <p:sp>
+        <p:nvSpPr>
+          <p:cNvPr id="5" name="TextBox 4">
+            <a:extLst>
+              <a:ext uri="{FF2B5EF4-FFF2-40B4-BE49-F238E27FC236}">
+                <a16:creationId xmlns:a16="http://schemas.microsoft.com/office/drawing/2014/main" id="{B711A4F6-69D3-7F4C-BB50-063E1C2CA7F9}"/>
+              </a:ext>
+            </a:extLst>
+          </p:cNvPr>
+          <p:cNvSpPr txBox="1"/>
+          <p:nvPr/>
+        </p:nvSpPr>
+        <p:spPr>
+          <a:xfrm>
+            <a:off x="443052" y="1217076"/>
+            <a:ext cx="1489190" cy="369332"/>
+          </a:xfrm>
+          <a:prstGeom prst="rect">
+            <a:avLst/>
+          </a:prstGeom>
+          <a:noFill/>
+        </p:spPr>
+        <p:txBody>
+          <a:bodyPr wrap="none" lIns="0" tIns="0" rIns="0" bIns="0" rtlCol="0">
+            <a:spAutoFit/>
+          </a:bodyPr>
+          <a:lstStyle/>
+          <a:p>
+            <a:pPr algn="l"/>
+            <a:r>
+              <a:rPr lang="en-US" sz="2400" b="1" dirty="0">
+                <a:solidFill>
+                  <a:srgbClr val="03529B"/>
+                </a:solidFill>
+                <a:latin typeface="Arial" panose="020B0604020202020204" pitchFamily="34" charset="0"/>
+                <a:cs typeface="Arial" panose="020B0604020202020204" pitchFamily="34" charset="0"/>
+              </a:rPr>
+              <a:t>Univariate</a:t>
+            </a:r>
+          </a:p>
+        </p:txBody>
+      </p:sp>
+      <p:cxnSp>
+        <p:nvCxnSpPr>
+          <p:cNvPr id="6" name="Straight Connector 5">
+            <a:extLst>
+              <a:ext uri="{FF2B5EF4-FFF2-40B4-BE49-F238E27FC236}">
+                <a16:creationId xmlns:a16="http://schemas.microsoft.com/office/drawing/2014/main" id="{8E04C2E1-776B-CE45-97A3-B8F2934E412F}"/>
+              </a:ext>
+            </a:extLst>
+          </p:cNvPr>
+          <p:cNvCxnSpPr>
+            <a:cxnSpLocks/>
+          </p:cNvCxnSpPr>
+          <p:nvPr/>
+        </p:nvCxnSpPr>
+        <p:spPr>
+          <a:xfrm>
+            <a:off x="443052" y="1590104"/>
+            <a:ext cx="5209425" cy="0"/>
+          </a:xfrm>
+          <a:prstGeom prst="line">
+            <a:avLst/>
+          </a:prstGeom>
+          <a:ln w="28575">
+            <a:solidFill>
+              <a:srgbClr val="03529B"/>
+            </a:solidFill>
+          </a:ln>
+        </p:spPr>
+        <p:style>
+          <a:lnRef idx="1">
+            <a:schemeClr val="accent1"/>
+          </a:lnRef>
+          <a:fillRef idx="0">
+            <a:schemeClr val="accent1"/>
+          </a:fillRef>
+          <a:effectRef idx="0">
+            <a:schemeClr val="accent1"/>
+          </a:effectRef>
+          <a:fontRef idx="minor">
+            <a:schemeClr val="tx1"/>
+          </a:fontRef>
+        </p:style>
+      </p:cxnSp>
+      <p:sp>
+        <p:nvSpPr>
+          <p:cNvPr id="9" name="TextBox 8">
+            <a:extLst>
+              <a:ext uri="{FF2B5EF4-FFF2-40B4-BE49-F238E27FC236}">
+                <a16:creationId xmlns:a16="http://schemas.microsoft.com/office/drawing/2014/main" id="{F23B0CA9-40D5-8D47-9DE9-C9D5807BD6C8}"/>
+              </a:ext>
+            </a:extLst>
+          </p:cNvPr>
+          <p:cNvSpPr txBox="1"/>
+          <p:nvPr/>
+        </p:nvSpPr>
+        <p:spPr>
+          <a:xfrm>
+            <a:off x="6084525" y="1217076"/>
+            <a:ext cx="1301638" cy="369332"/>
+          </a:xfrm>
+          <a:prstGeom prst="rect">
+            <a:avLst/>
+          </a:prstGeom>
+          <a:noFill/>
+        </p:spPr>
+        <p:txBody>
+          <a:bodyPr wrap="none" lIns="0" tIns="0" rIns="0" bIns="0" rtlCol="0">
+            <a:spAutoFit/>
+          </a:bodyPr>
+          <a:lstStyle/>
+          <a:p>
+            <a:pPr algn="l"/>
+            <a:r>
+              <a:rPr lang="en-US" sz="2400" b="1" dirty="0">
+                <a:solidFill>
+                  <a:srgbClr val="03529B"/>
+                </a:solidFill>
+                <a:latin typeface="Arial" panose="020B0604020202020204" pitchFamily="34" charset="0"/>
+                <a:cs typeface="Arial" panose="020B0604020202020204" pitchFamily="34" charset="0"/>
+              </a:rPr>
+              <a:t>Bivariate</a:t>
+            </a:r>
+          </a:p>
+        </p:txBody>
+      </p:sp>
+      <p:cxnSp>
+        <p:nvCxnSpPr>
+          <p:cNvPr id="10" name="Straight Connector 9">
+            <a:extLst>
+              <a:ext uri="{FF2B5EF4-FFF2-40B4-BE49-F238E27FC236}">
+                <a16:creationId xmlns:a16="http://schemas.microsoft.com/office/drawing/2014/main" id="{507A2FB3-2C54-BC4A-AA82-F67A1475D7DB}"/>
+              </a:ext>
+            </a:extLst>
+          </p:cNvPr>
+          <p:cNvCxnSpPr>
+            <a:cxnSpLocks/>
+          </p:cNvCxnSpPr>
+          <p:nvPr/>
+        </p:nvCxnSpPr>
+        <p:spPr>
+          <a:xfrm>
+            <a:off x="6084525" y="1590104"/>
+            <a:ext cx="5646762" cy="0"/>
+          </a:xfrm>
+          <a:prstGeom prst="line">
+            <a:avLst/>
+          </a:prstGeom>
+          <a:ln w="28575">
+            <a:solidFill>
+              <a:srgbClr val="03529B"/>
+            </a:solidFill>
+          </a:ln>
+        </p:spPr>
+        <p:style>
+          <a:lnRef idx="1">
+            <a:schemeClr val="accent1"/>
+          </a:lnRef>
+          <a:fillRef idx="0">
+            <a:schemeClr val="accent1"/>
+          </a:fillRef>
+          <a:effectRef idx="0">
+            <a:schemeClr val="accent1"/>
+          </a:effectRef>
+          <a:fontRef idx="minor">
+            <a:schemeClr val="tx1"/>
+          </a:fontRef>
+        </p:style>
+      </p:cxnSp>
+      <p:pic>
+        <p:nvPicPr>
+          <p:cNvPr id="22" name="Picture 21" descr="Chart, histogram&#10;&#10;Description automatically generated">
+            <a:extLst>
+              <a:ext uri="{FF2B5EF4-FFF2-40B4-BE49-F238E27FC236}">
+                <a16:creationId xmlns:a16="http://schemas.microsoft.com/office/drawing/2014/main" id="{0A2248FB-A813-A149-B445-71335989EA4A}"/>
+              </a:ext>
+            </a:extLst>
+          </p:cNvPr>
+          <p:cNvPicPr>
+            <a:picLocks noChangeAspect="1"/>
+          </p:cNvPicPr>
+          <p:nvPr/>
+        </p:nvPicPr>
+        <p:blipFill rotWithShape="1">
+          <a:blip r:embed="rId2"/>
+          <a:srcRect t="6488"/>
+          <a:stretch/>
+        </p:blipFill>
+        <p:spPr>
+          <a:xfrm>
+            <a:off x="462005" y="1804256"/>
+            <a:ext cx="5209424" cy="3897141"/>
+          </a:xfrm>
+          <a:prstGeom prst="rect">
+            <a:avLst/>
+          </a:prstGeom>
+        </p:spPr>
+      </p:pic>
+      <mc:AlternateContent xmlns:mc="http://schemas.openxmlformats.org/markup-compatibility/2006">
+        <mc:Choice xmlns:a14="http://schemas.microsoft.com/office/drawing/2010/main" Requires="a14">
+          <p:sp>
+            <p:nvSpPr>
+              <p:cNvPr id="24" name="Rectangle 23">
+                <a:extLst>
+                  <a:ext uri="{FF2B5EF4-FFF2-40B4-BE49-F238E27FC236}">
+                    <a16:creationId xmlns:a16="http://schemas.microsoft.com/office/drawing/2014/main" id="{CC04480D-2E39-A64A-AF66-88650F8D96EE}"/>
+                  </a:ext>
+                </a:extLst>
+              </p:cNvPr>
+              <p:cNvSpPr/>
+              <p:nvPr/>
+            </p:nvSpPr>
+            <p:spPr>
+              <a:xfrm>
+                <a:off x="448649" y="5918410"/>
+                <a:ext cx="5209424" cy="490860"/>
+              </a:xfrm>
+              <a:prstGeom prst="rect">
+                <a:avLst/>
+              </a:prstGeom>
+              <a:solidFill>
+                <a:schemeClr val="bg1">
+                  <a:lumMod val="95000"/>
+                </a:schemeClr>
+              </a:solidFill>
+              <a:ln w="28575">
+                <a:noFill/>
+              </a:ln>
+            </p:spPr>
+            <p:style>
+              <a:lnRef idx="2">
+                <a:schemeClr val="accent1">
+                  <a:shade val="50000"/>
+                </a:schemeClr>
+              </a:lnRef>
+              <a:fillRef idx="1">
+                <a:schemeClr val="accent1"/>
+              </a:fillRef>
+              <a:effectRef idx="0">
+                <a:schemeClr val="accent1"/>
+              </a:effectRef>
+              <a:fontRef idx="minor">
+                <a:schemeClr val="lt1"/>
+              </a:fontRef>
+            </p:style>
+            <p:txBody>
+              <a:bodyPr rtlCol="0" anchor="ctr"/>
+              <a:lstStyle/>
+              <a:p>
+                <a:pPr algn="ctr"/>
+                <a:r>
+                  <a:rPr lang="en-US" sz="2000" dirty="0">
+                    <a:solidFill>
+                      <a:schemeClr val="tx1"/>
+                    </a:solidFill>
+                    <a:latin typeface="Arial" panose="020B0604020202020204" pitchFamily="34" charset="0"/>
+                    <a:cs typeface="Arial" panose="020B0604020202020204" pitchFamily="34" charset="0"/>
+                  </a:rPr>
+                  <a:t>Zero inflation </a:t>
+                </a:r>
+                <a14:m>
+                  <m:oMath xmlns:m="http://schemas.openxmlformats.org/officeDocument/2006/math">
+                    <m:r>
+                      <a:rPr lang="de-DE" sz="2000" i="1">
+                        <a:solidFill>
+                          <a:schemeClr val="tx1"/>
+                        </a:solidFill>
+                        <a:latin typeface="Cambria Math" panose="02040503050406030204" pitchFamily="18" charset="0"/>
+                        <a:cs typeface="Arial" panose="020B0604020202020204" pitchFamily="34" charset="0"/>
+                      </a:rPr>
+                      <m:t>→</m:t>
+                    </m:r>
+                  </m:oMath>
+                </a14:m>
+                <a:r>
+                  <a:rPr lang="en-US" sz="2000" dirty="0">
+                    <a:solidFill>
+                      <a:schemeClr val="tx1"/>
+                    </a:solidFill>
+                    <a:latin typeface="Arial" panose="020B0604020202020204" pitchFamily="34" charset="0"/>
+                    <a:cs typeface="Arial" panose="020B0604020202020204" pitchFamily="34" charset="0"/>
+                  </a:rPr>
+                  <a:t> model </a:t>
+                </a:r>
+                <a14:m>
+                  <m:oMath xmlns:m="http://schemas.openxmlformats.org/officeDocument/2006/math">
+                    <m:r>
+                      <a:rPr lang="de-DE" sz="2000" i="1">
+                        <a:solidFill>
+                          <a:schemeClr val="tx1"/>
+                        </a:solidFill>
+                        <a:latin typeface="Cambria Math" panose="02040503050406030204" pitchFamily="18" charset="0"/>
+                        <a:cs typeface="Arial" panose="020B0604020202020204" pitchFamily="34" charset="0"/>
+                      </a:rPr>
+                      <m:t>𝑟𝑒</m:t>
+                    </m:r>
+                    <m:r>
+                      <a:rPr lang="de-DE" sz="2000" i="1">
+                        <a:solidFill>
+                          <a:schemeClr val="tx1"/>
+                        </a:solidFill>
+                        <a:latin typeface="Cambria Math" panose="02040503050406030204" pitchFamily="18" charset="0"/>
+                        <a:cs typeface="Arial" panose="020B0604020202020204" pitchFamily="34" charset="0"/>
+                      </a:rPr>
+                      <m:t>78−</m:t>
+                    </m:r>
+                    <m:r>
+                      <a:rPr lang="de-DE" sz="2000" i="1">
+                        <a:solidFill>
+                          <a:schemeClr val="tx1"/>
+                        </a:solidFill>
+                        <a:latin typeface="Cambria Math" panose="02040503050406030204" pitchFamily="18" charset="0"/>
+                        <a:cs typeface="Arial" panose="020B0604020202020204" pitchFamily="34" charset="0"/>
+                      </a:rPr>
+                      <m:t>𝑟𝑒</m:t>
+                    </m:r>
+                    <m:r>
+                      <a:rPr lang="de-DE" sz="2000" i="1">
+                        <a:solidFill>
+                          <a:schemeClr val="tx1"/>
+                        </a:solidFill>
+                        <a:latin typeface="Cambria Math" panose="02040503050406030204" pitchFamily="18" charset="0"/>
+                        <a:cs typeface="Arial" panose="020B0604020202020204" pitchFamily="34" charset="0"/>
+                      </a:rPr>
+                      <m:t>74</m:t>
+                    </m:r>
+                  </m:oMath>
+                </a14:m>
+                <a:r>
+                  <a:rPr lang="en-US" sz="2000" dirty="0">
+                    <a:solidFill>
+                      <a:schemeClr val="tx1"/>
+                    </a:solidFill>
+                    <a:latin typeface="Arial" panose="020B0604020202020204" pitchFamily="34" charset="0"/>
+                    <a:cs typeface="Arial" panose="020B0604020202020204" pitchFamily="34" charset="0"/>
+                  </a:rPr>
+                  <a:t> instead</a:t>
+                </a:r>
+              </a:p>
+            </p:txBody>
+          </p:sp>
+        </mc:Choice>
+        <mc:Fallback>
+          <p:sp>
+            <p:nvSpPr>
+              <p:cNvPr id="24" name="Rectangle 23">
+                <a:extLst>
+                  <a:ext uri="{FF2B5EF4-FFF2-40B4-BE49-F238E27FC236}">
+                    <a16:creationId xmlns:a16="http://schemas.microsoft.com/office/drawing/2014/main" id="{CC04480D-2E39-A64A-AF66-88650F8D96EE}"/>
+                  </a:ext>
+                </a:extLst>
+              </p:cNvPr>
+              <p:cNvSpPr>
+                <a:spLocks noRot="1" noChangeAspect="1" noMove="1" noResize="1" noEditPoints="1" noAdjustHandles="1" noChangeArrowheads="1" noChangeShapeType="1" noTextEdit="1"/>
+              </p:cNvSpPr>
+              <p:nvPr/>
+            </p:nvSpPr>
+            <p:spPr>
+              <a:xfrm>
+                <a:off x="448649" y="5918410"/>
+                <a:ext cx="5209424" cy="490860"/>
+              </a:xfrm>
+              <a:prstGeom prst="rect">
+                <a:avLst/>
+              </a:prstGeom>
+              <a:blipFill>
+                <a:blip r:embed="rId3"/>
+                <a:stretch>
+                  <a:fillRect b="-12821"/>
+                </a:stretch>
+              </a:blipFill>
+              <a:ln w="28575">
+                <a:noFill/>
+              </a:ln>
+            </p:spPr>
+            <p:txBody>
+              <a:bodyPr/>
+              <a:lstStyle/>
+              <a:p>
+                <a:r>
+                  <a:rPr lang="en-US">
+                    <a:noFill/>
+                  </a:rPr>
+                  <a:t> </a:t>
+                </a:r>
+              </a:p>
+            </p:txBody>
+          </p:sp>
+        </mc:Fallback>
+      </mc:AlternateContent>
+    </p:spTree>
+    <p:extLst>
+      <p:ext uri="{BB962C8B-B14F-4D97-AF65-F5344CB8AC3E}">
+        <p14:creationId xmlns:p14="http://schemas.microsoft.com/office/powerpoint/2010/main" val="1056024621"/>
+      </p:ext>
+    </p:extLst>
+  </p:cSld>
+  <p:clrMapOvr>
+    <a:masterClrMapping/>
+  </p:clrMapOvr>
+</p:sld>
+</file>
+
+<file path=ppt/slides/slide5.xml><?xml version="1.0" encoding="utf-8"?>
+<p:sld xmlns:a="http://schemas.openxmlformats.org/drawingml/2006/main" xmlns:r="http://schemas.openxmlformats.org/officeDocument/2006/relationships" xmlns:p="http://schemas.openxmlformats.org/presentationml/2006/main">
+  <p:cSld>
+    <p:spTree>
+      <p:nvGrpSpPr>
+        <p:cNvPr id="1" name=""/>
+        <p:cNvGrpSpPr/>
+        <p:nvPr/>
+      </p:nvGrpSpPr>
+      <p:grpSpPr>
+        <a:xfrm>
+          <a:off x="0" y="0"/>
+          <a:ext cx="0" cy="0"/>
+          <a:chOff x="0" y="0"/>
+          <a:chExt cx="0" cy="0"/>
+        </a:xfrm>
+      </p:grpSpPr>
+      <p:sp>
+        <p:nvSpPr>
+          <p:cNvPr id="2" name="Slide Number Placeholder 1">
+            <a:extLst>
+              <a:ext uri="{FF2B5EF4-FFF2-40B4-BE49-F238E27FC236}">
+                <a16:creationId xmlns:a16="http://schemas.microsoft.com/office/drawing/2014/main" id="{E57A78EA-4EE9-8746-BEC8-41270460FFF2}"/>
+              </a:ext>
+            </a:extLst>
+          </p:cNvPr>
+          <p:cNvSpPr>
+            <a:spLocks noGrp="1"/>
+          </p:cNvSpPr>
+          <p:nvPr>
+            <p:ph type="sldNum" sz="quarter" idx="12"/>
+          </p:nvPr>
+        </p:nvSpPr>
+        <p:spPr/>
+        <p:txBody>
+          <a:bodyPr/>
+          <a:lstStyle/>
+          <a:p>
+            <a:fld id="{2D00CA07-45C7-8142-9F4D-3A07AD48DFA1}" type="slidenum">
+              <a:rPr lang="en-US" smtClean="0"/>
+              <a:t>5</a:t>
+            </a:fld>
+            <a:endParaRPr lang="en-US"/>
+          </a:p>
+        </p:txBody>
+      </p:sp>
+    </p:spTree>
+    <p:extLst>
+      <p:ext uri="{BB962C8B-B14F-4D97-AF65-F5344CB8AC3E}">
+        <p14:creationId xmlns:p14="http://schemas.microsoft.com/office/powerpoint/2010/main" val="3676585838"/>
+      </p:ext>
+    </p:extLst>
+  </p:cSld>
+  <p:clrMapOvr>
+    <a:masterClrMapping/>
+  </p:clrMapOvr>
+</p:sld>
+</file>
+
+<file path=ppt/slides/slide6.xml><?xml version="1.0" encoding="utf-8"?>
+<p:sld xmlns:a="http://schemas.openxmlformats.org/drawingml/2006/main" xmlns:r="http://schemas.openxmlformats.org/officeDocument/2006/relationships" xmlns:p="http://schemas.openxmlformats.org/presentationml/2006/main">
+  <p:cSld>
+    <p:spTree>
+      <p:nvGrpSpPr>
+        <p:cNvPr id="1" name=""/>
+        <p:cNvGrpSpPr/>
+        <p:nvPr/>
+      </p:nvGrpSpPr>
+      <p:grpSpPr>
+        <a:xfrm>
+          <a:off x="0" y="0"/>
+          <a:ext cx="0" cy="0"/>
+          <a:chOff x="0" y="0"/>
+          <a:chExt cx="0" cy="0"/>
+        </a:xfrm>
+      </p:grpSpPr>
+      <p:sp>
+        <p:nvSpPr>
+          <p:cNvPr id="2" name="Slide Number Placeholder 1">
+            <a:extLst>
+              <a:ext uri="{FF2B5EF4-FFF2-40B4-BE49-F238E27FC236}">
+                <a16:creationId xmlns:a16="http://schemas.microsoft.com/office/drawing/2014/main" id="{7DA29FE0-3C90-3B46-825F-4D8A7CC71826}"/>
+              </a:ext>
+            </a:extLst>
+          </p:cNvPr>
+          <p:cNvSpPr>
+            <a:spLocks noGrp="1"/>
+          </p:cNvSpPr>
+          <p:nvPr>
+            <p:ph type="sldNum" sz="quarter" idx="12"/>
+          </p:nvPr>
+        </p:nvSpPr>
+        <p:spPr/>
+        <p:txBody>
+          <a:bodyPr/>
+          <a:lstStyle/>
+          <a:p>
+            <a:fld id="{2D00CA07-45C7-8142-9F4D-3A07AD48DFA1}" type="slidenum">
+              <a:rPr lang="en-US" smtClean="0"/>
+              <a:t>6</a:t>
+            </a:fld>
+            <a:endParaRPr lang="en-US"/>
+          </a:p>
+        </p:txBody>
+      </p:sp>
+    </p:spTree>
+    <p:extLst>
+      <p:ext uri="{BB962C8B-B14F-4D97-AF65-F5344CB8AC3E}">
+        <p14:creationId xmlns:p14="http://schemas.microsoft.com/office/powerpoint/2010/main" val="3886266033"/>
+      </p:ext>
+    </p:extLst>
+  </p:cSld>
+  <p:clrMapOvr>
+    <a:masterClrMapping/>
+  </p:clrMapOvr>
+</p:sld>
+</file>
+
+<file path=ppt/slides/slide7.xml><?xml version="1.0" encoding="utf-8"?>
 <p:sld xmlns:a="http://schemas.openxmlformats.org/drawingml/2006/main" xmlns:r="http://schemas.openxmlformats.org/officeDocument/2006/relationships" xmlns:p="http://schemas.openxmlformats.org/presentationml/2006/main" show="0">
   <p:cSld>
     <p:spTree>
@@ -4412,7 +5758,7 @@
           <a:p>
             <a:fld id="{2D00CA07-45C7-8142-9F4D-3A07AD48DFA1}" type="slidenum">
               <a:rPr lang="en-US" smtClean="0"/>
-              <a:t>3</a:t>
+              <a:t>7</a:t>
             </a:fld>
             <a:endParaRPr lang="en-US"/>
           </a:p>
@@ -4606,7 +5952,7 @@
 </p:sld>
 </file>
 
-<file path=ppt/slides/slide4.xml><?xml version="1.0" encoding="utf-8"?>
+<file path=ppt/slides/slide8.xml><?xml version="1.0" encoding="utf-8"?>
 <p:sld xmlns:a="http://schemas.openxmlformats.org/drawingml/2006/main" xmlns:r="http://schemas.openxmlformats.org/officeDocument/2006/relationships" xmlns:p="http://schemas.openxmlformats.org/presentationml/2006/main">
   <p:cSld>
     <p:spTree>
@@ -4646,7 +5992,7 @@
           <a:p>
             <a:fld id="{2D00CA07-45C7-8142-9F4D-3A07AD48DFA1}" type="slidenum">
               <a:rPr lang="en-US" smtClean="0"/>
-              <a:t>4</a:t>
+              <a:t>8</a:t>
             </a:fld>
             <a:endParaRPr lang="en-US"/>
           </a:p>
@@ -4665,7 +6011,7 @@
 </p:sld>
 </file>
 
-<file path=ppt/slides/slide5.xml><?xml version="1.0" encoding="utf-8"?>
+<file path=ppt/slides/slide9.xml><?xml version="1.0" encoding="utf-8"?>
 <p:sld xmlns:a="http://schemas.openxmlformats.org/drawingml/2006/main" xmlns:r="http://schemas.openxmlformats.org/officeDocument/2006/relationships" xmlns:p="http://schemas.openxmlformats.org/presentationml/2006/main" show="0">
   <p:cSld>
     <p:spTree>
@@ -4705,7 +6051,7 @@
           <a:p>
             <a:fld id="{2D00CA07-45C7-8142-9F4D-3A07AD48DFA1}" type="slidenum">
               <a:rPr lang="en-US" smtClean="0"/>
-              <a:t>5</a:t>
+              <a:t>9</a:t>
             </a:fld>
             <a:endParaRPr lang="en-US"/>
           </a:p>
@@ -4795,7 +6141,7 @@
     </p:spTree>
     <p:extLst>
       <p:ext uri="{BB962C8B-B14F-4D97-AF65-F5344CB8AC3E}">
-        <p14:creationId xmlns:p14="http://schemas.microsoft.com/office/powerpoint/2010/main" val="1887103581"/>
+        <p14:creationId xmlns:p14="http://schemas.microsoft.com/office/powerpoint/2010/main" val="888186416"/>
       </p:ext>
     </p:extLst>
   </p:cSld>

--- a/Presentation/slide_deck.pptx
+++ b/Presentation/slide_deck.pptx
@@ -5,18 +5,20 @@
     <p:sldMasterId id="2147483648" r:id="rId1"/>
   </p:sldMasterIdLst>
   <p:notesMasterIdLst>
-    <p:notesMasterId r:id="rId11"/>
+    <p:notesMasterId r:id="rId13"/>
   </p:notesMasterIdLst>
   <p:sldIdLst>
     <p:sldId id="256" r:id="rId2"/>
     <p:sldId id="260" r:id="rId3"/>
     <p:sldId id="259" r:id="rId4"/>
     <p:sldId id="264" r:id="rId5"/>
-    <p:sldId id="265" r:id="rId6"/>
-    <p:sldId id="263" r:id="rId7"/>
-    <p:sldId id="262" r:id="rId8"/>
-    <p:sldId id="261" r:id="rId9"/>
-    <p:sldId id="266" r:id="rId10"/>
+    <p:sldId id="266" r:id="rId6"/>
+    <p:sldId id="265" r:id="rId7"/>
+    <p:sldId id="263" r:id="rId8"/>
+    <p:sldId id="262" r:id="rId9"/>
+    <p:sldId id="261" r:id="rId10"/>
+    <p:sldId id="267" r:id="rId11"/>
+    <p:sldId id="268" r:id="rId12"/>
   </p:sldIdLst>
   <p:sldSz cx="12192000" cy="6858000"/>
   <p:notesSz cx="6858000" cy="9144000"/>
@@ -3886,6 +3888,355 @@
 </p:sld>
 </file>
 
+<file path=ppt/slides/slide10.xml><?xml version="1.0" encoding="utf-8"?>
+<p:sld xmlns:a="http://schemas.openxmlformats.org/drawingml/2006/main" xmlns:r="http://schemas.openxmlformats.org/officeDocument/2006/relationships" xmlns:p="http://schemas.openxmlformats.org/presentationml/2006/main">
+  <p:cSld>
+    <p:spTree>
+      <p:nvGrpSpPr>
+        <p:cNvPr id="1" name=""/>
+        <p:cNvGrpSpPr/>
+        <p:nvPr/>
+      </p:nvGrpSpPr>
+      <p:grpSpPr>
+        <a:xfrm>
+          <a:off x="0" y="0"/>
+          <a:ext cx="0" cy="0"/>
+          <a:chOff x="0" y="0"/>
+          <a:chExt cx="0" cy="0"/>
+        </a:xfrm>
+      </p:grpSpPr>
+      <p:sp>
+        <p:nvSpPr>
+          <p:cNvPr id="2" name="Slide Number Placeholder 1">
+            <a:extLst>
+              <a:ext uri="{FF2B5EF4-FFF2-40B4-BE49-F238E27FC236}">
+                <a16:creationId xmlns:a16="http://schemas.microsoft.com/office/drawing/2014/main" id="{9B12371F-989E-EE43-B20F-90E48B433F0A}"/>
+              </a:ext>
+            </a:extLst>
+          </p:cNvPr>
+          <p:cNvSpPr>
+            <a:spLocks noGrp="1"/>
+          </p:cNvSpPr>
+          <p:nvPr>
+            <p:ph type="sldNum" sz="quarter" idx="12"/>
+          </p:nvPr>
+        </p:nvSpPr>
+        <p:spPr/>
+        <p:txBody>
+          <a:bodyPr/>
+          <a:lstStyle/>
+          <a:p>
+            <a:fld id="{2D00CA07-45C7-8142-9F4D-3A07AD48DFA1}" type="slidenum">
+              <a:rPr lang="en-US" smtClean="0"/>
+              <a:t>10</a:t>
+            </a:fld>
+            <a:endParaRPr lang="en-US"/>
+          </a:p>
+        </p:txBody>
+      </p:sp>
+      <p:sp>
+        <p:nvSpPr>
+          <p:cNvPr id="3" name="TextBox 2">
+            <a:extLst>
+              <a:ext uri="{FF2B5EF4-FFF2-40B4-BE49-F238E27FC236}">
+                <a16:creationId xmlns:a16="http://schemas.microsoft.com/office/drawing/2014/main" id="{2B4E9B55-4425-2740-A108-76FF69BA3D12}"/>
+              </a:ext>
+            </a:extLst>
+          </p:cNvPr>
+          <p:cNvSpPr txBox="1"/>
+          <p:nvPr/>
+        </p:nvSpPr>
+        <p:spPr>
+          <a:xfrm>
+            <a:off x="460713" y="332656"/>
+            <a:ext cx="2487861" cy="553998"/>
+          </a:xfrm>
+          <a:prstGeom prst="rect">
+            <a:avLst/>
+          </a:prstGeom>
+          <a:noFill/>
+        </p:spPr>
+        <p:txBody>
+          <a:bodyPr wrap="none" lIns="0" tIns="0" rIns="0" bIns="0" rtlCol="0">
+            <a:spAutoFit/>
+          </a:bodyPr>
+          <a:lstStyle/>
+          <a:p>
+            <a:r>
+              <a:rPr lang="en-US" sz="3600" b="1" dirty="0">
+                <a:latin typeface="Arial" panose="020B0604020202020204" pitchFamily="34" charset="0"/>
+                <a:cs typeface="Arial" panose="020B0604020202020204" pitchFamily="34" charset="0"/>
+              </a:rPr>
+              <a:t>References</a:t>
+            </a:r>
+          </a:p>
+        </p:txBody>
+      </p:sp>
+      <p:cxnSp>
+        <p:nvCxnSpPr>
+          <p:cNvPr id="4" name="Straight Connector 3">
+            <a:extLst>
+              <a:ext uri="{FF2B5EF4-FFF2-40B4-BE49-F238E27FC236}">
+                <a16:creationId xmlns:a16="http://schemas.microsoft.com/office/drawing/2014/main" id="{CFDF23E1-C7BD-4C48-9E8A-53704A4D662C}"/>
+              </a:ext>
+            </a:extLst>
+          </p:cNvPr>
+          <p:cNvCxnSpPr>
+            <a:cxnSpLocks/>
+          </p:cNvCxnSpPr>
+          <p:nvPr/>
+        </p:nvCxnSpPr>
+        <p:spPr>
+          <a:xfrm>
+            <a:off x="460714" y="886654"/>
+            <a:ext cx="11270573" cy="0"/>
+          </a:xfrm>
+          <a:prstGeom prst="line">
+            <a:avLst/>
+          </a:prstGeom>
+          <a:ln w="38100">
+            <a:solidFill>
+              <a:schemeClr val="tx1"/>
+            </a:solidFill>
+          </a:ln>
+        </p:spPr>
+        <p:style>
+          <a:lnRef idx="1">
+            <a:schemeClr val="accent1"/>
+          </a:lnRef>
+          <a:fillRef idx="0">
+            <a:schemeClr val="accent1"/>
+          </a:fillRef>
+          <a:effectRef idx="0">
+            <a:schemeClr val="accent1"/>
+          </a:effectRef>
+          <a:fontRef idx="minor">
+            <a:schemeClr val="tx1"/>
+          </a:fontRef>
+        </p:style>
+      </p:cxnSp>
+      <p:sp>
+        <p:nvSpPr>
+          <p:cNvPr id="5" name="TextBox 4">
+            <a:extLst>
+              <a:ext uri="{FF2B5EF4-FFF2-40B4-BE49-F238E27FC236}">
+                <a16:creationId xmlns:a16="http://schemas.microsoft.com/office/drawing/2014/main" id="{A282371E-38BA-5141-AE1B-F1AE656FF39C}"/>
+              </a:ext>
+            </a:extLst>
+          </p:cNvPr>
+          <p:cNvSpPr txBox="1"/>
+          <p:nvPr/>
+        </p:nvSpPr>
+        <p:spPr>
+          <a:xfrm>
+            <a:off x="459610" y="1196752"/>
+            <a:ext cx="11033408" cy="2585323"/>
+          </a:xfrm>
+          <a:prstGeom prst="rect">
+            <a:avLst/>
+          </a:prstGeom>
+          <a:noFill/>
+        </p:spPr>
+        <p:txBody>
+          <a:bodyPr wrap="square" lIns="0" tIns="0" rIns="0" bIns="0" rtlCol="0">
+            <a:spAutoFit/>
+          </a:bodyPr>
+          <a:lstStyle/>
+          <a:p>
+            <a:pPr marL="457200" indent="-457200">
+              <a:buFont typeface="+mj-lt"/>
+              <a:buAutoNum type="arabicPeriod"/>
+            </a:pPr>
+            <a:r>
+              <a:rPr lang="en-US" sz="2400" dirty="0">
+                <a:latin typeface="Arial" panose="020B0604020202020204" pitchFamily="34" charset="0"/>
+                <a:cs typeface="Arial" panose="020B0604020202020204" pitchFamily="34" charset="0"/>
+              </a:rPr>
+              <a:t>Lalonde, R. J. (1986), Evaluating the econometric evaluations of training programs with experimental data, The American Economic Review, 76, 604 - 620.</a:t>
+            </a:r>
+          </a:p>
+          <a:p>
+            <a:pPr marL="457200" indent="-457200">
+              <a:buFont typeface="+mj-lt"/>
+              <a:buAutoNum type="arabicPeriod"/>
+            </a:pPr>
+            <a:r>
+              <a:rPr lang="en-US" sz="2400" dirty="0" err="1">
+                <a:latin typeface="Arial" panose="020B0604020202020204" pitchFamily="34" charset="0"/>
+                <a:cs typeface="Arial" panose="020B0604020202020204" pitchFamily="34" charset="0"/>
+              </a:rPr>
+              <a:t>Dehejia</a:t>
+            </a:r>
+            <a:r>
+              <a:rPr lang="en-US" sz="2400" dirty="0">
+                <a:latin typeface="Arial" panose="020B0604020202020204" pitchFamily="34" charset="0"/>
+                <a:cs typeface="Arial" panose="020B0604020202020204" pitchFamily="34" charset="0"/>
+              </a:rPr>
+              <a:t>, R., and Wahba, S. (1999), Causal Effects in Nonexperimental Studies: Reevaluating the Evaluation of Training Programs, Journal of the American Statistical Association, 94, 1053-1062. </a:t>
+            </a:r>
+          </a:p>
+          <a:p>
+            <a:pPr algn="l"/>
+            <a:endParaRPr lang="en-US" sz="2400" dirty="0">
+              <a:latin typeface="Arial" panose="020B0604020202020204" pitchFamily="34" charset="0"/>
+              <a:cs typeface="Arial" panose="020B0604020202020204" pitchFamily="34" charset="0"/>
+            </a:endParaRPr>
+          </a:p>
+        </p:txBody>
+      </p:sp>
+    </p:spTree>
+    <p:extLst>
+      <p:ext uri="{BB962C8B-B14F-4D97-AF65-F5344CB8AC3E}">
+        <p14:creationId xmlns:p14="http://schemas.microsoft.com/office/powerpoint/2010/main" val="2249029831"/>
+      </p:ext>
+    </p:extLst>
+  </p:cSld>
+  <p:clrMapOvr>
+    <a:masterClrMapping/>
+  </p:clrMapOvr>
+</p:sld>
+</file>
+
+<file path=ppt/slides/slide11.xml><?xml version="1.0" encoding="utf-8"?>
+<p:sld xmlns:a="http://schemas.openxmlformats.org/drawingml/2006/main" xmlns:r="http://schemas.openxmlformats.org/officeDocument/2006/relationships" xmlns:p="http://schemas.openxmlformats.org/presentationml/2006/main" show="0">
+  <p:cSld>
+    <p:spTree>
+      <p:nvGrpSpPr>
+        <p:cNvPr id="1" name=""/>
+        <p:cNvGrpSpPr/>
+        <p:nvPr/>
+      </p:nvGrpSpPr>
+      <p:grpSpPr>
+        <a:xfrm>
+          <a:off x="0" y="0"/>
+          <a:ext cx="0" cy="0"/>
+          <a:chOff x="0" y="0"/>
+          <a:chExt cx="0" cy="0"/>
+        </a:xfrm>
+      </p:grpSpPr>
+      <p:sp>
+        <p:nvSpPr>
+          <p:cNvPr id="2" name="Slide Number Placeholder 1">
+            <a:extLst>
+              <a:ext uri="{FF2B5EF4-FFF2-40B4-BE49-F238E27FC236}">
+                <a16:creationId xmlns:a16="http://schemas.microsoft.com/office/drawing/2014/main" id="{9B12371F-989E-EE43-B20F-90E48B433F0A}"/>
+              </a:ext>
+            </a:extLst>
+          </p:cNvPr>
+          <p:cNvSpPr>
+            <a:spLocks noGrp="1"/>
+          </p:cNvSpPr>
+          <p:nvPr>
+            <p:ph type="sldNum" sz="quarter" idx="12"/>
+          </p:nvPr>
+        </p:nvSpPr>
+        <p:spPr/>
+        <p:txBody>
+          <a:bodyPr/>
+          <a:lstStyle/>
+          <a:p>
+            <a:fld id="{2D00CA07-45C7-8142-9F4D-3A07AD48DFA1}" type="slidenum">
+              <a:rPr lang="en-US" smtClean="0"/>
+              <a:t>11</a:t>
+            </a:fld>
+            <a:endParaRPr lang="en-US"/>
+          </a:p>
+        </p:txBody>
+      </p:sp>
+      <p:sp>
+        <p:nvSpPr>
+          <p:cNvPr id="3" name="TextBox 2">
+            <a:extLst>
+              <a:ext uri="{FF2B5EF4-FFF2-40B4-BE49-F238E27FC236}">
+                <a16:creationId xmlns:a16="http://schemas.microsoft.com/office/drawing/2014/main" id="{2B4E9B55-4425-2740-A108-76FF69BA3D12}"/>
+              </a:ext>
+            </a:extLst>
+          </p:cNvPr>
+          <p:cNvSpPr txBox="1"/>
+          <p:nvPr/>
+        </p:nvSpPr>
+        <p:spPr>
+          <a:xfrm>
+            <a:off x="460713" y="332656"/>
+            <a:ext cx="2915542" cy="553998"/>
+          </a:xfrm>
+          <a:prstGeom prst="rect">
+            <a:avLst/>
+          </a:prstGeom>
+          <a:noFill/>
+        </p:spPr>
+        <p:txBody>
+          <a:bodyPr wrap="none" lIns="0" tIns="0" rIns="0" bIns="0" rtlCol="0">
+            <a:spAutoFit/>
+          </a:bodyPr>
+          <a:lstStyle/>
+          <a:p>
+            <a:r>
+              <a:rPr lang="en-US" sz="3600" b="1" dirty="0">
+                <a:latin typeface="Arial" panose="020B0604020202020204" pitchFamily="34" charset="0"/>
+                <a:cs typeface="Arial" panose="020B0604020202020204" pitchFamily="34" charset="0"/>
+              </a:rPr>
+              <a:t>This is a Title</a:t>
+            </a:r>
+          </a:p>
+        </p:txBody>
+      </p:sp>
+      <p:cxnSp>
+        <p:nvCxnSpPr>
+          <p:cNvPr id="4" name="Straight Connector 3">
+            <a:extLst>
+              <a:ext uri="{FF2B5EF4-FFF2-40B4-BE49-F238E27FC236}">
+                <a16:creationId xmlns:a16="http://schemas.microsoft.com/office/drawing/2014/main" id="{CFDF23E1-C7BD-4C48-9E8A-53704A4D662C}"/>
+              </a:ext>
+            </a:extLst>
+          </p:cNvPr>
+          <p:cNvCxnSpPr>
+            <a:cxnSpLocks/>
+          </p:cNvCxnSpPr>
+          <p:nvPr/>
+        </p:nvCxnSpPr>
+        <p:spPr>
+          <a:xfrm>
+            <a:off x="460714" y="886654"/>
+            <a:ext cx="11270573" cy="0"/>
+          </a:xfrm>
+          <a:prstGeom prst="line">
+            <a:avLst/>
+          </a:prstGeom>
+          <a:ln w="38100">
+            <a:solidFill>
+              <a:schemeClr val="tx1"/>
+            </a:solidFill>
+          </a:ln>
+        </p:spPr>
+        <p:style>
+          <a:lnRef idx="1">
+            <a:schemeClr val="accent1"/>
+          </a:lnRef>
+          <a:fillRef idx="0">
+            <a:schemeClr val="accent1"/>
+          </a:fillRef>
+          <a:effectRef idx="0">
+            <a:schemeClr val="accent1"/>
+          </a:effectRef>
+          <a:fontRef idx="minor">
+            <a:schemeClr val="tx1"/>
+          </a:fontRef>
+        </p:style>
+      </p:cxnSp>
+    </p:spTree>
+    <p:extLst>
+      <p:ext uri="{BB962C8B-B14F-4D97-AF65-F5344CB8AC3E}">
+        <p14:creationId xmlns:p14="http://schemas.microsoft.com/office/powerpoint/2010/main" val="4287484339"/>
+      </p:ext>
+    </p:extLst>
+  </p:cSld>
+  <p:clrMapOvr>
+    <a:masterClrMapping/>
+  </p:clrMapOvr>
+</p:sld>
+</file>
+
 <file path=ppt/slides/slide2.xml><?xml version="1.0" encoding="utf-8"?>
 <p:sld xmlns:a="http://schemas.openxmlformats.org/drawingml/2006/main" xmlns:r="http://schemas.openxmlformats.org/officeDocument/2006/relationships" xmlns:p="http://schemas.openxmlformats.org/presentationml/2006/main" show="0">
   <p:cSld>
@@ -4437,7 +4788,7 @@
         <p:spPr>
           <a:xfrm>
             <a:off x="460713" y="332656"/>
-            <a:ext cx="3949799" cy="553998"/>
+            <a:ext cx="5539978" cy="553998"/>
           </a:xfrm>
           <a:prstGeom prst="rect">
             <a:avLst/>
@@ -4455,7 +4806,7 @@
                 <a:latin typeface="Arial" panose="020B0604020202020204" pitchFamily="34" charset="0"/>
                 <a:cs typeface="Arial" panose="020B0604020202020204" pitchFamily="34" charset="0"/>
               </a:rPr>
-              <a:t>Modeling Process</a:t>
+              <a:t>Data &amp; Modeling Process</a:t>
             </a:r>
           </a:p>
         </p:txBody>
@@ -4503,507 +4854,687 @@
           </a:fontRef>
         </p:style>
       </p:cxnSp>
-      <p:sp>
-        <p:nvSpPr>
-          <p:cNvPr id="5" name="Rectangle 4">
-            <a:extLst>
-              <a:ext uri="{FF2B5EF4-FFF2-40B4-BE49-F238E27FC236}">
-                <a16:creationId xmlns:a16="http://schemas.microsoft.com/office/drawing/2014/main" id="{51A6D943-D3C6-704C-B71D-862CD909B942}"/>
-              </a:ext>
-            </a:extLst>
-          </p:cNvPr>
-          <p:cNvSpPr/>
+      <p:grpSp>
+        <p:nvGrpSpPr>
+          <p:cNvPr id="36" name="Group 35">
+            <a:extLst>
+              <a:ext uri="{FF2B5EF4-FFF2-40B4-BE49-F238E27FC236}">
+                <a16:creationId xmlns:a16="http://schemas.microsoft.com/office/drawing/2014/main" id="{20062656-0DEB-B24A-9017-3FB5B5FE29CA}"/>
+              </a:ext>
+            </a:extLst>
+          </p:cNvPr>
+          <p:cNvGrpSpPr/>
+          <p:nvPr/>
+        </p:nvGrpSpPr>
+        <p:grpSpPr>
+          <a:xfrm>
+            <a:off x="460713" y="4563932"/>
+            <a:ext cx="11270574" cy="864080"/>
+            <a:chOff x="443945" y="4653136"/>
+            <a:chExt cx="11270574" cy="864080"/>
+          </a:xfrm>
+        </p:grpSpPr>
+        <p:sp>
+          <p:nvSpPr>
+            <p:cNvPr id="5" name="Rectangle 4">
+              <a:extLst>
+                <a:ext uri="{FF2B5EF4-FFF2-40B4-BE49-F238E27FC236}">
+                  <a16:creationId xmlns:a16="http://schemas.microsoft.com/office/drawing/2014/main" id="{51A6D943-D3C6-704C-B71D-862CD909B942}"/>
+                </a:ext>
+              </a:extLst>
+            </p:cNvPr>
+            <p:cNvSpPr/>
+            <p:nvPr/>
+          </p:nvSpPr>
+          <p:spPr>
+            <a:xfrm>
+              <a:off x="443945" y="4653136"/>
+              <a:ext cx="1242799" cy="864080"/>
+            </a:xfrm>
+            <a:prstGeom prst="rect">
+              <a:avLst/>
+            </a:prstGeom>
+            <a:solidFill>
+              <a:schemeClr val="bg1">
+                <a:lumMod val="95000"/>
+              </a:schemeClr>
+            </a:solidFill>
+            <a:ln w="28575">
+              <a:solidFill>
+                <a:schemeClr val="tx1"/>
+              </a:solidFill>
+            </a:ln>
+          </p:spPr>
+          <p:style>
+            <a:lnRef idx="2">
+              <a:schemeClr val="accent1">
+                <a:shade val="50000"/>
+              </a:schemeClr>
+            </a:lnRef>
+            <a:fillRef idx="1">
+              <a:schemeClr val="accent1"/>
+            </a:fillRef>
+            <a:effectRef idx="0">
+              <a:schemeClr val="accent1"/>
+            </a:effectRef>
+            <a:fontRef idx="minor">
+              <a:schemeClr val="lt1"/>
+            </a:fontRef>
+          </p:style>
+          <p:txBody>
+            <a:bodyPr rtlCol="0" anchor="ctr"/>
+            <a:lstStyle/>
+            <a:p>
+              <a:pPr algn="ctr"/>
+              <a:r>
+                <a:rPr lang="en-US" sz="2400" dirty="0">
+                  <a:solidFill>
+                    <a:schemeClr val="tx1"/>
+                  </a:solidFill>
+                  <a:latin typeface="Arial" panose="020B0604020202020204" pitchFamily="34" charset="0"/>
+                  <a:cs typeface="Arial" panose="020B0604020202020204" pitchFamily="34" charset="0"/>
+                </a:rPr>
+                <a:t>EDA</a:t>
+              </a:r>
+            </a:p>
+          </p:txBody>
+        </p:sp>
+        <p:sp>
+          <p:nvSpPr>
+            <p:cNvPr id="9" name="Rectangle 8">
+              <a:extLst>
+                <a:ext uri="{FF2B5EF4-FFF2-40B4-BE49-F238E27FC236}">
+                  <a16:creationId xmlns:a16="http://schemas.microsoft.com/office/drawing/2014/main" id="{AF3BB73F-EDA3-524A-9402-C0B173CBC247}"/>
+                </a:ext>
+              </a:extLst>
+            </p:cNvPr>
+            <p:cNvSpPr/>
+            <p:nvPr/>
+          </p:nvSpPr>
+          <p:spPr>
+            <a:xfrm>
+              <a:off x="2285476" y="4653136"/>
+              <a:ext cx="1944216" cy="864080"/>
+            </a:xfrm>
+            <a:prstGeom prst="rect">
+              <a:avLst/>
+            </a:prstGeom>
+            <a:solidFill>
+              <a:schemeClr val="bg1">
+                <a:lumMod val="95000"/>
+              </a:schemeClr>
+            </a:solidFill>
+            <a:ln w="28575">
+              <a:solidFill>
+                <a:schemeClr val="tx1"/>
+              </a:solidFill>
+            </a:ln>
+          </p:spPr>
+          <p:style>
+            <a:lnRef idx="2">
+              <a:schemeClr val="accent1">
+                <a:shade val="50000"/>
+              </a:schemeClr>
+            </a:lnRef>
+            <a:fillRef idx="1">
+              <a:schemeClr val="accent1"/>
+            </a:fillRef>
+            <a:effectRef idx="0">
+              <a:schemeClr val="accent1"/>
+            </a:effectRef>
+            <a:fontRef idx="minor">
+              <a:schemeClr val="lt1"/>
+            </a:fontRef>
+          </p:style>
+          <p:txBody>
+            <a:bodyPr rtlCol="0" anchor="ctr"/>
+            <a:lstStyle/>
+            <a:p>
+              <a:pPr algn="ctr"/>
+              <a:r>
+                <a:rPr lang="en-US" sz="2400" dirty="0">
+                  <a:solidFill>
+                    <a:schemeClr val="tx1"/>
+                  </a:solidFill>
+                  <a:latin typeface="Arial" panose="020B0604020202020204" pitchFamily="34" charset="0"/>
+                  <a:cs typeface="Arial" panose="020B0604020202020204" pitchFamily="34" charset="0"/>
+                </a:rPr>
+                <a:t>Experiments</a:t>
+              </a:r>
+            </a:p>
+          </p:txBody>
+        </p:sp>
+        <p:cxnSp>
+          <p:nvCxnSpPr>
+            <p:cNvPr id="11" name="Straight Arrow Connector 10">
+              <a:extLst>
+                <a:ext uri="{FF2B5EF4-FFF2-40B4-BE49-F238E27FC236}">
+                  <a16:creationId xmlns:a16="http://schemas.microsoft.com/office/drawing/2014/main" id="{4B903348-6DD5-D545-8CB0-2C0E22A9049A}"/>
+                </a:ext>
+              </a:extLst>
+            </p:cNvPr>
+            <p:cNvCxnSpPr>
+              <a:cxnSpLocks/>
+            </p:cNvCxnSpPr>
+            <p:nvPr/>
+          </p:nvCxnSpPr>
+          <p:spPr>
+            <a:xfrm>
+              <a:off x="1686744" y="5085176"/>
+              <a:ext cx="598732" cy="0"/>
+            </a:xfrm>
+            <a:prstGeom prst="straightConnector1">
+              <a:avLst/>
+            </a:prstGeom>
+            <a:ln w="57150">
+              <a:solidFill>
+                <a:schemeClr val="tx1"/>
+              </a:solidFill>
+              <a:tailEnd type="triangle"/>
+            </a:ln>
+          </p:spPr>
+          <p:style>
+            <a:lnRef idx="1">
+              <a:schemeClr val="accent1"/>
+            </a:lnRef>
+            <a:fillRef idx="0">
+              <a:schemeClr val="accent1"/>
+            </a:fillRef>
+            <a:effectRef idx="0">
+              <a:schemeClr val="accent1"/>
+            </a:effectRef>
+            <a:fontRef idx="minor">
+              <a:schemeClr val="tx1"/>
+            </a:fontRef>
+          </p:style>
+        </p:cxnSp>
+        <p:sp>
+          <p:nvSpPr>
+            <p:cNvPr id="14" name="Rectangle 13">
+              <a:extLst>
+                <a:ext uri="{FF2B5EF4-FFF2-40B4-BE49-F238E27FC236}">
+                  <a16:creationId xmlns:a16="http://schemas.microsoft.com/office/drawing/2014/main" id="{B5B08CAE-0FBB-6D44-BBF0-75F8C5CB7CD8}"/>
+                </a:ext>
+              </a:extLst>
+            </p:cNvPr>
+            <p:cNvSpPr/>
+            <p:nvPr/>
+          </p:nvSpPr>
+          <p:spPr>
+            <a:xfrm>
+              <a:off x="4828424" y="4653136"/>
+              <a:ext cx="1944216" cy="864080"/>
+            </a:xfrm>
+            <a:prstGeom prst="rect">
+              <a:avLst/>
+            </a:prstGeom>
+            <a:solidFill>
+              <a:schemeClr val="bg1">
+                <a:lumMod val="95000"/>
+              </a:schemeClr>
+            </a:solidFill>
+            <a:ln w="28575">
+              <a:solidFill>
+                <a:schemeClr val="tx1"/>
+              </a:solidFill>
+            </a:ln>
+          </p:spPr>
+          <p:style>
+            <a:lnRef idx="2">
+              <a:schemeClr val="accent1">
+                <a:shade val="50000"/>
+              </a:schemeClr>
+            </a:lnRef>
+            <a:fillRef idx="1">
+              <a:schemeClr val="accent1"/>
+            </a:fillRef>
+            <a:effectRef idx="0">
+              <a:schemeClr val="accent1"/>
+            </a:effectRef>
+            <a:fontRef idx="minor">
+              <a:schemeClr val="lt1"/>
+            </a:fontRef>
+          </p:style>
+          <p:txBody>
+            <a:bodyPr rtlCol="0" anchor="ctr"/>
+            <a:lstStyle/>
+            <a:p>
+              <a:pPr algn="ctr"/>
+              <a:r>
+                <a:rPr lang="en-US" sz="2400" dirty="0">
+                  <a:solidFill>
+                    <a:schemeClr val="tx1"/>
+                  </a:solidFill>
+                  <a:latin typeface="Arial" panose="020B0604020202020204" pitchFamily="34" charset="0"/>
+                  <a:cs typeface="Arial" panose="020B0604020202020204" pitchFamily="34" charset="0"/>
+                </a:rPr>
+                <a:t>Stepwise Regression</a:t>
+              </a:r>
+            </a:p>
+          </p:txBody>
+        </p:sp>
+        <p:sp>
+          <p:nvSpPr>
+            <p:cNvPr id="17" name="Rectangle 16">
+              <a:extLst>
+                <a:ext uri="{FF2B5EF4-FFF2-40B4-BE49-F238E27FC236}">
+                  <a16:creationId xmlns:a16="http://schemas.microsoft.com/office/drawing/2014/main" id="{67958A4B-3DF5-8644-8862-76793BED6B1B}"/>
+                </a:ext>
+              </a:extLst>
+            </p:cNvPr>
+            <p:cNvSpPr/>
+            <p:nvPr/>
+          </p:nvSpPr>
+          <p:spPr>
+            <a:xfrm>
+              <a:off x="7371372" y="4653136"/>
+              <a:ext cx="1800200" cy="864080"/>
+            </a:xfrm>
+            <a:prstGeom prst="rect">
+              <a:avLst/>
+            </a:prstGeom>
+            <a:solidFill>
+              <a:schemeClr val="bg1">
+                <a:lumMod val="95000"/>
+              </a:schemeClr>
+            </a:solidFill>
+            <a:ln w="28575">
+              <a:solidFill>
+                <a:schemeClr val="tx1"/>
+              </a:solidFill>
+            </a:ln>
+          </p:spPr>
+          <p:style>
+            <a:lnRef idx="2">
+              <a:schemeClr val="accent1">
+                <a:shade val="50000"/>
+              </a:schemeClr>
+            </a:lnRef>
+            <a:fillRef idx="1">
+              <a:schemeClr val="accent1"/>
+            </a:fillRef>
+            <a:effectRef idx="0">
+              <a:schemeClr val="accent1"/>
+            </a:effectRef>
+            <a:fontRef idx="minor">
+              <a:schemeClr val="lt1"/>
+            </a:fontRef>
+          </p:style>
+          <p:txBody>
+            <a:bodyPr rtlCol="0" anchor="ctr"/>
+            <a:lstStyle/>
+            <a:p>
+              <a:pPr algn="ctr"/>
+              <a:r>
+                <a:rPr lang="en-US" sz="2400" dirty="0">
+                  <a:solidFill>
+                    <a:schemeClr val="tx1"/>
+                  </a:solidFill>
+                  <a:latin typeface="Arial" panose="020B0604020202020204" pitchFamily="34" charset="0"/>
+                  <a:cs typeface="Arial" panose="020B0604020202020204" pitchFamily="34" charset="0"/>
+                </a:rPr>
+                <a:t>Testing Interactions</a:t>
+              </a:r>
+            </a:p>
+          </p:txBody>
+        </p:sp>
+        <p:sp>
+          <p:nvSpPr>
+            <p:cNvPr id="21" name="Rectangle 20">
+              <a:extLst>
+                <a:ext uri="{FF2B5EF4-FFF2-40B4-BE49-F238E27FC236}">
+                  <a16:creationId xmlns:a16="http://schemas.microsoft.com/office/drawing/2014/main" id="{A19A4E76-2EE5-DB46-8046-D224EF877A7B}"/>
+                </a:ext>
+              </a:extLst>
+            </p:cNvPr>
+            <p:cNvSpPr/>
+            <p:nvPr/>
+          </p:nvSpPr>
+          <p:spPr>
+            <a:xfrm>
+              <a:off x="9770303" y="4653136"/>
+              <a:ext cx="1944216" cy="864080"/>
+            </a:xfrm>
+            <a:prstGeom prst="rect">
+              <a:avLst/>
+            </a:prstGeom>
+            <a:solidFill>
+              <a:schemeClr val="bg1">
+                <a:lumMod val="95000"/>
+              </a:schemeClr>
+            </a:solidFill>
+            <a:ln w="28575">
+              <a:solidFill>
+                <a:schemeClr val="tx1"/>
+              </a:solidFill>
+            </a:ln>
+          </p:spPr>
+          <p:style>
+            <a:lnRef idx="2">
+              <a:schemeClr val="accent1">
+                <a:shade val="50000"/>
+              </a:schemeClr>
+            </a:lnRef>
+            <a:fillRef idx="1">
+              <a:schemeClr val="accent1"/>
+            </a:fillRef>
+            <a:effectRef idx="0">
+              <a:schemeClr val="accent1"/>
+            </a:effectRef>
+            <a:fontRef idx="minor">
+              <a:schemeClr val="lt1"/>
+            </a:fontRef>
+          </p:style>
+          <p:txBody>
+            <a:bodyPr rtlCol="0" anchor="ctr"/>
+            <a:lstStyle/>
+            <a:p>
+              <a:pPr algn="ctr"/>
+              <a:r>
+                <a:rPr lang="en-US" sz="2400" dirty="0">
+                  <a:solidFill>
+                    <a:schemeClr val="tx1"/>
+                  </a:solidFill>
+                  <a:latin typeface="Arial" panose="020B0604020202020204" pitchFamily="34" charset="0"/>
+                  <a:cs typeface="Arial" panose="020B0604020202020204" pitchFamily="34" charset="0"/>
+                </a:rPr>
+                <a:t>Model Assessment</a:t>
+              </a:r>
+            </a:p>
+          </p:txBody>
+        </p:sp>
+        <p:cxnSp>
+          <p:nvCxnSpPr>
+            <p:cNvPr id="26" name="Straight Arrow Connector 25">
+              <a:extLst>
+                <a:ext uri="{FF2B5EF4-FFF2-40B4-BE49-F238E27FC236}">
+                  <a16:creationId xmlns:a16="http://schemas.microsoft.com/office/drawing/2014/main" id="{6FCAC956-B87F-CE4D-9A15-03E102B15299}"/>
+                </a:ext>
+              </a:extLst>
+            </p:cNvPr>
+            <p:cNvCxnSpPr>
+              <a:cxnSpLocks/>
+            </p:cNvCxnSpPr>
+            <p:nvPr/>
+          </p:nvCxnSpPr>
+          <p:spPr>
+            <a:xfrm>
+              <a:off x="4229692" y="5085176"/>
+              <a:ext cx="598732" cy="0"/>
+            </a:xfrm>
+            <a:prstGeom prst="straightConnector1">
+              <a:avLst/>
+            </a:prstGeom>
+            <a:ln w="57150">
+              <a:solidFill>
+                <a:schemeClr val="tx1"/>
+              </a:solidFill>
+              <a:tailEnd type="triangle"/>
+            </a:ln>
+          </p:spPr>
+          <p:style>
+            <a:lnRef idx="1">
+              <a:schemeClr val="accent1"/>
+            </a:lnRef>
+            <a:fillRef idx="0">
+              <a:schemeClr val="accent1"/>
+            </a:fillRef>
+            <a:effectRef idx="0">
+              <a:schemeClr val="accent1"/>
+            </a:effectRef>
+            <a:fontRef idx="minor">
+              <a:schemeClr val="tx1"/>
+            </a:fontRef>
+          </p:style>
+        </p:cxnSp>
+        <p:cxnSp>
+          <p:nvCxnSpPr>
+            <p:cNvPr id="27" name="Straight Arrow Connector 26">
+              <a:extLst>
+                <a:ext uri="{FF2B5EF4-FFF2-40B4-BE49-F238E27FC236}">
+                  <a16:creationId xmlns:a16="http://schemas.microsoft.com/office/drawing/2014/main" id="{8B7CFED4-BB38-704C-B0A5-095B44255B60}"/>
+                </a:ext>
+              </a:extLst>
+            </p:cNvPr>
+            <p:cNvCxnSpPr>
+              <a:cxnSpLocks/>
+            </p:cNvCxnSpPr>
+            <p:nvPr/>
+          </p:nvCxnSpPr>
+          <p:spPr>
+            <a:xfrm>
+              <a:off x="6772640" y="5085176"/>
+              <a:ext cx="598732" cy="0"/>
+            </a:xfrm>
+            <a:prstGeom prst="straightConnector1">
+              <a:avLst/>
+            </a:prstGeom>
+            <a:ln w="57150">
+              <a:solidFill>
+                <a:schemeClr val="tx1"/>
+              </a:solidFill>
+              <a:tailEnd type="triangle"/>
+            </a:ln>
+          </p:spPr>
+          <p:style>
+            <a:lnRef idx="1">
+              <a:schemeClr val="accent1"/>
+            </a:lnRef>
+            <a:fillRef idx="0">
+              <a:schemeClr val="accent1"/>
+            </a:fillRef>
+            <a:effectRef idx="0">
+              <a:schemeClr val="accent1"/>
+            </a:effectRef>
+            <a:fontRef idx="minor">
+              <a:schemeClr val="tx1"/>
+            </a:fontRef>
+          </p:style>
+        </p:cxnSp>
+        <p:cxnSp>
+          <p:nvCxnSpPr>
+            <p:cNvPr id="28" name="Straight Arrow Connector 27">
+              <a:extLst>
+                <a:ext uri="{FF2B5EF4-FFF2-40B4-BE49-F238E27FC236}">
+                  <a16:creationId xmlns:a16="http://schemas.microsoft.com/office/drawing/2014/main" id="{A2AE797E-8991-A946-BE59-37E1E1DE5291}"/>
+                </a:ext>
+              </a:extLst>
+            </p:cNvPr>
+            <p:cNvCxnSpPr>
+              <a:cxnSpLocks/>
+            </p:cNvCxnSpPr>
+            <p:nvPr/>
+          </p:nvCxnSpPr>
+          <p:spPr>
+            <a:xfrm>
+              <a:off x="9171572" y="5085176"/>
+              <a:ext cx="598732" cy="0"/>
+            </a:xfrm>
+            <a:prstGeom prst="straightConnector1">
+              <a:avLst/>
+            </a:prstGeom>
+            <a:ln w="57150">
+              <a:solidFill>
+                <a:schemeClr val="tx1"/>
+              </a:solidFill>
+              <a:tailEnd type="triangle"/>
+            </a:ln>
+          </p:spPr>
+          <p:style>
+            <a:lnRef idx="1">
+              <a:schemeClr val="accent1"/>
+            </a:lnRef>
+            <a:fillRef idx="0">
+              <a:schemeClr val="accent1"/>
+            </a:fillRef>
+            <a:effectRef idx="0">
+              <a:schemeClr val="accent1"/>
+            </a:effectRef>
+            <a:fontRef idx="minor">
+              <a:schemeClr val="tx1"/>
+            </a:fontRef>
+          </p:style>
+        </p:cxnSp>
+      </p:grpSp>
+      <p:sp>
+        <p:nvSpPr>
+          <p:cNvPr id="33" name="TextBox 32">
+            <a:extLst>
+              <a:ext uri="{FF2B5EF4-FFF2-40B4-BE49-F238E27FC236}">
+                <a16:creationId xmlns:a16="http://schemas.microsoft.com/office/drawing/2014/main" id="{BFAE091F-869F-3C44-B19B-737ECE4E6FE2}"/>
+              </a:ext>
+            </a:extLst>
+          </p:cNvPr>
+          <p:cNvSpPr txBox="1"/>
           <p:nvPr/>
         </p:nvSpPr>
         <p:spPr>
           <a:xfrm>
-            <a:off x="443945" y="2996960"/>
-            <a:ext cx="1242799" cy="864080"/>
+            <a:off x="460713" y="1321432"/>
+            <a:ext cx="1232710" cy="369332"/>
           </a:xfrm>
           <a:prstGeom prst="rect">
             <a:avLst/>
           </a:prstGeom>
-          <a:solidFill>
-            <a:schemeClr val="bg1">
-              <a:lumMod val="95000"/>
-            </a:schemeClr>
-          </a:solidFill>
-          <a:ln w="28575">
-            <a:solidFill>
-              <a:schemeClr val="tx1"/>
-            </a:solidFill>
-          </a:ln>
+          <a:noFill/>
         </p:spPr>
-        <p:style>
-          <a:lnRef idx="2">
-            <a:schemeClr val="accent1">
-              <a:shade val="50000"/>
-            </a:schemeClr>
-          </a:lnRef>
-          <a:fillRef idx="1">
-            <a:schemeClr val="accent1"/>
-          </a:fillRef>
-          <a:effectRef idx="0">
-            <a:schemeClr val="accent1"/>
-          </a:effectRef>
-          <a:fontRef idx="minor">
-            <a:schemeClr val="lt1"/>
-          </a:fontRef>
-        </p:style>
-        <p:txBody>
-          <a:bodyPr rtlCol="0" anchor="ctr"/>
-          <a:lstStyle/>
-          <a:p>
-            <a:pPr algn="ctr"/>
-            <a:r>
-              <a:rPr lang="en-US" sz="2400" dirty="0">
-                <a:solidFill>
-                  <a:schemeClr val="tx1"/>
-                </a:solidFill>
+        <p:txBody>
+          <a:bodyPr wrap="none" lIns="0" tIns="0" rIns="0" bIns="0" rtlCol="0">
+            <a:spAutoFit/>
+          </a:bodyPr>
+          <a:lstStyle/>
+          <a:p>
+            <a:pPr algn="l"/>
+            <a:r>
+              <a:rPr lang="en-US" sz="2400" b="1" dirty="0">
                 <a:latin typeface="Arial" panose="020B0604020202020204" pitchFamily="34" charset="0"/>
                 <a:cs typeface="Arial" panose="020B0604020202020204" pitchFamily="34" charset="0"/>
               </a:rPr>
-              <a:t>EDA</a:t>
-            </a:r>
-          </a:p>
-        </p:txBody>
-      </p:sp>
-      <p:sp>
-        <p:nvSpPr>
-          <p:cNvPr id="9" name="Rectangle 8">
-            <a:extLst>
-              <a:ext uri="{FF2B5EF4-FFF2-40B4-BE49-F238E27FC236}">
-                <a16:creationId xmlns:a16="http://schemas.microsoft.com/office/drawing/2014/main" id="{AF3BB73F-EDA3-524A-9402-C0B173CBC247}"/>
-              </a:ext>
-            </a:extLst>
-          </p:cNvPr>
-          <p:cNvSpPr/>
+              <a:t>Data Set</a:t>
+            </a:r>
+          </a:p>
+        </p:txBody>
+      </p:sp>
+      <p:sp>
+        <p:nvSpPr>
+          <p:cNvPr id="34" name="TextBox 33">
+            <a:extLst>
+              <a:ext uri="{FF2B5EF4-FFF2-40B4-BE49-F238E27FC236}">
+                <a16:creationId xmlns:a16="http://schemas.microsoft.com/office/drawing/2014/main" id="{D69B2B82-5E2A-D246-B549-2E24788E3161}"/>
+              </a:ext>
+            </a:extLst>
+          </p:cNvPr>
+          <p:cNvSpPr txBox="1"/>
           <p:nvPr/>
         </p:nvSpPr>
         <p:spPr>
           <a:xfrm>
-            <a:off x="2285476" y="2996960"/>
-            <a:ext cx="1944216" cy="864080"/>
+            <a:off x="460713" y="1736390"/>
+            <a:ext cx="11253806" cy="1477328"/>
           </a:xfrm>
           <a:prstGeom prst="rect">
             <a:avLst/>
           </a:prstGeom>
-          <a:solidFill>
-            <a:schemeClr val="bg1">
-              <a:lumMod val="95000"/>
-            </a:schemeClr>
-          </a:solidFill>
-          <a:ln w="28575">
-            <a:solidFill>
-              <a:schemeClr val="tx1"/>
-            </a:solidFill>
-          </a:ln>
+          <a:noFill/>
         </p:spPr>
-        <p:style>
-          <a:lnRef idx="2">
-            <a:schemeClr val="accent1">
-              <a:shade val="50000"/>
-            </a:schemeClr>
-          </a:lnRef>
-          <a:fillRef idx="1">
-            <a:schemeClr val="accent1"/>
-          </a:fillRef>
-          <a:effectRef idx="0">
-            <a:schemeClr val="accent1"/>
-          </a:effectRef>
-          <a:fontRef idx="minor">
-            <a:schemeClr val="lt1"/>
-          </a:fontRef>
-        </p:style>
-        <p:txBody>
-          <a:bodyPr rtlCol="0" anchor="ctr"/>
-          <a:lstStyle/>
-          <a:p>
-            <a:pPr algn="ctr"/>
+        <p:txBody>
+          <a:bodyPr wrap="square" lIns="0" tIns="0" rIns="0" bIns="0" rtlCol="0">
+            <a:spAutoFit/>
+          </a:bodyPr>
+          <a:lstStyle/>
+          <a:p>
+            <a:pPr marL="342900" indent="-342900" algn="l">
+              <a:buFont typeface="Arial" panose="020B0604020202020204" pitchFamily="34" charset="0"/>
+              <a:buChar char="•"/>
+            </a:pPr>
             <a:r>
               <a:rPr lang="en-US" sz="2400" dirty="0">
-                <a:solidFill>
-                  <a:schemeClr val="tx1"/>
-                </a:solidFill>
                 <a:latin typeface="Arial" panose="020B0604020202020204" pitchFamily="34" charset="0"/>
                 <a:cs typeface="Arial" panose="020B0604020202020204" pitchFamily="34" charset="0"/>
               </a:rPr>
-              <a:t>Experiments</a:t>
-            </a:r>
-          </a:p>
-        </p:txBody>
-      </p:sp>
-      <p:cxnSp>
-        <p:nvCxnSpPr>
-          <p:cNvPr id="11" name="Straight Arrow Connector 10">
-            <a:extLst>
-              <a:ext uri="{FF2B5EF4-FFF2-40B4-BE49-F238E27FC236}">
-                <a16:creationId xmlns:a16="http://schemas.microsoft.com/office/drawing/2014/main" id="{4B903348-6DD5-D545-8CB0-2C0E22A9049A}"/>
-              </a:ext>
-            </a:extLst>
-          </p:cNvPr>
-          <p:cNvCxnSpPr>
-            <a:cxnSpLocks/>
-          </p:cNvCxnSpPr>
+              <a:t>Collected by Robert LaLonde [1] in the 1970s </a:t>
+            </a:r>
+          </a:p>
+          <a:p>
+            <a:pPr marL="342900" indent="-342900" algn="l">
+              <a:buFont typeface="Arial" panose="020B0604020202020204" pitchFamily="34" charset="0"/>
+              <a:buChar char="•"/>
+            </a:pPr>
+            <a:r>
+              <a:rPr lang="en-US" sz="2400" dirty="0">
+                <a:latin typeface="Arial" panose="020B0604020202020204" pitchFamily="34" charset="0"/>
+                <a:cs typeface="Arial" panose="020B0604020202020204" pitchFamily="34" charset="0"/>
+              </a:rPr>
+              <a:t>Studies effect of job training for disadvantaged workers on earnings</a:t>
+            </a:r>
+          </a:p>
+          <a:p>
+            <a:pPr marL="342900" indent="-342900" algn="l">
+              <a:buFont typeface="Arial" panose="020B0604020202020204" pitchFamily="34" charset="0"/>
+              <a:buChar char="•"/>
+            </a:pPr>
+            <a:r>
+              <a:rPr lang="en-US" sz="2400" dirty="0">
+                <a:latin typeface="Arial" panose="020B0604020202020204" pitchFamily="34" charset="0"/>
+                <a:cs typeface="Arial" panose="020B0604020202020204" pitchFamily="34" charset="0"/>
+              </a:rPr>
+              <a:t>Recorded information on demographics, education status and prior wages</a:t>
+            </a:r>
+          </a:p>
+          <a:p>
+            <a:pPr marL="342900" indent="-342900" algn="l">
+              <a:buFont typeface="Arial" panose="020B0604020202020204" pitchFamily="34" charset="0"/>
+              <a:buChar char="•"/>
+            </a:pPr>
+            <a:r>
+              <a:rPr lang="en-US" sz="2400" dirty="0">
+                <a:latin typeface="Arial" panose="020B0604020202020204" pitchFamily="34" charset="0"/>
+                <a:cs typeface="Arial" panose="020B0604020202020204" pitchFamily="34" charset="0"/>
+              </a:rPr>
+              <a:t>Only male participants</a:t>
+            </a:r>
+          </a:p>
+        </p:txBody>
+      </p:sp>
+      <p:sp>
+        <p:nvSpPr>
+          <p:cNvPr id="35" name="TextBox 34">
+            <a:extLst>
+              <a:ext uri="{FF2B5EF4-FFF2-40B4-BE49-F238E27FC236}">
+                <a16:creationId xmlns:a16="http://schemas.microsoft.com/office/drawing/2014/main" id="{B23CE074-CF8F-7142-B39F-9192279925BF}"/>
+              </a:ext>
+            </a:extLst>
+          </p:cNvPr>
+          <p:cNvSpPr txBox="1"/>
           <p:nvPr/>
-        </p:nvCxnSpPr>
+        </p:nvSpPr>
         <p:spPr>
           <a:xfrm>
-            <a:off x="1686744" y="3429000"/>
-            <a:ext cx="598732" cy="0"/>
-          </a:xfrm>
-          <a:prstGeom prst="straightConnector1">
-            <a:avLst/>
-          </a:prstGeom>
-          <a:ln w="57150">
-            <a:solidFill>
-              <a:schemeClr val="tx1"/>
-            </a:solidFill>
-            <a:tailEnd type="triangle"/>
-          </a:ln>
-        </p:spPr>
-        <p:style>
-          <a:lnRef idx="1">
-            <a:schemeClr val="accent1"/>
-          </a:lnRef>
-          <a:fillRef idx="0">
-            <a:schemeClr val="accent1"/>
-          </a:fillRef>
-          <a:effectRef idx="0">
-            <a:schemeClr val="accent1"/>
-          </a:effectRef>
-          <a:fontRef idx="minor">
-            <a:schemeClr val="tx1"/>
-          </a:fontRef>
-        </p:style>
-      </p:cxnSp>
-      <p:sp>
-        <p:nvSpPr>
-          <p:cNvPr id="14" name="Rectangle 13">
-            <a:extLst>
-              <a:ext uri="{FF2B5EF4-FFF2-40B4-BE49-F238E27FC236}">
-                <a16:creationId xmlns:a16="http://schemas.microsoft.com/office/drawing/2014/main" id="{B5B08CAE-0FBB-6D44-BBF0-75F8C5CB7CD8}"/>
-              </a:ext>
-            </a:extLst>
-          </p:cNvPr>
-          <p:cNvSpPr/>
-          <p:nvPr/>
-        </p:nvSpPr>
-        <p:spPr>
-          <a:xfrm>
-            <a:off x="4828424" y="2996960"/>
-            <a:ext cx="1944216" cy="864080"/>
+            <a:off x="460713" y="3947227"/>
+            <a:ext cx="2632131" cy="369332"/>
           </a:xfrm>
           <a:prstGeom prst="rect">
             <a:avLst/>
           </a:prstGeom>
-          <a:solidFill>
-            <a:schemeClr val="bg1">
-              <a:lumMod val="95000"/>
-            </a:schemeClr>
-          </a:solidFill>
-          <a:ln w="28575">
-            <a:solidFill>
-              <a:schemeClr val="tx1"/>
-            </a:solidFill>
-          </a:ln>
+          <a:noFill/>
         </p:spPr>
-        <p:style>
-          <a:lnRef idx="2">
-            <a:schemeClr val="accent1">
-              <a:shade val="50000"/>
-            </a:schemeClr>
-          </a:lnRef>
-          <a:fillRef idx="1">
-            <a:schemeClr val="accent1"/>
-          </a:fillRef>
-          <a:effectRef idx="0">
-            <a:schemeClr val="accent1"/>
-          </a:effectRef>
-          <a:fontRef idx="minor">
-            <a:schemeClr val="lt1"/>
-          </a:fontRef>
-        </p:style>
-        <p:txBody>
-          <a:bodyPr rtlCol="0" anchor="ctr"/>
-          <a:lstStyle/>
-          <a:p>
-            <a:pPr algn="ctr"/>
-            <a:r>
-              <a:rPr lang="en-US" sz="2400" dirty="0">
-                <a:solidFill>
-                  <a:schemeClr val="tx1"/>
-                </a:solidFill>
+        <p:txBody>
+          <a:bodyPr wrap="none" lIns="0" tIns="0" rIns="0" bIns="0" rtlCol="0">
+            <a:spAutoFit/>
+          </a:bodyPr>
+          <a:lstStyle/>
+          <a:p>
+            <a:pPr algn="l"/>
+            <a:r>
+              <a:rPr lang="en-US" sz="2400" b="1" dirty="0">
                 <a:latin typeface="Arial" panose="020B0604020202020204" pitchFamily="34" charset="0"/>
                 <a:cs typeface="Arial" panose="020B0604020202020204" pitchFamily="34" charset="0"/>
               </a:rPr>
-              <a:t>Stepwise Regression</a:t>
-            </a:r>
-          </a:p>
-        </p:txBody>
-      </p:sp>
-      <p:sp>
-        <p:nvSpPr>
-          <p:cNvPr id="17" name="Rectangle 16">
-            <a:extLst>
-              <a:ext uri="{FF2B5EF4-FFF2-40B4-BE49-F238E27FC236}">
-                <a16:creationId xmlns:a16="http://schemas.microsoft.com/office/drawing/2014/main" id="{67958A4B-3DF5-8644-8862-76793BED6B1B}"/>
-              </a:ext>
-            </a:extLst>
-          </p:cNvPr>
-          <p:cNvSpPr/>
-          <p:nvPr/>
-        </p:nvSpPr>
-        <p:spPr>
-          <a:xfrm>
-            <a:off x="7371372" y="2996960"/>
-            <a:ext cx="1800200" cy="864080"/>
-          </a:xfrm>
-          <a:prstGeom prst="rect">
-            <a:avLst/>
-          </a:prstGeom>
-          <a:solidFill>
-            <a:schemeClr val="bg1">
-              <a:lumMod val="95000"/>
-            </a:schemeClr>
-          </a:solidFill>
-          <a:ln w="28575">
-            <a:solidFill>
-              <a:schemeClr val="tx1"/>
-            </a:solidFill>
-          </a:ln>
-        </p:spPr>
-        <p:style>
-          <a:lnRef idx="2">
-            <a:schemeClr val="accent1">
-              <a:shade val="50000"/>
-            </a:schemeClr>
-          </a:lnRef>
-          <a:fillRef idx="1">
-            <a:schemeClr val="accent1"/>
-          </a:fillRef>
-          <a:effectRef idx="0">
-            <a:schemeClr val="accent1"/>
-          </a:effectRef>
-          <a:fontRef idx="minor">
-            <a:schemeClr val="lt1"/>
-          </a:fontRef>
-        </p:style>
-        <p:txBody>
-          <a:bodyPr rtlCol="0" anchor="ctr"/>
-          <a:lstStyle/>
-          <a:p>
-            <a:pPr algn="ctr"/>
-            <a:r>
-              <a:rPr lang="en-US" sz="2400" dirty="0">
-                <a:solidFill>
-                  <a:schemeClr val="tx1"/>
-                </a:solidFill>
-                <a:latin typeface="Arial" panose="020B0604020202020204" pitchFamily="34" charset="0"/>
-                <a:cs typeface="Arial" panose="020B0604020202020204" pitchFamily="34" charset="0"/>
-              </a:rPr>
-              <a:t>Testing Interactions</a:t>
-            </a:r>
-          </a:p>
-        </p:txBody>
-      </p:sp>
-      <p:sp>
-        <p:nvSpPr>
-          <p:cNvPr id="21" name="Rectangle 20">
-            <a:extLst>
-              <a:ext uri="{FF2B5EF4-FFF2-40B4-BE49-F238E27FC236}">
-                <a16:creationId xmlns:a16="http://schemas.microsoft.com/office/drawing/2014/main" id="{A19A4E76-2EE5-DB46-8046-D224EF877A7B}"/>
-              </a:ext>
-            </a:extLst>
-          </p:cNvPr>
-          <p:cNvSpPr/>
-          <p:nvPr/>
-        </p:nvSpPr>
-        <p:spPr>
-          <a:xfrm>
-            <a:off x="9770303" y="2996960"/>
-            <a:ext cx="1944216" cy="864080"/>
-          </a:xfrm>
-          <a:prstGeom prst="rect">
-            <a:avLst/>
-          </a:prstGeom>
-          <a:solidFill>
-            <a:schemeClr val="bg1">
-              <a:lumMod val="95000"/>
-            </a:schemeClr>
-          </a:solidFill>
-          <a:ln w="28575">
-            <a:solidFill>
-              <a:schemeClr val="tx1"/>
-            </a:solidFill>
-          </a:ln>
-        </p:spPr>
-        <p:style>
-          <a:lnRef idx="2">
-            <a:schemeClr val="accent1">
-              <a:shade val="50000"/>
-            </a:schemeClr>
-          </a:lnRef>
-          <a:fillRef idx="1">
-            <a:schemeClr val="accent1"/>
-          </a:fillRef>
-          <a:effectRef idx="0">
-            <a:schemeClr val="accent1"/>
-          </a:effectRef>
-          <a:fontRef idx="minor">
-            <a:schemeClr val="lt1"/>
-          </a:fontRef>
-        </p:style>
-        <p:txBody>
-          <a:bodyPr rtlCol="0" anchor="ctr"/>
-          <a:lstStyle/>
-          <a:p>
-            <a:pPr algn="ctr"/>
-            <a:r>
-              <a:rPr lang="en-US" sz="2400" dirty="0">
-                <a:solidFill>
-                  <a:schemeClr val="tx1"/>
-                </a:solidFill>
-                <a:latin typeface="Arial" panose="020B0604020202020204" pitchFamily="34" charset="0"/>
-                <a:cs typeface="Arial" panose="020B0604020202020204" pitchFamily="34" charset="0"/>
-              </a:rPr>
-              <a:t>Model Assessment</a:t>
-            </a:r>
-          </a:p>
-        </p:txBody>
-      </p:sp>
-      <p:cxnSp>
-        <p:nvCxnSpPr>
-          <p:cNvPr id="26" name="Straight Arrow Connector 25">
-            <a:extLst>
-              <a:ext uri="{FF2B5EF4-FFF2-40B4-BE49-F238E27FC236}">
-                <a16:creationId xmlns:a16="http://schemas.microsoft.com/office/drawing/2014/main" id="{6FCAC956-B87F-CE4D-9A15-03E102B15299}"/>
-              </a:ext>
-            </a:extLst>
-          </p:cNvPr>
-          <p:cNvCxnSpPr>
-            <a:cxnSpLocks/>
-          </p:cNvCxnSpPr>
-          <p:nvPr/>
-        </p:nvCxnSpPr>
-        <p:spPr>
-          <a:xfrm>
-            <a:off x="4229692" y="3429000"/>
-            <a:ext cx="598732" cy="0"/>
-          </a:xfrm>
-          <a:prstGeom prst="straightConnector1">
-            <a:avLst/>
-          </a:prstGeom>
-          <a:ln w="57150">
-            <a:solidFill>
-              <a:schemeClr val="tx1"/>
-            </a:solidFill>
-            <a:tailEnd type="triangle"/>
-          </a:ln>
-        </p:spPr>
-        <p:style>
-          <a:lnRef idx="1">
-            <a:schemeClr val="accent1"/>
-          </a:lnRef>
-          <a:fillRef idx="0">
-            <a:schemeClr val="accent1"/>
-          </a:fillRef>
-          <a:effectRef idx="0">
-            <a:schemeClr val="accent1"/>
-          </a:effectRef>
-          <a:fontRef idx="minor">
-            <a:schemeClr val="tx1"/>
-          </a:fontRef>
-        </p:style>
-      </p:cxnSp>
-      <p:cxnSp>
-        <p:nvCxnSpPr>
-          <p:cNvPr id="27" name="Straight Arrow Connector 26">
-            <a:extLst>
-              <a:ext uri="{FF2B5EF4-FFF2-40B4-BE49-F238E27FC236}">
-                <a16:creationId xmlns:a16="http://schemas.microsoft.com/office/drawing/2014/main" id="{8B7CFED4-BB38-704C-B0A5-095B44255B60}"/>
-              </a:ext>
-            </a:extLst>
-          </p:cNvPr>
-          <p:cNvCxnSpPr>
-            <a:cxnSpLocks/>
-          </p:cNvCxnSpPr>
-          <p:nvPr/>
-        </p:nvCxnSpPr>
-        <p:spPr>
-          <a:xfrm>
-            <a:off x="6772640" y="3429000"/>
-            <a:ext cx="598732" cy="0"/>
-          </a:xfrm>
-          <a:prstGeom prst="straightConnector1">
-            <a:avLst/>
-          </a:prstGeom>
-          <a:ln w="57150">
-            <a:solidFill>
-              <a:schemeClr val="tx1"/>
-            </a:solidFill>
-            <a:tailEnd type="triangle"/>
-          </a:ln>
-        </p:spPr>
-        <p:style>
-          <a:lnRef idx="1">
-            <a:schemeClr val="accent1"/>
-          </a:lnRef>
-          <a:fillRef idx="0">
-            <a:schemeClr val="accent1"/>
-          </a:fillRef>
-          <a:effectRef idx="0">
-            <a:schemeClr val="accent1"/>
-          </a:effectRef>
-          <a:fontRef idx="minor">
-            <a:schemeClr val="tx1"/>
-          </a:fontRef>
-        </p:style>
-      </p:cxnSp>
-      <p:cxnSp>
-        <p:nvCxnSpPr>
-          <p:cNvPr id="28" name="Straight Arrow Connector 27">
-            <a:extLst>
-              <a:ext uri="{FF2B5EF4-FFF2-40B4-BE49-F238E27FC236}">
-                <a16:creationId xmlns:a16="http://schemas.microsoft.com/office/drawing/2014/main" id="{A2AE797E-8991-A946-BE59-37E1E1DE5291}"/>
-              </a:ext>
-            </a:extLst>
-          </p:cNvPr>
-          <p:cNvCxnSpPr>
-            <a:cxnSpLocks/>
-          </p:cNvCxnSpPr>
-          <p:nvPr/>
-        </p:nvCxnSpPr>
-        <p:spPr>
-          <a:xfrm>
-            <a:off x="9171572" y="3429000"/>
-            <a:ext cx="598732" cy="0"/>
-          </a:xfrm>
-          <a:prstGeom prst="straightConnector1">
-            <a:avLst/>
-          </a:prstGeom>
-          <a:ln w="57150">
-            <a:solidFill>
-              <a:schemeClr val="tx1"/>
-            </a:solidFill>
-            <a:tailEnd type="triangle"/>
-          </a:ln>
-        </p:spPr>
-        <p:style>
-          <a:lnRef idx="1">
-            <a:schemeClr val="accent1"/>
-          </a:lnRef>
-          <a:fillRef idx="0">
-            <a:schemeClr val="accent1"/>
-          </a:fillRef>
-          <a:effectRef idx="0">
-            <a:schemeClr val="accent1"/>
-          </a:effectRef>
-          <a:fontRef idx="minor">
-            <a:schemeClr val="tx1"/>
-          </a:fontRef>
-        </p:style>
-      </p:cxnSp>
+              <a:t>Modeling Process</a:t>
+            </a:r>
+          </a:p>
+        </p:txBody>
+      </p:sp>
     </p:spTree>
     <p:extLst>
       <p:ext uri="{BB962C8B-B14F-4D97-AF65-F5344CB8AC3E}">
@@ -5130,7 +5661,7 @@
         <p:spPr>
           <a:xfrm>
             <a:off x="460713" y="332656"/>
-            <a:ext cx="974626" cy="553998"/>
+            <a:ext cx="4317400" cy="553998"/>
           </a:xfrm>
           <a:prstGeom prst="rect">
             <a:avLst/>
@@ -5148,7 +5679,7 @@
                 <a:latin typeface="Arial" panose="020B0604020202020204" pitchFamily="34" charset="0"/>
                 <a:cs typeface="Arial" panose="020B0604020202020204" pitchFamily="34" charset="0"/>
               </a:rPr>
-              <a:t>EDA</a:t>
+              <a:t>EDA &amp; Experiments</a:t>
             </a:r>
           </a:p>
         </p:txBody>
@@ -5296,7 +5827,7 @@
         <p:spPr>
           <a:xfrm>
             <a:off x="6084525" y="1217076"/>
-            <a:ext cx="1301638" cy="369332"/>
+            <a:ext cx="1744067" cy="369332"/>
           </a:xfrm>
           <a:prstGeom prst="rect">
             <a:avLst/>
@@ -5318,7 +5849,7 @@
                 <a:latin typeface="Arial" panose="020B0604020202020204" pitchFamily="34" charset="0"/>
                 <a:cs typeface="Arial" panose="020B0604020202020204" pitchFamily="34" charset="0"/>
               </a:rPr>
-              <a:t>Bivariate</a:t>
+              <a:t>Interactions</a:t>
             </a:r>
           </a:p>
         </p:txBody>
@@ -5587,6 +6118,156 @@
           </p:sp>
         </mc:Fallback>
       </mc:AlternateContent>
+      <p:pic>
+        <p:nvPicPr>
+          <p:cNvPr id="30" name="Picture 29" descr="Chart, box and whisker chart&#10;&#10;Description automatically generated">
+            <a:extLst>
+              <a:ext uri="{FF2B5EF4-FFF2-40B4-BE49-F238E27FC236}">
+                <a16:creationId xmlns:a16="http://schemas.microsoft.com/office/drawing/2014/main" id="{3DA31C18-50B1-E44B-ABC7-5E700A911C76}"/>
+              </a:ext>
+            </a:extLst>
+          </p:cNvPr>
+          <p:cNvPicPr>
+            <a:picLocks noChangeAspect="1"/>
+          </p:cNvPicPr>
+          <p:nvPr/>
+        </p:nvPicPr>
+        <p:blipFill>
+          <a:blip r:embed="rId4"/>
+          <a:stretch>
+            <a:fillRect/>
+          </a:stretch>
+        </p:blipFill>
+        <p:spPr>
+          <a:xfrm>
+            <a:off x="6042200" y="1673756"/>
+            <a:ext cx="5730120" cy="4297590"/>
+          </a:xfrm>
+          <a:prstGeom prst="rect">
+            <a:avLst/>
+          </a:prstGeom>
+        </p:spPr>
+      </p:pic>
+      <p:sp>
+        <p:nvSpPr>
+          <p:cNvPr id="31" name="Rectangle 30">
+            <a:extLst>
+              <a:ext uri="{FF2B5EF4-FFF2-40B4-BE49-F238E27FC236}">
+                <a16:creationId xmlns:a16="http://schemas.microsoft.com/office/drawing/2014/main" id="{EEB369F7-C019-C94F-A1CB-D5A47930B1CF}"/>
+              </a:ext>
+            </a:extLst>
+          </p:cNvPr>
+          <p:cNvSpPr/>
+          <p:nvPr/>
+        </p:nvSpPr>
+        <p:spPr>
+          <a:xfrm>
+            <a:off x="6084525" y="5918410"/>
+            <a:ext cx="5645470" cy="490860"/>
+          </a:xfrm>
+          <a:prstGeom prst="rect">
+            <a:avLst/>
+          </a:prstGeom>
+          <a:solidFill>
+            <a:schemeClr val="bg1">
+              <a:lumMod val="95000"/>
+            </a:schemeClr>
+          </a:solidFill>
+          <a:ln w="28575">
+            <a:noFill/>
+          </a:ln>
+        </p:spPr>
+        <p:style>
+          <a:lnRef idx="2">
+            <a:schemeClr val="accent1">
+              <a:shade val="50000"/>
+            </a:schemeClr>
+          </a:lnRef>
+          <a:fillRef idx="1">
+            <a:schemeClr val="accent1"/>
+          </a:fillRef>
+          <a:effectRef idx="0">
+            <a:schemeClr val="accent1"/>
+          </a:effectRef>
+          <a:fontRef idx="minor">
+            <a:schemeClr val="lt1"/>
+          </a:fontRef>
+        </p:style>
+        <p:txBody>
+          <a:bodyPr rtlCol="0" anchor="ctr"/>
+          <a:lstStyle/>
+          <a:p>
+            <a:pPr algn="ctr"/>
+            <a:r>
+              <a:rPr lang="de-DE" sz="2000" dirty="0" err="1">
+                <a:solidFill>
+                  <a:schemeClr val="tx1"/>
+                </a:solidFill>
+                <a:latin typeface="Arial" panose="020B0604020202020204" pitchFamily="34" charset="0"/>
+                <a:cs typeface="Arial" panose="020B0604020202020204" pitchFamily="34" charset="0"/>
+              </a:rPr>
+              <a:t>No</a:t>
+            </a:r>
+            <a:r>
+              <a:rPr lang="de-DE" sz="2000" dirty="0">
+                <a:solidFill>
+                  <a:schemeClr val="tx1"/>
+                </a:solidFill>
+                <a:latin typeface="Arial" panose="020B0604020202020204" pitchFamily="34" charset="0"/>
+                <a:cs typeface="Arial" panose="020B0604020202020204" pitchFamily="34" charset="0"/>
+              </a:rPr>
+              <a:t> </a:t>
+            </a:r>
+            <a:r>
+              <a:rPr lang="de-DE" sz="2000" dirty="0" err="1">
+                <a:solidFill>
+                  <a:schemeClr val="tx1"/>
+                </a:solidFill>
+                <a:latin typeface="Arial" panose="020B0604020202020204" pitchFamily="34" charset="0"/>
+                <a:cs typeface="Arial" panose="020B0604020202020204" pitchFamily="34" charset="0"/>
+              </a:rPr>
+              <a:t>interaction</a:t>
+            </a:r>
+            <a:r>
+              <a:rPr lang="de-DE" sz="2000" dirty="0">
+                <a:solidFill>
+                  <a:schemeClr val="tx1"/>
+                </a:solidFill>
+                <a:latin typeface="Arial" panose="020B0604020202020204" pitchFamily="34" charset="0"/>
+                <a:cs typeface="Arial" panose="020B0604020202020204" pitchFamily="34" charset="0"/>
+              </a:rPr>
+              <a:t>??? </a:t>
+            </a:r>
+            <a:r>
+              <a:rPr lang="de-DE" sz="2000" dirty="0" err="1">
+                <a:solidFill>
+                  <a:schemeClr val="tx1"/>
+                </a:solidFill>
+                <a:latin typeface="Arial" panose="020B0604020202020204" pitchFamily="34" charset="0"/>
+                <a:cs typeface="Arial" panose="020B0604020202020204" pitchFamily="34" charset="0"/>
+              </a:rPr>
+              <a:t>Pls</a:t>
+            </a:r>
+            <a:r>
+              <a:rPr lang="de-DE" sz="2000" dirty="0">
+                <a:solidFill>
+                  <a:schemeClr val="tx1"/>
+                </a:solidFill>
+                <a:latin typeface="Arial" panose="020B0604020202020204" pitchFamily="34" charset="0"/>
+                <a:cs typeface="Arial" panose="020B0604020202020204" pitchFamily="34" charset="0"/>
+              </a:rPr>
+              <a:t> fix!</a:t>
+            </a:r>
+            <a:endParaRPr lang="en-US" sz="2000" dirty="0">
+              <a:solidFill>
+                <a:schemeClr val="tx1"/>
+              </a:solidFill>
+              <a:latin typeface="Arial" panose="020B0604020202020204" pitchFamily="34" charset="0"/>
+              <a:cs typeface="Arial" panose="020B0604020202020204" pitchFamily="34" charset="0"/>
+            </a:endParaRPr>
+          </a:p>
+        </p:txBody>
+      </p:sp>
     </p:spTree>
     <p:extLst>
       <p:ext uri="{BB962C8B-B14F-4D97-AF65-F5344CB8AC3E}">
@@ -5622,7 +6303,7 @@
           <p:cNvPr id="2" name="Slide Number Placeholder 1">
             <a:extLst>
               <a:ext uri="{FF2B5EF4-FFF2-40B4-BE49-F238E27FC236}">
-                <a16:creationId xmlns:a16="http://schemas.microsoft.com/office/drawing/2014/main" id="{E57A78EA-4EE9-8746-BEC8-41270460FFF2}"/>
+                <a16:creationId xmlns:a16="http://schemas.microsoft.com/office/drawing/2014/main" id="{9B12371F-989E-EE43-B20F-90E48B433F0A}"/>
               </a:ext>
             </a:extLst>
           </p:cNvPr>
@@ -5646,10 +6327,883 @@
           </a:p>
         </p:txBody>
       </p:sp>
+      <p:sp>
+        <p:nvSpPr>
+          <p:cNvPr id="3" name="TextBox 2">
+            <a:extLst>
+              <a:ext uri="{FF2B5EF4-FFF2-40B4-BE49-F238E27FC236}">
+                <a16:creationId xmlns:a16="http://schemas.microsoft.com/office/drawing/2014/main" id="{2B4E9B55-4425-2740-A108-76FF69BA3D12}"/>
+              </a:ext>
+            </a:extLst>
+          </p:cNvPr>
+          <p:cNvSpPr txBox="1"/>
+          <p:nvPr/>
+        </p:nvSpPr>
+        <p:spPr>
+          <a:xfrm>
+            <a:off x="460713" y="332656"/>
+            <a:ext cx="4642296" cy="553998"/>
+          </a:xfrm>
+          <a:prstGeom prst="rect">
+            <a:avLst/>
+          </a:prstGeom>
+          <a:noFill/>
+        </p:spPr>
+        <p:txBody>
+          <a:bodyPr wrap="none" lIns="0" tIns="0" rIns="0" bIns="0" rtlCol="0">
+            <a:spAutoFit/>
+          </a:bodyPr>
+          <a:lstStyle/>
+          <a:p>
+            <a:r>
+              <a:rPr lang="en-US" sz="3600" b="1" dirty="0">
+                <a:latin typeface="Arial" panose="020B0604020202020204" pitchFamily="34" charset="0"/>
+                <a:cs typeface="Arial" panose="020B0604020202020204" pitchFamily="34" charset="0"/>
+              </a:rPr>
+              <a:t>Stepwise Regression</a:t>
+            </a:r>
+          </a:p>
+        </p:txBody>
+      </p:sp>
+      <p:cxnSp>
+        <p:nvCxnSpPr>
+          <p:cNvPr id="4" name="Straight Connector 3">
+            <a:extLst>
+              <a:ext uri="{FF2B5EF4-FFF2-40B4-BE49-F238E27FC236}">
+                <a16:creationId xmlns:a16="http://schemas.microsoft.com/office/drawing/2014/main" id="{CFDF23E1-C7BD-4C48-9E8A-53704A4D662C}"/>
+              </a:ext>
+            </a:extLst>
+          </p:cNvPr>
+          <p:cNvCxnSpPr>
+            <a:cxnSpLocks/>
+          </p:cNvCxnSpPr>
+          <p:nvPr/>
+        </p:nvCxnSpPr>
+        <p:spPr>
+          <a:xfrm>
+            <a:off x="460714" y="886654"/>
+            <a:ext cx="11270573" cy="0"/>
+          </a:xfrm>
+          <a:prstGeom prst="line">
+            <a:avLst/>
+          </a:prstGeom>
+          <a:ln w="38100">
+            <a:solidFill>
+              <a:schemeClr val="tx1"/>
+            </a:solidFill>
+          </a:ln>
+        </p:spPr>
+        <p:style>
+          <a:lnRef idx="1">
+            <a:schemeClr val="accent1"/>
+          </a:lnRef>
+          <a:fillRef idx="0">
+            <a:schemeClr val="accent1"/>
+          </a:fillRef>
+          <a:effectRef idx="0">
+            <a:schemeClr val="accent1"/>
+          </a:effectRef>
+          <a:fontRef idx="minor">
+            <a:schemeClr val="tx1"/>
+          </a:fontRef>
+        </p:style>
+      </p:cxnSp>
+      <p:sp>
+        <p:nvSpPr>
+          <p:cNvPr id="5" name="Rectangle 4">
+            <a:extLst>
+              <a:ext uri="{FF2B5EF4-FFF2-40B4-BE49-F238E27FC236}">
+                <a16:creationId xmlns:a16="http://schemas.microsoft.com/office/drawing/2014/main" id="{BB5279D2-833A-0843-9987-030449172352}"/>
+              </a:ext>
+            </a:extLst>
+          </p:cNvPr>
+          <p:cNvSpPr/>
+          <p:nvPr/>
+        </p:nvSpPr>
+        <p:spPr>
+          <a:xfrm>
+            <a:off x="461076" y="1196752"/>
+            <a:ext cx="2371181" cy="1052235"/>
+          </a:xfrm>
+          <a:prstGeom prst="rect">
+            <a:avLst/>
+          </a:prstGeom>
+          <a:solidFill>
+            <a:schemeClr val="bg1">
+              <a:lumMod val="95000"/>
+            </a:schemeClr>
+          </a:solidFill>
+          <a:ln w="28575">
+            <a:solidFill>
+              <a:schemeClr val="tx1"/>
+            </a:solidFill>
+          </a:ln>
+        </p:spPr>
+        <p:style>
+          <a:lnRef idx="2">
+            <a:schemeClr val="accent1">
+              <a:shade val="50000"/>
+            </a:schemeClr>
+          </a:lnRef>
+          <a:fillRef idx="1">
+            <a:schemeClr val="accent1"/>
+          </a:fillRef>
+          <a:effectRef idx="0">
+            <a:schemeClr val="accent1"/>
+          </a:effectRef>
+          <a:fontRef idx="minor">
+            <a:schemeClr val="lt1"/>
+          </a:fontRef>
+        </p:style>
+        <p:txBody>
+          <a:bodyPr rtlCol="0" anchor="ctr"/>
+          <a:lstStyle/>
+          <a:p>
+            <a:pPr algn="ctr"/>
+            <a:r>
+              <a:rPr lang="de-DE" sz="2000" b="1" dirty="0">
+                <a:solidFill>
+                  <a:schemeClr val="tx1"/>
+                </a:solidFill>
+                <a:latin typeface="Arial" panose="020B0604020202020204" pitchFamily="34" charset="0"/>
+                <a:cs typeface="Arial" panose="020B0604020202020204" pitchFamily="34" charset="0"/>
+              </a:rPr>
+              <a:t>Null Model</a:t>
+            </a:r>
+          </a:p>
+          <a:p>
+            <a:pPr algn="ctr"/>
+            <a:r>
+              <a:rPr lang="en-US" sz="2000" dirty="0">
+                <a:solidFill>
+                  <a:schemeClr val="tx1"/>
+                </a:solidFill>
+                <a:latin typeface="Arial" panose="020B0604020202020204" pitchFamily="34" charset="0"/>
+                <a:cs typeface="Arial" panose="020B0604020202020204" pitchFamily="34" charset="0"/>
+              </a:rPr>
+              <a:t>Treatment only</a:t>
+            </a:r>
+          </a:p>
+        </p:txBody>
+      </p:sp>
+      <p:sp>
+        <p:nvSpPr>
+          <p:cNvPr id="7" name="Rectangle 6">
+            <a:extLst>
+              <a:ext uri="{FF2B5EF4-FFF2-40B4-BE49-F238E27FC236}">
+                <a16:creationId xmlns:a16="http://schemas.microsoft.com/office/drawing/2014/main" id="{DE3E66C1-F214-4344-BCBD-12BB01371C8B}"/>
+              </a:ext>
+            </a:extLst>
+          </p:cNvPr>
+          <p:cNvSpPr/>
+          <p:nvPr/>
+        </p:nvSpPr>
+        <p:spPr>
+          <a:xfrm>
+            <a:off x="9340198" y="1196751"/>
+            <a:ext cx="2371181" cy="1052235"/>
+          </a:xfrm>
+          <a:prstGeom prst="rect">
+            <a:avLst/>
+          </a:prstGeom>
+          <a:solidFill>
+            <a:schemeClr val="bg1">
+              <a:lumMod val="95000"/>
+            </a:schemeClr>
+          </a:solidFill>
+          <a:ln w="28575">
+            <a:solidFill>
+              <a:schemeClr val="tx1"/>
+            </a:solidFill>
+          </a:ln>
+        </p:spPr>
+        <p:style>
+          <a:lnRef idx="2">
+            <a:schemeClr val="accent1">
+              <a:shade val="50000"/>
+            </a:schemeClr>
+          </a:lnRef>
+          <a:fillRef idx="1">
+            <a:schemeClr val="accent1"/>
+          </a:fillRef>
+          <a:effectRef idx="0">
+            <a:schemeClr val="accent1"/>
+          </a:effectRef>
+          <a:fontRef idx="minor">
+            <a:schemeClr val="lt1"/>
+          </a:fontRef>
+        </p:style>
+        <p:txBody>
+          <a:bodyPr rtlCol="0" anchor="ctr"/>
+          <a:lstStyle/>
+          <a:p>
+            <a:pPr algn="ctr"/>
+            <a:r>
+              <a:rPr lang="de-DE" sz="2000" b="1" dirty="0" err="1">
+                <a:solidFill>
+                  <a:schemeClr val="tx1"/>
+                </a:solidFill>
+                <a:latin typeface="Arial" panose="020B0604020202020204" pitchFamily="34" charset="0"/>
+                <a:cs typeface="Arial" panose="020B0604020202020204" pitchFamily="34" charset="0"/>
+              </a:rPr>
+              <a:t>Full</a:t>
+            </a:r>
+            <a:r>
+              <a:rPr lang="de-DE" sz="2000" b="1" dirty="0">
+                <a:solidFill>
+                  <a:schemeClr val="tx1"/>
+                </a:solidFill>
+                <a:latin typeface="Arial" panose="020B0604020202020204" pitchFamily="34" charset="0"/>
+                <a:cs typeface="Arial" panose="020B0604020202020204" pitchFamily="34" charset="0"/>
+              </a:rPr>
+              <a:t> Model</a:t>
+            </a:r>
+          </a:p>
+          <a:p>
+            <a:pPr algn="ctr"/>
+            <a:r>
+              <a:rPr lang="de-DE" sz="2000" dirty="0">
+                <a:solidFill>
+                  <a:schemeClr val="tx1"/>
+                </a:solidFill>
+                <a:latin typeface="Arial" panose="020B0604020202020204" pitchFamily="34" charset="0"/>
+                <a:cs typeface="Arial" panose="020B0604020202020204" pitchFamily="34" charset="0"/>
+              </a:rPr>
+              <a:t>All </a:t>
+            </a:r>
+            <a:r>
+              <a:rPr lang="de-DE" sz="2000" dirty="0" err="1">
+                <a:solidFill>
+                  <a:schemeClr val="tx1"/>
+                </a:solidFill>
+                <a:latin typeface="Arial" panose="020B0604020202020204" pitchFamily="34" charset="0"/>
+                <a:cs typeface="Arial" panose="020B0604020202020204" pitchFamily="34" charset="0"/>
+              </a:rPr>
+              <a:t>mean</a:t>
+            </a:r>
+            <a:r>
+              <a:rPr lang="de-DE" sz="2000" dirty="0">
+                <a:solidFill>
+                  <a:schemeClr val="tx1"/>
+                </a:solidFill>
+                <a:latin typeface="Arial" panose="020B0604020202020204" pitchFamily="34" charset="0"/>
+                <a:cs typeface="Arial" panose="020B0604020202020204" pitchFamily="34" charset="0"/>
+              </a:rPr>
+              <a:t> </a:t>
+            </a:r>
+            <a:r>
+              <a:rPr lang="de-DE" sz="2000" dirty="0" err="1">
+                <a:solidFill>
+                  <a:schemeClr val="tx1"/>
+                </a:solidFill>
+                <a:latin typeface="Arial" panose="020B0604020202020204" pitchFamily="34" charset="0"/>
+                <a:cs typeface="Arial" panose="020B0604020202020204" pitchFamily="34" charset="0"/>
+              </a:rPr>
+              <a:t>effects</a:t>
+            </a:r>
+            <a:endParaRPr lang="en-US" sz="2000" dirty="0">
+              <a:solidFill>
+                <a:schemeClr val="tx1"/>
+              </a:solidFill>
+              <a:latin typeface="Arial" panose="020B0604020202020204" pitchFamily="34" charset="0"/>
+              <a:cs typeface="Arial" panose="020B0604020202020204" pitchFamily="34" charset="0"/>
+            </a:endParaRPr>
+          </a:p>
+        </p:txBody>
+      </p:sp>
+      <p:cxnSp>
+        <p:nvCxnSpPr>
+          <p:cNvPr id="9" name="Straight Arrow Connector 8">
+            <a:extLst>
+              <a:ext uri="{FF2B5EF4-FFF2-40B4-BE49-F238E27FC236}">
+                <a16:creationId xmlns:a16="http://schemas.microsoft.com/office/drawing/2014/main" id="{F8317BD8-7EE6-C849-99A7-C75476E196E3}"/>
+              </a:ext>
+            </a:extLst>
+          </p:cNvPr>
+          <p:cNvCxnSpPr>
+            <a:stCxn id="5" idx="3"/>
+            <a:endCxn id="7" idx="1"/>
+          </p:cNvCxnSpPr>
+          <p:nvPr/>
+        </p:nvCxnSpPr>
+        <p:spPr>
+          <a:xfrm flipV="1">
+            <a:off x="2832257" y="1722869"/>
+            <a:ext cx="6507941" cy="1"/>
+          </a:xfrm>
+          <a:prstGeom prst="straightConnector1">
+            <a:avLst/>
+          </a:prstGeom>
+          <a:ln w="28575">
+            <a:solidFill>
+              <a:schemeClr val="tx1"/>
+            </a:solidFill>
+            <a:tailEnd type="triangle"/>
+          </a:ln>
+        </p:spPr>
+        <p:style>
+          <a:lnRef idx="1">
+            <a:schemeClr val="accent1"/>
+          </a:lnRef>
+          <a:fillRef idx="0">
+            <a:schemeClr val="accent1"/>
+          </a:fillRef>
+          <a:effectRef idx="0">
+            <a:schemeClr val="accent1"/>
+          </a:effectRef>
+          <a:fontRef idx="minor">
+            <a:schemeClr val="tx1"/>
+          </a:fontRef>
+        </p:style>
+      </p:cxnSp>
+      <p:grpSp>
+        <p:nvGrpSpPr>
+          <p:cNvPr id="19" name="Group 18">
+            <a:extLst>
+              <a:ext uri="{FF2B5EF4-FFF2-40B4-BE49-F238E27FC236}">
+                <a16:creationId xmlns:a16="http://schemas.microsoft.com/office/drawing/2014/main" id="{BEB653FC-3D65-254A-8ECC-3F962201B6FA}"/>
+              </a:ext>
+            </a:extLst>
+          </p:cNvPr>
+          <p:cNvGrpSpPr/>
+          <p:nvPr/>
+        </p:nvGrpSpPr>
+        <p:grpSpPr>
+          <a:xfrm>
+            <a:off x="4655840" y="1722868"/>
+            <a:ext cx="2121695" cy="1719146"/>
+            <a:chOff x="4655840" y="1660460"/>
+            <a:chExt cx="2121695" cy="1781556"/>
+          </a:xfrm>
+        </p:grpSpPr>
+        <p:sp>
+          <p:nvSpPr>
+            <p:cNvPr id="10" name="Rectangle 9">
+              <a:extLst>
+                <a:ext uri="{FF2B5EF4-FFF2-40B4-BE49-F238E27FC236}">
+                  <a16:creationId xmlns:a16="http://schemas.microsoft.com/office/drawing/2014/main" id="{3DC9ED63-F3B7-7748-B3DA-FA89915F642B}"/>
+                </a:ext>
+              </a:extLst>
+            </p:cNvPr>
+            <p:cNvSpPr/>
+            <p:nvPr/>
+          </p:nvSpPr>
+          <p:spPr>
+            <a:xfrm>
+              <a:off x="4655840" y="2315941"/>
+              <a:ext cx="2121695" cy="1126075"/>
+            </a:xfrm>
+            <a:prstGeom prst="rect">
+              <a:avLst/>
+            </a:prstGeom>
+            <a:solidFill>
+              <a:schemeClr val="bg1">
+                <a:lumMod val="95000"/>
+              </a:schemeClr>
+            </a:solidFill>
+            <a:ln w="28575">
+              <a:solidFill>
+                <a:schemeClr val="tx1"/>
+              </a:solidFill>
+              <a:prstDash val="dash"/>
+            </a:ln>
+          </p:spPr>
+          <p:style>
+            <a:lnRef idx="2">
+              <a:schemeClr val="accent1">
+                <a:shade val="50000"/>
+              </a:schemeClr>
+            </a:lnRef>
+            <a:fillRef idx="1">
+              <a:schemeClr val="accent1"/>
+            </a:fillRef>
+            <a:effectRef idx="0">
+              <a:schemeClr val="accent1"/>
+            </a:effectRef>
+            <a:fontRef idx="minor">
+              <a:schemeClr val="lt1"/>
+            </a:fontRef>
+          </p:style>
+          <p:txBody>
+            <a:bodyPr rtlCol="0" anchor="ctr"/>
+            <a:lstStyle/>
+            <a:p>
+              <a:pPr algn="ctr"/>
+              <a:r>
+                <a:rPr lang="de-DE" sz="2000" b="1" dirty="0">
+                  <a:solidFill>
+                    <a:schemeClr val="tx1"/>
+                  </a:solidFill>
+                  <a:latin typeface="Arial" panose="020B0604020202020204" pitchFamily="34" charset="0"/>
+                  <a:cs typeface="Arial" panose="020B0604020202020204" pitchFamily="34" charset="0"/>
+                </a:rPr>
+                <a:t>Parameters</a:t>
+              </a:r>
+            </a:p>
+            <a:p>
+              <a:pPr algn="ctr"/>
+              <a:r>
+                <a:rPr lang="en-US" sz="2000" dirty="0">
+                  <a:solidFill>
+                    <a:schemeClr val="tx1"/>
+                  </a:solidFill>
+                  <a:latin typeface="Arial" panose="020B0604020202020204" pitchFamily="34" charset="0"/>
+                  <a:cs typeface="Arial" panose="020B0604020202020204" pitchFamily="34" charset="0"/>
+                </a:rPr>
+                <a:t>AIC</a:t>
+              </a:r>
+            </a:p>
+            <a:p>
+              <a:pPr algn="ctr"/>
+              <a:r>
+                <a:rPr lang="en-US" sz="2000" dirty="0">
+                  <a:solidFill>
+                    <a:schemeClr val="tx1"/>
+                  </a:solidFill>
+                  <a:latin typeface="Arial" panose="020B0604020202020204" pitchFamily="34" charset="0"/>
+                  <a:cs typeface="Arial" panose="020B0604020202020204" pitchFamily="34" charset="0"/>
+                </a:rPr>
+                <a:t>Direction = both</a:t>
+              </a:r>
+            </a:p>
+          </p:txBody>
+        </p:sp>
+        <p:cxnSp>
+          <p:nvCxnSpPr>
+            <p:cNvPr id="13" name="Straight Connector 12">
+              <a:extLst>
+                <a:ext uri="{FF2B5EF4-FFF2-40B4-BE49-F238E27FC236}">
+                  <a16:creationId xmlns:a16="http://schemas.microsoft.com/office/drawing/2014/main" id="{48D32829-018A-5E41-BEA9-657F29C86E41}"/>
+                </a:ext>
+              </a:extLst>
+            </p:cNvPr>
+            <p:cNvCxnSpPr>
+              <a:cxnSpLocks/>
+              <a:endCxn id="10" idx="0"/>
+            </p:cNvCxnSpPr>
+            <p:nvPr/>
+          </p:nvCxnSpPr>
+          <p:spPr>
+            <a:xfrm>
+              <a:off x="5716688" y="1660460"/>
+              <a:ext cx="0" cy="655481"/>
+            </a:xfrm>
+            <a:prstGeom prst="line">
+              <a:avLst/>
+            </a:prstGeom>
+            <a:ln w="38100">
+              <a:solidFill>
+                <a:schemeClr val="tx1"/>
+              </a:solidFill>
+              <a:prstDash val="dash"/>
+            </a:ln>
+          </p:spPr>
+          <p:style>
+            <a:lnRef idx="1">
+              <a:schemeClr val="accent1"/>
+            </a:lnRef>
+            <a:fillRef idx="0">
+              <a:schemeClr val="accent1"/>
+            </a:fillRef>
+            <a:effectRef idx="0">
+              <a:schemeClr val="accent1"/>
+            </a:effectRef>
+            <a:fontRef idx="minor">
+              <a:schemeClr val="tx1"/>
+            </a:fontRef>
+          </p:style>
+        </p:cxnSp>
+      </p:grpSp>
+      <p:sp>
+        <p:nvSpPr>
+          <p:cNvPr id="21" name="TextBox 20">
+            <a:extLst>
+              <a:ext uri="{FF2B5EF4-FFF2-40B4-BE49-F238E27FC236}">
+                <a16:creationId xmlns:a16="http://schemas.microsoft.com/office/drawing/2014/main" id="{F5316E98-337B-774C-AD04-98D012460F04}"/>
+              </a:ext>
+            </a:extLst>
+          </p:cNvPr>
+          <p:cNvSpPr txBox="1"/>
+          <p:nvPr/>
+        </p:nvSpPr>
+        <p:spPr>
+          <a:xfrm>
+            <a:off x="515971" y="3854944"/>
+            <a:ext cx="2374048" cy="369332"/>
+          </a:xfrm>
+          <a:prstGeom prst="rect">
+            <a:avLst/>
+          </a:prstGeom>
+          <a:noFill/>
+        </p:spPr>
+        <p:txBody>
+          <a:bodyPr wrap="none" lIns="0" tIns="0" rIns="0" bIns="0" rtlCol="0">
+            <a:spAutoFit/>
+          </a:bodyPr>
+          <a:lstStyle/>
+          <a:p>
+            <a:pPr algn="l"/>
+            <a:r>
+              <a:rPr lang="en-US" sz="2400" b="1" dirty="0">
+                <a:latin typeface="Arial" panose="020B0604020202020204" pitchFamily="34" charset="0"/>
+                <a:cs typeface="Arial" panose="020B0604020202020204" pitchFamily="34" charset="0"/>
+              </a:rPr>
+              <a:t>Resulting Model</a:t>
+            </a:r>
+          </a:p>
+        </p:txBody>
+      </p:sp>
+      <mc:AlternateContent xmlns:mc="http://schemas.openxmlformats.org/markup-compatibility/2006">
+        <mc:Choice xmlns:a14="http://schemas.microsoft.com/office/drawing/2010/main" Requires="a14">
+          <p:sp>
+            <p:nvSpPr>
+              <p:cNvPr id="22" name="TextBox 21">
+                <a:extLst>
+                  <a:ext uri="{FF2B5EF4-FFF2-40B4-BE49-F238E27FC236}">
+                    <a16:creationId xmlns:a16="http://schemas.microsoft.com/office/drawing/2014/main" id="{920775D0-71E4-9246-AB37-D6325FDB42CC}"/>
+                  </a:ext>
+                </a:extLst>
+              </p:cNvPr>
+              <p:cNvSpPr txBox="1"/>
+              <p:nvPr/>
+            </p:nvSpPr>
+            <p:spPr>
+              <a:xfrm>
+                <a:off x="2688101" y="4293016"/>
+                <a:ext cx="6057171" cy="388889"/>
+              </a:xfrm>
+              <a:prstGeom prst="rect">
+                <a:avLst/>
+              </a:prstGeom>
+              <a:noFill/>
+            </p:spPr>
+            <p:txBody>
+              <a:bodyPr wrap="none" lIns="0" tIns="0" rIns="0" bIns="0" rtlCol="0">
+                <a:spAutoFit/>
+              </a:bodyPr>
+              <a:lstStyle/>
+              <a:p>
+                <a:pPr algn="l"/>
+                <a14:m>
+                  <m:oMathPara xmlns:m="http://schemas.openxmlformats.org/officeDocument/2006/math">
+                    <m:oMathParaPr>
+                      <m:jc m:val="centerGroup"/>
+                    </m:oMathParaPr>
+                    <m:oMath xmlns:m="http://schemas.openxmlformats.org/officeDocument/2006/math">
+                      <m:acc>
+                        <m:accPr>
+                          <m:chr m:val="̂"/>
+                          <m:ctrlPr>
+                            <a:rPr lang="de-DE" sz="2400" b="0" i="1" smtClean="0">
+                              <a:latin typeface="Cambria Math" panose="02040503050406030204" pitchFamily="18" charset="0"/>
+                              <a:cs typeface="Arial" panose="020B0604020202020204" pitchFamily="34" charset="0"/>
+                            </a:rPr>
+                          </m:ctrlPr>
+                        </m:accPr>
+                        <m:e>
+                          <m:r>
+                            <a:rPr lang="de-DE" sz="2400" b="0" i="1" smtClean="0">
+                              <a:latin typeface="Cambria Math" panose="02040503050406030204" pitchFamily="18" charset="0"/>
+                              <a:cs typeface="Arial" panose="020B0604020202020204" pitchFamily="34" charset="0"/>
+                            </a:rPr>
+                            <m:t>𝑦</m:t>
+                          </m:r>
+                        </m:e>
+                      </m:acc>
+                      <m:r>
+                        <a:rPr lang="de-DE" sz="2400" b="0" i="1" smtClean="0">
+                          <a:latin typeface="Cambria Math" panose="02040503050406030204" pitchFamily="18" charset="0"/>
+                          <a:cs typeface="Arial" panose="020B0604020202020204" pitchFamily="34" charset="0"/>
+                        </a:rPr>
+                        <m:t>=</m:t>
+                      </m:r>
+                      <m:acc>
+                        <m:accPr>
+                          <m:chr m:val="̂"/>
+                          <m:ctrlPr>
+                            <a:rPr lang="de-DE" sz="2400" b="0" i="1" smtClean="0">
+                              <a:latin typeface="Cambria Math" panose="02040503050406030204" pitchFamily="18" charset="0"/>
+                              <a:cs typeface="Arial" panose="020B0604020202020204" pitchFamily="34" charset="0"/>
+                            </a:rPr>
+                          </m:ctrlPr>
+                        </m:accPr>
+                        <m:e>
+                          <m:sSub>
+                            <m:sSubPr>
+                              <m:ctrlPr>
+                                <a:rPr lang="de-DE" sz="2400" b="0" i="1" smtClean="0">
+                                  <a:latin typeface="Cambria Math" panose="02040503050406030204" pitchFamily="18" charset="0"/>
+                                  <a:cs typeface="Arial" panose="020B0604020202020204" pitchFamily="34" charset="0"/>
+                                </a:rPr>
+                              </m:ctrlPr>
+                            </m:sSubPr>
+                            <m:e>
+                              <m:r>
+                                <a:rPr lang="de-DE" sz="2400" b="0" i="1" smtClean="0">
+                                  <a:latin typeface="Cambria Math" panose="02040503050406030204" pitchFamily="18" charset="0"/>
+                                  <a:cs typeface="Arial" panose="020B0604020202020204" pitchFamily="34" charset="0"/>
+                                </a:rPr>
+                                <m:t>𝛽</m:t>
+                              </m:r>
+                            </m:e>
+                            <m:sub>
+                              <m:r>
+                                <a:rPr lang="de-DE" sz="2400" b="0" i="1" smtClean="0">
+                                  <a:latin typeface="Cambria Math" panose="02040503050406030204" pitchFamily="18" charset="0"/>
+                                  <a:cs typeface="Arial" panose="020B0604020202020204" pitchFamily="34" charset="0"/>
+                                </a:rPr>
+                                <m:t>0</m:t>
+                              </m:r>
+                            </m:sub>
+                          </m:sSub>
+                        </m:e>
+                      </m:acc>
+                      <m:r>
+                        <a:rPr lang="de-DE" sz="2400" b="0" i="1" smtClean="0">
+                          <a:latin typeface="Cambria Math" panose="02040503050406030204" pitchFamily="18" charset="0"/>
+                          <a:cs typeface="Arial" panose="020B0604020202020204" pitchFamily="34" charset="0"/>
+                        </a:rPr>
+                        <m:t>+</m:t>
+                      </m:r>
+                      <m:acc>
+                        <m:accPr>
+                          <m:chr m:val="̂"/>
+                          <m:ctrlPr>
+                            <a:rPr lang="de-DE" sz="2400" b="0" i="1" smtClean="0">
+                              <a:latin typeface="Cambria Math" panose="02040503050406030204" pitchFamily="18" charset="0"/>
+                              <a:cs typeface="Arial" panose="020B0604020202020204" pitchFamily="34" charset="0"/>
+                            </a:rPr>
+                          </m:ctrlPr>
+                        </m:accPr>
+                        <m:e>
+                          <m:sSub>
+                            <m:sSubPr>
+                              <m:ctrlPr>
+                                <a:rPr lang="de-DE" sz="2400" b="0" i="1" smtClean="0">
+                                  <a:latin typeface="Cambria Math" panose="02040503050406030204" pitchFamily="18" charset="0"/>
+                                  <a:cs typeface="Arial" panose="020B0604020202020204" pitchFamily="34" charset="0"/>
+                                </a:rPr>
+                              </m:ctrlPr>
+                            </m:sSubPr>
+                            <m:e>
+                              <m:r>
+                                <a:rPr lang="de-DE" sz="2400" b="0" i="1" smtClean="0">
+                                  <a:latin typeface="Cambria Math" panose="02040503050406030204" pitchFamily="18" charset="0"/>
+                                  <a:cs typeface="Arial" panose="020B0604020202020204" pitchFamily="34" charset="0"/>
+                                </a:rPr>
+                                <m:t>𝛽</m:t>
+                              </m:r>
+                            </m:e>
+                            <m:sub>
+                              <m:r>
+                                <a:rPr lang="de-DE" sz="2400" b="0" i="1" smtClean="0">
+                                  <a:latin typeface="Cambria Math" panose="02040503050406030204" pitchFamily="18" charset="0"/>
+                                  <a:cs typeface="Arial" panose="020B0604020202020204" pitchFamily="34" charset="0"/>
+                                </a:rPr>
+                                <m:t>1</m:t>
+                              </m:r>
+                            </m:sub>
+                          </m:sSub>
+                        </m:e>
+                      </m:acc>
+                      <m:r>
+                        <a:rPr lang="de-DE" sz="2400" b="0" i="1" smtClean="0">
+                          <a:latin typeface="Cambria Math" panose="02040503050406030204" pitchFamily="18" charset="0"/>
+                          <a:cs typeface="Arial" panose="020B0604020202020204" pitchFamily="34" charset="0"/>
+                        </a:rPr>
+                        <m:t>⋅</m:t>
+                      </m:r>
+                      <m:r>
+                        <a:rPr lang="de-DE" sz="2400" b="0" i="1" smtClean="0">
+                          <a:latin typeface="Cambria Math" panose="02040503050406030204" pitchFamily="18" charset="0"/>
+                          <a:cs typeface="Arial" panose="020B0604020202020204" pitchFamily="34" charset="0"/>
+                        </a:rPr>
+                        <m:t>𝑡𝑟𝑒𝑎𝑡</m:t>
+                      </m:r>
+                      <m:r>
+                        <a:rPr lang="de-DE" sz="2400" b="0" i="1" smtClean="0">
+                          <a:latin typeface="Cambria Math" panose="02040503050406030204" pitchFamily="18" charset="0"/>
+                          <a:cs typeface="Arial" panose="020B0604020202020204" pitchFamily="34" charset="0"/>
+                        </a:rPr>
+                        <m:t>+</m:t>
+                      </m:r>
+                      <m:acc>
+                        <m:accPr>
+                          <m:chr m:val="̂"/>
+                          <m:ctrlPr>
+                            <a:rPr lang="de-DE" sz="2400" b="0" i="1" smtClean="0">
+                              <a:latin typeface="Cambria Math" panose="02040503050406030204" pitchFamily="18" charset="0"/>
+                              <a:cs typeface="Arial" panose="020B0604020202020204" pitchFamily="34" charset="0"/>
+                            </a:rPr>
+                          </m:ctrlPr>
+                        </m:accPr>
+                        <m:e>
+                          <m:sSub>
+                            <m:sSubPr>
+                              <m:ctrlPr>
+                                <a:rPr lang="de-DE" sz="2400" b="0" i="1" smtClean="0">
+                                  <a:latin typeface="Cambria Math" panose="02040503050406030204" pitchFamily="18" charset="0"/>
+                                  <a:cs typeface="Arial" panose="020B0604020202020204" pitchFamily="34" charset="0"/>
+                                </a:rPr>
+                              </m:ctrlPr>
+                            </m:sSubPr>
+                            <m:e>
+                              <m:r>
+                                <a:rPr lang="de-DE" sz="2400" b="0" i="1" smtClean="0">
+                                  <a:latin typeface="Cambria Math" panose="02040503050406030204" pitchFamily="18" charset="0"/>
+                                  <a:cs typeface="Arial" panose="020B0604020202020204" pitchFamily="34" charset="0"/>
+                                </a:rPr>
+                                <m:t>𝛽</m:t>
+                              </m:r>
+                            </m:e>
+                            <m:sub>
+                              <m:r>
+                                <a:rPr lang="de-DE" sz="2400" b="0" i="1" smtClean="0">
+                                  <a:latin typeface="Cambria Math" panose="02040503050406030204" pitchFamily="18" charset="0"/>
+                                  <a:cs typeface="Arial" panose="020B0604020202020204" pitchFamily="34" charset="0"/>
+                                </a:rPr>
+                                <m:t>2</m:t>
+                              </m:r>
+                            </m:sub>
+                          </m:sSub>
+                        </m:e>
+                      </m:acc>
+                      <m:r>
+                        <a:rPr lang="de-DE" sz="2400" b="0" i="1" smtClean="0">
+                          <a:latin typeface="Cambria Math" panose="02040503050406030204" pitchFamily="18" charset="0"/>
+                          <a:cs typeface="Arial" panose="020B0604020202020204" pitchFamily="34" charset="0"/>
+                        </a:rPr>
+                        <m:t>⋅</m:t>
+                      </m:r>
+                      <m:r>
+                        <a:rPr lang="de-DE" sz="2400" b="0" i="1" smtClean="0">
+                          <a:latin typeface="Cambria Math" panose="02040503050406030204" pitchFamily="18" charset="0"/>
+                          <a:cs typeface="Arial" panose="020B0604020202020204" pitchFamily="34" charset="0"/>
+                        </a:rPr>
+                        <m:t>𝑎𝑔𝑒</m:t>
+                      </m:r>
+                      <m:r>
+                        <a:rPr lang="de-DE" sz="2400" b="0" i="1" smtClean="0">
+                          <a:latin typeface="Cambria Math" panose="02040503050406030204" pitchFamily="18" charset="0"/>
+                          <a:cs typeface="Arial" panose="020B0604020202020204" pitchFamily="34" charset="0"/>
+                        </a:rPr>
+                        <m:t>+</m:t>
+                      </m:r>
+                      <m:acc>
+                        <m:accPr>
+                          <m:chr m:val="̂"/>
+                          <m:ctrlPr>
+                            <a:rPr lang="de-DE" sz="2400" b="0" i="1" smtClean="0">
+                              <a:latin typeface="Cambria Math" panose="02040503050406030204" pitchFamily="18" charset="0"/>
+                              <a:cs typeface="Arial" panose="020B0604020202020204" pitchFamily="34" charset="0"/>
+                            </a:rPr>
+                          </m:ctrlPr>
+                        </m:accPr>
+                        <m:e>
+                          <m:sSub>
+                            <m:sSubPr>
+                              <m:ctrlPr>
+                                <a:rPr lang="de-DE" sz="2400" b="0" i="1" smtClean="0">
+                                  <a:latin typeface="Cambria Math" panose="02040503050406030204" pitchFamily="18" charset="0"/>
+                                  <a:cs typeface="Arial" panose="020B0604020202020204" pitchFamily="34" charset="0"/>
+                                </a:rPr>
+                              </m:ctrlPr>
+                            </m:sSubPr>
+                            <m:e>
+                              <m:r>
+                                <a:rPr lang="de-DE" sz="2400" b="0" i="1" smtClean="0">
+                                  <a:latin typeface="Cambria Math" panose="02040503050406030204" pitchFamily="18" charset="0"/>
+                                  <a:cs typeface="Arial" panose="020B0604020202020204" pitchFamily="34" charset="0"/>
+                                </a:rPr>
+                                <m:t>𝛽</m:t>
+                              </m:r>
+                            </m:e>
+                            <m:sub>
+                              <m:r>
+                                <a:rPr lang="de-DE" sz="2400" b="0" i="1" smtClean="0">
+                                  <a:latin typeface="Cambria Math" panose="02040503050406030204" pitchFamily="18" charset="0"/>
+                                  <a:cs typeface="Arial" panose="020B0604020202020204" pitchFamily="34" charset="0"/>
+                                </a:rPr>
+                                <m:t>3</m:t>
+                              </m:r>
+                            </m:sub>
+                          </m:sSub>
+                        </m:e>
+                      </m:acc>
+                      <m:r>
+                        <a:rPr lang="de-DE" sz="2400" b="0" i="1" smtClean="0">
+                          <a:latin typeface="Cambria Math" panose="02040503050406030204" pitchFamily="18" charset="0"/>
+                          <a:cs typeface="Arial" panose="020B0604020202020204" pitchFamily="34" charset="0"/>
+                        </a:rPr>
+                        <m:t>⋅</m:t>
+                      </m:r>
+                      <m:r>
+                        <a:rPr lang="de-DE" sz="2400" b="0" i="1" smtClean="0">
+                          <a:latin typeface="Cambria Math" panose="02040503050406030204" pitchFamily="18" charset="0"/>
+                          <a:cs typeface="Arial" panose="020B0604020202020204" pitchFamily="34" charset="0"/>
+                        </a:rPr>
+                        <m:t>𝑚𝑎𝑟𝑟𝑖𝑒𝑑</m:t>
+                      </m:r>
+                    </m:oMath>
+                  </m:oMathPara>
+                </a14:m>
+                <a:endParaRPr lang="en-US" sz="2400" dirty="0">
+                  <a:latin typeface="Arial" panose="020B0604020202020204" pitchFamily="34" charset="0"/>
+                  <a:cs typeface="Arial" panose="020B0604020202020204" pitchFamily="34" charset="0"/>
+                </a:endParaRPr>
+              </a:p>
+            </p:txBody>
+          </p:sp>
+        </mc:Choice>
+        <mc:Fallback>
+          <p:sp>
+            <p:nvSpPr>
+              <p:cNvPr id="22" name="TextBox 21">
+                <a:extLst>
+                  <a:ext uri="{FF2B5EF4-FFF2-40B4-BE49-F238E27FC236}">
+                    <a16:creationId xmlns:a16="http://schemas.microsoft.com/office/drawing/2014/main" id="{920775D0-71E4-9246-AB37-D6325FDB42CC}"/>
+                  </a:ext>
+                </a:extLst>
+              </p:cNvPr>
+              <p:cNvSpPr txBox="1">
+                <a:spLocks noRot="1" noChangeAspect="1" noMove="1" noResize="1" noEditPoints="1" noAdjustHandles="1" noChangeArrowheads="1" noChangeShapeType="1" noTextEdit="1"/>
+              </p:cNvSpPr>
+              <p:nvPr/>
+            </p:nvSpPr>
+            <p:spPr>
+              <a:xfrm>
+                <a:off x="2688101" y="4293016"/>
+                <a:ext cx="6057171" cy="388889"/>
+              </a:xfrm>
+              <a:prstGeom prst="rect">
+                <a:avLst/>
+              </a:prstGeom>
+              <a:blipFill>
+                <a:blip r:embed="rId2"/>
+                <a:stretch>
+                  <a:fillRect l="-628" t="-18750" r="-418" b="-34375"/>
+                </a:stretch>
+              </a:blipFill>
+            </p:spPr>
+            <p:txBody>
+              <a:bodyPr/>
+              <a:lstStyle/>
+              <a:p>
+                <a:r>
+                  <a:rPr lang="en-US">
+                    <a:noFill/>
+                  </a:rPr>
+                  <a:t> </a:t>
+                </a:r>
+              </a:p>
+            </p:txBody>
+          </p:sp>
+        </mc:Fallback>
+      </mc:AlternateContent>
     </p:spTree>
     <p:extLst>
       <p:ext uri="{BB962C8B-B14F-4D97-AF65-F5344CB8AC3E}">
-        <p14:creationId xmlns:p14="http://schemas.microsoft.com/office/powerpoint/2010/main" val="3676585838"/>
+        <p14:creationId xmlns:p14="http://schemas.microsoft.com/office/powerpoint/2010/main" val="888186416"/>
       </p:ext>
     </p:extLst>
   </p:cSld>
@@ -5681,7 +7235,7 @@
           <p:cNvPr id="2" name="Slide Number Placeholder 1">
             <a:extLst>
               <a:ext uri="{FF2B5EF4-FFF2-40B4-BE49-F238E27FC236}">
-                <a16:creationId xmlns:a16="http://schemas.microsoft.com/office/drawing/2014/main" id="{7DA29FE0-3C90-3B46-825F-4D8A7CC71826}"/>
+                <a16:creationId xmlns:a16="http://schemas.microsoft.com/office/drawing/2014/main" id="{E57A78EA-4EE9-8746-BEC8-41270460FFF2}"/>
               </a:ext>
             </a:extLst>
           </p:cNvPr>
@@ -5700,6 +7254,65 @@
             <a:fld id="{2D00CA07-45C7-8142-9F4D-3A07AD48DFA1}" type="slidenum">
               <a:rPr lang="en-US" smtClean="0"/>
               <a:t>6</a:t>
+            </a:fld>
+            <a:endParaRPr lang="en-US"/>
+          </a:p>
+        </p:txBody>
+      </p:sp>
+    </p:spTree>
+    <p:extLst>
+      <p:ext uri="{BB962C8B-B14F-4D97-AF65-F5344CB8AC3E}">
+        <p14:creationId xmlns:p14="http://schemas.microsoft.com/office/powerpoint/2010/main" val="3676585838"/>
+      </p:ext>
+    </p:extLst>
+  </p:cSld>
+  <p:clrMapOvr>
+    <a:masterClrMapping/>
+  </p:clrMapOvr>
+</p:sld>
+</file>
+
+<file path=ppt/slides/slide7.xml><?xml version="1.0" encoding="utf-8"?>
+<p:sld xmlns:a="http://schemas.openxmlformats.org/drawingml/2006/main" xmlns:r="http://schemas.openxmlformats.org/officeDocument/2006/relationships" xmlns:p="http://schemas.openxmlformats.org/presentationml/2006/main">
+  <p:cSld>
+    <p:spTree>
+      <p:nvGrpSpPr>
+        <p:cNvPr id="1" name=""/>
+        <p:cNvGrpSpPr/>
+        <p:nvPr/>
+      </p:nvGrpSpPr>
+      <p:grpSpPr>
+        <a:xfrm>
+          <a:off x="0" y="0"/>
+          <a:ext cx="0" cy="0"/>
+          <a:chOff x="0" y="0"/>
+          <a:chExt cx="0" cy="0"/>
+        </a:xfrm>
+      </p:grpSpPr>
+      <p:sp>
+        <p:nvSpPr>
+          <p:cNvPr id="2" name="Slide Number Placeholder 1">
+            <a:extLst>
+              <a:ext uri="{FF2B5EF4-FFF2-40B4-BE49-F238E27FC236}">
+                <a16:creationId xmlns:a16="http://schemas.microsoft.com/office/drawing/2014/main" id="{7DA29FE0-3C90-3B46-825F-4D8A7CC71826}"/>
+              </a:ext>
+            </a:extLst>
+          </p:cNvPr>
+          <p:cNvSpPr>
+            <a:spLocks noGrp="1"/>
+          </p:cNvSpPr>
+          <p:nvPr>
+            <p:ph type="sldNum" sz="quarter" idx="12"/>
+          </p:nvPr>
+        </p:nvSpPr>
+        <p:spPr/>
+        <p:txBody>
+          <a:bodyPr/>
+          <a:lstStyle/>
+          <a:p>
+            <a:fld id="{2D00CA07-45C7-8142-9F4D-3A07AD48DFA1}" type="slidenum">
+              <a:rPr lang="en-US" smtClean="0"/>
+              <a:t>7</a:t>
             </a:fld>
             <a:endParaRPr lang="en-US"/>
           </a:p>
@@ -5718,7 +7331,7 @@
 </p:sld>
 </file>
 
-<file path=ppt/slides/slide7.xml><?xml version="1.0" encoding="utf-8"?>
+<file path=ppt/slides/slide8.xml><?xml version="1.0" encoding="utf-8"?>
 <p:sld xmlns:a="http://schemas.openxmlformats.org/drawingml/2006/main" xmlns:r="http://schemas.openxmlformats.org/officeDocument/2006/relationships" xmlns:p="http://schemas.openxmlformats.org/presentationml/2006/main" show="0">
   <p:cSld>
     <p:spTree>
@@ -5758,7 +7371,7 @@
           <a:p>
             <a:fld id="{2D00CA07-45C7-8142-9F4D-3A07AD48DFA1}" type="slidenum">
               <a:rPr lang="en-US" smtClean="0"/>
-              <a:t>7</a:t>
+              <a:t>8</a:t>
             </a:fld>
             <a:endParaRPr lang="en-US"/>
           </a:p>
@@ -5952,7 +7565,7 @@
 </p:sld>
 </file>
 
-<file path=ppt/slides/slide8.xml><?xml version="1.0" encoding="utf-8"?>
+<file path=ppt/slides/slide9.xml><?xml version="1.0" encoding="utf-8"?>
 <p:sld xmlns:a="http://schemas.openxmlformats.org/drawingml/2006/main" xmlns:r="http://schemas.openxmlformats.org/officeDocument/2006/relationships" xmlns:p="http://schemas.openxmlformats.org/presentationml/2006/main">
   <p:cSld>
     <p:spTree>
@@ -5992,7 +7605,7 @@
           <a:p>
             <a:fld id="{2D00CA07-45C7-8142-9F4D-3A07AD48DFA1}" type="slidenum">
               <a:rPr lang="en-US" smtClean="0"/>
-              <a:t>8</a:t>
+              <a:t>9</a:t>
             </a:fld>
             <a:endParaRPr lang="en-US"/>
           </a:p>
@@ -6002,146 +7615,6 @@
     <p:extLst>
       <p:ext uri="{BB962C8B-B14F-4D97-AF65-F5344CB8AC3E}">
         <p14:creationId xmlns:p14="http://schemas.microsoft.com/office/powerpoint/2010/main" val="2397182481"/>
-      </p:ext>
-    </p:extLst>
-  </p:cSld>
-  <p:clrMapOvr>
-    <a:masterClrMapping/>
-  </p:clrMapOvr>
-</p:sld>
-</file>
-
-<file path=ppt/slides/slide9.xml><?xml version="1.0" encoding="utf-8"?>
-<p:sld xmlns:a="http://schemas.openxmlformats.org/drawingml/2006/main" xmlns:r="http://schemas.openxmlformats.org/officeDocument/2006/relationships" xmlns:p="http://schemas.openxmlformats.org/presentationml/2006/main" show="0">
-  <p:cSld>
-    <p:spTree>
-      <p:nvGrpSpPr>
-        <p:cNvPr id="1" name=""/>
-        <p:cNvGrpSpPr/>
-        <p:nvPr/>
-      </p:nvGrpSpPr>
-      <p:grpSpPr>
-        <a:xfrm>
-          <a:off x="0" y="0"/>
-          <a:ext cx="0" cy="0"/>
-          <a:chOff x="0" y="0"/>
-          <a:chExt cx="0" cy="0"/>
-        </a:xfrm>
-      </p:grpSpPr>
-      <p:sp>
-        <p:nvSpPr>
-          <p:cNvPr id="2" name="Slide Number Placeholder 1">
-            <a:extLst>
-              <a:ext uri="{FF2B5EF4-FFF2-40B4-BE49-F238E27FC236}">
-                <a16:creationId xmlns:a16="http://schemas.microsoft.com/office/drawing/2014/main" id="{9B12371F-989E-EE43-B20F-90E48B433F0A}"/>
-              </a:ext>
-            </a:extLst>
-          </p:cNvPr>
-          <p:cNvSpPr>
-            <a:spLocks noGrp="1"/>
-          </p:cNvSpPr>
-          <p:nvPr>
-            <p:ph type="sldNum" sz="quarter" idx="12"/>
-          </p:nvPr>
-        </p:nvSpPr>
-        <p:spPr/>
-        <p:txBody>
-          <a:bodyPr/>
-          <a:lstStyle/>
-          <a:p>
-            <a:fld id="{2D00CA07-45C7-8142-9F4D-3A07AD48DFA1}" type="slidenum">
-              <a:rPr lang="en-US" smtClean="0"/>
-              <a:t>9</a:t>
-            </a:fld>
-            <a:endParaRPr lang="en-US"/>
-          </a:p>
-        </p:txBody>
-      </p:sp>
-      <p:sp>
-        <p:nvSpPr>
-          <p:cNvPr id="3" name="TextBox 2">
-            <a:extLst>
-              <a:ext uri="{FF2B5EF4-FFF2-40B4-BE49-F238E27FC236}">
-                <a16:creationId xmlns:a16="http://schemas.microsoft.com/office/drawing/2014/main" id="{2B4E9B55-4425-2740-A108-76FF69BA3D12}"/>
-              </a:ext>
-            </a:extLst>
-          </p:cNvPr>
-          <p:cNvSpPr txBox="1"/>
-          <p:nvPr/>
-        </p:nvSpPr>
-        <p:spPr>
-          <a:xfrm>
-            <a:off x="460713" y="332656"/>
-            <a:ext cx="2915542" cy="553998"/>
-          </a:xfrm>
-          <a:prstGeom prst="rect">
-            <a:avLst/>
-          </a:prstGeom>
-          <a:noFill/>
-        </p:spPr>
-        <p:txBody>
-          <a:bodyPr wrap="none" lIns="0" tIns="0" rIns="0" bIns="0" rtlCol="0">
-            <a:spAutoFit/>
-          </a:bodyPr>
-          <a:lstStyle/>
-          <a:p>
-            <a:r>
-              <a:rPr lang="en-US" sz="3600" b="1" dirty="0">
-                <a:latin typeface="Arial" panose="020B0604020202020204" pitchFamily="34" charset="0"/>
-                <a:cs typeface="Arial" panose="020B0604020202020204" pitchFamily="34" charset="0"/>
-              </a:rPr>
-              <a:t>This is a Title</a:t>
-            </a:r>
-          </a:p>
-        </p:txBody>
-      </p:sp>
-      <p:cxnSp>
-        <p:nvCxnSpPr>
-          <p:cNvPr id="4" name="Straight Connector 3">
-            <a:extLst>
-              <a:ext uri="{FF2B5EF4-FFF2-40B4-BE49-F238E27FC236}">
-                <a16:creationId xmlns:a16="http://schemas.microsoft.com/office/drawing/2014/main" id="{CFDF23E1-C7BD-4C48-9E8A-53704A4D662C}"/>
-              </a:ext>
-            </a:extLst>
-          </p:cNvPr>
-          <p:cNvCxnSpPr>
-            <a:cxnSpLocks/>
-          </p:cNvCxnSpPr>
-          <p:nvPr/>
-        </p:nvCxnSpPr>
-        <p:spPr>
-          <a:xfrm>
-            <a:off x="460714" y="886654"/>
-            <a:ext cx="11270573" cy="0"/>
-          </a:xfrm>
-          <a:prstGeom prst="line">
-            <a:avLst/>
-          </a:prstGeom>
-          <a:ln w="38100">
-            <a:solidFill>
-              <a:schemeClr val="tx1"/>
-            </a:solidFill>
-          </a:ln>
-        </p:spPr>
-        <p:style>
-          <a:lnRef idx="1">
-            <a:schemeClr val="accent1"/>
-          </a:lnRef>
-          <a:fillRef idx="0">
-            <a:schemeClr val="accent1"/>
-          </a:fillRef>
-          <a:effectRef idx="0">
-            <a:schemeClr val="accent1"/>
-          </a:effectRef>
-          <a:fontRef idx="minor">
-            <a:schemeClr val="tx1"/>
-          </a:fontRef>
-        </p:style>
-      </p:cxnSp>
-    </p:spTree>
-    <p:extLst>
-      <p:ext uri="{BB962C8B-B14F-4D97-AF65-F5344CB8AC3E}">
-        <p14:creationId xmlns:p14="http://schemas.microsoft.com/office/powerpoint/2010/main" val="888186416"/>
       </p:ext>
     </p:extLst>
   </p:cSld>

--- a/Presentation/slide_deck.pptx
+++ b/Presentation/slide_deck.pptx
@@ -5,20 +5,21 @@
     <p:sldMasterId id="2147483648" r:id="rId1"/>
   </p:sldMasterIdLst>
   <p:notesMasterIdLst>
-    <p:notesMasterId r:id="rId13"/>
+    <p:notesMasterId r:id="rId14"/>
   </p:notesMasterIdLst>
   <p:sldIdLst>
     <p:sldId id="256" r:id="rId2"/>
     <p:sldId id="260" r:id="rId3"/>
     <p:sldId id="259" r:id="rId4"/>
     <p:sldId id="264" r:id="rId5"/>
-    <p:sldId id="266" r:id="rId6"/>
-    <p:sldId id="265" r:id="rId7"/>
-    <p:sldId id="263" r:id="rId8"/>
-    <p:sldId id="262" r:id="rId9"/>
-    <p:sldId id="261" r:id="rId10"/>
-    <p:sldId id="267" r:id="rId11"/>
-    <p:sldId id="268" r:id="rId12"/>
+    <p:sldId id="269" r:id="rId6"/>
+    <p:sldId id="266" r:id="rId7"/>
+    <p:sldId id="268" r:id="rId8"/>
+    <p:sldId id="271" r:id="rId9"/>
+    <p:sldId id="262" r:id="rId10"/>
+    <p:sldId id="261" r:id="rId11"/>
+    <p:sldId id="267" r:id="rId12"/>
+    <p:sldId id="270" r:id="rId13"/>
   </p:sldIdLst>
   <p:sldSz cx="12192000" cy="6858000"/>
   <p:notesSz cx="6858000" cy="9144000"/>
@@ -207,7 +208,7 @@
           <a:p>
             <a:fld id="{3398E8B9-81F1-424D-AE77-F968A2DCD636}" type="datetimeFigureOut">
               <a:rPr lang="en-US" smtClean="0"/>
-              <a:t>9/27/21</a:t>
+              <a:t>9/28/21</a:t>
             </a:fld>
             <a:endParaRPr lang="en-US"/>
           </a:p>
@@ -624,7 +625,7 @@
           <a:p>
             <a:fld id="{D7919F00-95C3-E345-9A68-6806DD4786C7}" type="datetime1">
               <a:rPr lang="de-DE" smtClean="0"/>
-              <a:t>27.09.21</a:t>
+              <a:t>28.09.21</a:t>
             </a:fld>
             <a:endParaRPr lang="en-US"/>
           </a:p>
@@ -824,7 +825,7 @@
           <a:p>
             <a:fld id="{EEF8CF17-46D6-4746-9F83-62838F7FFA9E}" type="datetime1">
               <a:rPr lang="de-DE" smtClean="0"/>
-              <a:t>27.09.21</a:t>
+              <a:t>28.09.21</a:t>
             </a:fld>
             <a:endParaRPr lang="en-US"/>
           </a:p>
@@ -1034,7 +1035,7 @@
           <a:p>
             <a:fld id="{846669D5-C56A-D444-8228-920498C21CB5}" type="datetime1">
               <a:rPr lang="de-DE" smtClean="0"/>
-              <a:t>27.09.21</a:t>
+              <a:t>28.09.21</a:t>
             </a:fld>
             <a:endParaRPr lang="en-US"/>
           </a:p>
@@ -1234,7 +1235,7 @@
           <a:p>
             <a:fld id="{6B2A11E0-3F60-484C-B31C-C335BE773633}" type="datetime1">
               <a:rPr lang="de-DE" smtClean="0"/>
-              <a:t>27.09.21</a:t>
+              <a:t>28.09.21</a:t>
             </a:fld>
             <a:endParaRPr lang="en-US"/>
           </a:p>
@@ -1510,7 +1511,7 @@
           <a:p>
             <a:fld id="{AD0CF0BE-8C02-7A46-B8F9-9A1A359A3221}" type="datetime1">
               <a:rPr lang="de-DE" smtClean="0"/>
-              <a:t>27.09.21</a:t>
+              <a:t>28.09.21</a:t>
             </a:fld>
             <a:endParaRPr lang="en-US"/>
           </a:p>
@@ -1778,7 +1779,7 @@
           <a:p>
             <a:fld id="{E3D55EAB-06EA-2B41-8799-9D715C6BB5C9}" type="datetime1">
               <a:rPr lang="de-DE" smtClean="0"/>
-              <a:t>27.09.21</a:t>
+              <a:t>28.09.21</a:t>
             </a:fld>
             <a:endParaRPr lang="en-US"/>
           </a:p>
@@ -2193,7 +2194,7 @@
           <a:p>
             <a:fld id="{899C43E9-79E3-0343-886E-B54191E8154C}" type="datetime1">
               <a:rPr lang="de-DE" smtClean="0"/>
-              <a:t>27.09.21</a:t>
+              <a:t>28.09.21</a:t>
             </a:fld>
             <a:endParaRPr lang="en-US"/>
           </a:p>
@@ -2335,7 +2336,7 @@
           <a:p>
             <a:fld id="{38D1FDF0-7FAD-B74F-9C14-35E95702474C}" type="datetime1">
               <a:rPr lang="de-DE" smtClean="0"/>
-              <a:t>27.09.21</a:t>
+              <a:t>28.09.21</a:t>
             </a:fld>
             <a:endParaRPr lang="en-US"/>
           </a:p>
@@ -2448,7 +2449,7 @@
           <a:p>
             <a:fld id="{40CA08E2-633C-6F4C-B416-7B24EADBD5D5}" type="datetime1">
               <a:rPr lang="de-DE" smtClean="0"/>
-              <a:t>27.09.21</a:t>
+              <a:t>28.09.21</a:t>
             </a:fld>
             <a:endParaRPr lang="en-US"/>
           </a:p>
@@ -2766,7 +2767,7 @@
           <a:p>
             <a:fld id="{25A8823F-BF39-4B48-92AC-7573D6900421}" type="datetime1">
               <a:rPr lang="de-DE" smtClean="0"/>
-              <a:t>27.09.21</a:t>
+              <a:t>28.09.21</a:t>
             </a:fld>
             <a:endParaRPr lang="en-US"/>
           </a:p>
@@ -3059,7 +3060,7 @@
           <a:p>
             <a:fld id="{9133BCCA-5C2C-1E48-9D3E-EC5297EB8560}" type="datetime1">
               <a:rPr lang="de-DE" smtClean="0"/>
-              <a:t>27.09.21</a:t>
+              <a:t>28.09.21</a:t>
             </a:fld>
             <a:endParaRPr lang="en-US"/>
           </a:p>
@@ -3311,7 +3312,7 @@
           <a:p>
             <a:fld id="{4ECDE09A-B1E7-BF49-A4A8-79F389F3B4B8}" type="datetime1">
               <a:rPr lang="de-DE" smtClean="0"/>
-              <a:t>27.09.21</a:t>
+              <a:t>28.09.21</a:t>
             </a:fld>
             <a:endParaRPr lang="en-US"/>
           </a:p>
@@ -3910,7 +3911,7 @@
           <p:cNvPr id="2" name="Slide Number Placeholder 1">
             <a:extLst>
               <a:ext uri="{FF2B5EF4-FFF2-40B4-BE49-F238E27FC236}">
-                <a16:creationId xmlns:a16="http://schemas.microsoft.com/office/drawing/2014/main" id="{9B12371F-989E-EE43-B20F-90E48B433F0A}"/>
+                <a16:creationId xmlns:a16="http://schemas.microsoft.com/office/drawing/2014/main" id="{E2075DE5-C3EF-AD4F-8874-494E7084ED20}"/>
               </a:ext>
             </a:extLst>
           </p:cNvPr>
@@ -3929,6 +3930,65 @@
             <a:fld id="{2D00CA07-45C7-8142-9F4D-3A07AD48DFA1}" type="slidenum">
               <a:rPr lang="en-US" smtClean="0"/>
               <a:t>10</a:t>
+            </a:fld>
+            <a:endParaRPr lang="en-US"/>
+          </a:p>
+        </p:txBody>
+      </p:sp>
+    </p:spTree>
+    <p:extLst>
+      <p:ext uri="{BB962C8B-B14F-4D97-AF65-F5344CB8AC3E}">
+        <p14:creationId xmlns:p14="http://schemas.microsoft.com/office/powerpoint/2010/main" val="2397182481"/>
+      </p:ext>
+    </p:extLst>
+  </p:cSld>
+  <p:clrMapOvr>
+    <a:masterClrMapping/>
+  </p:clrMapOvr>
+</p:sld>
+</file>
+
+<file path=ppt/slides/slide11.xml><?xml version="1.0" encoding="utf-8"?>
+<p:sld xmlns:a="http://schemas.openxmlformats.org/drawingml/2006/main" xmlns:r="http://schemas.openxmlformats.org/officeDocument/2006/relationships" xmlns:p="http://schemas.openxmlformats.org/presentationml/2006/main">
+  <p:cSld>
+    <p:spTree>
+      <p:nvGrpSpPr>
+        <p:cNvPr id="1" name=""/>
+        <p:cNvGrpSpPr/>
+        <p:nvPr/>
+      </p:nvGrpSpPr>
+      <p:grpSpPr>
+        <a:xfrm>
+          <a:off x="0" y="0"/>
+          <a:ext cx="0" cy="0"/>
+          <a:chOff x="0" y="0"/>
+          <a:chExt cx="0" cy="0"/>
+        </a:xfrm>
+      </p:grpSpPr>
+      <p:sp>
+        <p:nvSpPr>
+          <p:cNvPr id="2" name="Slide Number Placeholder 1">
+            <a:extLst>
+              <a:ext uri="{FF2B5EF4-FFF2-40B4-BE49-F238E27FC236}">
+                <a16:creationId xmlns:a16="http://schemas.microsoft.com/office/drawing/2014/main" id="{9B12371F-989E-EE43-B20F-90E48B433F0A}"/>
+              </a:ext>
+            </a:extLst>
+          </p:cNvPr>
+          <p:cNvSpPr>
+            <a:spLocks noGrp="1"/>
+          </p:cNvSpPr>
+          <p:nvPr>
+            <p:ph type="sldNum" sz="quarter" idx="12"/>
+          </p:nvPr>
+        </p:nvSpPr>
+        <p:spPr/>
+        <p:txBody>
+          <a:bodyPr/>
+          <a:lstStyle/>
+          <a:p>
+            <a:fld id="{2D00CA07-45C7-8142-9F4D-3A07AD48DFA1}" type="slidenum">
+              <a:rPr lang="en-US" smtClean="0"/>
+              <a:t>11</a:t>
             </a:fld>
             <a:endParaRPr lang="en-US"/>
           </a:p>
@@ -4030,7 +4090,7 @@
         <p:spPr>
           <a:xfrm>
             <a:off x="459610" y="1196752"/>
-            <a:ext cx="11033408" cy="2585323"/>
+            <a:ext cx="11033408" cy="2954655"/>
           </a:xfrm>
           <a:prstGeom prst="rect">
             <a:avLst/>
@@ -4052,8 +4112,32 @@
                 <a:latin typeface="Arial" panose="020B0604020202020204" pitchFamily="34" charset="0"/>
                 <a:cs typeface="Arial" panose="020B0604020202020204" pitchFamily="34" charset="0"/>
               </a:rPr>
-              <a:t>Lalonde, R. J. (1986), Evaluating the econometric evaluations of training programs with experimental data, The American Economic Review, 76, 604 - 620.</a:t>
-            </a:r>
+              <a:t>Lalonde, R. J. (1986), Evaluating the econometric evaluations of training programs with experimental data, </a:t>
+            </a:r>
+            <a:r>
+              <a:rPr lang="en-US" sz="2400" i="1" dirty="0">
+                <a:latin typeface="Arial" panose="020B0604020202020204" pitchFamily="34" charset="0"/>
+                <a:cs typeface="Arial" panose="020B0604020202020204" pitchFamily="34" charset="0"/>
+              </a:rPr>
+              <a:t>The American Economic Review</a:t>
+            </a:r>
+            <a:r>
+              <a:rPr lang="en-US" sz="2400" dirty="0">
+                <a:latin typeface="Arial" panose="020B0604020202020204" pitchFamily="34" charset="0"/>
+                <a:cs typeface="Arial" panose="020B0604020202020204" pitchFamily="34" charset="0"/>
+              </a:rPr>
+              <a:t>, 76, 604 - 620.</a:t>
+            </a:r>
+          </a:p>
+          <a:p>
+            <a:pPr marL="457200" indent="-457200">
+              <a:buFont typeface="+mj-lt"/>
+              <a:buAutoNum type="arabicPeriod"/>
+            </a:pPr>
+            <a:endParaRPr lang="en-US" sz="2400" dirty="0">
+              <a:latin typeface="Arial" panose="020B0604020202020204" pitchFamily="34" charset="0"/>
+              <a:cs typeface="Arial" panose="020B0604020202020204" pitchFamily="34" charset="0"/>
+            </a:endParaRPr>
           </a:p>
           <a:p>
             <a:pPr marL="457200" indent="-457200">
@@ -4072,7 +4156,21 @@
                 <a:latin typeface="Arial" panose="020B0604020202020204" pitchFamily="34" charset="0"/>
                 <a:cs typeface="Arial" panose="020B0604020202020204" pitchFamily="34" charset="0"/>
               </a:rPr>
-              <a:t>, R., and Wahba, S. (1999), Causal Effects in Nonexperimental Studies: Reevaluating the Evaluation of Training Programs, Journal of the American Statistical Association, 94, 1053-1062. </a:t>
+              <a:t>, R., and Wahba, S. (1999), Causal Effects in Nonexperimental Studies: Reevaluating the Evaluation of Training Programs, </a:t>
+            </a:r>
+            <a:r>
+              <a:rPr lang="en-US" sz="2400" i="1" dirty="0">
+                <a:latin typeface="Arial" panose="020B0604020202020204" pitchFamily="34" charset="0"/>
+                <a:cs typeface="Arial" panose="020B0604020202020204" pitchFamily="34" charset="0"/>
+              </a:rPr>
+              <a:t>Journal of the American Statistical Association</a:t>
+            </a:r>
+            <a:r>
+              <a:rPr lang="en-US" sz="2400" dirty="0">
+                <a:latin typeface="Arial" panose="020B0604020202020204" pitchFamily="34" charset="0"/>
+                <a:cs typeface="Arial" panose="020B0604020202020204" pitchFamily="34" charset="0"/>
+              </a:rPr>
+              <a:t>, 94, 1053-1062. </a:t>
             </a:r>
           </a:p>
           <a:p>
@@ -4097,7 +4195,7 @@
 </p:sld>
 </file>
 
-<file path=ppt/slides/slide11.xml><?xml version="1.0" encoding="utf-8"?>
+<file path=ppt/slides/slide12.xml><?xml version="1.0" encoding="utf-8"?>
 <p:sld xmlns:a="http://schemas.openxmlformats.org/drawingml/2006/main" xmlns:r="http://schemas.openxmlformats.org/officeDocument/2006/relationships" xmlns:p="http://schemas.openxmlformats.org/presentationml/2006/main" show="0">
   <p:cSld>
     <p:spTree>
@@ -4137,7 +4235,7 @@
           <a:p>
             <a:fld id="{2D00CA07-45C7-8142-9F4D-3A07AD48DFA1}" type="slidenum">
               <a:rPr lang="en-US" smtClean="0"/>
-              <a:t>11</a:t>
+              <a:t>12</a:t>
             </a:fld>
             <a:endParaRPr lang="en-US"/>
           </a:p>
@@ -4227,7 +4325,7 @@
     </p:spTree>
     <p:extLst>
       <p:ext uri="{BB962C8B-B14F-4D97-AF65-F5344CB8AC3E}">
-        <p14:creationId xmlns:p14="http://schemas.microsoft.com/office/powerpoint/2010/main" val="4287484339"/>
+        <p14:creationId xmlns:p14="http://schemas.microsoft.com/office/powerpoint/2010/main" val="3395229835"/>
       </p:ext>
     </p:extLst>
   </p:cSld>
@@ -5812,6 +5910,853 @@
           </a:fontRef>
         </p:style>
       </p:cxnSp>
+      <p:pic>
+        <p:nvPicPr>
+          <p:cNvPr id="22" name="Picture 21" descr="Chart, histogram&#10;&#10;Description automatically generated">
+            <a:extLst>
+              <a:ext uri="{FF2B5EF4-FFF2-40B4-BE49-F238E27FC236}">
+                <a16:creationId xmlns:a16="http://schemas.microsoft.com/office/drawing/2014/main" id="{0A2248FB-A813-A149-B445-71335989EA4A}"/>
+              </a:ext>
+            </a:extLst>
+          </p:cNvPr>
+          <p:cNvPicPr>
+            <a:picLocks noChangeAspect="1"/>
+          </p:cNvPicPr>
+          <p:nvPr/>
+        </p:nvPicPr>
+        <p:blipFill rotWithShape="1">
+          <a:blip r:embed="rId2"/>
+          <a:srcRect t="6488"/>
+          <a:stretch/>
+        </p:blipFill>
+        <p:spPr>
+          <a:xfrm>
+            <a:off x="462005" y="1804256"/>
+            <a:ext cx="5209424" cy="3897141"/>
+          </a:xfrm>
+          <a:prstGeom prst="rect">
+            <a:avLst/>
+          </a:prstGeom>
+        </p:spPr>
+      </p:pic>
+      <mc:AlternateContent xmlns:mc="http://schemas.openxmlformats.org/markup-compatibility/2006" xmlns:a14="http://schemas.microsoft.com/office/drawing/2010/main">
+        <mc:Choice Requires="a14">
+          <p:sp>
+            <p:nvSpPr>
+              <p:cNvPr id="24" name="Rectangle 23">
+                <a:extLst>
+                  <a:ext uri="{FF2B5EF4-FFF2-40B4-BE49-F238E27FC236}">
+                    <a16:creationId xmlns:a16="http://schemas.microsoft.com/office/drawing/2014/main" id="{CC04480D-2E39-A64A-AF66-88650F8D96EE}"/>
+                  </a:ext>
+                </a:extLst>
+              </p:cNvPr>
+              <p:cNvSpPr/>
+              <p:nvPr/>
+            </p:nvSpPr>
+            <p:spPr>
+              <a:xfrm>
+                <a:off x="448649" y="5918410"/>
+                <a:ext cx="5209424" cy="490860"/>
+              </a:xfrm>
+              <a:prstGeom prst="rect">
+                <a:avLst/>
+              </a:prstGeom>
+              <a:solidFill>
+                <a:schemeClr val="bg1">
+                  <a:lumMod val="95000"/>
+                </a:schemeClr>
+              </a:solidFill>
+              <a:ln w="28575">
+                <a:noFill/>
+              </a:ln>
+            </p:spPr>
+            <p:style>
+              <a:lnRef idx="2">
+                <a:schemeClr val="accent1">
+                  <a:shade val="50000"/>
+                </a:schemeClr>
+              </a:lnRef>
+              <a:fillRef idx="1">
+                <a:schemeClr val="accent1"/>
+              </a:fillRef>
+              <a:effectRef idx="0">
+                <a:schemeClr val="accent1"/>
+              </a:effectRef>
+              <a:fontRef idx="minor">
+                <a:schemeClr val="lt1"/>
+              </a:fontRef>
+            </p:style>
+            <p:txBody>
+              <a:bodyPr rtlCol="0" anchor="ctr"/>
+              <a:lstStyle/>
+              <a:p>
+                <a:pPr algn="ctr"/>
+                <a:r>
+                  <a:rPr lang="en-US" sz="2000" dirty="0">
+                    <a:solidFill>
+                      <a:schemeClr val="tx1"/>
+                    </a:solidFill>
+                    <a:latin typeface="Arial" panose="020B0604020202020204" pitchFamily="34" charset="0"/>
+                    <a:cs typeface="Arial" panose="020B0604020202020204" pitchFamily="34" charset="0"/>
+                  </a:rPr>
+                  <a:t>Zero inflation </a:t>
+                </a:r>
+                <a14:m>
+                  <m:oMath xmlns:m="http://schemas.openxmlformats.org/officeDocument/2006/math">
+                    <m:r>
+                      <a:rPr lang="de-DE" sz="2000" i="1">
+                        <a:solidFill>
+                          <a:schemeClr val="tx1"/>
+                        </a:solidFill>
+                        <a:latin typeface="Cambria Math" panose="02040503050406030204" pitchFamily="18" charset="0"/>
+                        <a:cs typeface="Arial" panose="020B0604020202020204" pitchFamily="34" charset="0"/>
+                      </a:rPr>
+                      <m:t>→</m:t>
+                    </m:r>
+                  </m:oMath>
+                </a14:m>
+                <a:r>
+                  <a:rPr lang="en-US" sz="2000" dirty="0">
+                    <a:solidFill>
+                      <a:schemeClr val="tx1"/>
+                    </a:solidFill>
+                    <a:latin typeface="Arial" panose="020B0604020202020204" pitchFamily="34" charset="0"/>
+                    <a:cs typeface="Arial" panose="020B0604020202020204" pitchFamily="34" charset="0"/>
+                  </a:rPr>
+                  <a:t> model </a:t>
+                </a:r>
+                <a14:m>
+                  <m:oMath xmlns:m="http://schemas.openxmlformats.org/officeDocument/2006/math">
+                    <m:r>
+                      <a:rPr lang="de-DE" sz="2000" i="1">
+                        <a:solidFill>
+                          <a:schemeClr val="tx1"/>
+                        </a:solidFill>
+                        <a:latin typeface="Cambria Math" panose="02040503050406030204" pitchFamily="18" charset="0"/>
+                        <a:cs typeface="Arial" panose="020B0604020202020204" pitchFamily="34" charset="0"/>
+                      </a:rPr>
+                      <m:t>𝑟𝑒</m:t>
+                    </m:r>
+                    <m:r>
+                      <a:rPr lang="de-DE" sz="2000" i="1">
+                        <a:solidFill>
+                          <a:schemeClr val="tx1"/>
+                        </a:solidFill>
+                        <a:latin typeface="Cambria Math" panose="02040503050406030204" pitchFamily="18" charset="0"/>
+                        <a:cs typeface="Arial" panose="020B0604020202020204" pitchFamily="34" charset="0"/>
+                      </a:rPr>
+                      <m:t>78−</m:t>
+                    </m:r>
+                    <m:r>
+                      <a:rPr lang="de-DE" sz="2000" i="1">
+                        <a:solidFill>
+                          <a:schemeClr val="tx1"/>
+                        </a:solidFill>
+                        <a:latin typeface="Cambria Math" panose="02040503050406030204" pitchFamily="18" charset="0"/>
+                        <a:cs typeface="Arial" panose="020B0604020202020204" pitchFamily="34" charset="0"/>
+                      </a:rPr>
+                      <m:t>𝑟𝑒</m:t>
+                    </m:r>
+                    <m:r>
+                      <a:rPr lang="de-DE" sz="2000" i="1">
+                        <a:solidFill>
+                          <a:schemeClr val="tx1"/>
+                        </a:solidFill>
+                        <a:latin typeface="Cambria Math" panose="02040503050406030204" pitchFamily="18" charset="0"/>
+                        <a:cs typeface="Arial" panose="020B0604020202020204" pitchFamily="34" charset="0"/>
+                      </a:rPr>
+                      <m:t>74</m:t>
+                    </m:r>
+                  </m:oMath>
+                </a14:m>
+                <a:r>
+                  <a:rPr lang="en-US" sz="2000" dirty="0">
+                    <a:solidFill>
+                      <a:schemeClr val="tx1"/>
+                    </a:solidFill>
+                    <a:latin typeface="Arial" panose="020B0604020202020204" pitchFamily="34" charset="0"/>
+                    <a:cs typeface="Arial" panose="020B0604020202020204" pitchFamily="34" charset="0"/>
+                  </a:rPr>
+                  <a:t> instead</a:t>
+                </a:r>
+              </a:p>
+            </p:txBody>
+          </p:sp>
+        </mc:Choice>
+        <mc:Fallback xmlns="">
+          <p:sp>
+            <p:nvSpPr>
+              <p:cNvPr id="24" name="Rectangle 23">
+                <a:extLst>
+                  <a:ext uri="{FF2B5EF4-FFF2-40B4-BE49-F238E27FC236}">
+                    <a16:creationId xmlns:a16="http://schemas.microsoft.com/office/drawing/2014/main" id="{CC04480D-2E39-A64A-AF66-88650F8D96EE}"/>
+                  </a:ext>
+                </a:extLst>
+              </p:cNvPr>
+              <p:cNvSpPr>
+                <a:spLocks noRot="1" noChangeAspect="1" noMove="1" noResize="1" noEditPoints="1" noAdjustHandles="1" noChangeArrowheads="1" noChangeShapeType="1" noTextEdit="1"/>
+              </p:cNvSpPr>
+              <p:nvPr/>
+            </p:nvSpPr>
+            <p:spPr>
+              <a:xfrm>
+                <a:off x="448649" y="5918410"/>
+                <a:ext cx="5209424" cy="490860"/>
+              </a:xfrm>
+              <a:prstGeom prst="rect">
+                <a:avLst/>
+              </a:prstGeom>
+              <a:blipFill>
+                <a:blip r:embed="rId3"/>
+                <a:stretch>
+                  <a:fillRect b="-12821"/>
+                </a:stretch>
+              </a:blipFill>
+              <a:ln w="28575">
+                <a:noFill/>
+              </a:ln>
+            </p:spPr>
+            <p:txBody>
+              <a:bodyPr/>
+              <a:lstStyle/>
+              <a:p>
+                <a:r>
+                  <a:rPr lang="en-US">
+                    <a:noFill/>
+                  </a:rPr>
+                  <a:t> </a:t>
+                </a:r>
+              </a:p>
+            </p:txBody>
+          </p:sp>
+        </mc:Fallback>
+      </mc:AlternateContent>
+      <p:grpSp>
+        <p:nvGrpSpPr>
+          <p:cNvPr id="12" name="Group 11">
+            <a:extLst>
+              <a:ext uri="{FF2B5EF4-FFF2-40B4-BE49-F238E27FC236}">
+                <a16:creationId xmlns:a16="http://schemas.microsoft.com/office/drawing/2014/main" id="{EE984BCC-4377-4745-9FCC-694B52B9193F}"/>
+              </a:ext>
+            </a:extLst>
+          </p:cNvPr>
+          <p:cNvGrpSpPr/>
+          <p:nvPr/>
+        </p:nvGrpSpPr>
+        <p:grpSpPr>
+          <a:xfrm>
+            <a:off x="6888088" y="1268760"/>
+            <a:ext cx="4414564" cy="4970268"/>
+            <a:chOff x="6816080" y="1550412"/>
+            <a:chExt cx="4414564" cy="4970268"/>
+          </a:xfrm>
+        </p:grpSpPr>
+        <p:pic>
+          <p:nvPicPr>
+            <p:cNvPr id="1026" name="Picture 2" descr="They&amp;#39;re the Same Picture Meme Maker">
+              <a:extLst>
+                <a:ext uri="{FF2B5EF4-FFF2-40B4-BE49-F238E27FC236}">
+                  <a16:creationId xmlns:a16="http://schemas.microsoft.com/office/drawing/2014/main" id="{C8007D59-CBB7-0C4E-8D4B-C8EA8C359F4E}"/>
+                </a:ext>
+              </a:extLst>
+            </p:cNvPr>
+            <p:cNvPicPr>
+              <a:picLocks noChangeAspect="1" noChangeArrowheads="1"/>
+            </p:cNvPicPr>
+            <p:nvPr/>
+          </p:nvPicPr>
+          <p:blipFill>
+            <a:blip r:embed="rId4">
+              <a:extLst>
+                <a:ext uri="{28A0092B-C50C-407E-A947-70E740481C1C}">
+                  <a14:useLocalDpi xmlns:a14="http://schemas.microsoft.com/office/drawing/2010/main" val="0"/>
+                </a:ext>
+              </a:extLst>
+            </a:blip>
+            <a:srcRect/>
+            <a:stretch>
+              <a:fillRect/>
+            </a:stretch>
+          </p:blipFill>
+          <p:spPr bwMode="auto">
+            <a:xfrm>
+              <a:off x="6816080" y="1550412"/>
+              <a:ext cx="4414564" cy="4970268"/>
+            </a:xfrm>
+            <a:prstGeom prst="rect">
+              <a:avLst/>
+            </a:prstGeom>
+            <a:noFill/>
+            <a:extLst>
+              <a:ext uri="{909E8E84-426E-40DD-AFC4-6F175D3DCCD1}">
+                <a14:hiddenFill xmlns:a14="http://schemas.microsoft.com/office/drawing/2010/main">
+                  <a:solidFill>
+                    <a:srgbClr val="FFFFFF"/>
+                  </a:solidFill>
+                </a14:hiddenFill>
+              </a:ext>
+            </a:extLst>
+          </p:spPr>
+        </p:pic>
+        <p:sp>
+          <p:nvSpPr>
+            <p:cNvPr id="8" name="TextBox 7">
+              <a:extLst>
+                <a:ext uri="{FF2B5EF4-FFF2-40B4-BE49-F238E27FC236}">
+                  <a16:creationId xmlns:a16="http://schemas.microsoft.com/office/drawing/2014/main" id="{28C7F92A-97C6-8A4A-BE1A-6CDD9F943997}"/>
+                </a:ext>
+              </a:extLst>
+            </p:cNvPr>
+            <p:cNvSpPr txBox="1"/>
+            <p:nvPr/>
+          </p:nvSpPr>
+          <p:spPr>
+            <a:xfrm>
+              <a:off x="9035213" y="2060848"/>
+              <a:ext cx="2192685" cy="1477328"/>
+            </a:xfrm>
+            <a:prstGeom prst="rect">
+              <a:avLst/>
+            </a:prstGeom>
+            <a:noFill/>
+          </p:spPr>
+          <p:txBody>
+            <a:bodyPr wrap="square" lIns="0" tIns="0" rIns="0" bIns="0" rtlCol="0">
+              <a:spAutoFit/>
+            </a:bodyPr>
+            <a:lstStyle/>
+            <a:p>
+              <a:pPr algn="ctr"/>
+              <a:r>
+                <a:rPr lang="en-US" sz="2400" dirty="0">
+                  <a:latin typeface="Arial" panose="020B0604020202020204" pitchFamily="34" charset="0"/>
+                  <a:cs typeface="Arial" panose="020B0604020202020204" pitchFamily="34" charset="0"/>
+                </a:rPr>
+                <a:t>Perfectly normally distributed residuals</a:t>
+              </a:r>
+            </a:p>
+          </p:txBody>
+        </p:sp>
+      </p:grpSp>
+      <p:pic>
+        <p:nvPicPr>
+          <p:cNvPr id="7" name="Picture 6">
+            <a:extLst>
+              <a:ext uri="{FF2B5EF4-FFF2-40B4-BE49-F238E27FC236}">
+                <a16:creationId xmlns:a16="http://schemas.microsoft.com/office/drawing/2014/main" id="{4433430E-D8E6-6A4C-BEE4-D18C86742B58}"/>
+              </a:ext>
+            </a:extLst>
+          </p:cNvPr>
+          <p:cNvPicPr>
+            <a:picLocks noChangeAspect="1"/>
+          </p:cNvPicPr>
+          <p:nvPr/>
+        </p:nvPicPr>
+        <p:blipFill>
+          <a:blip r:embed="rId5"/>
+          <a:stretch>
+            <a:fillRect/>
+          </a:stretch>
+        </p:blipFill>
+        <p:spPr>
+          <a:xfrm>
+            <a:off x="6938463" y="1363519"/>
+            <a:ext cx="2192685" cy="1538675"/>
+          </a:xfrm>
+          <a:prstGeom prst="rect">
+            <a:avLst/>
+          </a:prstGeom>
+        </p:spPr>
+      </p:pic>
+      <p:sp>
+        <p:nvSpPr>
+          <p:cNvPr id="13" name="Right Arrow 12">
+            <a:extLst>
+              <a:ext uri="{FF2B5EF4-FFF2-40B4-BE49-F238E27FC236}">
+                <a16:creationId xmlns:a16="http://schemas.microsoft.com/office/drawing/2014/main" id="{A7BC4213-A998-D84A-A039-5A404C714F83}"/>
+              </a:ext>
+            </a:extLst>
+          </p:cNvPr>
+          <p:cNvSpPr/>
+          <p:nvPr/>
+        </p:nvSpPr>
+        <p:spPr>
+          <a:xfrm>
+            <a:off x="5961192" y="1952836"/>
+            <a:ext cx="694343" cy="360040"/>
+          </a:xfrm>
+          <a:prstGeom prst="rightArrow">
+            <a:avLst/>
+          </a:prstGeom>
+          <a:solidFill>
+            <a:schemeClr val="bg1">
+              <a:lumMod val="95000"/>
+            </a:schemeClr>
+          </a:solidFill>
+          <a:ln w="28575">
+            <a:solidFill>
+              <a:schemeClr val="tx1"/>
+            </a:solidFill>
+          </a:ln>
+        </p:spPr>
+        <p:style>
+          <a:lnRef idx="2">
+            <a:schemeClr val="accent1">
+              <a:shade val="50000"/>
+            </a:schemeClr>
+          </a:lnRef>
+          <a:fillRef idx="1">
+            <a:schemeClr val="accent1"/>
+          </a:fillRef>
+          <a:effectRef idx="0">
+            <a:schemeClr val="accent1"/>
+          </a:effectRef>
+          <a:fontRef idx="minor">
+            <a:schemeClr val="lt1"/>
+          </a:fontRef>
+        </p:style>
+        <p:txBody>
+          <a:bodyPr rtlCol="0" anchor="ctr"/>
+          <a:lstStyle/>
+          <a:p>
+            <a:pPr algn="ctr"/>
+            <a:endParaRPr lang="en-US" sz="2400">
+              <a:solidFill>
+                <a:schemeClr val="tx1"/>
+              </a:solidFill>
+              <a:latin typeface="Arial" panose="020B0604020202020204" pitchFamily="34" charset="0"/>
+              <a:cs typeface="Arial" panose="020B0604020202020204" pitchFamily="34" charset="0"/>
+            </a:endParaRPr>
+          </a:p>
+        </p:txBody>
+      </p:sp>
+    </p:spTree>
+    <p:extLst>
+      <p:ext uri="{BB962C8B-B14F-4D97-AF65-F5344CB8AC3E}">
+        <p14:creationId xmlns:p14="http://schemas.microsoft.com/office/powerpoint/2010/main" val="1056024621"/>
+      </p:ext>
+    </p:extLst>
+  </p:cSld>
+  <p:clrMapOvr>
+    <a:masterClrMapping/>
+  </p:clrMapOvr>
+  <p:timing>
+    <p:tnLst>
+      <p:par>
+        <p:cTn id="1" dur="indefinite" restart="never" nodeType="tmRoot">
+          <p:childTnLst>
+            <p:seq concurrent="1" nextAc="seek">
+              <p:cTn id="2" dur="indefinite" nodeType="mainSeq">
+                <p:childTnLst>
+                  <p:par>
+                    <p:cTn id="3" fill="hold">
+                      <p:stCondLst>
+                        <p:cond delay="indefinite"/>
+                      </p:stCondLst>
+                      <p:childTnLst>
+                        <p:par>
+                          <p:cTn id="4" fill="hold">
+                            <p:stCondLst>
+                              <p:cond delay="0"/>
+                            </p:stCondLst>
+                            <p:childTnLst>
+                              <p:par>
+                                <p:cTn id="5" presetID="1" presetClass="entr" presetSubtype="0" fill="hold" nodeType="clickEffect">
+                                  <p:stCondLst>
+                                    <p:cond delay="0"/>
+                                  </p:stCondLst>
+                                  <p:childTnLst>
+                                    <p:set>
+                                      <p:cBhvr>
+                                        <p:cTn id="6" dur="1" fill="hold">
+                                          <p:stCondLst>
+                                            <p:cond delay="0"/>
+                                          </p:stCondLst>
+                                        </p:cTn>
+                                        <p:tgtEl>
+                                          <p:spTgt spid="7"/>
+                                        </p:tgtEl>
+                                        <p:attrNameLst>
+                                          <p:attrName>style.visibility</p:attrName>
+                                        </p:attrNameLst>
+                                      </p:cBhvr>
+                                      <p:to>
+                                        <p:strVal val="visible"/>
+                                      </p:to>
+                                    </p:set>
+                                  </p:childTnLst>
+                                </p:cTn>
+                              </p:par>
+                              <p:par>
+                                <p:cTn id="7" presetID="1" presetClass="entr" presetSubtype="0" fill="hold" grpId="0" nodeType="withEffect">
+                                  <p:stCondLst>
+                                    <p:cond delay="0"/>
+                                  </p:stCondLst>
+                                  <p:childTnLst>
+                                    <p:set>
+                                      <p:cBhvr>
+                                        <p:cTn id="8" dur="1" fill="hold">
+                                          <p:stCondLst>
+                                            <p:cond delay="0"/>
+                                          </p:stCondLst>
+                                        </p:cTn>
+                                        <p:tgtEl>
+                                          <p:spTgt spid="13"/>
+                                        </p:tgtEl>
+                                        <p:attrNameLst>
+                                          <p:attrName>style.visibility</p:attrName>
+                                        </p:attrNameLst>
+                                      </p:cBhvr>
+                                      <p:to>
+                                        <p:strVal val="visible"/>
+                                      </p:to>
+                                    </p:set>
+                                  </p:childTnLst>
+                                </p:cTn>
+                              </p:par>
+                            </p:childTnLst>
+                          </p:cTn>
+                        </p:par>
+                      </p:childTnLst>
+                    </p:cTn>
+                  </p:par>
+                  <p:par>
+                    <p:cTn id="9" fill="hold">
+                      <p:stCondLst>
+                        <p:cond delay="indefinite"/>
+                      </p:stCondLst>
+                      <p:childTnLst>
+                        <p:par>
+                          <p:cTn id="10" fill="hold">
+                            <p:stCondLst>
+                              <p:cond delay="0"/>
+                            </p:stCondLst>
+                            <p:childTnLst>
+                              <p:par>
+                                <p:cTn id="11" presetID="1" presetClass="entr" presetSubtype="0" fill="hold" nodeType="clickEffect">
+                                  <p:stCondLst>
+                                    <p:cond delay="0"/>
+                                  </p:stCondLst>
+                                  <p:childTnLst>
+                                    <p:set>
+                                      <p:cBhvr>
+                                        <p:cTn id="12" dur="1" fill="hold">
+                                          <p:stCondLst>
+                                            <p:cond delay="0"/>
+                                          </p:stCondLst>
+                                        </p:cTn>
+                                        <p:tgtEl>
+                                          <p:spTgt spid="12"/>
+                                        </p:tgtEl>
+                                        <p:attrNameLst>
+                                          <p:attrName>style.visibility</p:attrName>
+                                        </p:attrNameLst>
+                                      </p:cBhvr>
+                                      <p:to>
+                                        <p:strVal val="visible"/>
+                                      </p:to>
+                                    </p:set>
+                                  </p:childTnLst>
+                                </p:cTn>
+                              </p:par>
+                            </p:childTnLst>
+                          </p:cTn>
+                        </p:par>
+                      </p:childTnLst>
+                    </p:cTn>
+                  </p:par>
+                </p:childTnLst>
+              </p:cTn>
+              <p:prevCondLst>
+                <p:cond evt="onPrev" delay="0">
+                  <p:tgtEl>
+                    <p:sldTgt/>
+                  </p:tgtEl>
+                </p:cond>
+              </p:prevCondLst>
+              <p:nextCondLst>
+                <p:cond evt="onNext" delay="0">
+                  <p:tgtEl>
+                    <p:sldTgt/>
+                  </p:tgtEl>
+                </p:cond>
+              </p:nextCondLst>
+            </p:seq>
+          </p:childTnLst>
+        </p:cTn>
+      </p:par>
+    </p:tnLst>
+    <p:bldLst>
+      <p:bldP spid="13" grpId="0" animBg="1"/>
+    </p:bldLst>
+  </p:timing>
+</p:sld>
+</file>
+
+<file path=ppt/slides/slide5.xml><?xml version="1.0" encoding="utf-8"?>
+<p:sld xmlns:a="http://schemas.openxmlformats.org/drawingml/2006/main" xmlns:r="http://schemas.openxmlformats.org/officeDocument/2006/relationships" xmlns:p="http://schemas.openxmlformats.org/presentationml/2006/main">
+  <p:cSld>
+    <p:spTree>
+      <p:nvGrpSpPr>
+        <p:cNvPr id="1" name=""/>
+        <p:cNvGrpSpPr/>
+        <p:nvPr/>
+      </p:nvGrpSpPr>
+      <p:grpSpPr>
+        <a:xfrm>
+          <a:off x="0" y="0"/>
+          <a:ext cx="0" cy="0"/>
+          <a:chOff x="0" y="0"/>
+          <a:chExt cx="0" cy="0"/>
+        </a:xfrm>
+      </p:grpSpPr>
+      <p:sp>
+        <p:nvSpPr>
+          <p:cNvPr id="17" name="Rectangle 16">
+            <a:extLst>
+              <a:ext uri="{FF2B5EF4-FFF2-40B4-BE49-F238E27FC236}">
+                <a16:creationId xmlns:a16="http://schemas.microsoft.com/office/drawing/2014/main" id="{14142523-B9D3-A349-BCDE-3FFBC2A198DE}"/>
+              </a:ext>
+            </a:extLst>
+          </p:cNvPr>
+          <p:cNvSpPr/>
+          <p:nvPr/>
+        </p:nvSpPr>
+        <p:spPr>
+          <a:xfrm>
+            <a:off x="246887" y="6023447"/>
+            <a:ext cx="1188452" cy="497233"/>
+          </a:xfrm>
+          <a:prstGeom prst="rect">
+            <a:avLst/>
+          </a:prstGeom>
+          <a:solidFill>
+            <a:schemeClr val="bg1"/>
+          </a:solidFill>
+          <a:ln>
+            <a:noFill/>
+          </a:ln>
+        </p:spPr>
+        <p:style>
+          <a:lnRef idx="2">
+            <a:schemeClr val="accent1">
+              <a:shade val="50000"/>
+            </a:schemeClr>
+          </a:lnRef>
+          <a:fillRef idx="1">
+            <a:schemeClr val="accent1"/>
+          </a:fillRef>
+          <a:effectRef idx="0">
+            <a:schemeClr val="accent1"/>
+          </a:effectRef>
+          <a:fontRef idx="minor">
+            <a:schemeClr val="lt1"/>
+          </a:fontRef>
+        </p:style>
+        <p:txBody>
+          <a:bodyPr rtlCol="0" anchor="ctr"/>
+          <a:lstStyle/>
+          <a:p>
+            <a:pPr algn="ctr"/>
+            <a:endParaRPr lang="en-US" dirty="0"/>
+          </a:p>
+        </p:txBody>
+      </p:sp>
+      <p:sp>
+        <p:nvSpPr>
+          <p:cNvPr id="2" name="Slide Number Placeholder 1">
+            <a:extLst>
+              <a:ext uri="{FF2B5EF4-FFF2-40B4-BE49-F238E27FC236}">
+                <a16:creationId xmlns:a16="http://schemas.microsoft.com/office/drawing/2014/main" id="{9B12371F-989E-EE43-B20F-90E48B433F0A}"/>
+              </a:ext>
+            </a:extLst>
+          </p:cNvPr>
+          <p:cNvSpPr>
+            <a:spLocks noGrp="1"/>
+          </p:cNvSpPr>
+          <p:nvPr>
+            <p:ph type="sldNum" sz="quarter" idx="12"/>
+          </p:nvPr>
+        </p:nvSpPr>
+        <p:spPr/>
+        <p:txBody>
+          <a:bodyPr/>
+          <a:lstStyle/>
+          <a:p>
+            <a:fld id="{2D00CA07-45C7-8142-9F4D-3A07AD48DFA1}" type="slidenum">
+              <a:rPr lang="en-US" smtClean="0"/>
+              <a:t>5</a:t>
+            </a:fld>
+            <a:endParaRPr lang="en-US"/>
+          </a:p>
+        </p:txBody>
+      </p:sp>
+      <p:sp>
+        <p:nvSpPr>
+          <p:cNvPr id="3" name="TextBox 2">
+            <a:extLst>
+              <a:ext uri="{FF2B5EF4-FFF2-40B4-BE49-F238E27FC236}">
+                <a16:creationId xmlns:a16="http://schemas.microsoft.com/office/drawing/2014/main" id="{2B4E9B55-4425-2740-A108-76FF69BA3D12}"/>
+              </a:ext>
+            </a:extLst>
+          </p:cNvPr>
+          <p:cNvSpPr txBox="1"/>
+          <p:nvPr/>
+        </p:nvSpPr>
+        <p:spPr>
+          <a:xfrm>
+            <a:off x="460713" y="332656"/>
+            <a:ext cx="4317400" cy="553998"/>
+          </a:xfrm>
+          <a:prstGeom prst="rect">
+            <a:avLst/>
+          </a:prstGeom>
+          <a:noFill/>
+        </p:spPr>
+        <p:txBody>
+          <a:bodyPr wrap="none" lIns="0" tIns="0" rIns="0" bIns="0" rtlCol="0">
+            <a:spAutoFit/>
+          </a:bodyPr>
+          <a:lstStyle/>
+          <a:p>
+            <a:r>
+              <a:rPr lang="en-US" sz="3600" b="1" dirty="0">
+                <a:latin typeface="Arial" panose="020B0604020202020204" pitchFamily="34" charset="0"/>
+                <a:cs typeface="Arial" panose="020B0604020202020204" pitchFamily="34" charset="0"/>
+              </a:rPr>
+              <a:t>EDA &amp; Experiments</a:t>
+            </a:r>
+          </a:p>
+        </p:txBody>
+      </p:sp>
+      <p:cxnSp>
+        <p:nvCxnSpPr>
+          <p:cNvPr id="4" name="Straight Connector 3">
+            <a:extLst>
+              <a:ext uri="{FF2B5EF4-FFF2-40B4-BE49-F238E27FC236}">
+                <a16:creationId xmlns:a16="http://schemas.microsoft.com/office/drawing/2014/main" id="{CFDF23E1-C7BD-4C48-9E8A-53704A4D662C}"/>
+              </a:ext>
+            </a:extLst>
+          </p:cNvPr>
+          <p:cNvCxnSpPr>
+            <a:cxnSpLocks/>
+          </p:cNvCxnSpPr>
+          <p:nvPr/>
+        </p:nvCxnSpPr>
+        <p:spPr>
+          <a:xfrm>
+            <a:off x="460714" y="886654"/>
+            <a:ext cx="11270573" cy="0"/>
+          </a:xfrm>
+          <a:prstGeom prst="line">
+            <a:avLst/>
+          </a:prstGeom>
+          <a:ln w="38100">
+            <a:solidFill>
+              <a:schemeClr val="tx1"/>
+            </a:solidFill>
+          </a:ln>
+        </p:spPr>
+        <p:style>
+          <a:lnRef idx="1">
+            <a:schemeClr val="accent1"/>
+          </a:lnRef>
+          <a:fillRef idx="0">
+            <a:schemeClr val="accent1"/>
+          </a:fillRef>
+          <a:effectRef idx="0">
+            <a:schemeClr val="accent1"/>
+          </a:effectRef>
+          <a:fontRef idx="minor">
+            <a:schemeClr val="tx1"/>
+          </a:fontRef>
+        </p:style>
+      </p:cxnSp>
+      <p:sp>
+        <p:nvSpPr>
+          <p:cNvPr id="5" name="TextBox 4">
+            <a:extLst>
+              <a:ext uri="{FF2B5EF4-FFF2-40B4-BE49-F238E27FC236}">
+                <a16:creationId xmlns:a16="http://schemas.microsoft.com/office/drawing/2014/main" id="{B711A4F6-69D3-7F4C-BB50-063E1C2CA7F9}"/>
+              </a:ext>
+            </a:extLst>
+          </p:cNvPr>
+          <p:cNvSpPr txBox="1"/>
+          <p:nvPr/>
+        </p:nvSpPr>
+        <p:spPr>
+          <a:xfrm>
+            <a:off x="443052" y="1217076"/>
+            <a:ext cx="1489190" cy="369332"/>
+          </a:xfrm>
+          <a:prstGeom prst="rect">
+            <a:avLst/>
+          </a:prstGeom>
+          <a:noFill/>
+        </p:spPr>
+        <p:txBody>
+          <a:bodyPr wrap="none" lIns="0" tIns="0" rIns="0" bIns="0" rtlCol="0">
+            <a:spAutoFit/>
+          </a:bodyPr>
+          <a:lstStyle/>
+          <a:p>
+            <a:pPr algn="l"/>
+            <a:r>
+              <a:rPr lang="en-US" sz="2400" b="1" dirty="0">
+                <a:solidFill>
+                  <a:srgbClr val="03529B"/>
+                </a:solidFill>
+                <a:latin typeface="Arial" panose="020B0604020202020204" pitchFamily="34" charset="0"/>
+                <a:cs typeface="Arial" panose="020B0604020202020204" pitchFamily="34" charset="0"/>
+              </a:rPr>
+              <a:t>Univariate</a:t>
+            </a:r>
+          </a:p>
+        </p:txBody>
+      </p:sp>
+      <p:cxnSp>
+        <p:nvCxnSpPr>
+          <p:cNvPr id="6" name="Straight Connector 5">
+            <a:extLst>
+              <a:ext uri="{FF2B5EF4-FFF2-40B4-BE49-F238E27FC236}">
+                <a16:creationId xmlns:a16="http://schemas.microsoft.com/office/drawing/2014/main" id="{8E04C2E1-776B-CE45-97A3-B8F2934E412F}"/>
+              </a:ext>
+            </a:extLst>
+          </p:cNvPr>
+          <p:cNvCxnSpPr>
+            <a:cxnSpLocks/>
+          </p:cNvCxnSpPr>
+          <p:nvPr/>
+        </p:nvCxnSpPr>
+        <p:spPr>
+          <a:xfrm>
+            <a:off x="443052" y="1590104"/>
+            <a:ext cx="5209425" cy="0"/>
+          </a:xfrm>
+          <a:prstGeom prst="line">
+            <a:avLst/>
+          </a:prstGeom>
+          <a:ln w="28575">
+            <a:solidFill>
+              <a:srgbClr val="03529B"/>
+            </a:solidFill>
+          </a:ln>
+        </p:spPr>
+        <p:style>
+          <a:lnRef idx="1">
+            <a:schemeClr val="accent1"/>
+          </a:lnRef>
+          <a:fillRef idx="0">
+            <a:schemeClr val="accent1"/>
+          </a:fillRef>
+          <a:effectRef idx="0">
+            <a:schemeClr val="accent1"/>
+          </a:effectRef>
+          <a:fontRef idx="minor">
+            <a:schemeClr val="tx1"/>
+          </a:fontRef>
+        </p:style>
+      </p:cxnSp>
       <p:sp>
         <p:nvSpPr>
           <p:cNvPr id="9" name="TextBox 8">
@@ -6199,79 +7144,22 @@
           <a:p>
             <a:pPr algn="ctr"/>
             <a:r>
-              <a:rPr lang="de-DE" sz="2000" dirty="0" err="1">
+              <a:rPr lang="en-US" sz="2000" dirty="0">
                 <a:solidFill>
                   <a:schemeClr val="tx1"/>
                 </a:solidFill>
                 <a:latin typeface="Arial" panose="020B0604020202020204" pitchFamily="34" charset="0"/>
                 <a:cs typeface="Arial" panose="020B0604020202020204" pitchFamily="34" charset="0"/>
               </a:rPr>
-              <a:t>No</a:t>
-            </a:r>
-            <a:r>
-              <a:rPr lang="de-DE" sz="2000" dirty="0">
-                <a:solidFill>
-                  <a:schemeClr val="tx1"/>
-                </a:solidFill>
-                <a:latin typeface="Arial" panose="020B0604020202020204" pitchFamily="34" charset="0"/>
-                <a:cs typeface="Arial" panose="020B0604020202020204" pitchFamily="34" charset="0"/>
-              </a:rPr>
-              <a:t> </a:t>
-            </a:r>
-            <a:r>
-              <a:rPr lang="de-DE" sz="2000" dirty="0" err="1">
-                <a:solidFill>
-                  <a:schemeClr val="tx1"/>
-                </a:solidFill>
-                <a:latin typeface="Arial" panose="020B0604020202020204" pitchFamily="34" charset="0"/>
-                <a:cs typeface="Arial" panose="020B0604020202020204" pitchFamily="34" charset="0"/>
-              </a:rPr>
-              <a:t>interaction</a:t>
-            </a:r>
-            <a:r>
-              <a:rPr lang="de-DE" sz="2000" dirty="0">
-                <a:solidFill>
-                  <a:schemeClr val="tx1"/>
-                </a:solidFill>
-                <a:latin typeface="Arial" panose="020B0604020202020204" pitchFamily="34" charset="0"/>
-                <a:cs typeface="Arial" panose="020B0604020202020204" pitchFamily="34" charset="0"/>
-              </a:rPr>
-              <a:t>??? </a:t>
-            </a:r>
-            <a:r>
-              <a:rPr lang="de-DE" sz="2000" dirty="0" err="1">
-                <a:solidFill>
-                  <a:schemeClr val="tx1"/>
-                </a:solidFill>
-                <a:latin typeface="Arial" panose="020B0604020202020204" pitchFamily="34" charset="0"/>
-                <a:cs typeface="Arial" panose="020B0604020202020204" pitchFamily="34" charset="0"/>
-              </a:rPr>
-              <a:t>Pls</a:t>
-            </a:r>
-            <a:r>
-              <a:rPr lang="de-DE" sz="2000" dirty="0">
-                <a:solidFill>
-                  <a:schemeClr val="tx1"/>
-                </a:solidFill>
-                <a:latin typeface="Arial" panose="020B0604020202020204" pitchFamily="34" charset="0"/>
-                <a:cs typeface="Arial" panose="020B0604020202020204" pitchFamily="34" charset="0"/>
-              </a:rPr>
-              <a:t> fix!</a:t>
-            </a:r>
-            <a:endParaRPr lang="en-US" sz="2000" dirty="0">
-              <a:solidFill>
-                <a:schemeClr val="tx1"/>
-              </a:solidFill>
-              <a:latin typeface="Arial" panose="020B0604020202020204" pitchFamily="34" charset="0"/>
-              <a:cs typeface="Arial" panose="020B0604020202020204" pitchFamily="34" charset="0"/>
-            </a:endParaRPr>
+              <a:t>No interaction between treatment and race</a:t>
+            </a:r>
           </a:p>
         </p:txBody>
       </p:sp>
     </p:spTree>
     <p:extLst>
       <p:ext uri="{BB962C8B-B14F-4D97-AF65-F5344CB8AC3E}">
-        <p14:creationId xmlns:p14="http://schemas.microsoft.com/office/powerpoint/2010/main" val="1056024621"/>
+        <p14:creationId xmlns:p14="http://schemas.microsoft.com/office/powerpoint/2010/main" val="1485463003"/>
       </p:ext>
     </p:extLst>
   </p:cSld>
@@ -6281,7 +7169,7 @@
 </p:sld>
 </file>
 
-<file path=ppt/slides/slide5.xml><?xml version="1.0" encoding="utf-8"?>
+<file path=ppt/slides/slide6.xml><?xml version="1.0" encoding="utf-8"?>
 <p:sld xmlns:a="http://schemas.openxmlformats.org/drawingml/2006/main" xmlns:r="http://schemas.openxmlformats.org/officeDocument/2006/relationships" xmlns:p="http://schemas.openxmlformats.org/presentationml/2006/main">
   <p:cSld>
     <p:spTree>
@@ -6321,7 +7209,7 @@
           <a:p>
             <a:fld id="{2D00CA07-45C7-8142-9F4D-3A07AD48DFA1}" type="slidenum">
               <a:rPr lang="en-US" smtClean="0"/>
-              <a:t>5</a:t>
+              <a:t>6</a:t>
             </a:fld>
             <a:endParaRPr lang="en-US"/>
           </a:p>
@@ -6539,75 +7427,28 @@
           <a:p>
             <a:pPr algn="ctr"/>
             <a:r>
-              <a:rPr lang="de-DE" sz="2000" b="1" dirty="0" err="1">
+              <a:rPr lang="en-US" sz="2000" b="1">
                 <a:solidFill>
                   <a:schemeClr val="tx1"/>
                 </a:solidFill>
                 <a:latin typeface="Arial" panose="020B0604020202020204" pitchFamily="34" charset="0"/>
                 <a:cs typeface="Arial" panose="020B0604020202020204" pitchFamily="34" charset="0"/>
               </a:rPr>
-              <a:t>Full</a:t>
-            </a:r>
-            <a:r>
-              <a:rPr lang="de-DE" sz="2000" b="1" dirty="0">
+              <a:t>Full Model</a:t>
+            </a:r>
+          </a:p>
+          <a:p>
+            <a:pPr algn="ctr"/>
+            <a:r>
+              <a:rPr lang="en-US" sz="2000">
                 <a:solidFill>
                   <a:schemeClr val="tx1"/>
                 </a:solidFill>
                 <a:latin typeface="Arial" panose="020B0604020202020204" pitchFamily="34" charset="0"/>
                 <a:cs typeface="Arial" panose="020B0604020202020204" pitchFamily="34" charset="0"/>
               </a:rPr>
-              <a:t> Model</a:t>
-            </a:r>
-          </a:p>
-          <a:p>
-            <a:pPr algn="ctr"/>
-            <a:r>
-              <a:rPr lang="de-DE" sz="2000" dirty="0">
-                <a:solidFill>
-                  <a:schemeClr val="tx1"/>
-                </a:solidFill>
-                <a:latin typeface="Arial" panose="020B0604020202020204" pitchFamily="34" charset="0"/>
-                <a:cs typeface="Arial" panose="020B0604020202020204" pitchFamily="34" charset="0"/>
-              </a:rPr>
-              <a:t>All </a:t>
-            </a:r>
-            <a:r>
-              <a:rPr lang="de-DE" sz="2000" dirty="0" err="1">
-                <a:solidFill>
-                  <a:schemeClr val="tx1"/>
-                </a:solidFill>
-                <a:latin typeface="Arial" panose="020B0604020202020204" pitchFamily="34" charset="0"/>
-                <a:cs typeface="Arial" panose="020B0604020202020204" pitchFamily="34" charset="0"/>
-              </a:rPr>
-              <a:t>mean</a:t>
-            </a:r>
-            <a:r>
-              <a:rPr lang="de-DE" sz="2000" dirty="0">
-                <a:solidFill>
-                  <a:schemeClr val="tx1"/>
-                </a:solidFill>
-                <a:latin typeface="Arial" panose="020B0604020202020204" pitchFamily="34" charset="0"/>
-                <a:cs typeface="Arial" panose="020B0604020202020204" pitchFamily="34" charset="0"/>
-              </a:rPr>
-              <a:t> </a:t>
-            </a:r>
-            <a:r>
-              <a:rPr lang="de-DE" sz="2000" dirty="0" err="1">
-                <a:solidFill>
-                  <a:schemeClr val="tx1"/>
-                </a:solidFill>
-                <a:latin typeface="Arial" panose="020B0604020202020204" pitchFamily="34" charset="0"/>
-                <a:cs typeface="Arial" panose="020B0604020202020204" pitchFamily="34" charset="0"/>
-              </a:rPr>
-              <a:t>effects</a:t>
-            </a:r>
-            <a:endParaRPr lang="en-US" sz="2000" dirty="0">
-              <a:solidFill>
-                <a:schemeClr val="tx1"/>
-              </a:solidFill>
-              <a:latin typeface="Arial" panose="020B0604020202020204" pitchFamily="34" charset="0"/>
-              <a:cs typeface="Arial" panose="020B0604020202020204" pitchFamily="34" charset="0"/>
-            </a:endParaRPr>
+              <a:t>All mean effects</a:t>
+            </a:r>
           </a:p>
         </p:txBody>
       </p:sp>
@@ -6670,7 +7511,7 @@
         </p:nvGrpSpPr>
         <p:grpSpPr>
           <a:xfrm>
-            <a:off x="4655840" y="1722868"/>
+            <a:off x="5025379" y="1734945"/>
             <a:ext cx="2121695" cy="1719146"/>
             <a:chOff x="4655840" y="1660460"/>
             <a:chExt cx="2121695" cy="1781556"/>
@@ -6869,7 +7710,7 @@
             </p:nvSpPr>
             <p:spPr>
               <a:xfrm>
-                <a:off x="2688101" y="4293016"/>
+                <a:off x="3057640" y="4268336"/>
                 <a:ext cx="6057171" cy="388889"/>
               </a:xfrm>
               <a:prstGeom prst="rect">
@@ -7172,7 +8013,7 @@
             </p:nvSpPr>
             <p:spPr>
               <a:xfrm>
-                <a:off x="2688101" y="4293016"/>
+                <a:off x="3057640" y="4268336"/>
                 <a:ext cx="6057171" cy="388889"/>
               </a:xfrm>
               <a:prstGeom prst="rect">
@@ -7181,7 +8022,7 @@
               <a:blipFill>
                 <a:blip r:embed="rId2"/>
                 <a:stretch>
-                  <a:fillRect l="-628" t="-18750" r="-418" b="-34375"/>
+                  <a:fillRect l="-418" t="-22581" r="-418" b="-35484"/>
                 </a:stretch>
               </a:blipFill>
             </p:spPr>
@@ -7200,69 +8041,49 @@
           </p:sp>
         </mc:Fallback>
       </mc:AlternateContent>
+      <p:sp>
+        <p:nvSpPr>
+          <p:cNvPr id="6" name="TextBox 5">
+            <a:extLst>
+              <a:ext uri="{FF2B5EF4-FFF2-40B4-BE49-F238E27FC236}">
+                <a16:creationId xmlns:a16="http://schemas.microsoft.com/office/drawing/2014/main" id="{C57011CB-D742-F747-A765-A2B80D1DAAFB}"/>
+              </a:ext>
+            </a:extLst>
+          </p:cNvPr>
+          <p:cNvSpPr txBox="1"/>
+          <p:nvPr/>
+        </p:nvSpPr>
+        <p:spPr>
+          <a:xfrm>
+            <a:off x="5237825" y="5743852"/>
+            <a:ext cx="1783758" cy="369332"/>
+          </a:xfrm>
+          <a:prstGeom prst="rect">
+            <a:avLst/>
+          </a:prstGeom>
+          <a:noFill/>
+        </p:spPr>
+        <p:txBody>
+          <a:bodyPr wrap="none" lIns="0" tIns="0" rIns="0" bIns="0" rtlCol="0">
+            <a:spAutoFit/>
+          </a:bodyPr>
+          <a:lstStyle/>
+          <a:p>
+            <a:pPr algn="l"/>
+            <a:r>
+              <a:rPr lang="en-US" sz="2400" dirty="0">
+                <a:latin typeface="Arial" panose="020B0604020202020204" pitchFamily="34" charset="0"/>
+                <a:cs typeface="Arial" panose="020B0604020202020204" pitchFamily="34" charset="0"/>
+              </a:rPr>
+              <a:t>TODO: Table</a:t>
+            </a:r>
+          </a:p>
+        </p:txBody>
+      </p:sp>
     </p:spTree>
     <p:extLst>
       <p:ext uri="{BB962C8B-B14F-4D97-AF65-F5344CB8AC3E}">
         <p14:creationId xmlns:p14="http://schemas.microsoft.com/office/powerpoint/2010/main" val="888186416"/>
-      </p:ext>
-    </p:extLst>
-  </p:cSld>
-  <p:clrMapOvr>
-    <a:masterClrMapping/>
-  </p:clrMapOvr>
-</p:sld>
-</file>
-
-<file path=ppt/slides/slide6.xml><?xml version="1.0" encoding="utf-8"?>
-<p:sld xmlns:a="http://schemas.openxmlformats.org/drawingml/2006/main" xmlns:r="http://schemas.openxmlformats.org/officeDocument/2006/relationships" xmlns:p="http://schemas.openxmlformats.org/presentationml/2006/main">
-  <p:cSld>
-    <p:spTree>
-      <p:nvGrpSpPr>
-        <p:cNvPr id="1" name=""/>
-        <p:cNvGrpSpPr/>
-        <p:nvPr/>
-      </p:nvGrpSpPr>
-      <p:grpSpPr>
-        <a:xfrm>
-          <a:off x="0" y="0"/>
-          <a:ext cx="0" cy="0"/>
-          <a:chOff x="0" y="0"/>
-          <a:chExt cx="0" cy="0"/>
-        </a:xfrm>
-      </p:grpSpPr>
-      <p:sp>
-        <p:nvSpPr>
-          <p:cNvPr id="2" name="Slide Number Placeholder 1">
-            <a:extLst>
-              <a:ext uri="{FF2B5EF4-FFF2-40B4-BE49-F238E27FC236}">
-                <a16:creationId xmlns:a16="http://schemas.microsoft.com/office/drawing/2014/main" id="{E57A78EA-4EE9-8746-BEC8-41270460FFF2}"/>
-              </a:ext>
-            </a:extLst>
-          </p:cNvPr>
-          <p:cNvSpPr>
-            <a:spLocks noGrp="1"/>
-          </p:cNvSpPr>
-          <p:nvPr>
-            <p:ph type="sldNum" sz="quarter" idx="12"/>
-          </p:nvPr>
-        </p:nvSpPr>
-        <p:spPr/>
-        <p:txBody>
-          <a:bodyPr/>
-          <a:lstStyle/>
-          <a:p>
-            <a:fld id="{2D00CA07-45C7-8142-9F4D-3A07AD48DFA1}" type="slidenum">
-              <a:rPr lang="en-US" smtClean="0"/>
-              <a:t>6</a:t>
-            </a:fld>
-            <a:endParaRPr lang="en-US"/>
-          </a:p>
-        </p:txBody>
-      </p:sp>
-    </p:spTree>
-    <p:extLst>
-      <p:ext uri="{BB962C8B-B14F-4D97-AF65-F5344CB8AC3E}">
-        <p14:creationId xmlns:p14="http://schemas.microsoft.com/office/powerpoint/2010/main" val="3676585838"/>
       </p:ext>
     </p:extLst>
   </p:cSld>
@@ -7294,7 +8115,7 @@
           <p:cNvPr id="2" name="Slide Number Placeholder 1">
             <a:extLst>
               <a:ext uri="{FF2B5EF4-FFF2-40B4-BE49-F238E27FC236}">
-                <a16:creationId xmlns:a16="http://schemas.microsoft.com/office/drawing/2014/main" id="{7DA29FE0-3C90-3B46-825F-4D8A7CC71826}"/>
+                <a16:creationId xmlns:a16="http://schemas.microsoft.com/office/drawing/2014/main" id="{9B12371F-989E-EE43-B20F-90E48B433F0A}"/>
               </a:ext>
             </a:extLst>
           </p:cNvPr>
@@ -7318,10 +8139,698 @@
           </a:p>
         </p:txBody>
       </p:sp>
+      <p:sp>
+        <p:nvSpPr>
+          <p:cNvPr id="3" name="TextBox 2">
+            <a:extLst>
+              <a:ext uri="{FF2B5EF4-FFF2-40B4-BE49-F238E27FC236}">
+                <a16:creationId xmlns:a16="http://schemas.microsoft.com/office/drawing/2014/main" id="{2B4E9B55-4425-2740-A108-76FF69BA3D12}"/>
+              </a:ext>
+            </a:extLst>
+          </p:cNvPr>
+          <p:cNvSpPr txBox="1"/>
+          <p:nvPr/>
+        </p:nvSpPr>
+        <p:spPr>
+          <a:xfrm>
+            <a:off x="460713" y="332656"/>
+            <a:ext cx="4351576" cy="553998"/>
+          </a:xfrm>
+          <a:prstGeom prst="rect">
+            <a:avLst/>
+          </a:prstGeom>
+          <a:noFill/>
+        </p:spPr>
+        <p:txBody>
+          <a:bodyPr wrap="none" lIns="0" tIns="0" rIns="0" bIns="0" rtlCol="0">
+            <a:spAutoFit/>
+          </a:bodyPr>
+          <a:lstStyle/>
+          <a:p>
+            <a:r>
+              <a:rPr lang="en-US" sz="3600" b="1" dirty="0">
+                <a:latin typeface="Arial" panose="020B0604020202020204" pitchFamily="34" charset="0"/>
+                <a:cs typeface="Arial" panose="020B0604020202020204" pitchFamily="34" charset="0"/>
+              </a:rPr>
+              <a:t>Testing Interactions</a:t>
+            </a:r>
+          </a:p>
+        </p:txBody>
+      </p:sp>
+      <p:cxnSp>
+        <p:nvCxnSpPr>
+          <p:cNvPr id="4" name="Straight Connector 3">
+            <a:extLst>
+              <a:ext uri="{FF2B5EF4-FFF2-40B4-BE49-F238E27FC236}">
+                <a16:creationId xmlns:a16="http://schemas.microsoft.com/office/drawing/2014/main" id="{CFDF23E1-C7BD-4C48-9E8A-53704A4D662C}"/>
+              </a:ext>
+            </a:extLst>
+          </p:cNvPr>
+          <p:cNvCxnSpPr>
+            <a:cxnSpLocks/>
+          </p:cNvCxnSpPr>
+          <p:nvPr/>
+        </p:nvCxnSpPr>
+        <p:spPr>
+          <a:xfrm>
+            <a:off x="460714" y="886654"/>
+            <a:ext cx="11270573" cy="0"/>
+          </a:xfrm>
+          <a:prstGeom prst="line">
+            <a:avLst/>
+          </a:prstGeom>
+          <a:ln w="38100">
+            <a:solidFill>
+              <a:schemeClr val="tx1"/>
+            </a:solidFill>
+          </a:ln>
+        </p:spPr>
+        <p:style>
+          <a:lnRef idx="1">
+            <a:schemeClr val="accent1"/>
+          </a:lnRef>
+          <a:fillRef idx="0">
+            <a:schemeClr val="accent1"/>
+          </a:fillRef>
+          <a:effectRef idx="0">
+            <a:schemeClr val="accent1"/>
+          </a:effectRef>
+          <a:fontRef idx="minor">
+            <a:schemeClr val="tx1"/>
+          </a:fontRef>
+        </p:style>
+      </p:cxnSp>
+      <p:pic>
+        <p:nvPicPr>
+          <p:cNvPr id="2050" name="Picture 2" descr="Spongebob Burns A Paper Meme Maker">
+            <a:extLst>
+              <a:ext uri="{FF2B5EF4-FFF2-40B4-BE49-F238E27FC236}">
+                <a16:creationId xmlns:a16="http://schemas.microsoft.com/office/drawing/2014/main" id="{74501BAF-14E9-094B-930A-34365F410BEF}"/>
+              </a:ext>
+            </a:extLst>
+          </p:cNvPr>
+          <p:cNvPicPr>
+            <a:picLocks noChangeAspect="1" noChangeArrowheads="1"/>
+          </p:cNvPicPr>
+          <p:nvPr/>
+        </p:nvPicPr>
+        <p:blipFill>
+          <a:blip r:embed="rId2">
+            <a:extLst>
+              <a:ext uri="{28A0092B-C50C-407E-A947-70E740481C1C}">
+                <a14:useLocalDpi xmlns:a14="http://schemas.microsoft.com/office/drawing/2010/main" val="0"/>
+              </a:ext>
+            </a:extLst>
+          </a:blip>
+          <a:srcRect/>
+          <a:stretch>
+            <a:fillRect/>
+          </a:stretch>
+        </p:blipFill>
+        <p:spPr bwMode="auto">
+          <a:xfrm>
+            <a:off x="7184630" y="1158073"/>
+            <a:ext cx="4581192" cy="5198277"/>
+          </a:xfrm>
+          <a:prstGeom prst="rect">
+            <a:avLst/>
+          </a:prstGeom>
+          <a:noFill/>
+          <a:extLst>
+            <a:ext uri="{909E8E84-426E-40DD-AFC4-6F175D3DCCD1}">
+              <a14:hiddenFill xmlns:a14="http://schemas.microsoft.com/office/drawing/2010/main">
+                <a:solidFill>
+                  <a:srgbClr val="FFFFFF"/>
+                </a:solidFill>
+              </a14:hiddenFill>
+            </a:ext>
+          </a:extLst>
+        </p:spPr>
+      </p:pic>
+      <mc:AlternateContent xmlns:mc="http://schemas.openxmlformats.org/markup-compatibility/2006">
+        <mc:Choice xmlns:a14="http://schemas.microsoft.com/office/drawing/2010/main" Requires="a14">
+          <p:sp>
+            <p:nvSpPr>
+              <p:cNvPr id="5" name="TextBox 4">
+                <a:extLst>
+                  <a:ext uri="{FF2B5EF4-FFF2-40B4-BE49-F238E27FC236}">
+                    <a16:creationId xmlns:a16="http://schemas.microsoft.com/office/drawing/2014/main" id="{3811E460-7DE7-4D40-BD08-D353A1C43655}"/>
+                  </a:ext>
+                </a:extLst>
+              </p:cNvPr>
+              <p:cNvSpPr txBox="1"/>
+              <p:nvPr/>
+            </p:nvSpPr>
+            <p:spPr>
+              <a:xfrm>
+                <a:off x="7517350" y="1988846"/>
+                <a:ext cx="1368152" cy="969496"/>
+              </a:xfrm>
+              <a:prstGeom prst="rect">
+                <a:avLst/>
+              </a:prstGeom>
+              <a:solidFill>
+                <a:srgbClr val="FFFFFF"/>
+              </a:solidFill>
+            </p:spPr>
+            <p:txBody>
+              <a:bodyPr wrap="square" lIns="0" tIns="0" rIns="0" bIns="0" rtlCol="0">
+                <a:spAutoFit/>
+              </a:bodyPr>
+              <a:lstStyle/>
+              <a:p>
+                <a:pPr algn="ctr">
+                  <a:lnSpc>
+                    <a:spcPct val="150000"/>
+                  </a:lnSpc>
+                </a:pPr>
+                <a14:m>
+                  <m:oMath xmlns:m="http://schemas.openxmlformats.org/officeDocument/2006/math">
+                    <m:r>
+                      <a:rPr lang="de-DE" sz="1400" i="1" smtClean="0">
+                        <a:latin typeface="Cambria Math" panose="02040503050406030204" pitchFamily="18" charset="0"/>
+                        <a:cs typeface="Arial" panose="020B0604020202020204" pitchFamily="34" charset="0"/>
+                      </a:rPr>
+                      <m:t>𝑡𝑟𝑒𝑎𝑡</m:t>
+                    </m:r>
+                    <m:r>
+                      <a:rPr lang="de-DE" sz="1400" i="1" smtClean="0">
+                        <a:latin typeface="Cambria Math" panose="02040503050406030204" pitchFamily="18" charset="0"/>
+                        <a:cs typeface="Arial" panose="020B0604020202020204" pitchFamily="34" charset="0"/>
+                      </a:rPr>
+                      <m:t> × </m:t>
+                    </m:r>
+                    <m:r>
+                      <a:rPr lang="de-DE" sz="1400" i="1">
+                        <a:latin typeface="Cambria Math" panose="02040503050406030204" pitchFamily="18" charset="0"/>
+                        <a:cs typeface="Arial" panose="020B0604020202020204" pitchFamily="34" charset="0"/>
+                      </a:rPr>
+                      <m:t>𝑚𝑎𝑟𝑟𝑖𝑒𝑑</m:t>
+                    </m:r>
+                  </m:oMath>
+                </a14:m>
+                <a:r>
+                  <a:rPr lang="en-US" sz="1400" dirty="0">
+                    <a:latin typeface="Arial" panose="020B0604020202020204" pitchFamily="34" charset="0"/>
+                    <a:cs typeface="Arial" panose="020B0604020202020204" pitchFamily="34" charset="0"/>
+                  </a:rPr>
+                  <a:t> </a:t>
+                </a:r>
+              </a:p>
+              <a:p>
+                <a:pPr algn="ctr">
+                  <a:lnSpc>
+                    <a:spcPct val="150000"/>
+                  </a:lnSpc>
+                </a:pPr>
+                <a14:m>
+                  <m:oMathPara xmlns:m="http://schemas.openxmlformats.org/officeDocument/2006/math">
+                    <m:oMathParaPr>
+                      <m:jc m:val="centerGroup"/>
+                    </m:oMathParaPr>
+                    <m:oMath xmlns:m="http://schemas.openxmlformats.org/officeDocument/2006/math">
+                      <m:r>
+                        <a:rPr lang="de-DE" sz="1400" i="1">
+                          <a:latin typeface="Cambria Math" panose="02040503050406030204" pitchFamily="18" charset="0"/>
+                          <a:cs typeface="Arial" panose="020B0604020202020204" pitchFamily="34" charset="0"/>
+                        </a:rPr>
+                        <m:t>𝑡𝑟𝑒𝑎𝑡</m:t>
+                      </m:r>
+                      <m:r>
+                        <a:rPr lang="de-DE" sz="1400" i="1">
+                          <a:latin typeface="Cambria Math" panose="02040503050406030204" pitchFamily="18" charset="0"/>
+                          <a:cs typeface="Arial" panose="020B0604020202020204" pitchFamily="34" charset="0"/>
+                        </a:rPr>
+                        <m:t> × </m:t>
+                      </m:r>
+                      <m:r>
+                        <a:rPr lang="de-DE" sz="1400" i="1">
+                          <a:latin typeface="Cambria Math" panose="02040503050406030204" pitchFamily="18" charset="0"/>
+                          <a:cs typeface="Arial" panose="020B0604020202020204" pitchFamily="34" charset="0"/>
+                        </a:rPr>
+                        <m:t>𝑏𝑙𝑎𝑐𝑘</m:t>
+                      </m:r>
+                    </m:oMath>
+                  </m:oMathPara>
+                </a14:m>
+                <a:endParaRPr lang="de-DE" sz="1400" i="1" dirty="0">
+                  <a:latin typeface="Cambria Math" panose="02040503050406030204" pitchFamily="18" charset="0"/>
+                  <a:cs typeface="Arial" panose="020B0604020202020204" pitchFamily="34" charset="0"/>
+                </a:endParaRPr>
+              </a:p>
+              <a:p>
+                <a:pPr algn="ctr">
+                  <a:lnSpc>
+                    <a:spcPct val="150000"/>
+                  </a:lnSpc>
+                </a:pPr>
+                <a14:m>
+                  <m:oMathPara xmlns:m="http://schemas.openxmlformats.org/officeDocument/2006/math">
+                    <m:oMathParaPr>
+                      <m:jc m:val="centerGroup"/>
+                    </m:oMathParaPr>
+                    <m:oMath xmlns:m="http://schemas.openxmlformats.org/officeDocument/2006/math">
+                      <m:r>
+                        <a:rPr lang="de-DE" sz="1400" i="1">
+                          <a:latin typeface="Cambria Math" panose="02040503050406030204" pitchFamily="18" charset="0"/>
+                          <a:cs typeface="Arial" panose="020B0604020202020204" pitchFamily="34" charset="0"/>
+                        </a:rPr>
+                        <m:t>𝑡𝑟𝑒𝑎𝑡</m:t>
+                      </m:r>
+                      <m:r>
+                        <a:rPr lang="de-DE" sz="1400" i="1">
+                          <a:latin typeface="Cambria Math" panose="02040503050406030204" pitchFamily="18" charset="0"/>
+                          <a:cs typeface="Arial" panose="020B0604020202020204" pitchFamily="34" charset="0"/>
+                        </a:rPr>
+                        <m:t> × </m:t>
+                      </m:r>
+                      <m:r>
+                        <a:rPr lang="de-DE" sz="1400" i="1">
+                          <a:latin typeface="Cambria Math" panose="02040503050406030204" pitchFamily="18" charset="0"/>
+                          <a:cs typeface="Arial" panose="020B0604020202020204" pitchFamily="34" charset="0"/>
+                        </a:rPr>
+                        <m:t>h𝑖𝑠𝑝𝑎𝑛</m:t>
+                      </m:r>
+                    </m:oMath>
+                  </m:oMathPara>
+                </a14:m>
+                <a:endParaRPr lang="en-US" sz="1400" dirty="0">
+                  <a:latin typeface="Arial" panose="020B0604020202020204" pitchFamily="34" charset="0"/>
+                  <a:cs typeface="Arial" panose="020B0604020202020204" pitchFamily="34" charset="0"/>
+                </a:endParaRPr>
+              </a:p>
+            </p:txBody>
+          </p:sp>
+        </mc:Choice>
+        <mc:Fallback>
+          <p:sp>
+            <p:nvSpPr>
+              <p:cNvPr id="5" name="TextBox 4">
+                <a:extLst>
+                  <a:ext uri="{FF2B5EF4-FFF2-40B4-BE49-F238E27FC236}">
+                    <a16:creationId xmlns:a16="http://schemas.microsoft.com/office/drawing/2014/main" id="{3811E460-7DE7-4D40-BD08-D353A1C43655}"/>
+                  </a:ext>
+                </a:extLst>
+              </p:cNvPr>
+              <p:cNvSpPr txBox="1">
+                <a:spLocks noRot="1" noChangeAspect="1" noMove="1" noResize="1" noEditPoints="1" noAdjustHandles="1" noChangeArrowheads="1" noChangeShapeType="1" noTextEdit="1"/>
+              </p:cNvSpPr>
+              <p:nvPr/>
+            </p:nvSpPr>
+            <p:spPr>
+              <a:xfrm>
+                <a:off x="7517350" y="1988846"/>
+                <a:ext cx="1368152" cy="969496"/>
+              </a:xfrm>
+              <a:prstGeom prst="rect">
+                <a:avLst/>
+              </a:prstGeom>
+              <a:blipFill>
+                <a:blip r:embed="rId3"/>
+                <a:stretch>
+                  <a:fillRect l="-917" r="-1835" b="-5195"/>
+                </a:stretch>
+              </a:blipFill>
+            </p:spPr>
+            <p:txBody>
+              <a:bodyPr/>
+              <a:lstStyle/>
+              <a:p>
+                <a:r>
+                  <a:rPr lang="en-US">
+                    <a:noFill/>
+                  </a:rPr>
+                  <a:t> </a:t>
+                </a:r>
+              </a:p>
+            </p:txBody>
+          </p:sp>
+        </mc:Fallback>
+      </mc:AlternateContent>
+      <mc:AlternateContent xmlns:mc="http://schemas.openxmlformats.org/markup-compatibility/2006">
+        <mc:Choice xmlns:a14="http://schemas.microsoft.com/office/drawing/2010/main" Requires="a14">
+          <p:sp>
+            <p:nvSpPr>
+              <p:cNvPr id="6" name="TextBox 5">
+                <a:extLst>
+                  <a:ext uri="{FF2B5EF4-FFF2-40B4-BE49-F238E27FC236}">
+                    <a16:creationId xmlns:a16="http://schemas.microsoft.com/office/drawing/2014/main" id="{30DD95A7-DE8E-BD49-9C73-780397ECCC63}"/>
+                  </a:ext>
+                </a:extLst>
+              </p:cNvPr>
+              <p:cNvSpPr txBox="1"/>
+              <p:nvPr/>
+            </p:nvSpPr>
+            <p:spPr>
+              <a:xfrm>
+                <a:off x="460713" y="1158072"/>
+                <a:ext cx="6805231" cy="2585323"/>
+              </a:xfrm>
+              <a:prstGeom prst="rect">
+                <a:avLst/>
+              </a:prstGeom>
+              <a:noFill/>
+            </p:spPr>
+            <p:txBody>
+              <a:bodyPr wrap="square" lIns="0" tIns="0" rIns="0" bIns="0" rtlCol="0">
+                <a:spAutoFit/>
+              </a:bodyPr>
+              <a:lstStyle/>
+              <a:p>
+                <a:pPr algn="l"/>
+                <a:r>
+                  <a:rPr lang="en-US" sz="2400" b="1" dirty="0">
+                    <a:latin typeface="Arial" panose="020B0604020202020204" pitchFamily="34" charset="0"/>
+                    <a:cs typeface="Arial" panose="020B0604020202020204" pitchFamily="34" charset="0"/>
+                  </a:rPr>
+                  <a:t>Testing stepwise model against…</a:t>
+                </a:r>
+              </a:p>
+              <a:p>
+                <a:pPr algn="l"/>
+                <a:endParaRPr lang="en-US" sz="2400" dirty="0">
+                  <a:latin typeface="Arial" panose="020B0604020202020204" pitchFamily="34" charset="0"/>
+                  <a:cs typeface="Arial" panose="020B0604020202020204" pitchFamily="34" charset="0"/>
+                </a:endParaRPr>
+              </a:p>
+              <a:p>
+                <a:pPr marL="342900" indent="-342900" algn="l">
+                  <a:buFont typeface="Arial" panose="020B0604020202020204" pitchFamily="34" charset="0"/>
+                  <a:buChar char="•"/>
+                </a:pPr>
+                <a:r>
+                  <a:rPr lang="en-US" sz="2400" b="0" dirty="0">
+                    <a:latin typeface="Arial" panose="020B0604020202020204" pitchFamily="34" charset="0"/>
+                    <a:cs typeface="Arial" panose="020B0604020202020204" pitchFamily="34" charset="0"/>
+                  </a:rPr>
+                  <a:t>Stepwise</a:t>
+                </a:r>
+                <a:r>
+                  <a:rPr lang="de-DE" sz="2400" b="0" dirty="0">
+                    <a:latin typeface="Arial" panose="020B0604020202020204" pitchFamily="34" charset="0"/>
+                    <a:cs typeface="Arial" panose="020B0604020202020204" pitchFamily="34" charset="0"/>
+                  </a:rPr>
+                  <a:t> + </a:t>
+                </a:r>
+                <a14:m>
+                  <m:oMath xmlns:m="http://schemas.openxmlformats.org/officeDocument/2006/math">
+                    <m:r>
+                      <a:rPr lang="de-DE" sz="2400" b="0" i="1" smtClean="0">
+                        <a:latin typeface="Cambria Math" panose="02040503050406030204" pitchFamily="18" charset="0"/>
+                        <a:cs typeface="Arial" panose="020B0604020202020204" pitchFamily="34" charset="0"/>
+                      </a:rPr>
+                      <m:t>𝑡𝑟𝑒𝑎𝑡</m:t>
+                    </m:r>
+                    <m:r>
+                      <a:rPr lang="de-DE" sz="2400" b="0" i="1" smtClean="0">
+                        <a:latin typeface="Cambria Math" panose="02040503050406030204" pitchFamily="18" charset="0"/>
+                        <a:cs typeface="Arial" panose="020B0604020202020204" pitchFamily="34" charset="0"/>
+                      </a:rPr>
+                      <m:t> × </m:t>
+                    </m:r>
+                    <m:r>
+                      <a:rPr lang="de-DE" sz="2400" b="0" i="1" smtClean="0">
+                        <a:latin typeface="Cambria Math" panose="02040503050406030204" pitchFamily="18" charset="0"/>
+                        <a:cs typeface="Arial" panose="020B0604020202020204" pitchFamily="34" charset="0"/>
+                      </a:rPr>
+                      <m:t>𝑎𝑔𝑒</m:t>
+                    </m:r>
+                  </m:oMath>
+                </a14:m>
+                <a:endParaRPr lang="en-US" sz="2400" i="1" dirty="0">
+                  <a:latin typeface="Arial" panose="020B0604020202020204" pitchFamily="34" charset="0"/>
+                  <a:cs typeface="Arial" panose="020B0604020202020204" pitchFamily="34" charset="0"/>
+                </a:endParaRPr>
+              </a:p>
+              <a:p>
+                <a:pPr marL="342900" indent="-342900">
+                  <a:buFont typeface="Arial" panose="020B0604020202020204" pitchFamily="34" charset="0"/>
+                  <a:buChar char="•"/>
+                </a:pPr>
+                <a:r>
+                  <a:rPr lang="de-DE" sz="2400" dirty="0">
+                    <a:latin typeface="Arial" panose="020B0604020202020204" pitchFamily="34" charset="0"/>
+                    <a:cs typeface="Arial" panose="020B0604020202020204" pitchFamily="34" charset="0"/>
+                  </a:rPr>
+                  <a:t>Stepwise + </a:t>
+                </a:r>
+                <a14:m>
+                  <m:oMath xmlns:m="http://schemas.openxmlformats.org/officeDocument/2006/math">
+                    <m:r>
+                      <a:rPr lang="de-DE" sz="2400" i="1">
+                        <a:latin typeface="Cambria Math" panose="02040503050406030204" pitchFamily="18" charset="0"/>
+                        <a:cs typeface="Arial" panose="020B0604020202020204" pitchFamily="34" charset="0"/>
+                      </a:rPr>
+                      <m:t>𝑡𝑟𝑒𝑎𝑡</m:t>
+                    </m:r>
+                    <m:r>
+                      <a:rPr lang="de-DE" sz="2400" b="0" i="1" smtClean="0">
+                        <a:latin typeface="Cambria Math" panose="02040503050406030204" pitchFamily="18" charset="0"/>
+                        <a:cs typeface="Arial" panose="020B0604020202020204" pitchFamily="34" charset="0"/>
+                      </a:rPr>
+                      <m:t> </m:t>
+                    </m:r>
+                    <m:r>
+                      <a:rPr lang="de-DE" sz="2400" i="1">
+                        <a:latin typeface="Cambria Math" panose="02040503050406030204" pitchFamily="18" charset="0"/>
+                        <a:cs typeface="Arial" panose="020B0604020202020204" pitchFamily="34" charset="0"/>
+                      </a:rPr>
+                      <m:t>×</m:t>
+                    </m:r>
+                    <m:r>
+                      <a:rPr lang="de-DE" sz="2400" b="0" i="1" smtClean="0">
+                        <a:latin typeface="Cambria Math" panose="02040503050406030204" pitchFamily="18" charset="0"/>
+                        <a:cs typeface="Arial" panose="020B0604020202020204" pitchFamily="34" charset="0"/>
+                      </a:rPr>
+                      <m:t> </m:t>
+                    </m:r>
+                    <m:r>
+                      <a:rPr lang="de-DE" sz="2400" b="0" i="1" smtClean="0">
+                        <a:latin typeface="Cambria Math" panose="02040503050406030204" pitchFamily="18" charset="0"/>
+                        <a:cs typeface="Arial" panose="020B0604020202020204" pitchFamily="34" charset="0"/>
+                      </a:rPr>
+                      <m:t>𝑚𝑎𝑟𝑟𝑖𝑒𝑑</m:t>
+                    </m:r>
+                  </m:oMath>
+                </a14:m>
+                <a:endParaRPr lang="en-US" sz="2400" i="1" dirty="0">
+                  <a:latin typeface="Arial" panose="020B0604020202020204" pitchFamily="34" charset="0"/>
+                  <a:cs typeface="Arial" panose="020B0604020202020204" pitchFamily="34" charset="0"/>
+                </a:endParaRPr>
+              </a:p>
+              <a:p>
+                <a:pPr marL="342900" indent="-342900">
+                  <a:buFont typeface="Arial" panose="020B0604020202020204" pitchFamily="34" charset="0"/>
+                  <a:buChar char="•"/>
+                </a:pPr>
+                <a:r>
+                  <a:rPr lang="de-DE" sz="2400" dirty="0">
+                    <a:latin typeface="Arial" panose="020B0604020202020204" pitchFamily="34" charset="0"/>
+                    <a:cs typeface="Arial" panose="020B0604020202020204" pitchFamily="34" charset="0"/>
+                  </a:rPr>
+                  <a:t>Stepwise + </a:t>
+                </a:r>
+                <a14:m>
+                  <m:oMath xmlns:m="http://schemas.openxmlformats.org/officeDocument/2006/math">
+                    <m:r>
+                      <a:rPr lang="de-DE" sz="2400" i="1">
+                        <a:latin typeface="Cambria Math" panose="02040503050406030204" pitchFamily="18" charset="0"/>
+                        <a:cs typeface="Arial" panose="020B0604020202020204" pitchFamily="34" charset="0"/>
+                      </a:rPr>
+                      <m:t>𝑡𝑟𝑒𝑎𝑡</m:t>
+                    </m:r>
+                    <m:r>
+                      <a:rPr lang="de-DE" sz="2400" b="0" i="1" smtClean="0">
+                        <a:latin typeface="Cambria Math" panose="02040503050406030204" pitchFamily="18" charset="0"/>
+                        <a:cs typeface="Arial" panose="020B0604020202020204" pitchFamily="34" charset="0"/>
+                      </a:rPr>
+                      <m:t> </m:t>
+                    </m:r>
+                    <m:r>
+                      <a:rPr lang="de-DE" sz="2400" i="1">
+                        <a:latin typeface="Cambria Math" panose="02040503050406030204" pitchFamily="18" charset="0"/>
+                        <a:cs typeface="Arial" panose="020B0604020202020204" pitchFamily="34" charset="0"/>
+                      </a:rPr>
+                      <m:t>×</m:t>
+                    </m:r>
+                    <m:r>
+                      <a:rPr lang="de-DE" sz="2400" b="0" i="1" smtClean="0">
+                        <a:latin typeface="Cambria Math" panose="02040503050406030204" pitchFamily="18" charset="0"/>
+                        <a:cs typeface="Arial" panose="020B0604020202020204" pitchFamily="34" charset="0"/>
+                      </a:rPr>
+                      <m:t> </m:t>
+                    </m:r>
+                    <m:r>
+                      <a:rPr lang="de-DE" sz="2400" b="0" i="1" smtClean="0">
+                        <a:latin typeface="Cambria Math" panose="02040503050406030204" pitchFamily="18" charset="0"/>
+                        <a:cs typeface="Arial" panose="020B0604020202020204" pitchFamily="34" charset="0"/>
+                      </a:rPr>
+                      <m:t>𝑏𝑙𝑎𝑐𝑘</m:t>
+                    </m:r>
+                  </m:oMath>
+                </a14:m>
+                <a:endParaRPr lang="en-US" sz="2400" i="1" dirty="0">
+                  <a:latin typeface="Arial" panose="020B0604020202020204" pitchFamily="34" charset="0"/>
+                  <a:cs typeface="Arial" panose="020B0604020202020204" pitchFamily="34" charset="0"/>
+                </a:endParaRPr>
+              </a:p>
+              <a:p>
+                <a:pPr marL="342900" indent="-342900">
+                  <a:buFont typeface="Arial" panose="020B0604020202020204" pitchFamily="34" charset="0"/>
+                  <a:buChar char="•"/>
+                </a:pPr>
+                <a:r>
+                  <a:rPr lang="de-DE" sz="2400" dirty="0">
+                    <a:latin typeface="Arial" panose="020B0604020202020204" pitchFamily="34" charset="0"/>
+                    <a:cs typeface="Arial" panose="020B0604020202020204" pitchFamily="34" charset="0"/>
+                  </a:rPr>
+                  <a:t>Stepwise + </a:t>
+                </a:r>
+                <a14:m>
+                  <m:oMath xmlns:m="http://schemas.openxmlformats.org/officeDocument/2006/math">
+                    <m:r>
+                      <a:rPr lang="de-DE" sz="2400" i="1">
+                        <a:latin typeface="Cambria Math" panose="02040503050406030204" pitchFamily="18" charset="0"/>
+                        <a:cs typeface="Arial" panose="020B0604020202020204" pitchFamily="34" charset="0"/>
+                      </a:rPr>
+                      <m:t>𝑡𝑟𝑒𝑎𝑡</m:t>
+                    </m:r>
+                    <m:r>
+                      <a:rPr lang="de-DE" sz="2400" b="0" i="1" smtClean="0">
+                        <a:latin typeface="Cambria Math" panose="02040503050406030204" pitchFamily="18" charset="0"/>
+                        <a:cs typeface="Arial" panose="020B0604020202020204" pitchFamily="34" charset="0"/>
+                      </a:rPr>
+                      <m:t> </m:t>
+                    </m:r>
+                    <m:r>
+                      <a:rPr lang="de-DE" sz="2400" i="1">
+                        <a:latin typeface="Cambria Math" panose="02040503050406030204" pitchFamily="18" charset="0"/>
+                        <a:cs typeface="Arial" panose="020B0604020202020204" pitchFamily="34" charset="0"/>
+                      </a:rPr>
+                      <m:t>×</m:t>
+                    </m:r>
+                    <m:r>
+                      <a:rPr lang="de-DE" sz="2400" b="0" i="1" smtClean="0">
+                        <a:latin typeface="Cambria Math" panose="02040503050406030204" pitchFamily="18" charset="0"/>
+                        <a:cs typeface="Arial" panose="020B0604020202020204" pitchFamily="34" charset="0"/>
+                      </a:rPr>
+                      <m:t> </m:t>
+                    </m:r>
+                    <m:r>
+                      <a:rPr lang="de-DE" sz="2400" b="0" i="1" smtClean="0">
+                        <a:latin typeface="Cambria Math" panose="02040503050406030204" pitchFamily="18" charset="0"/>
+                        <a:cs typeface="Arial" panose="020B0604020202020204" pitchFamily="34" charset="0"/>
+                      </a:rPr>
+                      <m:t>h𝑖𝑠𝑝𝑎𝑛</m:t>
+                    </m:r>
+                  </m:oMath>
+                </a14:m>
+                <a:endParaRPr lang="en-US" sz="2400" i="1" dirty="0">
+                  <a:latin typeface="Arial" panose="020B0604020202020204" pitchFamily="34" charset="0"/>
+                  <a:cs typeface="Arial" panose="020B0604020202020204" pitchFamily="34" charset="0"/>
+                </a:endParaRPr>
+              </a:p>
+              <a:p>
+                <a:pPr marL="342900" indent="-342900" algn="l">
+                  <a:buFont typeface="Arial" panose="020B0604020202020204" pitchFamily="34" charset="0"/>
+                  <a:buChar char="•"/>
+                </a:pPr>
+                <a:endParaRPr lang="en-US" sz="2400" i="1" dirty="0">
+                  <a:latin typeface="Arial" panose="020B0604020202020204" pitchFamily="34" charset="0"/>
+                  <a:cs typeface="Arial" panose="020B0604020202020204" pitchFamily="34" charset="0"/>
+                </a:endParaRPr>
+              </a:p>
+            </p:txBody>
+          </p:sp>
+        </mc:Choice>
+        <mc:Fallback>
+          <p:sp>
+            <p:nvSpPr>
+              <p:cNvPr id="6" name="TextBox 5">
+                <a:extLst>
+                  <a:ext uri="{FF2B5EF4-FFF2-40B4-BE49-F238E27FC236}">
+                    <a16:creationId xmlns:a16="http://schemas.microsoft.com/office/drawing/2014/main" id="{30DD95A7-DE8E-BD49-9C73-780397ECCC63}"/>
+                  </a:ext>
+                </a:extLst>
+              </p:cNvPr>
+              <p:cNvSpPr txBox="1">
+                <a:spLocks noRot="1" noChangeAspect="1" noMove="1" noResize="1" noEditPoints="1" noAdjustHandles="1" noChangeArrowheads="1" noChangeShapeType="1" noTextEdit="1"/>
+              </p:cNvSpPr>
+              <p:nvPr/>
+            </p:nvSpPr>
+            <p:spPr>
+              <a:xfrm>
+                <a:off x="460713" y="1158072"/>
+                <a:ext cx="6805231" cy="2585323"/>
+              </a:xfrm>
+              <a:prstGeom prst="rect">
+                <a:avLst/>
+              </a:prstGeom>
+              <a:blipFill>
+                <a:blip r:embed="rId4"/>
+                <a:stretch>
+                  <a:fillRect l="-2793" t="-3922"/>
+                </a:stretch>
+              </a:blipFill>
+            </p:spPr>
+            <p:txBody>
+              <a:bodyPr/>
+              <a:lstStyle/>
+              <a:p>
+                <a:r>
+                  <a:rPr lang="en-US">
+                    <a:noFill/>
+                  </a:rPr>
+                  <a:t> </a:t>
+                </a:r>
+              </a:p>
+            </p:txBody>
+          </p:sp>
+        </mc:Fallback>
+      </mc:AlternateContent>
+      <p:sp>
+        <p:nvSpPr>
+          <p:cNvPr id="7" name="TextBox 6">
+            <a:extLst>
+              <a:ext uri="{FF2B5EF4-FFF2-40B4-BE49-F238E27FC236}">
+                <a16:creationId xmlns:a16="http://schemas.microsoft.com/office/drawing/2014/main" id="{428C1361-9A7E-E543-874F-034F9EDBC041}"/>
+              </a:ext>
+            </a:extLst>
+          </p:cNvPr>
+          <p:cNvSpPr txBox="1"/>
+          <p:nvPr/>
+        </p:nvSpPr>
+        <p:spPr>
+          <a:xfrm>
+            <a:off x="1775520" y="4344212"/>
+            <a:ext cx="1720856" cy="369332"/>
+          </a:xfrm>
+          <a:prstGeom prst="rect">
+            <a:avLst/>
+          </a:prstGeom>
+          <a:noFill/>
+        </p:spPr>
+        <p:txBody>
+          <a:bodyPr wrap="none" lIns="0" tIns="0" rIns="0" bIns="0" rtlCol="0">
+            <a:spAutoFit/>
+          </a:bodyPr>
+          <a:lstStyle/>
+          <a:p>
+            <a:pPr algn="l"/>
+            <a:r>
+              <a:rPr lang="en-US" sz="2400" dirty="0">
+                <a:latin typeface="Arial" panose="020B0604020202020204" pitchFamily="34" charset="0"/>
+                <a:cs typeface="Arial" panose="020B0604020202020204" pitchFamily="34" charset="0"/>
+              </a:rPr>
+              <a:t>TODO: table</a:t>
+            </a:r>
+          </a:p>
+        </p:txBody>
+      </p:sp>
     </p:spTree>
     <p:extLst>
       <p:ext uri="{BB962C8B-B14F-4D97-AF65-F5344CB8AC3E}">
-        <p14:creationId xmlns:p14="http://schemas.microsoft.com/office/powerpoint/2010/main" val="3886266033"/>
+        <p14:creationId xmlns:p14="http://schemas.microsoft.com/office/powerpoint/2010/main" val="4287484339"/>
       </p:ext>
     </p:extLst>
   </p:cSld>
@@ -7332,6 +8841,146 @@
 </file>
 
 <file path=ppt/slides/slide8.xml><?xml version="1.0" encoding="utf-8"?>
+<p:sld xmlns:a="http://schemas.openxmlformats.org/drawingml/2006/main" xmlns:r="http://schemas.openxmlformats.org/officeDocument/2006/relationships" xmlns:p="http://schemas.openxmlformats.org/presentationml/2006/main">
+  <p:cSld>
+    <p:spTree>
+      <p:nvGrpSpPr>
+        <p:cNvPr id="1" name=""/>
+        <p:cNvGrpSpPr/>
+        <p:nvPr/>
+      </p:nvGrpSpPr>
+      <p:grpSpPr>
+        <a:xfrm>
+          <a:off x="0" y="0"/>
+          <a:ext cx="0" cy="0"/>
+          <a:chOff x="0" y="0"/>
+          <a:chExt cx="0" cy="0"/>
+        </a:xfrm>
+      </p:grpSpPr>
+      <p:sp>
+        <p:nvSpPr>
+          <p:cNvPr id="2" name="Slide Number Placeholder 1">
+            <a:extLst>
+              <a:ext uri="{FF2B5EF4-FFF2-40B4-BE49-F238E27FC236}">
+                <a16:creationId xmlns:a16="http://schemas.microsoft.com/office/drawing/2014/main" id="{9B12371F-989E-EE43-B20F-90E48B433F0A}"/>
+              </a:ext>
+            </a:extLst>
+          </p:cNvPr>
+          <p:cNvSpPr>
+            <a:spLocks noGrp="1"/>
+          </p:cNvSpPr>
+          <p:nvPr>
+            <p:ph type="sldNum" sz="quarter" idx="12"/>
+          </p:nvPr>
+        </p:nvSpPr>
+        <p:spPr/>
+        <p:txBody>
+          <a:bodyPr/>
+          <a:lstStyle/>
+          <a:p>
+            <a:fld id="{2D00CA07-45C7-8142-9F4D-3A07AD48DFA1}" type="slidenum">
+              <a:rPr lang="en-US" smtClean="0"/>
+              <a:t>8</a:t>
+            </a:fld>
+            <a:endParaRPr lang="en-US"/>
+          </a:p>
+        </p:txBody>
+      </p:sp>
+      <p:sp>
+        <p:nvSpPr>
+          <p:cNvPr id="3" name="TextBox 2">
+            <a:extLst>
+              <a:ext uri="{FF2B5EF4-FFF2-40B4-BE49-F238E27FC236}">
+                <a16:creationId xmlns:a16="http://schemas.microsoft.com/office/drawing/2014/main" id="{2B4E9B55-4425-2740-A108-76FF69BA3D12}"/>
+              </a:ext>
+            </a:extLst>
+          </p:cNvPr>
+          <p:cNvSpPr txBox="1"/>
+          <p:nvPr/>
+        </p:nvSpPr>
+        <p:spPr>
+          <a:xfrm>
+            <a:off x="460713" y="332656"/>
+            <a:ext cx="4163512" cy="553998"/>
+          </a:xfrm>
+          <a:prstGeom prst="rect">
+            <a:avLst/>
+          </a:prstGeom>
+          <a:noFill/>
+        </p:spPr>
+        <p:txBody>
+          <a:bodyPr wrap="none" lIns="0" tIns="0" rIns="0" bIns="0" rtlCol="0">
+            <a:spAutoFit/>
+          </a:bodyPr>
+          <a:lstStyle/>
+          <a:p>
+            <a:r>
+              <a:rPr lang="en-US" sz="3600" b="1" dirty="0">
+                <a:latin typeface="Arial" panose="020B0604020202020204" pitchFamily="34" charset="0"/>
+                <a:cs typeface="Arial" panose="020B0604020202020204" pitchFamily="34" charset="0"/>
+              </a:rPr>
+              <a:t>Model Assessment</a:t>
+            </a:r>
+          </a:p>
+        </p:txBody>
+      </p:sp>
+      <p:cxnSp>
+        <p:nvCxnSpPr>
+          <p:cNvPr id="4" name="Straight Connector 3">
+            <a:extLst>
+              <a:ext uri="{FF2B5EF4-FFF2-40B4-BE49-F238E27FC236}">
+                <a16:creationId xmlns:a16="http://schemas.microsoft.com/office/drawing/2014/main" id="{CFDF23E1-C7BD-4C48-9E8A-53704A4D662C}"/>
+              </a:ext>
+            </a:extLst>
+          </p:cNvPr>
+          <p:cNvCxnSpPr>
+            <a:cxnSpLocks/>
+          </p:cNvCxnSpPr>
+          <p:nvPr/>
+        </p:nvCxnSpPr>
+        <p:spPr>
+          <a:xfrm>
+            <a:off x="460714" y="886654"/>
+            <a:ext cx="11270573" cy="0"/>
+          </a:xfrm>
+          <a:prstGeom prst="line">
+            <a:avLst/>
+          </a:prstGeom>
+          <a:ln w="38100">
+            <a:solidFill>
+              <a:schemeClr val="tx1"/>
+            </a:solidFill>
+          </a:ln>
+        </p:spPr>
+        <p:style>
+          <a:lnRef idx="1">
+            <a:schemeClr val="accent1"/>
+          </a:lnRef>
+          <a:fillRef idx="0">
+            <a:schemeClr val="accent1"/>
+          </a:fillRef>
+          <a:effectRef idx="0">
+            <a:schemeClr val="accent1"/>
+          </a:effectRef>
+          <a:fontRef idx="minor">
+            <a:schemeClr val="tx1"/>
+          </a:fontRef>
+        </p:style>
+      </p:cxnSp>
+    </p:spTree>
+    <p:extLst>
+      <p:ext uri="{BB962C8B-B14F-4D97-AF65-F5344CB8AC3E}">
+        <p14:creationId xmlns:p14="http://schemas.microsoft.com/office/powerpoint/2010/main" val="4125710335"/>
+      </p:ext>
+    </p:extLst>
+  </p:cSld>
+  <p:clrMapOvr>
+    <a:masterClrMapping/>
+  </p:clrMapOvr>
+</p:sld>
+</file>
+
+<file path=ppt/slides/slide9.xml><?xml version="1.0" encoding="utf-8"?>
 <p:sld xmlns:a="http://schemas.openxmlformats.org/drawingml/2006/main" xmlns:r="http://schemas.openxmlformats.org/officeDocument/2006/relationships" xmlns:p="http://schemas.openxmlformats.org/presentationml/2006/main" show="0">
   <p:cSld>
     <p:spTree>
@@ -7371,7 +9020,7 @@
           <a:p>
             <a:fld id="{2D00CA07-45C7-8142-9F4D-3A07AD48DFA1}" type="slidenum">
               <a:rPr lang="en-US" smtClean="0"/>
-              <a:t>8</a:t>
+              <a:t>9</a:t>
             </a:fld>
             <a:endParaRPr lang="en-US"/>
           </a:p>
@@ -7556,65 +9205,6 @@
     <p:extLst>
       <p:ext uri="{BB962C8B-B14F-4D97-AF65-F5344CB8AC3E}">
         <p14:creationId xmlns:p14="http://schemas.microsoft.com/office/powerpoint/2010/main" val="1020958659"/>
-      </p:ext>
-    </p:extLst>
-  </p:cSld>
-  <p:clrMapOvr>
-    <a:masterClrMapping/>
-  </p:clrMapOvr>
-</p:sld>
-</file>
-
-<file path=ppt/slides/slide9.xml><?xml version="1.0" encoding="utf-8"?>
-<p:sld xmlns:a="http://schemas.openxmlformats.org/drawingml/2006/main" xmlns:r="http://schemas.openxmlformats.org/officeDocument/2006/relationships" xmlns:p="http://schemas.openxmlformats.org/presentationml/2006/main">
-  <p:cSld>
-    <p:spTree>
-      <p:nvGrpSpPr>
-        <p:cNvPr id="1" name=""/>
-        <p:cNvGrpSpPr/>
-        <p:nvPr/>
-      </p:nvGrpSpPr>
-      <p:grpSpPr>
-        <a:xfrm>
-          <a:off x="0" y="0"/>
-          <a:ext cx="0" cy="0"/>
-          <a:chOff x="0" y="0"/>
-          <a:chExt cx="0" cy="0"/>
-        </a:xfrm>
-      </p:grpSpPr>
-      <p:sp>
-        <p:nvSpPr>
-          <p:cNvPr id="2" name="Slide Number Placeholder 1">
-            <a:extLst>
-              <a:ext uri="{FF2B5EF4-FFF2-40B4-BE49-F238E27FC236}">
-                <a16:creationId xmlns:a16="http://schemas.microsoft.com/office/drawing/2014/main" id="{E2075DE5-C3EF-AD4F-8874-494E7084ED20}"/>
-              </a:ext>
-            </a:extLst>
-          </p:cNvPr>
-          <p:cNvSpPr>
-            <a:spLocks noGrp="1"/>
-          </p:cNvSpPr>
-          <p:nvPr>
-            <p:ph type="sldNum" sz="quarter" idx="12"/>
-          </p:nvPr>
-        </p:nvSpPr>
-        <p:spPr/>
-        <p:txBody>
-          <a:bodyPr/>
-          <a:lstStyle/>
-          <a:p>
-            <a:fld id="{2D00CA07-45C7-8142-9F4D-3A07AD48DFA1}" type="slidenum">
-              <a:rPr lang="en-US" smtClean="0"/>
-              <a:t>9</a:t>
-            </a:fld>
-            <a:endParaRPr lang="en-US"/>
-          </a:p>
-        </p:txBody>
-      </p:sp>
-    </p:spTree>
-    <p:extLst>
-      <p:ext uri="{BB962C8B-B14F-4D97-AF65-F5344CB8AC3E}">
-        <p14:creationId xmlns:p14="http://schemas.microsoft.com/office/powerpoint/2010/main" val="2397182481"/>
       </p:ext>
     </p:extLst>
   </p:cSld>

--- a/Presentation/slide_deck.pptx
+++ b/Presentation/slide_deck.pptx
@@ -8967,6 +8967,36 @@
           </a:fontRef>
         </p:style>
       </p:cxnSp>
+      <p:pic>
+        <p:nvPicPr>
+          <p:cNvPr id="6" name="Picture 5" descr="Chart, scatter chart&#10;&#10;Description automatically generated">
+            <a:extLst>
+              <a:ext uri="{FF2B5EF4-FFF2-40B4-BE49-F238E27FC236}">
+                <a16:creationId xmlns:a16="http://schemas.microsoft.com/office/drawing/2014/main" id="{D2C59378-920C-294A-831D-89CF1E12B3AB}"/>
+              </a:ext>
+            </a:extLst>
+          </p:cNvPr>
+          <p:cNvPicPr>
+            <a:picLocks noChangeAspect="1"/>
+          </p:cNvPicPr>
+          <p:nvPr/>
+        </p:nvPicPr>
+        <p:blipFill>
+          <a:blip r:embed="rId2"/>
+          <a:stretch>
+            <a:fillRect/>
+          </a:stretch>
+        </p:blipFill>
+        <p:spPr>
+          <a:xfrm>
+            <a:off x="460713" y="1196751"/>
+            <a:ext cx="4499583" cy="3148618"/>
+          </a:xfrm>
+          <a:prstGeom prst="rect">
+            <a:avLst/>
+          </a:prstGeom>
+        </p:spPr>
+      </p:pic>
     </p:spTree>
     <p:extLst>
       <p:ext uri="{BB962C8B-B14F-4D97-AF65-F5344CB8AC3E}">

--- a/Presentation/slide_deck.pptx
+++ b/Presentation/slide_deck.pptx
@@ -8859,6 +8859,58 @@
       </p:grpSpPr>
       <p:sp>
         <p:nvSpPr>
+          <p:cNvPr id="14" name="Rectangle 13">
+            <a:extLst>
+              <a:ext uri="{FF2B5EF4-FFF2-40B4-BE49-F238E27FC236}">
+                <a16:creationId xmlns:a16="http://schemas.microsoft.com/office/drawing/2014/main" id="{94F26AED-3D4C-734E-AF70-4A7A2AB0C3A8}"/>
+              </a:ext>
+            </a:extLst>
+          </p:cNvPr>
+          <p:cNvSpPr/>
+          <p:nvPr/>
+        </p:nvSpPr>
+        <p:spPr>
+          <a:xfrm>
+            <a:off x="246887" y="6023447"/>
+            <a:ext cx="1188452" cy="497233"/>
+          </a:xfrm>
+          <a:prstGeom prst="rect">
+            <a:avLst/>
+          </a:prstGeom>
+          <a:solidFill>
+            <a:schemeClr val="bg1"/>
+          </a:solidFill>
+          <a:ln>
+            <a:noFill/>
+          </a:ln>
+        </p:spPr>
+        <p:style>
+          <a:lnRef idx="2">
+            <a:schemeClr val="accent1">
+              <a:shade val="50000"/>
+            </a:schemeClr>
+          </a:lnRef>
+          <a:fillRef idx="1">
+            <a:schemeClr val="accent1"/>
+          </a:fillRef>
+          <a:effectRef idx="0">
+            <a:schemeClr val="accent1"/>
+          </a:effectRef>
+          <a:fontRef idx="minor">
+            <a:schemeClr val="lt1"/>
+          </a:fontRef>
+        </p:style>
+        <p:txBody>
+          <a:bodyPr rtlCol="0" anchor="ctr"/>
+          <a:lstStyle/>
+          <a:p>
+            <a:pPr algn="ctr"/>
+            <a:endParaRPr lang="en-US" dirty="0"/>
+          </a:p>
+        </p:txBody>
+      </p:sp>
+      <p:sp>
+        <p:nvSpPr>
           <p:cNvPr id="2" name="Slide Number Placeholder 1">
             <a:extLst>
               <a:ext uri="{FF2B5EF4-FFF2-40B4-BE49-F238E27FC236}">
@@ -8969,10 +9021,10 @@
       </p:cxnSp>
       <p:pic>
         <p:nvPicPr>
-          <p:cNvPr id="6" name="Picture 5" descr="Chart, scatter chart&#10;&#10;Description automatically generated">
-            <a:extLst>
-              <a:ext uri="{FF2B5EF4-FFF2-40B4-BE49-F238E27FC236}">
-                <a16:creationId xmlns:a16="http://schemas.microsoft.com/office/drawing/2014/main" id="{D2C59378-920C-294A-831D-89CF1E12B3AB}"/>
+          <p:cNvPr id="8" name="Picture 7" descr="Chart, line chart&#10;&#10;Description automatically generated">
+            <a:extLst>
+              <a:ext uri="{FF2B5EF4-FFF2-40B4-BE49-F238E27FC236}">
+                <a16:creationId xmlns:a16="http://schemas.microsoft.com/office/drawing/2014/main" id="{8CB800F0-FE5F-D948-AEB8-1567E0FE867D}"/>
               </a:ext>
             </a:extLst>
           </p:cNvPr>
@@ -8989,14 +9041,136 @@
         </p:blipFill>
         <p:spPr>
           <a:xfrm>
-            <a:off x="460713" y="1196751"/>
-            <a:ext cx="4499583" cy="3148618"/>
+            <a:off x="460713" y="3854464"/>
+            <a:ext cx="4537978" cy="2646462"/>
           </a:xfrm>
           <a:prstGeom prst="rect">
             <a:avLst/>
           </a:prstGeom>
         </p:spPr>
       </p:pic>
+      <p:pic>
+        <p:nvPicPr>
+          <p:cNvPr id="10" name="Picture 9" descr="Chart, scatter chart&#10;&#10;Description automatically generated">
+            <a:extLst>
+              <a:ext uri="{FF2B5EF4-FFF2-40B4-BE49-F238E27FC236}">
+                <a16:creationId xmlns:a16="http://schemas.microsoft.com/office/drawing/2014/main" id="{DA1EB898-9293-C54B-9944-620A0EB7315B}"/>
+              </a:ext>
+            </a:extLst>
+          </p:cNvPr>
+          <p:cNvPicPr>
+            <a:picLocks noChangeAspect="1"/>
+          </p:cNvPicPr>
+          <p:nvPr/>
+        </p:nvPicPr>
+        <p:blipFill>
+          <a:blip r:embed="rId3"/>
+          <a:stretch>
+            <a:fillRect/>
+          </a:stretch>
+        </p:blipFill>
+        <p:spPr>
+          <a:xfrm>
+            <a:off x="460713" y="1073175"/>
+            <a:ext cx="4537978" cy="2646462"/>
+          </a:xfrm>
+          <a:prstGeom prst="rect">
+            <a:avLst/>
+          </a:prstGeom>
+        </p:spPr>
+      </p:pic>
+      <p:grpSp>
+        <p:nvGrpSpPr>
+          <p:cNvPr id="15" name="Group 14">
+            <a:extLst>
+              <a:ext uri="{FF2B5EF4-FFF2-40B4-BE49-F238E27FC236}">
+                <a16:creationId xmlns:a16="http://schemas.microsoft.com/office/drawing/2014/main" id="{AEBAA883-F204-A144-B63F-EBE124674EE0}"/>
+              </a:ext>
+            </a:extLst>
+          </p:cNvPr>
+          <p:cNvGrpSpPr/>
+          <p:nvPr/>
+        </p:nvGrpSpPr>
+        <p:grpSpPr>
+          <a:xfrm>
+            <a:off x="6390929" y="3935037"/>
+            <a:ext cx="4752528" cy="2646463"/>
+            <a:chOff x="5879976" y="3818692"/>
+            <a:chExt cx="5216707" cy="2802582"/>
+          </a:xfrm>
+        </p:grpSpPr>
+        <p:pic>
+          <p:nvPicPr>
+            <p:cNvPr id="12" name="Picture 11" descr="Chart, scatter chart&#10;&#10;Description automatically generated">
+              <a:extLst>
+                <a:ext uri="{FF2B5EF4-FFF2-40B4-BE49-F238E27FC236}">
+                  <a16:creationId xmlns:a16="http://schemas.microsoft.com/office/drawing/2014/main" id="{9521669D-3A16-7A41-8947-65AFFD540736}"/>
+                </a:ext>
+              </a:extLst>
+            </p:cNvPr>
+            <p:cNvPicPr>
+              <a:picLocks noChangeAspect="1"/>
+            </p:cNvPicPr>
+            <p:nvPr/>
+          </p:nvPicPr>
+          <p:blipFill rotWithShape="1">
+            <a:blip r:embed="rId4"/>
+            <a:srcRect t="18160" r="6327" b="4690"/>
+            <a:stretch/>
+          </p:blipFill>
+          <p:spPr>
+            <a:xfrm>
+              <a:off x="5879976" y="3933056"/>
+              <a:ext cx="5216707" cy="2688218"/>
+            </a:xfrm>
+            <a:prstGeom prst="rect">
+              <a:avLst/>
+            </a:prstGeom>
+          </p:spPr>
+        </p:pic>
+        <p:sp>
+          <p:nvSpPr>
+            <p:cNvPr id="13" name="TextBox 12">
+              <a:extLst>
+                <a:ext uri="{FF2B5EF4-FFF2-40B4-BE49-F238E27FC236}">
+                  <a16:creationId xmlns:a16="http://schemas.microsoft.com/office/drawing/2014/main" id="{1DB708EC-E156-1349-A7E9-EE7C90A765F0}"/>
+                </a:ext>
+              </a:extLst>
+            </p:cNvPr>
+            <p:cNvSpPr txBox="1"/>
+            <p:nvPr/>
+          </p:nvSpPr>
+          <p:spPr>
+            <a:xfrm>
+              <a:off x="7499276" y="3818692"/>
+              <a:ext cx="1978106" cy="215444"/>
+            </a:xfrm>
+            <a:prstGeom prst="rect">
+              <a:avLst/>
+            </a:prstGeom>
+            <a:noFill/>
+          </p:spPr>
+          <p:txBody>
+            <a:bodyPr wrap="none" lIns="0" tIns="0" rIns="0" bIns="0" rtlCol="0">
+              <a:spAutoFit/>
+            </a:bodyPr>
+            <a:lstStyle/>
+            <a:p>
+              <a:pPr algn="l"/>
+              <a:r>
+                <a:rPr lang="en-US" sz="1400" b="1" dirty="0">
+                  <a:solidFill>
+                    <a:srgbClr val="000000"/>
+                  </a:solidFill>
+                  <a:latin typeface="Arial" panose="020B0604020202020204" pitchFamily="34" charset="0"/>
+                  <a:cs typeface="Arial" panose="020B0604020202020204" pitchFamily="34" charset="0"/>
+                </a:rPr>
+                <a:t>Residuals vs. Leverage</a:t>
+              </a:r>
+            </a:p>
+          </p:txBody>
+        </p:sp>
+      </p:grpSp>
     </p:spTree>
     <p:extLst>
       <p:ext uri="{BB962C8B-B14F-4D97-AF65-F5344CB8AC3E}">

--- a/Presentation/slide_deck.pptx
+++ b/Presentation/slide_deck.pptx
@@ -5,7 +5,7 @@
     <p:sldMasterId id="2147483648" r:id="rId1"/>
   </p:sldMasterIdLst>
   <p:notesMasterIdLst>
-    <p:notesMasterId r:id="rId14"/>
+    <p:notesMasterId r:id="rId13"/>
   </p:notesMasterIdLst>
   <p:sldIdLst>
     <p:sldId id="256" r:id="rId2"/>
@@ -16,10 +16,9 @@
     <p:sldId id="266" r:id="rId7"/>
     <p:sldId id="268" r:id="rId8"/>
     <p:sldId id="271" r:id="rId9"/>
-    <p:sldId id="262" r:id="rId10"/>
-    <p:sldId id="261" r:id="rId11"/>
-    <p:sldId id="267" r:id="rId12"/>
-    <p:sldId id="270" r:id="rId13"/>
+    <p:sldId id="270" r:id="rId10"/>
+    <p:sldId id="267" r:id="rId11"/>
+    <p:sldId id="272" r:id="rId12"/>
   </p:sldIdLst>
   <p:sldSz cx="12192000" cy="6858000"/>
   <p:notesSz cx="6858000" cy="9144000"/>
@@ -3911,7 +3910,7 @@
           <p:cNvPr id="2" name="Slide Number Placeholder 1">
             <a:extLst>
               <a:ext uri="{FF2B5EF4-FFF2-40B4-BE49-F238E27FC236}">
-                <a16:creationId xmlns:a16="http://schemas.microsoft.com/office/drawing/2014/main" id="{E2075DE5-C3EF-AD4F-8874-494E7084ED20}"/>
+                <a16:creationId xmlns:a16="http://schemas.microsoft.com/office/drawing/2014/main" id="{9B12371F-989E-EE43-B20F-90E48B433F0A}"/>
               </a:ext>
             </a:extLst>
           </p:cNvPr>
@@ -3930,65 +3929,6 @@
             <a:fld id="{2D00CA07-45C7-8142-9F4D-3A07AD48DFA1}" type="slidenum">
               <a:rPr lang="en-US" smtClean="0"/>
               <a:t>10</a:t>
-            </a:fld>
-            <a:endParaRPr lang="en-US"/>
-          </a:p>
-        </p:txBody>
-      </p:sp>
-    </p:spTree>
-    <p:extLst>
-      <p:ext uri="{BB962C8B-B14F-4D97-AF65-F5344CB8AC3E}">
-        <p14:creationId xmlns:p14="http://schemas.microsoft.com/office/powerpoint/2010/main" val="2397182481"/>
-      </p:ext>
-    </p:extLst>
-  </p:cSld>
-  <p:clrMapOvr>
-    <a:masterClrMapping/>
-  </p:clrMapOvr>
-</p:sld>
-</file>
-
-<file path=ppt/slides/slide11.xml><?xml version="1.0" encoding="utf-8"?>
-<p:sld xmlns:a="http://schemas.openxmlformats.org/drawingml/2006/main" xmlns:r="http://schemas.openxmlformats.org/officeDocument/2006/relationships" xmlns:p="http://schemas.openxmlformats.org/presentationml/2006/main">
-  <p:cSld>
-    <p:spTree>
-      <p:nvGrpSpPr>
-        <p:cNvPr id="1" name=""/>
-        <p:cNvGrpSpPr/>
-        <p:nvPr/>
-      </p:nvGrpSpPr>
-      <p:grpSpPr>
-        <a:xfrm>
-          <a:off x="0" y="0"/>
-          <a:ext cx="0" cy="0"/>
-          <a:chOff x="0" y="0"/>
-          <a:chExt cx="0" cy="0"/>
-        </a:xfrm>
-      </p:grpSpPr>
-      <p:sp>
-        <p:nvSpPr>
-          <p:cNvPr id="2" name="Slide Number Placeholder 1">
-            <a:extLst>
-              <a:ext uri="{FF2B5EF4-FFF2-40B4-BE49-F238E27FC236}">
-                <a16:creationId xmlns:a16="http://schemas.microsoft.com/office/drawing/2014/main" id="{9B12371F-989E-EE43-B20F-90E48B433F0A}"/>
-              </a:ext>
-            </a:extLst>
-          </p:cNvPr>
-          <p:cNvSpPr>
-            <a:spLocks noGrp="1"/>
-          </p:cNvSpPr>
-          <p:nvPr>
-            <p:ph type="sldNum" sz="quarter" idx="12"/>
-          </p:nvPr>
-        </p:nvSpPr>
-        <p:spPr/>
-        <p:txBody>
-          <a:bodyPr/>
-          <a:lstStyle/>
-          <a:p>
-            <a:fld id="{2D00CA07-45C7-8142-9F4D-3A07AD48DFA1}" type="slidenum">
-              <a:rPr lang="en-US" smtClean="0"/>
-              <a:t>11</a:t>
             </a:fld>
             <a:endParaRPr lang="en-US"/>
           </a:p>
@@ -4195,7 +4135,7 @@
 </p:sld>
 </file>
 
-<file path=ppt/slides/slide12.xml><?xml version="1.0" encoding="utf-8"?>
+<file path=ppt/slides/slide11.xml><?xml version="1.0" encoding="utf-8"?>
 <p:sld xmlns:a="http://schemas.openxmlformats.org/drawingml/2006/main" xmlns:r="http://schemas.openxmlformats.org/officeDocument/2006/relationships" xmlns:p="http://schemas.openxmlformats.org/presentationml/2006/main" show="0">
   <p:cSld>
     <p:spTree>
@@ -4235,7 +4175,7 @@
           <a:p>
             <a:fld id="{2D00CA07-45C7-8142-9F4D-3A07AD48DFA1}" type="slidenum">
               <a:rPr lang="en-US" smtClean="0"/>
-              <a:t>12</a:t>
+              <a:t>11</a:t>
             </a:fld>
             <a:endParaRPr lang="en-US"/>
           </a:p>
@@ -4325,7 +4265,7 @@
     </p:spTree>
     <p:extLst>
       <p:ext uri="{BB962C8B-B14F-4D97-AF65-F5344CB8AC3E}">
-        <p14:creationId xmlns:p14="http://schemas.microsoft.com/office/powerpoint/2010/main" val="3395229835"/>
+        <p14:creationId xmlns:p14="http://schemas.microsoft.com/office/powerpoint/2010/main" val="829003252"/>
       </p:ext>
     </p:extLst>
   </p:cSld>
@@ -7669,7 +7609,7 @@
         </p:nvSpPr>
         <p:spPr>
           <a:xfrm>
-            <a:off x="515971" y="3854944"/>
+            <a:off x="460713" y="3640625"/>
             <a:ext cx="2374048" cy="369332"/>
           </a:xfrm>
           <a:prstGeom prst="rect">
@@ -7710,7 +7650,7 @@
             </p:nvSpPr>
             <p:spPr>
               <a:xfrm>
-                <a:off x="3057640" y="4268336"/>
+                <a:off x="3045125" y="4012310"/>
                 <a:ext cx="6057171" cy="388889"/>
               </a:xfrm>
               <a:prstGeom prst="rect">
@@ -8013,7 +7953,7 @@
             </p:nvSpPr>
             <p:spPr>
               <a:xfrm>
-                <a:off x="3057640" y="4268336"/>
+                <a:off x="3045125" y="4012310"/>
                 <a:ext cx="6057171" cy="388889"/>
               </a:xfrm>
               <a:prstGeom prst="rect">
@@ -8022,7 +7962,7 @@
               <a:blipFill>
                 <a:blip r:embed="rId2"/>
                 <a:stretch>
-                  <a:fillRect l="-418" t="-22581" r="-418" b="-35484"/>
+                  <a:fillRect l="-629" t="-18750" r="-629" b="-34375"/>
                 </a:stretch>
               </a:blipFill>
             </p:spPr>
@@ -8041,45 +7981,36 @@
           </p:sp>
         </mc:Fallback>
       </mc:AlternateContent>
-      <p:sp>
-        <p:nvSpPr>
-          <p:cNvPr id="6" name="TextBox 5">
-            <a:extLst>
-              <a:ext uri="{FF2B5EF4-FFF2-40B4-BE49-F238E27FC236}">
-                <a16:creationId xmlns:a16="http://schemas.microsoft.com/office/drawing/2014/main" id="{C57011CB-D742-F747-A765-A2B80D1DAAFB}"/>
-              </a:ext>
-            </a:extLst>
-          </p:cNvPr>
-          <p:cNvSpPr txBox="1"/>
+      <p:pic>
+        <p:nvPicPr>
+          <p:cNvPr id="8" name="Picture 7">
+            <a:extLst>
+              <a:ext uri="{FF2B5EF4-FFF2-40B4-BE49-F238E27FC236}">
+                <a16:creationId xmlns:a16="http://schemas.microsoft.com/office/drawing/2014/main" id="{7DA5F9EC-F294-014A-A578-F6B3377E126D}"/>
+              </a:ext>
+            </a:extLst>
+          </p:cNvPr>
+          <p:cNvPicPr>
+            <a:picLocks noChangeAspect="1"/>
+          </p:cNvPicPr>
           <p:nvPr/>
-        </p:nvSpPr>
+        </p:nvPicPr>
+        <p:blipFill>
+          <a:blip r:embed="rId3"/>
+          <a:stretch>
+            <a:fillRect/>
+          </a:stretch>
+        </p:blipFill>
         <p:spPr>
           <a:xfrm>
-            <a:off x="5237825" y="5743852"/>
-            <a:ext cx="1783758" cy="369332"/>
+            <a:off x="3067414" y="4775326"/>
+            <a:ext cx="6057171" cy="1581024"/>
           </a:xfrm>
           <a:prstGeom prst="rect">
             <a:avLst/>
           </a:prstGeom>
-          <a:noFill/>
         </p:spPr>
-        <p:txBody>
-          <a:bodyPr wrap="none" lIns="0" tIns="0" rIns="0" bIns="0" rtlCol="0">
-            <a:spAutoFit/>
-          </a:bodyPr>
-          <a:lstStyle/>
-          <a:p>
-            <a:pPr algn="l"/>
-            <a:r>
-              <a:rPr lang="en-US" sz="2400" dirty="0">
-                <a:latin typeface="Arial" panose="020B0604020202020204" pitchFamily="34" charset="0"/>
-                <a:cs typeface="Arial" panose="020B0604020202020204" pitchFamily="34" charset="0"/>
-              </a:rPr>
-              <a:t>TODO: Table</a:t>
-            </a:r>
-          </a:p>
-        </p:txBody>
-      </p:sp>
+      </p:pic>
     </p:spTree>
     <p:extLst>
       <p:ext uri="{BB962C8B-B14F-4D97-AF65-F5344CB8AC3E}">
@@ -8220,144 +8151,121 @@
           </a:fontRef>
         </p:style>
       </p:cxnSp>
-      <p:pic>
-        <p:nvPicPr>
-          <p:cNvPr id="2050" name="Picture 2" descr="Spongebob Burns A Paper Meme Maker">
-            <a:extLst>
-              <a:ext uri="{FF2B5EF4-FFF2-40B4-BE49-F238E27FC236}">
-                <a16:creationId xmlns:a16="http://schemas.microsoft.com/office/drawing/2014/main" id="{74501BAF-14E9-094B-930A-34365F410BEF}"/>
-              </a:ext>
-            </a:extLst>
-          </p:cNvPr>
-          <p:cNvPicPr>
-            <a:picLocks noChangeAspect="1" noChangeArrowheads="1"/>
-          </p:cNvPicPr>
+      <p:grpSp>
+        <p:nvGrpSpPr>
+          <p:cNvPr id="8" name="Group 7">
+            <a:extLst>
+              <a:ext uri="{FF2B5EF4-FFF2-40B4-BE49-F238E27FC236}">
+                <a16:creationId xmlns:a16="http://schemas.microsoft.com/office/drawing/2014/main" id="{CFD6B909-8980-F648-8270-7FB714A7FC70}"/>
+              </a:ext>
+            </a:extLst>
+          </p:cNvPr>
+          <p:cNvGrpSpPr/>
           <p:nvPr/>
-        </p:nvPicPr>
-        <p:blipFill>
-          <a:blip r:embed="rId2">
-            <a:extLst>
-              <a:ext uri="{28A0092B-C50C-407E-A947-70E740481C1C}">
-                <a14:useLocalDpi xmlns:a14="http://schemas.microsoft.com/office/drawing/2010/main" val="0"/>
-              </a:ext>
-            </a:extLst>
-          </a:blip>
-          <a:srcRect/>
-          <a:stretch>
-            <a:fillRect/>
-          </a:stretch>
-        </p:blipFill>
-        <p:spPr bwMode="auto">
+        </p:nvGrpSpPr>
+        <p:grpSpPr>
           <a:xfrm>
             <a:off x="7184630" y="1158073"/>
             <a:ext cx="4581192" cy="5198277"/>
+            <a:chOff x="7184630" y="1158073"/>
+            <a:chExt cx="4581192" cy="5198277"/>
           </a:xfrm>
-          <a:prstGeom prst="rect">
-            <a:avLst/>
-          </a:prstGeom>
-          <a:noFill/>
-          <a:extLst>
-            <a:ext uri="{909E8E84-426E-40DD-AFC4-6F175D3DCCD1}">
-              <a14:hiddenFill xmlns:a14="http://schemas.microsoft.com/office/drawing/2010/main">
+        </p:grpSpPr>
+        <p:pic>
+          <p:nvPicPr>
+            <p:cNvPr id="2050" name="Picture 2" descr="Spongebob Burns A Paper Meme Maker">
+              <a:extLst>
+                <a:ext uri="{FF2B5EF4-FFF2-40B4-BE49-F238E27FC236}">
+                  <a16:creationId xmlns:a16="http://schemas.microsoft.com/office/drawing/2014/main" id="{74501BAF-14E9-094B-930A-34365F410BEF}"/>
+                </a:ext>
+              </a:extLst>
+            </p:cNvPr>
+            <p:cNvPicPr>
+              <a:picLocks noChangeAspect="1" noChangeArrowheads="1"/>
+            </p:cNvPicPr>
+            <p:nvPr/>
+          </p:nvPicPr>
+          <p:blipFill>
+            <a:blip r:embed="rId2">
+              <a:extLst>
+                <a:ext uri="{28A0092B-C50C-407E-A947-70E740481C1C}">
+                  <a14:useLocalDpi xmlns:a14="http://schemas.microsoft.com/office/drawing/2010/main" val="0"/>
+                </a:ext>
+              </a:extLst>
+            </a:blip>
+            <a:srcRect/>
+            <a:stretch>
+              <a:fillRect/>
+            </a:stretch>
+          </p:blipFill>
+          <p:spPr bwMode="auto">
+            <a:xfrm>
+              <a:off x="7184630" y="1158073"/>
+              <a:ext cx="4581192" cy="5198277"/>
+            </a:xfrm>
+            <a:prstGeom prst="rect">
+              <a:avLst/>
+            </a:prstGeom>
+            <a:noFill/>
+            <a:extLst>
+              <a:ext uri="{909E8E84-426E-40DD-AFC4-6F175D3DCCD1}">
+                <a14:hiddenFill xmlns:a14="http://schemas.microsoft.com/office/drawing/2010/main">
+                  <a:solidFill>
+                    <a:srgbClr val="FFFFFF"/>
+                  </a:solidFill>
+                </a14:hiddenFill>
+              </a:ext>
+            </a:extLst>
+          </p:spPr>
+        </p:pic>
+        <mc:AlternateContent xmlns:mc="http://schemas.openxmlformats.org/markup-compatibility/2006">
+          <mc:Choice xmlns:a14="http://schemas.microsoft.com/office/drawing/2010/main" Requires="a14">
+            <p:sp>
+              <p:nvSpPr>
+                <p:cNvPr id="5" name="TextBox 4">
+                  <a:extLst>
+                    <a:ext uri="{FF2B5EF4-FFF2-40B4-BE49-F238E27FC236}">
+                      <a16:creationId xmlns:a16="http://schemas.microsoft.com/office/drawing/2014/main" id="{3811E460-7DE7-4D40-BD08-D353A1C43655}"/>
+                    </a:ext>
+                  </a:extLst>
+                </p:cNvPr>
+                <p:cNvSpPr txBox="1"/>
+                <p:nvPr/>
+              </p:nvSpPr>
+              <p:spPr>
+                <a:xfrm>
+                  <a:off x="7517350" y="1988846"/>
+                  <a:ext cx="1368152" cy="969496"/>
+                </a:xfrm>
+                <a:prstGeom prst="rect">
+                  <a:avLst/>
+                </a:prstGeom>
                 <a:solidFill>
                   <a:srgbClr val="FFFFFF"/>
                 </a:solidFill>
-              </a14:hiddenFill>
-            </a:ext>
-          </a:extLst>
-        </p:spPr>
-      </p:pic>
-      <mc:AlternateContent xmlns:mc="http://schemas.openxmlformats.org/markup-compatibility/2006">
-        <mc:Choice xmlns:a14="http://schemas.microsoft.com/office/drawing/2010/main" Requires="a14">
-          <p:sp>
-            <p:nvSpPr>
-              <p:cNvPr id="5" name="TextBox 4">
-                <a:extLst>
-                  <a:ext uri="{FF2B5EF4-FFF2-40B4-BE49-F238E27FC236}">
-                    <a16:creationId xmlns:a16="http://schemas.microsoft.com/office/drawing/2014/main" id="{3811E460-7DE7-4D40-BD08-D353A1C43655}"/>
-                  </a:ext>
-                </a:extLst>
-              </p:cNvPr>
-              <p:cNvSpPr txBox="1"/>
-              <p:nvPr/>
-            </p:nvSpPr>
-            <p:spPr>
-              <a:xfrm>
-                <a:off x="7517350" y="1988846"/>
-                <a:ext cx="1368152" cy="969496"/>
-              </a:xfrm>
-              <a:prstGeom prst="rect">
-                <a:avLst/>
-              </a:prstGeom>
-              <a:solidFill>
-                <a:srgbClr val="FFFFFF"/>
-              </a:solidFill>
-            </p:spPr>
-            <p:txBody>
-              <a:bodyPr wrap="square" lIns="0" tIns="0" rIns="0" bIns="0" rtlCol="0">
-                <a:spAutoFit/>
-              </a:bodyPr>
-              <a:lstStyle/>
-              <a:p>
-                <a:pPr algn="ctr">
-                  <a:lnSpc>
-                    <a:spcPct val="150000"/>
-                  </a:lnSpc>
-                </a:pPr>
-                <a14:m>
-                  <m:oMath xmlns:m="http://schemas.openxmlformats.org/officeDocument/2006/math">
-                    <m:r>
-                      <a:rPr lang="de-DE" sz="1400" i="1" smtClean="0">
-                        <a:latin typeface="Cambria Math" panose="02040503050406030204" pitchFamily="18" charset="0"/>
-                        <a:cs typeface="Arial" panose="020B0604020202020204" pitchFamily="34" charset="0"/>
-                      </a:rPr>
-                      <m:t>𝑡𝑟𝑒𝑎𝑡</m:t>
-                    </m:r>
-                    <m:r>
-                      <a:rPr lang="de-DE" sz="1400" i="1" smtClean="0">
-                        <a:latin typeface="Cambria Math" panose="02040503050406030204" pitchFamily="18" charset="0"/>
-                        <a:cs typeface="Arial" panose="020B0604020202020204" pitchFamily="34" charset="0"/>
-                      </a:rPr>
-                      <m:t> × </m:t>
-                    </m:r>
-                    <m:r>
-                      <a:rPr lang="de-DE" sz="1400" i="1">
-                        <a:latin typeface="Cambria Math" panose="02040503050406030204" pitchFamily="18" charset="0"/>
-                        <a:cs typeface="Arial" panose="020B0604020202020204" pitchFamily="34" charset="0"/>
-                      </a:rPr>
-                      <m:t>𝑚𝑎𝑟𝑟𝑖𝑒𝑑</m:t>
-                    </m:r>
-                  </m:oMath>
-                </a14:m>
-                <a:r>
-                  <a:rPr lang="en-US" sz="1400" dirty="0">
-                    <a:latin typeface="Arial" panose="020B0604020202020204" pitchFamily="34" charset="0"/>
-                    <a:cs typeface="Arial" panose="020B0604020202020204" pitchFamily="34" charset="0"/>
-                  </a:rPr>
-                  <a:t> </a:t>
-                </a:r>
-              </a:p>
-              <a:p>
-                <a:pPr algn="ctr">
-                  <a:lnSpc>
-                    <a:spcPct val="150000"/>
-                  </a:lnSpc>
-                </a:pPr>
-                <a14:m>
-                  <m:oMathPara xmlns:m="http://schemas.openxmlformats.org/officeDocument/2006/math">
-                    <m:oMathParaPr>
-                      <m:jc m:val="centerGroup"/>
-                    </m:oMathParaPr>
+              </p:spPr>
+              <p:txBody>
+                <a:bodyPr wrap="square" lIns="0" tIns="0" rIns="0" bIns="0" rtlCol="0">
+                  <a:spAutoFit/>
+                </a:bodyPr>
+                <a:lstStyle/>
+                <a:p>
+                  <a:pPr algn="ctr">
+                    <a:lnSpc>
+                      <a:spcPct val="150000"/>
+                    </a:lnSpc>
+                  </a:pPr>
+                  <a14:m>
                     <m:oMath xmlns:m="http://schemas.openxmlformats.org/officeDocument/2006/math">
                       <m:r>
-                        <a:rPr lang="de-DE" sz="1400" i="1">
+                        <a:rPr lang="de-DE" sz="1400" i="1" smtClean="0">
                           <a:latin typeface="Cambria Math" panose="02040503050406030204" pitchFamily="18" charset="0"/>
                           <a:cs typeface="Arial" panose="020B0604020202020204" pitchFamily="34" charset="0"/>
                         </a:rPr>
                         <m:t>𝑡𝑟𝑒𝑎𝑡</m:t>
                       </m:r>
                       <m:r>
-                        <a:rPr lang="de-DE" sz="1400" i="1">
+                        <a:rPr lang="de-DE" sz="1400" i="1" smtClean="0">
                           <a:latin typeface="Cambria Math" panose="02040503050406030204" pitchFamily="18" charset="0"/>
                           <a:cs typeface="Arial" panose="020B0604020202020204" pitchFamily="34" charset="0"/>
                         </a:rPr>
@@ -8368,105 +8276,149 @@
                           <a:latin typeface="Cambria Math" panose="02040503050406030204" pitchFamily="18" charset="0"/>
                           <a:cs typeface="Arial" panose="020B0604020202020204" pitchFamily="34" charset="0"/>
                         </a:rPr>
-                        <m:t>𝑏𝑙𝑎𝑐𝑘</m:t>
+                        <m:t>𝑚𝑎𝑟𝑟𝑖𝑒𝑑</m:t>
                       </m:r>
                     </m:oMath>
-                  </m:oMathPara>
-                </a14:m>
-                <a:endParaRPr lang="de-DE" sz="1400" i="1" dirty="0">
-                  <a:latin typeface="Cambria Math" panose="02040503050406030204" pitchFamily="18" charset="0"/>
-                  <a:cs typeface="Arial" panose="020B0604020202020204" pitchFamily="34" charset="0"/>
-                </a:endParaRPr>
-              </a:p>
-              <a:p>
-                <a:pPr algn="ctr">
-                  <a:lnSpc>
-                    <a:spcPct val="150000"/>
-                  </a:lnSpc>
-                </a:pPr>
-                <a14:m>
-                  <m:oMathPara xmlns:m="http://schemas.openxmlformats.org/officeDocument/2006/math">
-                    <m:oMathParaPr>
-                      <m:jc m:val="centerGroup"/>
-                    </m:oMathParaPr>
-                    <m:oMath xmlns:m="http://schemas.openxmlformats.org/officeDocument/2006/math">
-                      <m:r>
-                        <a:rPr lang="de-DE" sz="1400" i="1">
-                          <a:latin typeface="Cambria Math" panose="02040503050406030204" pitchFamily="18" charset="0"/>
-                          <a:cs typeface="Arial" panose="020B0604020202020204" pitchFamily="34" charset="0"/>
-                        </a:rPr>
-                        <m:t>𝑡𝑟𝑒𝑎𝑡</m:t>
-                      </m:r>
-                      <m:r>
-                        <a:rPr lang="de-DE" sz="1400" i="1">
-                          <a:latin typeface="Cambria Math" panose="02040503050406030204" pitchFamily="18" charset="0"/>
-                          <a:cs typeface="Arial" panose="020B0604020202020204" pitchFamily="34" charset="0"/>
-                        </a:rPr>
-                        <m:t> × </m:t>
-                      </m:r>
-                      <m:r>
-                        <a:rPr lang="de-DE" sz="1400" i="1">
-                          <a:latin typeface="Cambria Math" panose="02040503050406030204" pitchFamily="18" charset="0"/>
-                          <a:cs typeface="Arial" panose="020B0604020202020204" pitchFamily="34" charset="0"/>
-                        </a:rPr>
-                        <m:t>h𝑖𝑠𝑝𝑎𝑛</m:t>
-                      </m:r>
-                    </m:oMath>
-                  </m:oMathPara>
-                </a14:m>
-                <a:endParaRPr lang="en-US" sz="1400" dirty="0">
-                  <a:latin typeface="Arial" panose="020B0604020202020204" pitchFamily="34" charset="0"/>
-                  <a:cs typeface="Arial" panose="020B0604020202020204" pitchFamily="34" charset="0"/>
-                </a:endParaRPr>
-              </a:p>
-            </p:txBody>
-          </p:sp>
-        </mc:Choice>
-        <mc:Fallback>
-          <p:sp>
-            <p:nvSpPr>
-              <p:cNvPr id="5" name="TextBox 4">
-                <a:extLst>
-                  <a:ext uri="{FF2B5EF4-FFF2-40B4-BE49-F238E27FC236}">
-                    <a16:creationId xmlns:a16="http://schemas.microsoft.com/office/drawing/2014/main" id="{3811E460-7DE7-4D40-BD08-D353A1C43655}"/>
-                  </a:ext>
-                </a:extLst>
-              </p:cNvPr>
-              <p:cNvSpPr txBox="1">
-                <a:spLocks noRot="1" noChangeAspect="1" noMove="1" noResize="1" noEditPoints="1" noAdjustHandles="1" noChangeArrowheads="1" noChangeShapeType="1" noTextEdit="1"/>
-              </p:cNvSpPr>
-              <p:nvPr/>
-            </p:nvSpPr>
-            <p:spPr>
-              <a:xfrm>
-                <a:off x="7517350" y="1988846"/>
-                <a:ext cx="1368152" cy="969496"/>
-              </a:xfrm>
-              <a:prstGeom prst="rect">
-                <a:avLst/>
-              </a:prstGeom>
-              <a:blipFill>
-                <a:blip r:embed="rId3"/>
-                <a:stretch>
-                  <a:fillRect l="-917" r="-1835" b="-5195"/>
-                </a:stretch>
-              </a:blipFill>
-            </p:spPr>
-            <p:txBody>
-              <a:bodyPr/>
-              <a:lstStyle/>
-              <a:p>
-                <a:r>
-                  <a:rPr lang="en-US">
-                    <a:noFill/>
-                  </a:rPr>
-                  <a:t> </a:t>
-                </a:r>
-              </a:p>
-            </p:txBody>
-          </p:sp>
-        </mc:Fallback>
-      </mc:AlternateContent>
+                  </a14:m>
+                  <a:r>
+                    <a:rPr lang="en-US" sz="1400" dirty="0">
+                      <a:latin typeface="Arial" panose="020B0604020202020204" pitchFamily="34" charset="0"/>
+                      <a:cs typeface="Arial" panose="020B0604020202020204" pitchFamily="34" charset="0"/>
+                    </a:rPr>
+                    <a:t> </a:t>
+                  </a:r>
+                </a:p>
+                <a:p>
+                  <a:pPr algn="ctr">
+                    <a:lnSpc>
+                      <a:spcPct val="150000"/>
+                    </a:lnSpc>
+                  </a:pPr>
+                  <a14:m>
+                    <m:oMathPara xmlns:m="http://schemas.openxmlformats.org/officeDocument/2006/math">
+                      <m:oMathParaPr>
+                        <m:jc m:val="centerGroup"/>
+                      </m:oMathParaPr>
+                      <m:oMath xmlns:m="http://schemas.openxmlformats.org/officeDocument/2006/math">
+                        <m:r>
+                          <a:rPr lang="de-DE" sz="1400" i="1">
+                            <a:latin typeface="Cambria Math" panose="02040503050406030204" pitchFamily="18" charset="0"/>
+                            <a:cs typeface="Arial" panose="020B0604020202020204" pitchFamily="34" charset="0"/>
+                          </a:rPr>
+                          <m:t>𝑡𝑟𝑒𝑎𝑡</m:t>
+                        </m:r>
+                        <m:r>
+                          <a:rPr lang="de-DE" sz="1400" i="1">
+                            <a:latin typeface="Cambria Math" panose="02040503050406030204" pitchFamily="18" charset="0"/>
+                            <a:cs typeface="Arial" panose="020B0604020202020204" pitchFamily="34" charset="0"/>
+                          </a:rPr>
+                          <m:t> × </m:t>
+                        </m:r>
+                        <m:r>
+                          <a:rPr lang="de-DE" sz="1400" i="1">
+                            <a:latin typeface="Cambria Math" panose="02040503050406030204" pitchFamily="18" charset="0"/>
+                            <a:cs typeface="Arial" panose="020B0604020202020204" pitchFamily="34" charset="0"/>
+                          </a:rPr>
+                          <m:t>𝑏𝑙𝑎𝑐𝑘</m:t>
+                        </m:r>
+                      </m:oMath>
+                    </m:oMathPara>
+                  </a14:m>
+                  <a:endParaRPr lang="de-DE" sz="1400" i="1" dirty="0">
+                    <a:latin typeface="Cambria Math" panose="02040503050406030204" pitchFamily="18" charset="0"/>
+                    <a:cs typeface="Arial" panose="020B0604020202020204" pitchFamily="34" charset="0"/>
+                  </a:endParaRPr>
+                </a:p>
+                <a:p>
+                  <a:pPr algn="ctr">
+                    <a:lnSpc>
+                      <a:spcPct val="150000"/>
+                    </a:lnSpc>
+                  </a:pPr>
+                  <a14:m>
+                    <m:oMathPara xmlns:m="http://schemas.openxmlformats.org/officeDocument/2006/math">
+                      <m:oMathParaPr>
+                        <m:jc m:val="centerGroup"/>
+                      </m:oMathParaPr>
+                      <m:oMath xmlns:m="http://schemas.openxmlformats.org/officeDocument/2006/math">
+                        <m:r>
+                          <a:rPr lang="de-DE" sz="1400" i="1">
+                            <a:latin typeface="Cambria Math" panose="02040503050406030204" pitchFamily="18" charset="0"/>
+                            <a:cs typeface="Arial" panose="020B0604020202020204" pitchFamily="34" charset="0"/>
+                          </a:rPr>
+                          <m:t>𝑡𝑟𝑒𝑎𝑡</m:t>
+                        </m:r>
+                        <m:r>
+                          <a:rPr lang="de-DE" sz="1400" i="1">
+                            <a:latin typeface="Cambria Math" panose="02040503050406030204" pitchFamily="18" charset="0"/>
+                            <a:cs typeface="Arial" panose="020B0604020202020204" pitchFamily="34" charset="0"/>
+                          </a:rPr>
+                          <m:t> × </m:t>
+                        </m:r>
+                        <m:r>
+                          <a:rPr lang="de-DE" sz="1400" i="1">
+                            <a:latin typeface="Cambria Math" panose="02040503050406030204" pitchFamily="18" charset="0"/>
+                            <a:cs typeface="Arial" panose="020B0604020202020204" pitchFamily="34" charset="0"/>
+                          </a:rPr>
+                          <m:t>h𝑖𝑠𝑝𝑎𝑛</m:t>
+                        </m:r>
+                      </m:oMath>
+                    </m:oMathPara>
+                  </a14:m>
+                  <a:endParaRPr lang="en-US" sz="1400" dirty="0">
+                    <a:latin typeface="Arial" panose="020B0604020202020204" pitchFamily="34" charset="0"/>
+                    <a:cs typeface="Arial" panose="020B0604020202020204" pitchFamily="34" charset="0"/>
+                  </a:endParaRPr>
+                </a:p>
+              </p:txBody>
+            </p:sp>
+          </mc:Choice>
+          <mc:Fallback>
+            <p:sp>
+              <p:nvSpPr>
+                <p:cNvPr id="5" name="TextBox 4">
+                  <a:extLst>
+                    <a:ext uri="{FF2B5EF4-FFF2-40B4-BE49-F238E27FC236}">
+                      <a16:creationId xmlns:a16="http://schemas.microsoft.com/office/drawing/2014/main" id="{3811E460-7DE7-4D40-BD08-D353A1C43655}"/>
+                    </a:ext>
+                  </a:extLst>
+                </p:cNvPr>
+                <p:cNvSpPr txBox="1">
+                  <a:spLocks noRot="1" noChangeAspect="1" noMove="1" noResize="1" noEditPoints="1" noAdjustHandles="1" noChangeArrowheads="1" noChangeShapeType="1" noTextEdit="1"/>
+                </p:cNvSpPr>
+                <p:nvPr/>
+              </p:nvSpPr>
+              <p:spPr>
+                <a:xfrm>
+                  <a:off x="7517350" y="1988846"/>
+                  <a:ext cx="1368152" cy="969496"/>
+                </a:xfrm>
+                <a:prstGeom prst="rect">
+                  <a:avLst/>
+                </a:prstGeom>
+                <a:blipFill>
+                  <a:blip r:embed="rId3"/>
+                  <a:stretch>
+                    <a:fillRect l="-917" r="-1835" b="-5195"/>
+                  </a:stretch>
+                </a:blipFill>
+              </p:spPr>
+              <p:txBody>
+                <a:bodyPr/>
+                <a:lstStyle/>
+                <a:p>
+                  <a:r>
+                    <a:rPr lang="en-US">
+                      <a:noFill/>
+                    </a:rPr>
+                    <a:t> </a:t>
+                  </a:r>
+                </a:p>
+              </p:txBody>
+            </p:sp>
+          </mc:Fallback>
+        </mc:AlternateContent>
+      </p:grpSp>
       <mc:AlternateContent xmlns:mc="http://schemas.openxmlformats.org/markup-compatibility/2006">
         <mc:Choice xmlns:a14="http://schemas.microsoft.com/office/drawing/2010/main" Requires="a14">
           <p:sp>
@@ -8514,65 +8466,23 @@
                 </a:endParaRPr>
               </a:p>
               <a:p>
-                <a:pPr marL="342900" indent="-342900" algn="l">
+                <a:pPr marL="342900" indent="-342900">
                   <a:buFont typeface="Arial" panose="020B0604020202020204" pitchFamily="34" charset="0"/>
                   <a:buChar char="•"/>
                 </a:pPr>
                 <a:r>
-                  <a:rPr lang="en-US" sz="2400" b="0" dirty="0">
+                  <a:rPr lang="de-DE" sz="2400" dirty="0" err="1">
                     <a:latin typeface="Arial" panose="020B0604020202020204" pitchFamily="34" charset="0"/>
                     <a:cs typeface="Arial" panose="020B0604020202020204" pitchFamily="34" charset="0"/>
                   </a:rPr>
                   <a:t>Stepwise</a:t>
                 </a:r>
                 <a:r>
-                  <a:rPr lang="de-DE" sz="2400" b="0" dirty="0">
+                  <a:rPr lang="de-DE" sz="2400" dirty="0">
                     <a:latin typeface="Arial" panose="020B0604020202020204" pitchFamily="34" charset="0"/>
                     <a:cs typeface="Arial" panose="020B0604020202020204" pitchFamily="34" charset="0"/>
                   </a:rPr>
                   <a:t> + </a:t>
-                </a:r>
-                <a14:m>
-                  <m:oMath xmlns:m="http://schemas.openxmlformats.org/officeDocument/2006/math">
-                    <m:r>
-                      <a:rPr lang="de-DE" sz="2400" b="0" i="1" smtClean="0">
-                        <a:latin typeface="Cambria Math" panose="02040503050406030204" pitchFamily="18" charset="0"/>
-                        <a:cs typeface="Arial" panose="020B0604020202020204" pitchFamily="34" charset="0"/>
-                      </a:rPr>
-                      <m:t>𝑡𝑟𝑒𝑎𝑡</m:t>
-                    </m:r>
-                    <m:r>
-                      <a:rPr lang="de-DE" sz="2400" b="0" i="1" smtClean="0">
-                        <a:latin typeface="Cambria Math" panose="02040503050406030204" pitchFamily="18" charset="0"/>
-                        <a:cs typeface="Arial" panose="020B0604020202020204" pitchFamily="34" charset="0"/>
-                      </a:rPr>
-                      <m:t> × </m:t>
-                    </m:r>
-                    <m:r>
-                      <a:rPr lang="de-DE" sz="2400" b="0" i="1" smtClean="0">
-                        <a:latin typeface="Cambria Math" panose="02040503050406030204" pitchFamily="18" charset="0"/>
-                        <a:cs typeface="Arial" panose="020B0604020202020204" pitchFamily="34" charset="0"/>
-                      </a:rPr>
-                      <m:t>𝑎𝑔𝑒</m:t>
-                    </m:r>
-                  </m:oMath>
-                </a14:m>
-                <a:endParaRPr lang="en-US" sz="2400" i="1" dirty="0">
-                  <a:latin typeface="Arial" panose="020B0604020202020204" pitchFamily="34" charset="0"/>
-                  <a:cs typeface="Arial" panose="020B0604020202020204" pitchFamily="34" charset="0"/>
-                </a:endParaRPr>
-              </a:p>
-              <a:p>
-                <a:pPr marL="342900" indent="-342900">
-                  <a:buFont typeface="Arial" panose="020B0604020202020204" pitchFamily="34" charset="0"/>
-                  <a:buChar char="•"/>
-                </a:pPr>
-                <a:r>
-                  <a:rPr lang="de-DE" sz="2400" dirty="0">
-                    <a:latin typeface="Arial" panose="020B0604020202020204" pitchFamily="34" charset="0"/>
-                    <a:cs typeface="Arial" panose="020B0604020202020204" pitchFamily="34" charset="0"/>
-                  </a:rPr>
-                  <a:t>Stepwise + </a:t>
                 </a:r>
                 <a14:m>
                   <m:oMath xmlns:m="http://schemas.openxmlformats.org/officeDocument/2006/math">
@@ -8725,6 +8635,55 @@
                     </m:r>
                   </m:oMath>
                 </a14:m>
+                <a:endParaRPr lang="de-DE" sz="2400" b="0" dirty="0">
+                  <a:latin typeface="Arial" panose="020B0604020202020204" pitchFamily="34" charset="0"/>
+                  <a:cs typeface="Arial" panose="020B0604020202020204" pitchFamily="34" charset="0"/>
+                </a:endParaRPr>
+              </a:p>
+              <a:p>
+                <a:pPr marL="342900" indent="-342900">
+                  <a:buFont typeface="Arial" panose="020B0604020202020204" pitchFamily="34" charset="0"/>
+                  <a:buChar char="•"/>
+                </a:pPr>
+                <a:r>
+                  <a:rPr lang="en-US" sz="2400" dirty="0">
+                    <a:latin typeface="Arial" panose="020B0604020202020204" pitchFamily="34" charset="0"/>
+                    <a:cs typeface="Arial" panose="020B0604020202020204" pitchFamily="34" charset="0"/>
+                  </a:rPr>
+                  <a:t>Stepwise</a:t>
+                </a:r>
+                <a:r>
+                  <a:rPr lang="de-DE" sz="2400" dirty="0">
+                    <a:latin typeface="Arial" panose="020B0604020202020204" pitchFamily="34" charset="0"/>
+                    <a:cs typeface="Arial" panose="020B0604020202020204" pitchFamily="34" charset="0"/>
+                  </a:rPr>
+                  <a:t> + </a:t>
+                </a:r>
+                <a14:m>
+                  <m:oMath xmlns:m="http://schemas.openxmlformats.org/officeDocument/2006/math">
+                    <m:r>
+                      <a:rPr lang="de-DE" sz="2400" i="1">
+                        <a:latin typeface="Cambria Math" panose="02040503050406030204" pitchFamily="18" charset="0"/>
+                        <a:cs typeface="Arial" panose="020B0604020202020204" pitchFamily="34" charset="0"/>
+                      </a:rPr>
+                      <m:t>𝑡𝑟𝑒𝑎𝑡</m:t>
+                    </m:r>
+                    <m:r>
+                      <a:rPr lang="de-DE" sz="2400" i="1">
+                        <a:latin typeface="Cambria Math" panose="02040503050406030204" pitchFamily="18" charset="0"/>
+                        <a:cs typeface="Arial" panose="020B0604020202020204" pitchFamily="34" charset="0"/>
+                      </a:rPr>
+                      <m:t> × </m:t>
+                    </m:r>
+                    <m:r>
+                      <a:rPr lang="de-DE" sz="2400" i="1">
+                        <a:latin typeface="Cambria Math" panose="02040503050406030204" pitchFamily="18" charset="0"/>
+                        <a:cs typeface="Arial" panose="020B0604020202020204" pitchFamily="34" charset="0"/>
+                      </a:rPr>
+                      <m:t>𝑎𝑔𝑒</m:t>
+                    </m:r>
+                  </m:oMath>
+                </a14:m>
                 <a:endParaRPr lang="en-US" sz="2400" i="1" dirty="0">
                   <a:latin typeface="Arial" panose="020B0604020202020204" pitchFamily="34" charset="0"/>
                   <a:cs typeface="Arial" panose="020B0604020202020204" pitchFamily="34" charset="0"/>
@@ -8790,43 +8749,251 @@
       </mc:AlternateContent>
       <p:sp>
         <p:nvSpPr>
-          <p:cNvPr id="7" name="TextBox 6">
-            <a:extLst>
-              <a:ext uri="{FF2B5EF4-FFF2-40B4-BE49-F238E27FC236}">
-                <a16:creationId xmlns:a16="http://schemas.microsoft.com/office/drawing/2014/main" id="{428C1361-9A7E-E543-874F-034F9EDBC041}"/>
-              </a:ext>
-            </a:extLst>
-          </p:cNvPr>
-          <p:cNvSpPr txBox="1"/>
+          <p:cNvPr id="10" name="Rectangle 9">
+            <a:extLst>
+              <a:ext uri="{FF2B5EF4-FFF2-40B4-BE49-F238E27FC236}">
+                <a16:creationId xmlns:a16="http://schemas.microsoft.com/office/drawing/2014/main" id="{58171876-23A3-E242-B606-F825D2873616}"/>
+              </a:ext>
+            </a:extLst>
+          </p:cNvPr>
+          <p:cNvSpPr/>
           <p:nvPr/>
         </p:nvSpPr>
         <p:spPr>
           <a:xfrm>
-            <a:off x="1775520" y="4344212"/>
-            <a:ext cx="1720856" cy="369332"/>
+            <a:off x="460713" y="5307799"/>
+            <a:ext cx="6283359" cy="663547"/>
           </a:xfrm>
           <a:prstGeom prst="rect">
             <a:avLst/>
           </a:prstGeom>
-          <a:noFill/>
+          <a:solidFill>
+            <a:schemeClr val="bg1">
+              <a:lumMod val="95000"/>
+            </a:schemeClr>
+          </a:solidFill>
+          <a:ln w="28575">
+            <a:noFill/>
+          </a:ln>
         </p:spPr>
-        <p:txBody>
-          <a:bodyPr wrap="none" lIns="0" tIns="0" rIns="0" bIns="0" rtlCol="0">
-            <a:spAutoFit/>
-          </a:bodyPr>
+        <p:style>
+          <a:lnRef idx="2">
+            <a:schemeClr val="accent1">
+              <a:shade val="50000"/>
+            </a:schemeClr>
+          </a:lnRef>
+          <a:fillRef idx="1">
+            <a:schemeClr val="accent1"/>
+          </a:fillRef>
+          <a:effectRef idx="0">
+            <a:schemeClr val="accent1"/>
+          </a:effectRef>
+          <a:fontRef idx="minor">
+            <a:schemeClr val="lt1"/>
+          </a:fontRef>
+        </p:style>
+        <p:txBody>
+          <a:bodyPr rtlCol="0" anchor="ctr"/>
           <a:lstStyle/>
           <a:p>
-            <a:pPr algn="l"/>
-            <a:r>
-              <a:rPr lang="en-US" sz="2400" dirty="0">
+            <a:pPr algn="ctr"/>
+            <a:r>
+              <a:rPr lang="en-US" sz="2000" dirty="0">
+                <a:solidFill>
+                  <a:schemeClr val="tx1"/>
+                </a:solidFill>
                 <a:latin typeface="Arial" panose="020B0604020202020204" pitchFamily="34" charset="0"/>
                 <a:cs typeface="Arial" panose="020B0604020202020204" pitchFamily="34" charset="0"/>
               </a:rPr>
-              <a:t>TODO: table</a:t>
-            </a:r>
-          </a:p>
-        </p:txBody>
-      </p:sp>
+              <a:t>The treatment effect differs by age group, but not by any of the other demographics</a:t>
+            </a:r>
+          </a:p>
+        </p:txBody>
+      </p:sp>
+      <p:grpSp>
+        <p:nvGrpSpPr>
+          <p:cNvPr id="12" name="Group 11">
+            <a:extLst>
+              <a:ext uri="{FF2B5EF4-FFF2-40B4-BE49-F238E27FC236}">
+                <a16:creationId xmlns:a16="http://schemas.microsoft.com/office/drawing/2014/main" id="{C2CA156F-480B-F347-9D98-5723A029B549}"/>
+              </a:ext>
+            </a:extLst>
+          </p:cNvPr>
+          <p:cNvGrpSpPr/>
+          <p:nvPr/>
+        </p:nvGrpSpPr>
+        <p:grpSpPr>
+          <a:xfrm>
+            <a:off x="460713" y="3717032"/>
+            <a:ext cx="6283359" cy="1162602"/>
+            <a:chOff x="460713" y="3723347"/>
+            <a:chExt cx="6283359" cy="1162602"/>
+          </a:xfrm>
+        </p:grpSpPr>
+        <p:pic>
+          <p:nvPicPr>
+            <p:cNvPr id="9" name="Picture 8">
+              <a:extLst>
+                <a:ext uri="{FF2B5EF4-FFF2-40B4-BE49-F238E27FC236}">
+                  <a16:creationId xmlns:a16="http://schemas.microsoft.com/office/drawing/2014/main" id="{1D4A5FAD-B6FF-C44F-BDAD-DD45198FA183}"/>
+                </a:ext>
+              </a:extLst>
+            </p:cNvPr>
+            <p:cNvPicPr>
+              <a:picLocks noChangeAspect="1"/>
+            </p:cNvPicPr>
+            <p:nvPr/>
+          </p:nvPicPr>
+          <p:blipFill>
+            <a:blip r:embed="rId5"/>
+            <a:stretch>
+              <a:fillRect/>
+            </a:stretch>
+          </p:blipFill>
+          <p:spPr>
+            <a:xfrm>
+              <a:off x="460713" y="3723347"/>
+              <a:ext cx="6283359" cy="993325"/>
+            </a:xfrm>
+            <a:prstGeom prst="rect">
+              <a:avLst/>
+            </a:prstGeom>
+          </p:spPr>
+        </p:pic>
+        <mc:AlternateContent xmlns:mc="http://schemas.openxmlformats.org/markup-compatibility/2006">
+          <mc:Choice xmlns:a14="http://schemas.microsoft.com/office/drawing/2010/main" Requires="a14">
+            <p:sp>
+              <p:nvSpPr>
+                <p:cNvPr id="11" name="TextBox 10">
+                  <a:extLst>
+                    <a:ext uri="{FF2B5EF4-FFF2-40B4-BE49-F238E27FC236}">
+                      <a16:creationId xmlns:a16="http://schemas.microsoft.com/office/drawing/2014/main" id="{DF93CEBC-CF98-934C-B654-1614F4825313}"/>
+                    </a:ext>
+                  </a:extLst>
+                </p:cNvPr>
+                <p:cNvSpPr txBox="1"/>
+                <p:nvPr/>
+              </p:nvSpPr>
+              <p:spPr>
+                <a:xfrm>
+                  <a:off x="510580" y="4716672"/>
+                  <a:ext cx="2100062" cy="169277"/>
+                </a:xfrm>
+                <a:prstGeom prst="rect">
+                  <a:avLst/>
+                </a:prstGeom>
+                <a:noFill/>
+              </p:spPr>
+              <p:txBody>
+                <a:bodyPr wrap="none" lIns="0" tIns="0" rIns="0" bIns="0" rtlCol="0">
+                  <a:spAutoFit/>
+                </a:bodyPr>
+                <a:lstStyle/>
+                <a:p>
+                  <a:r>
+                    <a:rPr lang="en-US" sz="1100" dirty="0">
+                      <a:solidFill>
+                        <a:srgbClr val="000000"/>
+                      </a:solidFill>
+                      <a:latin typeface="Arial" panose="020B0604020202020204" pitchFamily="34" charset="0"/>
+                      <a:cs typeface="Arial" panose="020B0604020202020204" pitchFamily="34" charset="0"/>
+                    </a:rPr>
+                    <a:t>F Test for </a:t>
+                  </a:r>
+                  <a14:m>
+                    <m:oMath xmlns:m="http://schemas.openxmlformats.org/officeDocument/2006/math">
+                      <m:r>
+                        <a:rPr lang="de-DE" sz="1100" i="1">
+                          <a:solidFill>
+                            <a:srgbClr val="000000"/>
+                          </a:solidFill>
+                          <a:latin typeface="Cambria Math" panose="02040503050406030204" pitchFamily="18" charset="0"/>
+                          <a:cs typeface="Arial" panose="020B0604020202020204" pitchFamily="34" charset="0"/>
+                        </a:rPr>
+                        <m:t>𝑡𝑟𝑒𝑎𝑡</m:t>
+                      </m:r>
+                      <m:r>
+                        <a:rPr lang="de-DE" sz="1100" i="1">
+                          <a:solidFill>
+                            <a:srgbClr val="000000"/>
+                          </a:solidFill>
+                          <a:latin typeface="Cambria Math" panose="02040503050406030204" pitchFamily="18" charset="0"/>
+                          <a:cs typeface="Arial" panose="020B0604020202020204" pitchFamily="34" charset="0"/>
+                        </a:rPr>
+                        <m:t> × </m:t>
+                      </m:r>
+                      <m:r>
+                        <a:rPr lang="de-DE" sz="1100" i="1">
+                          <a:solidFill>
+                            <a:srgbClr val="000000"/>
+                          </a:solidFill>
+                          <a:latin typeface="Cambria Math" panose="02040503050406030204" pitchFamily="18" charset="0"/>
+                          <a:cs typeface="Arial" panose="020B0604020202020204" pitchFamily="34" charset="0"/>
+                        </a:rPr>
+                        <m:t>𝑎𝑔𝑒</m:t>
+                      </m:r>
+                    </m:oMath>
+                  </a14:m>
+                  <a:r>
+                    <a:rPr lang="en-US" sz="1100" dirty="0">
+                      <a:solidFill>
+                        <a:srgbClr val="000000"/>
+                      </a:solidFill>
+                      <a:latin typeface="Arial" panose="020B0604020202020204" pitchFamily="34" charset="0"/>
+                      <a:cs typeface="Arial" panose="020B0604020202020204" pitchFamily="34" charset="0"/>
+                    </a:rPr>
+                    <a:t> interaction </a:t>
+                  </a:r>
+                </a:p>
+              </p:txBody>
+            </p:sp>
+          </mc:Choice>
+          <mc:Fallback>
+            <p:sp>
+              <p:nvSpPr>
+                <p:cNvPr id="11" name="TextBox 10">
+                  <a:extLst>
+                    <a:ext uri="{FF2B5EF4-FFF2-40B4-BE49-F238E27FC236}">
+                      <a16:creationId xmlns:a16="http://schemas.microsoft.com/office/drawing/2014/main" id="{DF93CEBC-CF98-934C-B654-1614F4825313}"/>
+                    </a:ext>
+                  </a:extLst>
+                </p:cNvPr>
+                <p:cNvSpPr txBox="1">
+                  <a:spLocks noRot="1" noChangeAspect="1" noMove="1" noResize="1" noEditPoints="1" noAdjustHandles="1" noChangeArrowheads="1" noChangeShapeType="1" noTextEdit="1"/>
+                </p:cNvSpPr>
+                <p:nvPr/>
+              </p:nvSpPr>
+              <p:spPr>
+                <a:xfrm>
+                  <a:off x="510580" y="4716672"/>
+                  <a:ext cx="2100062" cy="169277"/>
+                </a:xfrm>
+                <a:prstGeom prst="rect">
+                  <a:avLst/>
+                </a:prstGeom>
+                <a:blipFill>
+                  <a:blip r:embed="rId6"/>
+                  <a:stretch>
+                    <a:fillRect l="-4217" t="-30769" r="-3012" b="-61538"/>
+                  </a:stretch>
+                </a:blipFill>
+              </p:spPr>
+              <p:txBody>
+                <a:bodyPr/>
+                <a:lstStyle/>
+                <a:p>
+                  <a:r>
+                    <a:rPr lang="en-US">
+                      <a:noFill/>
+                    </a:rPr>
+                    <a:t> </a:t>
+                  </a:r>
+                </a:p>
+              </p:txBody>
+            </p:sp>
+          </mc:Fallback>
+        </mc:AlternateContent>
+      </p:grpSp>
     </p:spTree>
     <p:extLst>
       <p:ext uri="{BB962C8B-B14F-4D97-AF65-F5344CB8AC3E}">
@@ -8837,6 +9004,156 @@
   <p:clrMapOvr>
     <a:masterClrMapping/>
   </p:clrMapOvr>
+  <p:timing>
+    <p:tnLst>
+      <p:par>
+        <p:cTn id="1" dur="indefinite" restart="never" nodeType="tmRoot">
+          <p:childTnLst>
+            <p:seq concurrent="1" nextAc="seek">
+              <p:cTn id="2" dur="indefinite" nodeType="mainSeq">
+                <p:childTnLst>
+                  <p:par>
+                    <p:cTn id="3" fill="hold">
+                      <p:stCondLst>
+                        <p:cond delay="indefinite"/>
+                      </p:stCondLst>
+                      <p:childTnLst>
+                        <p:par>
+                          <p:cTn id="4" fill="hold">
+                            <p:stCondLst>
+                              <p:cond delay="0"/>
+                            </p:stCondLst>
+                            <p:childTnLst>
+                              <p:par>
+                                <p:cTn id="5" presetID="1" presetClass="entr" presetSubtype="0" fill="hold" nodeType="clickEffect">
+                                  <p:stCondLst>
+                                    <p:cond delay="0"/>
+                                  </p:stCondLst>
+                                  <p:childTnLst>
+                                    <p:set>
+                                      <p:cBhvr>
+                                        <p:cTn id="6" dur="1" fill="hold">
+                                          <p:stCondLst>
+                                            <p:cond delay="0"/>
+                                          </p:stCondLst>
+                                        </p:cTn>
+                                        <p:tgtEl>
+                                          <p:spTgt spid="8"/>
+                                        </p:tgtEl>
+                                        <p:attrNameLst>
+                                          <p:attrName>style.visibility</p:attrName>
+                                        </p:attrNameLst>
+                                      </p:cBhvr>
+                                      <p:to>
+                                        <p:strVal val="visible"/>
+                                      </p:to>
+                                    </p:set>
+                                  </p:childTnLst>
+                                </p:cTn>
+                              </p:par>
+                            </p:childTnLst>
+                          </p:cTn>
+                        </p:par>
+                      </p:childTnLst>
+                    </p:cTn>
+                  </p:par>
+                  <p:par>
+                    <p:cTn id="7" fill="hold">
+                      <p:stCondLst>
+                        <p:cond delay="indefinite"/>
+                      </p:stCondLst>
+                      <p:childTnLst>
+                        <p:par>
+                          <p:cTn id="8" fill="hold">
+                            <p:stCondLst>
+                              <p:cond delay="0"/>
+                            </p:stCondLst>
+                            <p:childTnLst>
+                              <p:par>
+                                <p:cTn id="9" presetID="1" presetClass="entr" presetSubtype="0" fill="hold" nodeType="clickEffect">
+                                  <p:stCondLst>
+                                    <p:cond delay="0"/>
+                                  </p:stCondLst>
+                                  <p:childTnLst>
+                                    <p:set>
+                                      <p:cBhvr>
+                                        <p:cTn id="10" dur="1" fill="hold">
+                                          <p:stCondLst>
+                                            <p:cond delay="0"/>
+                                          </p:stCondLst>
+                                        </p:cTn>
+                                        <p:tgtEl>
+                                          <p:spTgt spid="12"/>
+                                        </p:tgtEl>
+                                        <p:attrNameLst>
+                                          <p:attrName>style.visibility</p:attrName>
+                                        </p:attrNameLst>
+                                      </p:cBhvr>
+                                      <p:to>
+                                        <p:strVal val="visible"/>
+                                      </p:to>
+                                    </p:set>
+                                  </p:childTnLst>
+                                </p:cTn>
+                              </p:par>
+                              <p:par>
+                                <p:cTn id="11" presetID="1" presetClass="entr" presetSubtype="0" fill="hold" grpId="0" nodeType="withEffect">
+                                  <p:stCondLst>
+                                    <p:cond delay="0"/>
+                                  </p:stCondLst>
+                                  <p:childTnLst>
+                                    <p:set>
+                                      <p:cBhvr>
+                                        <p:cTn id="12" dur="1" fill="hold">
+                                          <p:stCondLst>
+                                            <p:cond delay="0"/>
+                                          </p:stCondLst>
+                                        </p:cTn>
+                                        <p:tgtEl>
+                                          <p:spTgt spid="10"/>
+                                        </p:tgtEl>
+                                        <p:attrNameLst>
+                                          <p:attrName>style.visibility</p:attrName>
+                                        </p:attrNameLst>
+                                      </p:cBhvr>
+                                      <p:to>
+                                        <p:strVal val="visible"/>
+                                      </p:to>
+                                    </p:set>
+                                  </p:childTnLst>
+                                </p:cTn>
+                              </p:par>
+                            </p:childTnLst>
+                          </p:cTn>
+                        </p:par>
+                      </p:childTnLst>
+                    </p:cTn>
+                  </p:par>
+                </p:childTnLst>
+              </p:cTn>
+              <p:prevCondLst>
+                <p:cond evt="onPrev" delay="0">
+                  <p:tgtEl>
+                    <p:sldTgt/>
+                  </p:tgtEl>
+                </p:cond>
+              </p:prevCondLst>
+              <p:nextCondLst>
+                <p:cond evt="onNext" delay="0">
+                  <p:tgtEl>
+                    <p:sldTgt/>
+                  </p:tgtEl>
+                </p:cond>
+              </p:nextCondLst>
+            </p:seq>
+          </p:childTnLst>
+        </p:cTn>
+      </p:par>
+    </p:tnLst>
+    <p:bldLst>
+      <p:bldP spid="10" grpId="0" animBg="1"/>
+    </p:bldLst>
+  </p:timing>
 </p:sld>
 </file>
 
@@ -9185,7 +9502,7 @@
 </file>
 
 <file path=ppt/slides/slide9.xml><?xml version="1.0" encoding="utf-8"?>
-<p:sld xmlns:a="http://schemas.openxmlformats.org/drawingml/2006/main" xmlns:r="http://schemas.openxmlformats.org/officeDocument/2006/relationships" xmlns:p="http://schemas.openxmlformats.org/presentationml/2006/main" show="0">
+<p:sld xmlns:a="http://schemas.openxmlformats.org/drawingml/2006/main" xmlns:r="http://schemas.openxmlformats.org/officeDocument/2006/relationships" xmlns:p="http://schemas.openxmlformats.org/presentationml/2006/main">
   <p:cSld>
     <p:spTree>
       <p:nvGrpSpPr>
@@ -9206,7 +9523,7 @@
           <p:cNvPr id="2" name="Slide Number Placeholder 1">
             <a:extLst>
               <a:ext uri="{FF2B5EF4-FFF2-40B4-BE49-F238E27FC236}">
-                <a16:creationId xmlns:a16="http://schemas.microsoft.com/office/drawing/2014/main" id="{B854B1D3-9D48-284F-B62E-6BB1A876D3F8}"/>
+                <a16:creationId xmlns:a16="http://schemas.microsoft.com/office/drawing/2014/main" id="{9B12371F-989E-EE43-B20F-90E48B433F0A}"/>
               </a:ext>
             </a:extLst>
           </p:cNvPr>
@@ -9235,7 +9552,7 @@
           <p:cNvPr id="3" name="TextBox 2">
             <a:extLst>
               <a:ext uri="{FF2B5EF4-FFF2-40B4-BE49-F238E27FC236}">
-                <a16:creationId xmlns:a16="http://schemas.microsoft.com/office/drawing/2014/main" id="{A70D8A1C-105A-C94A-A36B-D18710BCC2CD}"/>
+                <a16:creationId xmlns:a16="http://schemas.microsoft.com/office/drawing/2014/main" id="{2B4E9B55-4425-2740-A108-76FF69BA3D12}"/>
               </a:ext>
             </a:extLst>
           </p:cNvPr>
@@ -9244,8 +9561,8 @@
         </p:nvSpPr>
         <p:spPr>
           <a:xfrm>
-            <a:off x="767408" y="548680"/>
-            <a:ext cx="1521250" cy="369332"/>
+            <a:off x="460713" y="332656"/>
+            <a:ext cx="2975173" cy="553998"/>
           </a:xfrm>
           <a:prstGeom prst="rect">
             <a:avLst/>
@@ -9258,99 +9575,65 @@
           </a:bodyPr>
           <a:lstStyle/>
           <a:p>
-            <a:pPr algn="l"/>
-            <a:r>
-              <a:rPr lang="en-US" sz="2400" dirty="0">
+            <a:r>
+              <a:rPr lang="en-US" sz="3600" b="1" dirty="0">
                 <a:latin typeface="Arial" panose="020B0604020202020204" pitchFamily="34" charset="0"/>
                 <a:cs typeface="Arial" panose="020B0604020202020204" pitchFamily="34" charset="0"/>
               </a:rPr>
-              <a:t>Plan Part II</a:t>
-            </a:r>
-          </a:p>
-        </p:txBody>
-      </p:sp>
-      <p:sp>
-        <p:nvSpPr>
-          <p:cNvPr id="4" name="TextBox 3">
-            <a:extLst>
-              <a:ext uri="{FF2B5EF4-FFF2-40B4-BE49-F238E27FC236}">
-                <a16:creationId xmlns:a16="http://schemas.microsoft.com/office/drawing/2014/main" id="{F82EC506-50BC-A44E-B49E-761346717201}"/>
-              </a:ext>
-            </a:extLst>
-          </p:cNvPr>
-          <p:cNvSpPr txBox="1"/>
+              <a:t>Interpretation</a:t>
+            </a:r>
+          </a:p>
+        </p:txBody>
+      </p:sp>
+      <p:cxnSp>
+        <p:nvCxnSpPr>
+          <p:cNvPr id="4" name="Straight Connector 3">
+            <a:extLst>
+              <a:ext uri="{FF2B5EF4-FFF2-40B4-BE49-F238E27FC236}">
+                <a16:creationId xmlns:a16="http://schemas.microsoft.com/office/drawing/2014/main" id="{CFDF23E1-C7BD-4C48-9E8A-53704A4D662C}"/>
+              </a:ext>
+            </a:extLst>
+          </p:cNvPr>
+          <p:cNvCxnSpPr>
+            <a:cxnSpLocks/>
+          </p:cNvCxnSpPr>
           <p:nvPr/>
-        </p:nvSpPr>
+        </p:nvCxnSpPr>
         <p:spPr>
           <a:xfrm>
-            <a:off x="551384" y="1089741"/>
-            <a:ext cx="10913971" cy="1538883"/>
+            <a:off x="460714" y="886654"/>
+            <a:ext cx="11270573" cy="0"/>
           </a:xfrm>
-          <a:prstGeom prst="rect">
+          <a:prstGeom prst="line">
             <a:avLst/>
           </a:prstGeom>
-          <a:noFill/>
+          <a:ln w="38100">
+            <a:solidFill>
+              <a:schemeClr val="tx1"/>
+            </a:solidFill>
+          </a:ln>
         </p:spPr>
-        <p:txBody>
-          <a:bodyPr wrap="square" lIns="0" tIns="0" rIns="0" bIns="0" rtlCol="0">
-            <a:spAutoFit/>
-          </a:bodyPr>
-          <a:lstStyle/>
-          <a:p>
-            <a:pPr algn="l"/>
-            <a:endParaRPr lang="en-US" sz="2000" dirty="0">
-              <a:latin typeface="Arial" panose="020B0604020202020204" pitchFamily="34" charset="0"/>
-              <a:cs typeface="Arial" panose="020B0604020202020204" pitchFamily="34" charset="0"/>
-            </a:endParaRPr>
-          </a:p>
-          <a:p>
-            <a:pPr marL="800100" lvl="1" indent="-342900">
-              <a:buFontTx/>
-              <a:buChar char="-"/>
-            </a:pPr>
-            <a:endParaRPr lang="en-US" sz="2000" dirty="0">
-              <a:latin typeface="Arial" panose="020B0604020202020204" pitchFamily="34" charset="0"/>
-              <a:cs typeface="Arial" panose="020B0604020202020204" pitchFamily="34" charset="0"/>
-            </a:endParaRPr>
-          </a:p>
-          <a:p>
-            <a:pPr marL="800100" lvl="1" indent="-342900">
-              <a:buFontTx/>
-              <a:buChar char="-"/>
-            </a:pPr>
-            <a:endParaRPr lang="en-US" sz="2000" dirty="0">
-              <a:latin typeface="Arial" panose="020B0604020202020204" pitchFamily="34" charset="0"/>
-              <a:cs typeface="Arial" panose="020B0604020202020204" pitchFamily="34" charset="0"/>
-            </a:endParaRPr>
-          </a:p>
-          <a:p>
-            <a:pPr marL="342900" indent="-342900">
-              <a:buFontTx/>
-              <a:buChar char="-"/>
-            </a:pPr>
-            <a:endParaRPr lang="en-US" sz="2000" dirty="0">
-              <a:latin typeface="Arial" panose="020B0604020202020204" pitchFamily="34" charset="0"/>
-              <a:cs typeface="Arial" panose="020B0604020202020204" pitchFamily="34" charset="0"/>
-            </a:endParaRPr>
-          </a:p>
-          <a:p>
-            <a:pPr marL="342900" indent="-342900" algn="l">
-              <a:buFontTx/>
-              <a:buChar char="-"/>
-            </a:pPr>
-            <a:endParaRPr lang="en-US" sz="2000" dirty="0">
-              <a:latin typeface="Arial" panose="020B0604020202020204" pitchFamily="34" charset="0"/>
-              <a:cs typeface="Arial" panose="020B0604020202020204" pitchFamily="34" charset="0"/>
-            </a:endParaRPr>
-          </a:p>
-        </p:txBody>
-      </p:sp>
+        <p:style>
+          <a:lnRef idx="1">
+            <a:schemeClr val="accent1"/>
+          </a:lnRef>
+          <a:fillRef idx="0">
+            <a:schemeClr val="accent1"/>
+          </a:fillRef>
+          <a:effectRef idx="0">
+            <a:schemeClr val="accent1"/>
+          </a:effectRef>
+          <a:fontRef idx="minor">
+            <a:schemeClr val="tx1"/>
+          </a:fontRef>
+        </p:style>
+      </p:cxnSp>
       <p:pic>
         <p:nvPicPr>
-          <p:cNvPr id="10" name="Picture 9">
-            <a:extLst>
-              <a:ext uri="{FF2B5EF4-FFF2-40B4-BE49-F238E27FC236}">
-                <a16:creationId xmlns:a16="http://schemas.microsoft.com/office/drawing/2014/main" id="{FD7E4863-4D5D-6842-B136-2B542DB335D7}"/>
+          <p:cNvPr id="5" name="Picture 4">
+            <a:extLst>
+              <a:ext uri="{FF2B5EF4-FFF2-40B4-BE49-F238E27FC236}">
+                <a16:creationId xmlns:a16="http://schemas.microsoft.com/office/drawing/2014/main" id="{30905E48-090B-FE47-8624-FFDC1054ECC1}"/>
               </a:ext>
             </a:extLst>
           </p:cNvPr>
@@ -9367,38 +9650,8 @@
         </p:blipFill>
         <p:spPr>
           <a:xfrm>
-            <a:off x="551384" y="1340768"/>
-            <a:ext cx="6731000" cy="1981200"/>
-          </a:xfrm>
-          <a:prstGeom prst="rect">
-            <a:avLst/>
-          </a:prstGeom>
-        </p:spPr>
-      </p:pic>
-      <p:pic>
-        <p:nvPicPr>
-          <p:cNvPr id="11" name="Picture 10">
-            <a:extLst>
-              <a:ext uri="{FF2B5EF4-FFF2-40B4-BE49-F238E27FC236}">
-                <a16:creationId xmlns:a16="http://schemas.microsoft.com/office/drawing/2014/main" id="{01715E03-ED27-5A49-AB8F-15D21BF3023C}"/>
-              </a:ext>
-            </a:extLst>
-          </p:cNvPr>
-          <p:cNvPicPr>
-            <a:picLocks noChangeAspect="1"/>
-          </p:cNvPicPr>
-          <p:nvPr/>
-        </p:nvPicPr>
-        <p:blipFill>
-          <a:blip r:embed="rId3"/>
-          <a:stretch>
-            <a:fillRect/>
-          </a:stretch>
-        </p:blipFill>
-        <p:spPr>
-          <a:xfrm>
-            <a:off x="539199" y="3586320"/>
-            <a:ext cx="6731000" cy="1981200"/>
+            <a:off x="460713" y="1546991"/>
+            <a:ext cx="6174680" cy="1882009"/>
           </a:xfrm>
           <a:prstGeom prst="rect">
             <a:avLst/>
@@ -9408,7 +9661,7 @@
     </p:spTree>
     <p:extLst>
       <p:ext uri="{BB962C8B-B14F-4D97-AF65-F5344CB8AC3E}">
-        <p14:creationId xmlns:p14="http://schemas.microsoft.com/office/powerpoint/2010/main" val="1020958659"/>
+        <p14:creationId xmlns:p14="http://schemas.microsoft.com/office/powerpoint/2010/main" val="3395229835"/>
       </p:ext>
     </p:extLst>
   </p:cSld>

--- a/Presentation/slide_deck.pptx
+++ b/Presentation/slide_deck.pptx
@@ -4029,8 +4029,8 @@
         </p:nvSpPr>
         <p:spPr>
           <a:xfrm>
-            <a:off x="459610" y="1196752"/>
-            <a:ext cx="11033408" cy="2954655"/>
+            <a:off x="455385" y="1268760"/>
+            <a:ext cx="11270572" cy="1477328"/>
           </a:xfrm>
           <a:prstGeom prst="rect">
             <a:avLst/>
@@ -4070,51 +4070,10 @@
             </a:r>
           </a:p>
           <a:p>
-            <a:pPr marL="457200" indent="-457200">
+            <a:pPr marL="457200" indent="-457200" algn="just">
               <a:buFont typeface="+mj-lt"/>
               <a:buAutoNum type="arabicPeriod"/>
             </a:pPr>
-            <a:endParaRPr lang="en-US" sz="2400" dirty="0">
-              <a:latin typeface="Arial" panose="020B0604020202020204" pitchFamily="34" charset="0"/>
-              <a:cs typeface="Arial" panose="020B0604020202020204" pitchFamily="34" charset="0"/>
-            </a:endParaRPr>
-          </a:p>
-          <a:p>
-            <a:pPr marL="457200" indent="-457200">
-              <a:buFont typeface="+mj-lt"/>
-              <a:buAutoNum type="arabicPeriod"/>
-            </a:pPr>
-            <a:r>
-              <a:rPr lang="en-US" sz="2400" dirty="0" err="1">
-                <a:latin typeface="Arial" panose="020B0604020202020204" pitchFamily="34" charset="0"/>
-                <a:cs typeface="Arial" panose="020B0604020202020204" pitchFamily="34" charset="0"/>
-              </a:rPr>
-              <a:t>Dehejia</a:t>
-            </a:r>
-            <a:r>
-              <a:rPr lang="en-US" sz="2400" dirty="0">
-                <a:latin typeface="Arial" panose="020B0604020202020204" pitchFamily="34" charset="0"/>
-                <a:cs typeface="Arial" panose="020B0604020202020204" pitchFamily="34" charset="0"/>
-              </a:rPr>
-              <a:t>, R., and Wahba, S. (1999), Causal Effects in Nonexperimental Studies: Reevaluating the Evaluation of Training Programs, </a:t>
-            </a:r>
-            <a:r>
-              <a:rPr lang="en-US" sz="2400" i="1" dirty="0">
-                <a:latin typeface="Arial" panose="020B0604020202020204" pitchFamily="34" charset="0"/>
-                <a:cs typeface="Arial" panose="020B0604020202020204" pitchFamily="34" charset="0"/>
-              </a:rPr>
-              <a:t>Journal of the American Statistical Association</a:t>
-            </a:r>
-            <a:r>
-              <a:rPr lang="en-US" sz="2400" dirty="0">
-                <a:latin typeface="Arial" panose="020B0604020202020204" pitchFamily="34" charset="0"/>
-                <a:cs typeface="Arial" panose="020B0604020202020204" pitchFamily="34" charset="0"/>
-              </a:rPr>
-              <a:t>, 94, 1053-1062. </a:t>
-            </a:r>
-          </a:p>
-          <a:p>
-            <a:pPr algn="l"/>
             <a:endParaRPr lang="en-US" sz="2400" dirty="0">
               <a:latin typeface="Arial" panose="020B0604020202020204" pitchFamily="34" charset="0"/>
               <a:cs typeface="Arial" panose="020B0604020202020204" pitchFamily="34" charset="0"/>
@@ -4906,7 +4865,7 @@
         </p:nvGrpSpPr>
         <p:grpSpPr>
           <a:xfrm>
-            <a:off x="460713" y="4563932"/>
+            <a:off x="448177" y="4493020"/>
             <a:ext cx="11270574" cy="864080"/>
             <a:chOff x="443945" y="4653136"/>
             <a:chExt cx="11270574" cy="864080"/>
@@ -5416,10 +5375,10 @@
       </p:grpSp>
       <p:sp>
         <p:nvSpPr>
-          <p:cNvPr id="33" name="TextBox 32">
-            <a:extLst>
-              <a:ext uri="{FF2B5EF4-FFF2-40B4-BE49-F238E27FC236}">
-                <a16:creationId xmlns:a16="http://schemas.microsoft.com/office/drawing/2014/main" id="{BFAE091F-869F-3C44-B19B-737ECE4E6FE2}"/>
+          <p:cNvPr id="34" name="TextBox 33">
+            <a:extLst>
+              <a:ext uri="{FF2B5EF4-FFF2-40B4-BE49-F238E27FC236}">
+                <a16:creationId xmlns:a16="http://schemas.microsoft.com/office/drawing/2014/main" id="{D69B2B82-5E2A-D246-B549-2E24788E3161}"/>
               </a:ext>
             </a:extLst>
           </p:cNvPr>
@@ -5428,46 +5387,7 @@
         </p:nvSpPr>
         <p:spPr>
           <a:xfrm>
-            <a:off x="460713" y="1321432"/>
-            <a:ext cx="1232710" cy="369332"/>
-          </a:xfrm>
-          <a:prstGeom prst="rect">
-            <a:avLst/>
-          </a:prstGeom>
-          <a:noFill/>
-        </p:spPr>
-        <p:txBody>
-          <a:bodyPr wrap="none" lIns="0" tIns="0" rIns="0" bIns="0" rtlCol="0">
-            <a:spAutoFit/>
-          </a:bodyPr>
-          <a:lstStyle/>
-          <a:p>
-            <a:pPr algn="l"/>
-            <a:r>
-              <a:rPr lang="en-US" sz="2400" b="1" dirty="0">
-                <a:latin typeface="Arial" panose="020B0604020202020204" pitchFamily="34" charset="0"/>
-                <a:cs typeface="Arial" panose="020B0604020202020204" pitchFamily="34" charset="0"/>
-              </a:rPr>
-              <a:t>Data Set</a:t>
-            </a:r>
-          </a:p>
-        </p:txBody>
-      </p:sp>
-      <p:sp>
-        <p:nvSpPr>
-          <p:cNvPr id="34" name="TextBox 33">
-            <a:extLst>
-              <a:ext uri="{FF2B5EF4-FFF2-40B4-BE49-F238E27FC236}">
-                <a16:creationId xmlns:a16="http://schemas.microsoft.com/office/drawing/2014/main" id="{D69B2B82-5E2A-D246-B549-2E24788E3161}"/>
-              </a:ext>
-            </a:extLst>
-          </p:cNvPr>
-          <p:cNvSpPr txBox="1"/>
-          <p:nvPr/>
-        </p:nvSpPr>
-        <p:spPr>
-          <a:xfrm>
-            <a:off x="460713" y="1736390"/>
+            <a:off x="460713" y="1690351"/>
             <a:ext cx="11253806" cy="1477328"/>
           </a:xfrm>
           <a:prstGeom prst="rect">
@@ -5536,10 +5456,10 @@
       </p:sp>
       <p:sp>
         <p:nvSpPr>
-          <p:cNvPr id="35" name="TextBox 34">
-            <a:extLst>
-              <a:ext uri="{FF2B5EF4-FFF2-40B4-BE49-F238E27FC236}">
-                <a16:creationId xmlns:a16="http://schemas.microsoft.com/office/drawing/2014/main" id="{B23CE074-CF8F-7142-B39F-9192279925BF}"/>
+          <p:cNvPr id="18" name="TextBox 17">
+            <a:extLst>
+              <a:ext uri="{FF2B5EF4-FFF2-40B4-BE49-F238E27FC236}">
+                <a16:creationId xmlns:a16="http://schemas.microsoft.com/office/drawing/2014/main" id="{1A92A673-4F25-EE4E-BCB3-F18BF3954779}"/>
               </a:ext>
             </a:extLst>
           </p:cNvPr>
@@ -5548,8 +5468,8 @@
         </p:nvSpPr>
         <p:spPr>
           <a:xfrm>
-            <a:off x="460713" y="3947227"/>
-            <a:ext cx="2632131" cy="369332"/>
+            <a:off x="460713" y="1180895"/>
+            <a:ext cx="2374048" cy="369332"/>
           </a:xfrm>
           <a:prstGeom prst="rect">
             <a:avLst/>
@@ -5557,7 +5477,7 @@
           <a:noFill/>
         </p:spPr>
         <p:txBody>
-          <a:bodyPr wrap="none" lIns="0" tIns="0" rIns="0" bIns="0" rtlCol="0">
+          <a:bodyPr wrap="square" lIns="0" tIns="0" rIns="0" bIns="0" rtlCol="0">
             <a:spAutoFit/>
           </a:bodyPr>
           <a:lstStyle/>
@@ -5565,6 +5485,94 @@
             <a:pPr algn="l"/>
             <a:r>
               <a:rPr lang="en-US" sz="2400" b="1" dirty="0">
+                <a:solidFill>
+                  <a:srgbClr val="03529B"/>
+                </a:solidFill>
+                <a:latin typeface="Arial" panose="020B0604020202020204" pitchFamily="34" charset="0"/>
+                <a:cs typeface="Arial" panose="020B0604020202020204" pitchFamily="34" charset="0"/>
+              </a:rPr>
+              <a:t>Data Set</a:t>
+            </a:r>
+          </a:p>
+        </p:txBody>
+      </p:sp>
+      <p:cxnSp>
+        <p:nvCxnSpPr>
+          <p:cNvPr id="19" name="Straight Connector 18">
+            <a:extLst>
+              <a:ext uri="{FF2B5EF4-FFF2-40B4-BE49-F238E27FC236}">
+                <a16:creationId xmlns:a16="http://schemas.microsoft.com/office/drawing/2014/main" id="{0B4D467B-2FA6-1F40-BA04-2CCAADEF0CC3}"/>
+              </a:ext>
+            </a:extLst>
+          </p:cNvPr>
+          <p:cNvCxnSpPr>
+            <a:cxnSpLocks/>
+          </p:cNvCxnSpPr>
+          <p:nvPr/>
+        </p:nvCxnSpPr>
+        <p:spPr>
+          <a:xfrm>
+            <a:off x="460713" y="1553923"/>
+            <a:ext cx="1242799" cy="0"/>
+          </a:xfrm>
+          <a:prstGeom prst="line">
+            <a:avLst/>
+          </a:prstGeom>
+          <a:ln w="28575">
+            <a:solidFill>
+              <a:srgbClr val="03529B"/>
+            </a:solidFill>
+          </a:ln>
+        </p:spPr>
+        <p:style>
+          <a:lnRef idx="1">
+            <a:schemeClr val="accent1"/>
+          </a:lnRef>
+          <a:fillRef idx="0">
+            <a:schemeClr val="accent1"/>
+          </a:fillRef>
+          <a:effectRef idx="0">
+            <a:schemeClr val="accent1"/>
+          </a:effectRef>
+          <a:fontRef idx="minor">
+            <a:schemeClr val="tx1"/>
+          </a:fontRef>
+        </p:style>
+      </p:cxnSp>
+      <p:sp>
+        <p:nvSpPr>
+          <p:cNvPr id="23" name="TextBox 22">
+            <a:extLst>
+              <a:ext uri="{FF2B5EF4-FFF2-40B4-BE49-F238E27FC236}">
+                <a16:creationId xmlns:a16="http://schemas.microsoft.com/office/drawing/2014/main" id="{83EBDE7B-47A1-EF4A-BE41-AF6C90451A2A}"/>
+              </a:ext>
+            </a:extLst>
+          </p:cNvPr>
+          <p:cNvSpPr txBox="1"/>
+          <p:nvPr/>
+        </p:nvSpPr>
+        <p:spPr>
+          <a:xfrm>
+            <a:off x="448177" y="3890659"/>
+            <a:ext cx="3259023" cy="369332"/>
+          </a:xfrm>
+          <a:prstGeom prst="rect">
+            <a:avLst/>
+          </a:prstGeom>
+          <a:noFill/>
+        </p:spPr>
+        <p:txBody>
+          <a:bodyPr wrap="square" lIns="0" tIns="0" rIns="0" bIns="0" rtlCol="0">
+            <a:spAutoFit/>
+          </a:bodyPr>
+          <a:lstStyle/>
+          <a:p>
+            <a:pPr algn="l"/>
+            <a:r>
+              <a:rPr lang="en-US" sz="2400" b="1" dirty="0">
+                <a:solidFill>
+                  <a:srgbClr val="03529B"/>
+                </a:solidFill>
                 <a:latin typeface="Arial" panose="020B0604020202020204" pitchFamily="34" charset="0"/>
                 <a:cs typeface="Arial" panose="020B0604020202020204" pitchFamily="34" charset="0"/>
               </a:rPr>
@@ -5573,6 +5581,49 @@
           </a:p>
         </p:txBody>
       </p:sp>
+      <p:cxnSp>
+        <p:nvCxnSpPr>
+          <p:cNvPr id="24" name="Straight Connector 23">
+            <a:extLst>
+              <a:ext uri="{FF2B5EF4-FFF2-40B4-BE49-F238E27FC236}">
+                <a16:creationId xmlns:a16="http://schemas.microsoft.com/office/drawing/2014/main" id="{51A26D99-B08C-E744-9887-0FD9FC21D83A}"/>
+              </a:ext>
+            </a:extLst>
+          </p:cNvPr>
+          <p:cNvCxnSpPr>
+            <a:cxnSpLocks/>
+          </p:cNvCxnSpPr>
+          <p:nvPr/>
+        </p:nvCxnSpPr>
+        <p:spPr>
+          <a:xfrm>
+            <a:off x="448178" y="4263687"/>
+            <a:ext cx="2610951" cy="0"/>
+          </a:xfrm>
+          <a:prstGeom prst="line">
+            <a:avLst/>
+          </a:prstGeom>
+          <a:ln w="28575">
+            <a:solidFill>
+              <a:srgbClr val="03529B"/>
+            </a:solidFill>
+          </a:ln>
+        </p:spPr>
+        <p:style>
+          <a:lnRef idx="1">
+            <a:schemeClr val="accent1"/>
+          </a:lnRef>
+          <a:fillRef idx="0">
+            <a:schemeClr val="accent1"/>
+          </a:fillRef>
+          <a:effectRef idx="0">
+            <a:schemeClr val="accent1"/>
+          </a:effectRef>
+          <a:fontRef idx="minor">
+            <a:schemeClr val="tx1"/>
+          </a:fontRef>
+        </p:style>
+      </p:cxnSp>
     </p:spTree>
     <p:extLst>
       <p:ext uri="{BB962C8B-B14F-4D97-AF65-F5344CB8AC3E}">
@@ -7250,7 +7301,7 @@
         </p:nvSpPr>
         <p:spPr>
           <a:xfrm>
-            <a:off x="461076" y="1196752"/>
+            <a:off x="461076" y="1653486"/>
             <a:ext cx="2371181" cy="1052235"/>
           </a:xfrm>
           <a:prstGeom prst="rect">
@@ -7328,7 +7379,7 @@
         </p:nvSpPr>
         <p:spPr>
           <a:xfrm>
-            <a:off x="9340198" y="1196751"/>
+            <a:off x="9340198" y="1653485"/>
             <a:ext cx="2371181" cy="1052235"/>
           </a:xfrm>
           <a:prstGeom prst="rect">
@@ -7367,7 +7418,7 @@
           <a:p>
             <a:pPr algn="ctr"/>
             <a:r>
-              <a:rPr lang="en-US" sz="2000" b="1">
+              <a:rPr lang="en-US" sz="2000" b="1" dirty="0">
                 <a:solidFill>
                   <a:schemeClr val="tx1"/>
                 </a:solidFill>
@@ -7380,7 +7431,7 @@
           <a:p>
             <a:pPr algn="ctr"/>
             <a:r>
-              <a:rPr lang="en-US" sz="2000">
+              <a:rPr lang="en-US" sz="2000" dirty="0">
                 <a:solidFill>
                   <a:schemeClr val="tx1"/>
                 </a:solidFill>
@@ -7409,7 +7460,7 @@
         </p:nvCxnSpPr>
         <p:spPr>
           <a:xfrm flipV="1">
-            <a:off x="2832257" y="1722869"/>
+            <a:off x="2832257" y="2179603"/>
             <a:ext cx="6507941" cy="1"/>
           </a:xfrm>
           <a:prstGeom prst="straightConnector1">
@@ -7451,8 +7502,8 @@
         </p:nvGrpSpPr>
         <p:grpSpPr>
           <a:xfrm>
-            <a:off x="5025379" y="1734945"/>
-            <a:ext cx="2121695" cy="1719146"/>
+            <a:off x="5025380" y="2179601"/>
+            <a:ext cx="2121695" cy="1490953"/>
             <a:chOff x="4655840" y="1660460"/>
             <a:chExt cx="2121695" cy="1781556"/>
           </a:xfrm>
@@ -7595,45 +7646,6 @@
           </p:style>
         </p:cxnSp>
       </p:grpSp>
-      <p:sp>
-        <p:nvSpPr>
-          <p:cNvPr id="21" name="TextBox 20">
-            <a:extLst>
-              <a:ext uri="{FF2B5EF4-FFF2-40B4-BE49-F238E27FC236}">
-                <a16:creationId xmlns:a16="http://schemas.microsoft.com/office/drawing/2014/main" id="{F5316E98-337B-774C-AD04-98D012460F04}"/>
-              </a:ext>
-            </a:extLst>
-          </p:cNvPr>
-          <p:cNvSpPr txBox="1"/>
-          <p:nvPr/>
-        </p:nvSpPr>
-        <p:spPr>
-          <a:xfrm>
-            <a:off x="460713" y="3640625"/>
-            <a:ext cx="2374048" cy="369332"/>
-          </a:xfrm>
-          <a:prstGeom prst="rect">
-            <a:avLst/>
-          </a:prstGeom>
-          <a:noFill/>
-        </p:spPr>
-        <p:txBody>
-          <a:bodyPr wrap="none" lIns="0" tIns="0" rIns="0" bIns="0" rtlCol="0">
-            <a:spAutoFit/>
-          </a:bodyPr>
-          <a:lstStyle/>
-          <a:p>
-            <a:pPr algn="l"/>
-            <a:r>
-              <a:rPr lang="en-US" sz="2400" b="1" dirty="0">
-                <a:latin typeface="Arial" panose="020B0604020202020204" pitchFamily="34" charset="0"/>
-                <a:cs typeface="Arial" panose="020B0604020202020204" pitchFamily="34" charset="0"/>
-              </a:rPr>
-              <a:t>Resulting Model</a:t>
-            </a:r>
-          </a:p>
-        </p:txBody>
-      </p:sp>
       <mc:AlternateContent xmlns:mc="http://schemas.openxmlformats.org/markup-compatibility/2006">
         <mc:Choice xmlns:a14="http://schemas.microsoft.com/office/drawing/2010/main" Requires="a14">
           <p:sp>
@@ -7650,7 +7662,7 @@
             </p:nvSpPr>
             <p:spPr>
               <a:xfrm>
-                <a:off x="3045125" y="4012310"/>
+                <a:off x="3057640" y="4381936"/>
                 <a:ext cx="6057171" cy="388889"/>
               </a:xfrm>
               <a:prstGeom prst="rect">
@@ -7953,7 +7965,7 @@
             </p:nvSpPr>
             <p:spPr>
               <a:xfrm>
-                <a:off x="3045125" y="4012310"/>
+                <a:off x="3057640" y="4381936"/>
                 <a:ext cx="6057171" cy="388889"/>
               </a:xfrm>
               <a:prstGeom prst="rect">
@@ -7962,7 +7974,7 @@
               <a:blipFill>
                 <a:blip r:embed="rId2"/>
                 <a:stretch>
-                  <a:fillRect l="-629" t="-18750" r="-629" b="-34375"/>
+                  <a:fillRect l="-418" t="-22581" r="-418" b="-35484"/>
                 </a:stretch>
               </a:blipFill>
             </p:spPr>
@@ -8003,7 +8015,7 @@
         </p:blipFill>
         <p:spPr>
           <a:xfrm>
-            <a:off x="3067414" y="4775326"/>
+            <a:off x="3057640" y="4957888"/>
             <a:ext cx="6057171" cy="1581024"/>
           </a:xfrm>
           <a:prstGeom prst="rect">
@@ -8011,6 +8023,112 @@
           </a:prstGeom>
         </p:spPr>
       </p:pic>
+      <p:grpSp>
+        <p:nvGrpSpPr>
+          <p:cNvPr id="24" name="Group 23">
+            <a:extLst>
+              <a:ext uri="{FF2B5EF4-FFF2-40B4-BE49-F238E27FC236}">
+                <a16:creationId xmlns:a16="http://schemas.microsoft.com/office/drawing/2014/main" id="{E91A6021-65BA-7341-AF38-988EB0D9E164}"/>
+              </a:ext>
+            </a:extLst>
+          </p:cNvPr>
+          <p:cNvGrpSpPr/>
+          <p:nvPr/>
+        </p:nvGrpSpPr>
+        <p:grpSpPr>
+          <a:xfrm>
+            <a:off x="440893" y="3965766"/>
+            <a:ext cx="2374048" cy="373028"/>
+            <a:chOff x="444280" y="3967614"/>
+            <a:chExt cx="2374048" cy="373028"/>
+          </a:xfrm>
+        </p:grpSpPr>
+        <p:sp>
+          <p:nvSpPr>
+            <p:cNvPr id="15" name="TextBox 14">
+              <a:extLst>
+                <a:ext uri="{FF2B5EF4-FFF2-40B4-BE49-F238E27FC236}">
+                  <a16:creationId xmlns:a16="http://schemas.microsoft.com/office/drawing/2014/main" id="{03706DDA-8DD0-B044-9CF8-CD6173DB2B65}"/>
+                </a:ext>
+              </a:extLst>
+            </p:cNvPr>
+            <p:cNvSpPr txBox="1"/>
+            <p:nvPr/>
+          </p:nvSpPr>
+          <p:spPr>
+            <a:xfrm>
+              <a:off x="444280" y="3967614"/>
+              <a:ext cx="2374048" cy="369332"/>
+            </a:xfrm>
+            <a:prstGeom prst="rect">
+              <a:avLst/>
+            </a:prstGeom>
+            <a:noFill/>
+          </p:spPr>
+          <p:txBody>
+            <a:bodyPr wrap="square" lIns="0" tIns="0" rIns="0" bIns="0" rtlCol="0">
+              <a:spAutoFit/>
+            </a:bodyPr>
+            <a:lstStyle/>
+            <a:p>
+              <a:pPr algn="l"/>
+              <a:r>
+                <a:rPr lang="en-US" sz="2400" b="1" dirty="0">
+                  <a:solidFill>
+                    <a:srgbClr val="03529B"/>
+                  </a:solidFill>
+                  <a:latin typeface="Arial" panose="020B0604020202020204" pitchFamily="34" charset="0"/>
+                  <a:cs typeface="Arial" panose="020B0604020202020204" pitchFamily="34" charset="0"/>
+                </a:rPr>
+                <a:t>Resulting Model</a:t>
+              </a:r>
+            </a:p>
+          </p:txBody>
+        </p:sp>
+        <p:cxnSp>
+          <p:nvCxnSpPr>
+            <p:cNvPr id="16" name="Straight Connector 15">
+              <a:extLst>
+                <a:ext uri="{FF2B5EF4-FFF2-40B4-BE49-F238E27FC236}">
+                  <a16:creationId xmlns:a16="http://schemas.microsoft.com/office/drawing/2014/main" id="{5F33F913-4FF6-1B4C-A70E-38C99C3A295E}"/>
+                </a:ext>
+              </a:extLst>
+            </p:cNvPr>
+            <p:cNvCxnSpPr>
+              <a:cxnSpLocks/>
+            </p:cNvCxnSpPr>
+            <p:nvPr/>
+          </p:nvCxnSpPr>
+          <p:spPr>
+            <a:xfrm>
+              <a:off x="444280" y="4340642"/>
+              <a:ext cx="2369556" cy="0"/>
+            </a:xfrm>
+            <a:prstGeom prst="line">
+              <a:avLst/>
+            </a:prstGeom>
+            <a:ln w="28575">
+              <a:solidFill>
+                <a:srgbClr val="03529B"/>
+              </a:solidFill>
+            </a:ln>
+          </p:spPr>
+          <p:style>
+            <a:lnRef idx="1">
+              <a:schemeClr val="accent1"/>
+            </a:lnRef>
+            <a:fillRef idx="0">
+              <a:schemeClr val="accent1"/>
+            </a:fillRef>
+            <a:effectRef idx="0">
+              <a:schemeClr val="accent1"/>
+            </a:effectRef>
+            <a:fontRef idx="minor">
+              <a:schemeClr val="tx1"/>
+            </a:fontRef>
+          </p:style>
+        </p:cxnSp>
+      </p:grpSp>
     </p:spTree>
     <p:extLst>
       <p:ext uri="{BB962C8B-B14F-4D97-AF65-F5344CB8AC3E}">
@@ -8435,8 +8553,8 @@
             </p:nvSpPr>
             <p:spPr>
               <a:xfrm>
-                <a:off x="460713" y="1158072"/>
-                <a:ext cx="6805231" cy="2585323"/>
+                <a:off x="460713" y="1743042"/>
+                <a:ext cx="6805231" cy="1477328"/>
               </a:xfrm>
               <a:prstGeom prst="rect">
                 <a:avLst/>
@@ -8449,40 +8567,23 @@
               </a:bodyPr>
               <a:lstStyle/>
               <a:p>
-                <a:pPr algn="l"/>
-                <a:r>
-                  <a:rPr lang="en-US" sz="2400" b="1" dirty="0">
-                    <a:latin typeface="Arial" panose="020B0604020202020204" pitchFamily="34" charset="0"/>
-                    <a:cs typeface="Arial" panose="020B0604020202020204" pitchFamily="34" charset="0"/>
-                  </a:rPr>
-                  <a:t>Testing stepwise model against…</a:t>
-                </a:r>
-              </a:p>
-              <a:p>
-                <a:pPr algn="l"/>
-                <a:endParaRPr lang="en-US" sz="2400" dirty="0">
-                  <a:latin typeface="Arial" panose="020B0604020202020204" pitchFamily="34" charset="0"/>
-                  <a:cs typeface="Arial" panose="020B0604020202020204" pitchFamily="34" charset="0"/>
-                </a:endParaRPr>
-              </a:p>
-              <a:p>
                 <a:pPr marL="342900" indent="-342900">
                   <a:buFont typeface="Arial" panose="020B0604020202020204" pitchFamily="34" charset="0"/>
                   <a:buChar char="•"/>
                 </a:pPr>
                 <a:r>
-                  <a:rPr lang="de-DE" sz="2400" dirty="0" err="1">
+                  <a:rPr lang="en-US" sz="2400" dirty="0">
                     <a:latin typeface="Arial" panose="020B0604020202020204" pitchFamily="34" charset="0"/>
                     <a:cs typeface="Arial" panose="020B0604020202020204" pitchFamily="34" charset="0"/>
                   </a:rPr>
-                  <a:t>Stepwise</a:t>
+                  <a:t>Stepwise </a:t>
                 </a:r>
                 <a:r>
                   <a:rPr lang="de-DE" sz="2400" dirty="0">
                     <a:latin typeface="Arial" panose="020B0604020202020204" pitchFamily="34" charset="0"/>
                     <a:cs typeface="Arial" panose="020B0604020202020204" pitchFamily="34" charset="0"/>
                   </a:rPr>
-                  <a:t> + </a:t>
+                  <a:t>+ </a:t>
                 </a:r>
                 <a14:m>
                   <m:oMath xmlns:m="http://schemas.openxmlformats.org/officeDocument/2006/math">
@@ -8689,16 +8790,6 @@
                   <a:cs typeface="Arial" panose="020B0604020202020204" pitchFamily="34" charset="0"/>
                 </a:endParaRPr>
               </a:p>
-              <a:p>
-                <a:pPr marL="342900" indent="-342900" algn="l">
-                  <a:buFont typeface="Arial" panose="020B0604020202020204" pitchFamily="34" charset="0"/>
-                  <a:buChar char="•"/>
-                </a:pPr>
-                <a:endParaRPr lang="en-US" sz="2400" i="1" dirty="0">
-                  <a:latin typeface="Arial" panose="020B0604020202020204" pitchFamily="34" charset="0"/>
-                  <a:cs typeface="Arial" panose="020B0604020202020204" pitchFamily="34" charset="0"/>
-                </a:endParaRPr>
-              </a:p>
             </p:txBody>
           </p:sp>
         </mc:Choice>
@@ -8719,8 +8810,8 @@
             </p:nvSpPr>
             <p:spPr>
               <a:xfrm>
-                <a:off x="460713" y="1158072"/>
-                <a:ext cx="6805231" cy="2585323"/>
+                <a:off x="460713" y="1743042"/>
+                <a:ext cx="6805231" cy="1477328"/>
               </a:xfrm>
               <a:prstGeom prst="rect">
                 <a:avLst/>
@@ -8728,7 +8819,7 @@
               <a:blipFill>
                 <a:blip r:embed="rId4"/>
                 <a:stretch>
-                  <a:fillRect l="-2793" t="-3922"/>
+                  <a:fillRect l="-2607" t="-6838" b="-11111"/>
                 </a:stretch>
               </a:blipFill>
             </p:spPr>
@@ -8993,6 +9084,112 @@
             </p:sp>
           </mc:Fallback>
         </mc:AlternateContent>
+      </p:grpSp>
+      <p:grpSp>
+        <p:nvGrpSpPr>
+          <p:cNvPr id="14" name="Group 13">
+            <a:extLst>
+              <a:ext uri="{FF2B5EF4-FFF2-40B4-BE49-F238E27FC236}">
+                <a16:creationId xmlns:a16="http://schemas.microsoft.com/office/drawing/2014/main" id="{BEF085C8-F0D9-3841-97E2-500F594D1202}"/>
+              </a:ext>
+            </a:extLst>
+          </p:cNvPr>
+          <p:cNvGrpSpPr/>
+          <p:nvPr/>
+        </p:nvGrpSpPr>
+        <p:grpSpPr>
+          <a:xfrm>
+            <a:off x="460713" y="1190730"/>
+            <a:ext cx="6283359" cy="1107996"/>
+            <a:chOff x="444280" y="3967614"/>
+            <a:chExt cx="2374048" cy="1107996"/>
+          </a:xfrm>
+        </p:grpSpPr>
+        <p:sp>
+          <p:nvSpPr>
+            <p:cNvPr id="15" name="TextBox 14">
+              <a:extLst>
+                <a:ext uri="{FF2B5EF4-FFF2-40B4-BE49-F238E27FC236}">
+                  <a16:creationId xmlns:a16="http://schemas.microsoft.com/office/drawing/2014/main" id="{5243601C-81D7-A64D-97D1-8BD4611C91FD}"/>
+                </a:ext>
+              </a:extLst>
+            </p:cNvPr>
+            <p:cNvSpPr txBox="1"/>
+            <p:nvPr/>
+          </p:nvSpPr>
+          <p:spPr>
+            <a:xfrm>
+              <a:off x="444280" y="3967614"/>
+              <a:ext cx="2374048" cy="1107996"/>
+            </a:xfrm>
+            <a:prstGeom prst="rect">
+              <a:avLst/>
+            </a:prstGeom>
+            <a:noFill/>
+          </p:spPr>
+          <p:txBody>
+            <a:bodyPr wrap="square" lIns="0" tIns="0" rIns="0" bIns="0" rtlCol="0">
+              <a:spAutoFit/>
+            </a:bodyPr>
+            <a:lstStyle/>
+            <a:p>
+              <a:pPr algn="l"/>
+              <a:r>
+                <a:rPr lang="en-US" sz="2400" b="1" dirty="0">
+                  <a:solidFill>
+                    <a:srgbClr val="03529B"/>
+                  </a:solidFill>
+                  <a:latin typeface="Arial" panose="020B0604020202020204" pitchFamily="34" charset="0"/>
+                  <a:cs typeface="Arial" panose="020B0604020202020204" pitchFamily="34" charset="0"/>
+                </a:rPr>
+                <a:t>Testing stepwise model against….</a:t>
+              </a:r>
+            </a:p>
+          </p:txBody>
+        </p:sp>
+        <p:cxnSp>
+          <p:nvCxnSpPr>
+            <p:cNvPr id="16" name="Straight Connector 15">
+              <a:extLst>
+                <a:ext uri="{FF2B5EF4-FFF2-40B4-BE49-F238E27FC236}">
+                  <a16:creationId xmlns:a16="http://schemas.microsoft.com/office/drawing/2014/main" id="{82B0F18A-584C-2040-9CDC-9D53933A6C9E}"/>
+                </a:ext>
+              </a:extLst>
+            </p:cNvPr>
+            <p:cNvCxnSpPr>
+              <a:cxnSpLocks/>
+            </p:cNvCxnSpPr>
+            <p:nvPr/>
+          </p:nvCxnSpPr>
+          <p:spPr>
+            <a:xfrm>
+              <a:off x="444280" y="4340642"/>
+              <a:ext cx="2374048" cy="0"/>
+            </a:xfrm>
+            <a:prstGeom prst="line">
+              <a:avLst/>
+            </a:prstGeom>
+            <a:ln w="28575">
+              <a:solidFill>
+                <a:srgbClr val="03529B"/>
+              </a:solidFill>
+            </a:ln>
+          </p:spPr>
+          <p:style>
+            <a:lnRef idx="1">
+              <a:schemeClr val="accent1"/>
+            </a:lnRef>
+            <a:fillRef idx="0">
+              <a:schemeClr val="accent1"/>
+            </a:fillRef>
+            <a:effectRef idx="0">
+              <a:schemeClr val="accent1"/>
+            </a:effectRef>
+            <a:fontRef idx="minor">
+              <a:schemeClr val="tx1"/>
+            </a:fontRef>
+          </p:style>
+        </p:cxnSp>
       </p:grpSp>
     </p:spTree>
     <p:extLst>
@@ -9336,66 +9533,6 @@
           </a:fontRef>
         </p:style>
       </p:cxnSp>
-      <p:pic>
-        <p:nvPicPr>
-          <p:cNvPr id="8" name="Picture 7" descr="Chart, line chart&#10;&#10;Description automatically generated">
-            <a:extLst>
-              <a:ext uri="{FF2B5EF4-FFF2-40B4-BE49-F238E27FC236}">
-                <a16:creationId xmlns:a16="http://schemas.microsoft.com/office/drawing/2014/main" id="{8CB800F0-FE5F-D948-AEB8-1567E0FE867D}"/>
-              </a:ext>
-            </a:extLst>
-          </p:cNvPr>
-          <p:cNvPicPr>
-            <a:picLocks noChangeAspect="1"/>
-          </p:cNvPicPr>
-          <p:nvPr/>
-        </p:nvPicPr>
-        <p:blipFill>
-          <a:blip r:embed="rId2"/>
-          <a:stretch>
-            <a:fillRect/>
-          </a:stretch>
-        </p:blipFill>
-        <p:spPr>
-          <a:xfrm>
-            <a:off x="460713" y="3854464"/>
-            <a:ext cx="4537978" cy="2646462"/>
-          </a:xfrm>
-          <a:prstGeom prst="rect">
-            <a:avLst/>
-          </a:prstGeom>
-        </p:spPr>
-      </p:pic>
-      <p:pic>
-        <p:nvPicPr>
-          <p:cNvPr id="10" name="Picture 9" descr="Chart, scatter chart&#10;&#10;Description automatically generated">
-            <a:extLst>
-              <a:ext uri="{FF2B5EF4-FFF2-40B4-BE49-F238E27FC236}">
-                <a16:creationId xmlns:a16="http://schemas.microsoft.com/office/drawing/2014/main" id="{DA1EB898-9293-C54B-9944-620A0EB7315B}"/>
-              </a:ext>
-            </a:extLst>
-          </p:cNvPr>
-          <p:cNvPicPr>
-            <a:picLocks noChangeAspect="1"/>
-          </p:cNvPicPr>
-          <p:nvPr/>
-        </p:nvPicPr>
-        <p:blipFill>
-          <a:blip r:embed="rId3"/>
-          <a:stretch>
-            <a:fillRect/>
-          </a:stretch>
-        </p:blipFill>
-        <p:spPr>
-          <a:xfrm>
-            <a:off x="460713" y="1073175"/>
-            <a:ext cx="4537978" cy="2646462"/>
-          </a:xfrm>
-          <a:prstGeom prst="rect">
-            <a:avLst/>
-          </a:prstGeom>
-        </p:spPr>
-      </p:pic>
       <p:grpSp>
         <p:nvGrpSpPr>
           <p:cNvPr id="15" name="Group 14">
@@ -9410,7 +9547,7 @@
         </p:nvGrpSpPr>
         <p:grpSpPr>
           <a:xfrm>
-            <a:off x="6390929" y="3935037"/>
+            <a:off x="6816080" y="3580226"/>
             <a:ext cx="4752528" cy="2646463"/>
             <a:chOff x="5879976" y="3818692"/>
             <a:chExt cx="5216707" cy="2802582"/>
@@ -9431,7 +9568,7 @@
             <p:nvPr/>
           </p:nvPicPr>
           <p:blipFill rotWithShape="1">
-            <a:blip r:embed="rId4"/>
+            <a:blip r:embed="rId2"/>
             <a:srcRect t="18160" r="6327" b="4690"/>
             <a:stretch/>
           </p:blipFill>
@@ -9488,6 +9625,159 @@
           </p:txBody>
         </p:sp>
       </p:grpSp>
+      <p:pic>
+        <p:nvPicPr>
+          <p:cNvPr id="22" name="Picture 21" descr="Chart, line chart&#10;&#10;Description automatically generated">
+            <a:extLst>
+              <a:ext uri="{FF2B5EF4-FFF2-40B4-BE49-F238E27FC236}">
+                <a16:creationId xmlns:a16="http://schemas.microsoft.com/office/drawing/2014/main" id="{D5980CAF-3B89-924E-BDE1-E1CC87F2B4C3}"/>
+              </a:ext>
+            </a:extLst>
+          </p:cNvPr>
+          <p:cNvPicPr>
+            <a:picLocks noChangeAspect="1"/>
+          </p:cNvPicPr>
+          <p:nvPr/>
+        </p:nvPicPr>
+        <p:blipFill>
+          <a:blip r:embed="rId3"/>
+          <a:stretch>
+            <a:fillRect/>
+          </a:stretch>
+        </p:blipFill>
+        <p:spPr>
+          <a:xfrm>
+            <a:off x="460713" y="3580226"/>
+            <a:ext cx="4537978" cy="2513342"/>
+          </a:xfrm>
+          <a:prstGeom prst="rect">
+            <a:avLst/>
+          </a:prstGeom>
+        </p:spPr>
+      </p:pic>
+      <p:pic>
+        <p:nvPicPr>
+          <p:cNvPr id="24" name="Picture 23" descr="Chart, scatter chart&#10;&#10;Description automatically generated">
+            <a:extLst>
+              <a:ext uri="{FF2B5EF4-FFF2-40B4-BE49-F238E27FC236}">
+                <a16:creationId xmlns:a16="http://schemas.microsoft.com/office/drawing/2014/main" id="{5A6D6F91-8026-B847-A225-95BE7BB19BB5}"/>
+              </a:ext>
+            </a:extLst>
+          </p:cNvPr>
+          <p:cNvPicPr>
+            <a:picLocks noChangeAspect="1"/>
+          </p:cNvPicPr>
+          <p:nvPr/>
+        </p:nvPicPr>
+        <p:blipFill>
+          <a:blip r:embed="rId4"/>
+          <a:stretch>
+            <a:fillRect/>
+          </a:stretch>
+        </p:blipFill>
+        <p:spPr>
+          <a:xfrm>
+            <a:off x="460713" y="1066884"/>
+            <a:ext cx="4537978" cy="2513342"/>
+          </a:xfrm>
+          <a:prstGeom prst="rect">
+            <a:avLst/>
+          </a:prstGeom>
+        </p:spPr>
+      </p:pic>
+      <p:pic>
+        <p:nvPicPr>
+          <p:cNvPr id="26" name="Picture 25" descr="Chart, scatter chart&#10;&#10;Description automatically generated">
+            <a:extLst>
+              <a:ext uri="{FF2B5EF4-FFF2-40B4-BE49-F238E27FC236}">
+                <a16:creationId xmlns:a16="http://schemas.microsoft.com/office/drawing/2014/main" id="{405CC8F7-5ADE-324A-B20A-AFF71A9DABF5}"/>
+              </a:ext>
+            </a:extLst>
+          </p:cNvPr>
+          <p:cNvPicPr>
+            <a:picLocks noChangeAspect="1"/>
+          </p:cNvPicPr>
+          <p:nvPr/>
+        </p:nvPicPr>
+        <p:blipFill>
+          <a:blip r:embed="rId5"/>
+          <a:stretch>
+            <a:fillRect/>
+          </a:stretch>
+        </p:blipFill>
+        <p:spPr>
+          <a:xfrm>
+            <a:off x="6816080" y="1066884"/>
+            <a:ext cx="4537978" cy="2513342"/>
+          </a:xfrm>
+          <a:prstGeom prst="rect">
+            <a:avLst/>
+          </a:prstGeom>
+        </p:spPr>
+      </p:pic>
+      <p:sp>
+        <p:nvSpPr>
+          <p:cNvPr id="27" name="Rectangle 26">
+            <a:extLst>
+              <a:ext uri="{FF2B5EF4-FFF2-40B4-BE49-F238E27FC236}">
+                <a16:creationId xmlns:a16="http://schemas.microsoft.com/office/drawing/2014/main" id="{279F64A4-B22C-F844-9B28-030CF67CDB50}"/>
+              </a:ext>
+            </a:extLst>
+          </p:cNvPr>
+          <p:cNvSpPr/>
+          <p:nvPr/>
+        </p:nvSpPr>
+        <p:spPr>
+          <a:xfrm>
+            <a:off x="3647369" y="6149753"/>
+            <a:ext cx="4897263" cy="365125"/>
+          </a:xfrm>
+          <a:prstGeom prst="rect">
+            <a:avLst/>
+          </a:prstGeom>
+          <a:solidFill>
+            <a:schemeClr val="bg1">
+              <a:lumMod val="95000"/>
+            </a:schemeClr>
+          </a:solidFill>
+          <a:ln w="28575">
+            <a:noFill/>
+          </a:ln>
+        </p:spPr>
+        <p:style>
+          <a:lnRef idx="2">
+            <a:schemeClr val="accent1">
+              <a:shade val="50000"/>
+            </a:schemeClr>
+          </a:lnRef>
+          <a:fillRef idx="1">
+            <a:schemeClr val="accent1"/>
+          </a:fillRef>
+          <a:effectRef idx="0">
+            <a:schemeClr val="accent1"/>
+          </a:effectRef>
+          <a:fontRef idx="minor">
+            <a:schemeClr val="lt1"/>
+          </a:fontRef>
+        </p:style>
+        <p:txBody>
+          <a:bodyPr rtlCol="0" anchor="ctr"/>
+          <a:lstStyle/>
+          <a:p>
+            <a:pPr algn="ctr"/>
+            <a:r>
+              <a:rPr lang="en-US" sz="2000" dirty="0">
+                <a:solidFill>
+                  <a:schemeClr val="tx1"/>
+                </a:solidFill>
+                <a:latin typeface="Arial" panose="020B0604020202020204" pitchFamily="34" charset="0"/>
+                <a:cs typeface="Arial" panose="020B0604020202020204" pitchFamily="34" charset="0"/>
+              </a:rPr>
+              <a:t>No major assumption violations</a:t>
+            </a:r>
+          </a:p>
+        </p:txBody>
+      </p:sp>
     </p:spTree>
     <p:extLst>
       <p:ext uri="{BB962C8B-B14F-4D97-AF65-F5344CB8AC3E}">
@@ -9650,8 +9940,38 @@
         </p:blipFill>
         <p:spPr>
           <a:xfrm>
-            <a:off x="460713" y="1546991"/>
+            <a:off x="5556607" y="1124744"/>
             <a:ext cx="6174680" cy="1882009"/>
+          </a:xfrm>
+          <a:prstGeom prst="rect">
+            <a:avLst/>
+          </a:prstGeom>
+        </p:spPr>
+      </p:pic>
+      <p:pic>
+        <p:nvPicPr>
+          <p:cNvPr id="10" name="Picture 9" descr="Chart, line chart&#10;&#10;Description automatically generated">
+            <a:extLst>
+              <a:ext uri="{FF2B5EF4-FFF2-40B4-BE49-F238E27FC236}">
+                <a16:creationId xmlns:a16="http://schemas.microsoft.com/office/drawing/2014/main" id="{1FB34245-67B5-EF48-8ABD-5C3CE9425A98}"/>
+              </a:ext>
+            </a:extLst>
+          </p:cNvPr>
+          <p:cNvPicPr>
+            <a:picLocks noChangeAspect="1"/>
+          </p:cNvPicPr>
+          <p:nvPr/>
+        </p:nvPicPr>
+        <p:blipFill>
+          <a:blip r:embed="rId3"/>
+          <a:stretch>
+            <a:fillRect/>
+          </a:stretch>
+        </p:blipFill>
+        <p:spPr>
+          <a:xfrm>
+            <a:off x="5556607" y="3092938"/>
+            <a:ext cx="5743290" cy="3445974"/>
           </a:xfrm>
           <a:prstGeom prst="rect">
             <a:avLst/>

--- a/Presentation/slide_deck.pptx
+++ b/Presentation/slide_deck.pptx
@@ -207,7 +207,7 @@
           <a:p>
             <a:fld id="{3398E8B9-81F1-424D-AE77-F968A2DCD636}" type="datetimeFigureOut">
               <a:rPr lang="en-US" smtClean="0"/>
-              <a:t>9/28/21</a:t>
+              <a:t>9/29/21</a:t>
             </a:fld>
             <a:endParaRPr lang="en-US"/>
           </a:p>
@@ -475,6 +475,407 @@
 </p:notesMaster>
 </file>
 
+<file path=ppt/notesSlides/notesSlide1.xml><?xml version="1.0" encoding="utf-8"?>
+<p:notes xmlns:a="http://schemas.openxmlformats.org/drawingml/2006/main" xmlns:r="http://schemas.openxmlformats.org/officeDocument/2006/relationships" xmlns:p="http://schemas.openxmlformats.org/presentationml/2006/main">
+  <p:cSld>
+    <p:spTree>
+      <p:nvGrpSpPr>
+        <p:cNvPr id="1" name=""/>
+        <p:cNvGrpSpPr/>
+        <p:nvPr/>
+      </p:nvGrpSpPr>
+      <p:grpSpPr>
+        <a:xfrm>
+          <a:off x="0" y="0"/>
+          <a:ext cx="0" cy="0"/>
+          <a:chOff x="0" y="0"/>
+          <a:chExt cx="0" cy="0"/>
+        </a:xfrm>
+      </p:grpSpPr>
+      <p:sp>
+        <p:nvSpPr>
+          <p:cNvPr id="2" name="Slide Image Placeholder 1"/>
+          <p:cNvSpPr>
+            <a:spLocks noGrp="1" noRot="1" noChangeAspect="1"/>
+          </p:cNvSpPr>
+          <p:nvPr>
+            <p:ph type="sldImg"/>
+          </p:nvPr>
+        </p:nvSpPr>
+        <p:spPr/>
+      </p:sp>
+      <p:sp>
+        <p:nvSpPr>
+          <p:cNvPr id="3" name="Notes Placeholder 2"/>
+          <p:cNvSpPr>
+            <a:spLocks noGrp="1"/>
+          </p:cNvSpPr>
+          <p:nvPr>
+            <p:ph type="body" idx="1"/>
+          </p:nvPr>
+        </p:nvSpPr>
+        <p:spPr/>
+        <p:txBody>
+          <a:bodyPr/>
+          <a:lstStyle/>
+          <a:p>
+            <a:r>
+              <a:rPr lang="en-US" dirty="0" err="1"/>
+              <a:t>Dauren</a:t>
+            </a:r>
+            <a:endParaRPr lang="en-US" dirty="0"/>
+          </a:p>
+          <a:p>
+            <a:endParaRPr lang="en-US" dirty="0"/>
+          </a:p>
+        </p:txBody>
+      </p:sp>
+      <p:sp>
+        <p:nvSpPr>
+          <p:cNvPr id="4" name="Slide Number Placeholder 3"/>
+          <p:cNvSpPr>
+            <a:spLocks noGrp="1"/>
+          </p:cNvSpPr>
+          <p:nvPr>
+            <p:ph type="sldNum" sz="quarter" idx="5"/>
+          </p:nvPr>
+        </p:nvSpPr>
+        <p:spPr/>
+        <p:txBody>
+          <a:bodyPr/>
+          <a:lstStyle/>
+          <a:p>
+            <a:fld id="{F5134806-D19D-A540-9B0B-614DC5FE67CD}" type="slidenum">
+              <a:rPr lang="en-US" smtClean="0"/>
+              <a:t>6</a:t>
+            </a:fld>
+            <a:endParaRPr lang="en-US"/>
+          </a:p>
+        </p:txBody>
+      </p:sp>
+    </p:spTree>
+    <p:extLst>
+      <p:ext uri="{BB962C8B-B14F-4D97-AF65-F5344CB8AC3E}">
+        <p14:creationId xmlns:p14="http://schemas.microsoft.com/office/powerpoint/2010/main" val="122966419"/>
+      </p:ext>
+    </p:extLst>
+  </p:cSld>
+  <p:clrMapOvr>
+    <a:masterClrMapping/>
+  </p:clrMapOvr>
+</p:notes>
+</file>
+
+<file path=ppt/notesSlides/notesSlide2.xml><?xml version="1.0" encoding="utf-8"?>
+<p:notes xmlns:a="http://schemas.openxmlformats.org/drawingml/2006/main" xmlns:r="http://schemas.openxmlformats.org/officeDocument/2006/relationships" xmlns:p="http://schemas.openxmlformats.org/presentationml/2006/main">
+  <p:cSld>
+    <p:spTree>
+      <p:nvGrpSpPr>
+        <p:cNvPr id="1" name=""/>
+        <p:cNvGrpSpPr/>
+        <p:nvPr/>
+      </p:nvGrpSpPr>
+      <p:grpSpPr>
+        <a:xfrm>
+          <a:off x="0" y="0"/>
+          <a:ext cx="0" cy="0"/>
+          <a:chOff x="0" y="0"/>
+          <a:chExt cx="0" cy="0"/>
+        </a:xfrm>
+      </p:grpSpPr>
+      <p:sp>
+        <p:nvSpPr>
+          <p:cNvPr id="2" name="Slide Image Placeholder 1"/>
+          <p:cNvSpPr>
+            <a:spLocks noGrp="1" noRot="1" noChangeAspect="1"/>
+          </p:cNvSpPr>
+          <p:nvPr>
+            <p:ph type="sldImg"/>
+          </p:nvPr>
+        </p:nvSpPr>
+        <p:spPr/>
+      </p:sp>
+      <p:sp>
+        <p:nvSpPr>
+          <p:cNvPr id="3" name="Notes Placeholder 2"/>
+          <p:cNvSpPr>
+            <a:spLocks noGrp="1"/>
+          </p:cNvSpPr>
+          <p:nvPr>
+            <p:ph type="body" idx="1"/>
+          </p:nvPr>
+        </p:nvSpPr>
+        <p:spPr/>
+        <p:txBody>
+          <a:bodyPr/>
+          <a:lstStyle/>
+          <a:p>
+            <a:r>
+              <a:rPr lang="en-US" dirty="0" err="1"/>
+              <a:t>Himangshu</a:t>
+            </a:r>
+            <a:endParaRPr lang="en-US" dirty="0"/>
+          </a:p>
+        </p:txBody>
+      </p:sp>
+      <p:sp>
+        <p:nvSpPr>
+          <p:cNvPr id="4" name="Slide Number Placeholder 3"/>
+          <p:cNvSpPr>
+            <a:spLocks noGrp="1"/>
+          </p:cNvSpPr>
+          <p:nvPr>
+            <p:ph type="sldNum" sz="quarter" idx="5"/>
+          </p:nvPr>
+        </p:nvSpPr>
+        <p:spPr/>
+        <p:txBody>
+          <a:bodyPr/>
+          <a:lstStyle/>
+          <a:p>
+            <a:fld id="{F5134806-D19D-A540-9B0B-614DC5FE67CD}" type="slidenum">
+              <a:rPr lang="en-US" smtClean="0"/>
+              <a:t>7</a:t>
+            </a:fld>
+            <a:endParaRPr lang="en-US"/>
+          </a:p>
+        </p:txBody>
+      </p:sp>
+    </p:spTree>
+    <p:extLst>
+      <p:ext uri="{BB962C8B-B14F-4D97-AF65-F5344CB8AC3E}">
+        <p14:creationId xmlns:p14="http://schemas.microsoft.com/office/powerpoint/2010/main" val="553754786"/>
+      </p:ext>
+    </p:extLst>
+  </p:cSld>
+  <p:clrMapOvr>
+    <a:masterClrMapping/>
+  </p:clrMapOvr>
+</p:notes>
+</file>
+
+<file path=ppt/notesSlides/notesSlide3.xml><?xml version="1.0" encoding="utf-8"?>
+<p:notes xmlns:a="http://schemas.openxmlformats.org/drawingml/2006/main" xmlns:r="http://schemas.openxmlformats.org/officeDocument/2006/relationships" xmlns:p="http://schemas.openxmlformats.org/presentationml/2006/main">
+  <p:cSld>
+    <p:spTree>
+      <p:nvGrpSpPr>
+        <p:cNvPr id="1" name=""/>
+        <p:cNvGrpSpPr/>
+        <p:nvPr/>
+      </p:nvGrpSpPr>
+      <p:grpSpPr>
+        <a:xfrm>
+          <a:off x="0" y="0"/>
+          <a:ext cx="0" cy="0"/>
+          <a:chOff x="0" y="0"/>
+          <a:chExt cx="0" cy="0"/>
+        </a:xfrm>
+      </p:grpSpPr>
+      <p:sp>
+        <p:nvSpPr>
+          <p:cNvPr id="2" name="Slide Image Placeholder 1"/>
+          <p:cNvSpPr>
+            <a:spLocks noGrp="1" noRot="1" noChangeAspect="1"/>
+          </p:cNvSpPr>
+          <p:nvPr>
+            <p:ph type="sldImg"/>
+          </p:nvPr>
+        </p:nvSpPr>
+        <p:spPr/>
+      </p:sp>
+      <p:sp>
+        <p:nvSpPr>
+          <p:cNvPr id="3" name="Notes Placeholder 2"/>
+          <p:cNvSpPr>
+            <a:spLocks noGrp="1"/>
+          </p:cNvSpPr>
+          <p:nvPr>
+            <p:ph type="body" idx="1"/>
+          </p:nvPr>
+        </p:nvSpPr>
+        <p:spPr/>
+        <p:txBody>
+          <a:bodyPr/>
+          <a:lstStyle/>
+          <a:p>
+            <a:r>
+              <a:rPr lang="en-US" dirty="0" err="1"/>
+              <a:t>Himangshu</a:t>
+            </a:r>
+            <a:endParaRPr lang="en-US" dirty="0"/>
+          </a:p>
+          <a:p>
+            <a:pPr marL="171450" indent="-171450">
+              <a:buFontTx/>
+              <a:buChar char="-"/>
+            </a:pPr>
+            <a:r>
+              <a:rPr lang="en-US" dirty="0"/>
+              <a:t>Equal variance and independence FINE (Plot 1)</a:t>
+            </a:r>
+          </a:p>
+          <a:p>
+            <a:pPr marL="171450" indent="-171450">
+              <a:buFontTx/>
+              <a:buChar char="-"/>
+            </a:pPr>
+            <a:r>
+              <a:rPr lang="en-US" dirty="0"/>
+              <a:t>Linearity FINE (Plot 2)</a:t>
+            </a:r>
+          </a:p>
+          <a:p>
+            <a:pPr marL="171450" indent="-171450">
+              <a:buFontTx/>
+              <a:buChar char="-"/>
+            </a:pPr>
+            <a:r>
+              <a:rPr lang="en-US" dirty="0"/>
+              <a:t>Normality FINE (Plot 3)</a:t>
+            </a:r>
+          </a:p>
+          <a:p>
+            <a:pPr marL="171450" indent="-171450">
+              <a:buFontTx/>
+              <a:buChar char="-"/>
+            </a:pPr>
+            <a:endParaRPr lang="en-US" dirty="0"/>
+          </a:p>
+          <a:p>
+            <a:pPr marL="0" indent="0">
+              <a:buFontTx/>
+              <a:buNone/>
+            </a:pPr>
+            <a:r>
+              <a:rPr lang="en-US" dirty="0"/>
+              <a:t>One outlier, but: non-influential</a:t>
+            </a:r>
+          </a:p>
+        </p:txBody>
+      </p:sp>
+      <p:sp>
+        <p:nvSpPr>
+          <p:cNvPr id="4" name="Slide Number Placeholder 3"/>
+          <p:cNvSpPr>
+            <a:spLocks noGrp="1"/>
+          </p:cNvSpPr>
+          <p:nvPr>
+            <p:ph type="sldNum" sz="quarter" idx="5"/>
+          </p:nvPr>
+        </p:nvSpPr>
+        <p:spPr/>
+        <p:txBody>
+          <a:bodyPr/>
+          <a:lstStyle/>
+          <a:p>
+            <a:fld id="{F5134806-D19D-A540-9B0B-614DC5FE67CD}" type="slidenum">
+              <a:rPr lang="en-US" smtClean="0"/>
+              <a:t>8</a:t>
+            </a:fld>
+            <a:endParaRPr lang="en-US"/>
+          </a:p>
+        </p:txBody>
+      </p:sp>
+    </p:spTree>
+    <p:extLst>
+      <p:ext uri="{BB962C8B-B14F-4D97-AF65-F5344CB8AC3E}">
+        <p14:creationId xmlns:p14="http://schemas.microsoft.com/office/powerpoint/2010/main" val="638928056"/>
+      </p:ext>
+    </p:extLst>
+  </p:cSld>
+  <p:clrMapOvr>
+    <a:masterClrMapping/>
+  </p:clrMapOvr>
+</p:notes>
+</file>
+
+<file path=ppt/notesSlides/notesSlide4.xml><?xml version="1.0" encoding="utf-8"?>
+<p:notes xmlns:a="http://schemas.openxmlformats.org/drawingml/2006/main" xmlns:r="http://schemas.openxmlformats.org/officeDocument/2006/relationships" xmlns:p="http://schemas.openxmlformats.org/presentationml/2006/main">
+  <p:cSld>
+    <p:spTree>
+      <p:nvGrpSpPr>
+        <p:cNvPr id="1" name=""/>
+        <p:cNvGrpSpPr/>
+        <p:nvPr/>
+      </p:nvGrpSpPr>
+      <p:grpSpPr>
+        <a:xfrm>
+          <a:off x="0" y="0"/>
+          <a:ext cx="0" cy="0"/>
+          <a:chOff x="0" y="0"/>
+          <a:chExt cx="0" cy="0"/>
+        </a:xfrm>
+      </p:grpSpPr>
+      <p:sp>
+        <p:nvSpPr>
+          <p:cNvPr id="2" name="Slide Image Placeholder 1"/>
+          <p:cNvSpPr>
+            <a:spLocks noGrp="1" noRot="1" noChangeAspect="1"/>
+          </p:cNvSpPr>
+          <p:nvPr>
+            <p:ph type="sldImg"/>
+          </p:nvPr>
+        </p:nvSpPr>
+        <p:spPr/>
+      </p:sp>
+      <p:sp>
+        <p:nvSpPr>
+          <p:cNvPr id="3" name="Notes Placeholder 2"/>
+          <p:cNvSpPr>
+            <a:spLocks noGrp="1"/>
+          </p:cNvSpPr>
+          <p:nvPr>
+            <p:ph type="body" idx="1"/>
+          </p:nvPr>
+        </p:nvSpPr>
+        <p:spPr/>
+        <p:txBody>
+          <a:bodyPr/>
+          <a:lstStyle/>
+          <a:p>
+            <a:r>
+              <a:rPr lang="en-US" dirty="0"/>
+              <a:t>Moritz</a:t>
+            </a:r>
+          </a:p>
+        </p:txBody>
+      </p:sp>
+      <p:sp>
+        <p:nvSpPr>
+          <p:cNvPr id="4" name="Slide Number Placeholder 3"/>
+          <p:cNvSpPr>
+            <a:spLocks noGrp="1"/>
+          </p:cNvSpPr>
+          <p:nvPr>
+            <p:ph type="sldNum" sz="quarter" idx="5"/>
+          </p:nvPr>
+        </p:nvSpPr>
+        <p:spPr/>
+        <p:txBody>
+          <a:bodyPr/>
+          <a:lstStyle/>
+          <a:p>
+            <a:fld id="{F5134806-D19D-A540-9B0B-614DC5FE67CD}" type="slidenum">
+              <a:rPr lang="en-US" smtClean="0"/>
+              <a:t>9</a:t>
+            </a:fld>
+            <a:endParaRPr lang="en-US"/>
+          </a:p>
+        </p:txBody>
+      </p:sp>
+    </p:spTree>
+    <p:extLst>
+      <p:ext uri="{BB962C8B-B14F-4D97-AF65-F5344CB8AC3E}">
+        <p14:creationId xmlns:p14="http://schemas.microsoft.com/office/powerpoint/2010/main" val="1254124116"/>
+      </p:ext>
+    </p:extLst>
+  </p:cSld>
+  <p:clrMapOvr>
+    <a:masterClrMapping/>
+  </p:clrMapOvr>
+</p:notes>
+</file>
+
 <file path=ppt/slideLayouts/slideLayout1.xml><?xml version="1.0" encoding="utf-8"?>
 <p:sldLayout xmlns:a="http://schemas.openxmlformats.org/drawingml/2006/main" xmlns:r="http://schemas.openxmlformats.org/officeDocument/2006/relationships" xmlns:p="http://schemas.openxmlformats.org/presentationml/2006/main" type="title" preserve="1">
   <p:cSld name="Title Slide">
@@ -624,7 +1025,7 @@
           <a:p>
             <a:fld id="{D7919F00-95C3-E345-9A68-6806DD4786C7}" type="datetime1">
               <a:rPr lang="de-DE" smtClean="0"/>
-              <a:t>28.09.21</a:t>
+              <a:t>29.09.21</a:t>
             </a:fld>
             <a:endParaRPr lang="en-US"/>
           </a:p>
@@ -824,7 +1225,7 @@
           <a:p>
             <a:fld id="{EEF8CF17-46D6-4746-9F83-62838F7FFA9E}" type="datetime1">
               <a:rPr lang="de-DE" smtClean="0"/>
-              <a:t>28.09.21</a:t>
+              <a:t>29.09.21</a:t>
             </a:fld>
             <a:endParaRPr lang="en-US"/>
           </a:p>
@@ -1034,7 +1435,7 @@
           <a:p>
             <a:fld id="{846669D5-C56A-D444-8228-920498C21CB5}" type="datetime1">
               <a:rPr lang="de-DE" smtClean="0"/>
-              <a:t>28.09.21</a:t>
+              <a:t>29.09.21</a:t>
             </a:fld>
             <a:endParaRPr lang="en-US"/>
           </a:p>
@@ -1234,7 +1635,7 @@
           <a:p>
             <a:fld id="{6B2A11E0-3F60-484C-B31C-C335BE773633}" type="datetime1">
               <a:rPr lang="de-DE" smtClean="0"/>
-              <a:t>28.09.21</a:t>
+              <a:t>29.09.21</a:t>
             </a:fld>
             <a:endParaRPr lang="en-US"/>
           </a:p>
@@ -1510,7 +1911,7 @@
           <a:p>
             <a:fld id="{AD0CF0BE-8C02-7A46-B8F9-9A1A359A3221}" type="datetime1">
               <a:rPr lang="de-DE" smtClean="0"/>
-              <a:t>28.09.21</a:t>
+              <a:t>29.09.21</a:t>
             </a:fld>
             <a:endParaRPr lang="en-US"/>
           </a:p>
@@ -1778,7 +2179,7 @@
           <a:p>
             <a:fld id="{E3D55EAB-06EA-2B41-8799-9D715C6BB5C9}" type="datetime1">
               <a:rPr lang="de-DE" smtClean="0"/>
-              <a:t>28.09.21</a:t>
+              <a:t>29.09.21</a:t>
             </a:fld>
             <a:endParaRPr lang="en-US"/>
           </a:p>
@@ -2193,7 +2594,7 @@
           <a:p>
             <a:fld id="{899C43E9-79E3-0343-886E-B54191E8154C}" type="datetime1">
               <a:rPr lang="de-DE" smtClean="0"/>
-              <a:t>28.09.21</a:t>
+              <a:t>29.09.21</a:t>
             </a:fld>
             <a:endParaRPr lang="en-US"/>
           </a:p>
@@ -2335,7 +2736,7 @@
           <a:p>
             <a:fld id="{38D1FDF0-7FAD-B74F-9C14-35E95702474C}" type="datetime1">
               <a:rPr lang="de-DE" smtClean="0"/>
-              <a:t>28.09.21</a:t>
+              <a:t>29.09.21</a:t>
             </a:fld>
             <a:endParaRPr lang="en-US"/>
           </a:p>
@@ -2448,7 +2849,7 @@
           <a:p>
             <a:fld id="{40CA08E2-633C-6F4C-B416-7B24EADBD5D5}" type="datetime1">
               <a:rPr lang="de-DE" smtClean="0"/>
-              <a:t>28.09.21</a:t>
+              <a:t>29.09.21</a:t>
             </a:fld>
             <a:endParaRPr lang="en-US"/>
           </a:p>
@@ -2766,7 +3167,7 @@
           <a:p>
             <a:fld id="{25A8823F-BF39-4B48-92AC-7573D6900421}" type="datetime1">
               <a:rPr lang="de-DE" smtClean="0"/>
-              <a:t>28.09.21</a:t>
+              <a:t>29.09.21</a:t>
             </a:fld>
             <a:endParaRPr lang="en-US"/>
           </a:p>
@@ -3059,7 +3460,7 @@
           <a:p>
             <a:fld id="{9133BCCA-5C2C-1E48-9D3E-EC5297EB8560}" type="datetime1">
               <a:rPr lang="de-DE" smtClean="0"/>
-              <a:t>28.09.21</a:t>
+              <a:t>29.09.21</a:t>
             </a:fld>
             <a:endParaRPr lang="en-US"/>
           </a:p>
@@ -3311,7 +3712,7 @@
           <a:p>
             <a:fld id="{4ECDE09A-B1E7-BF49-A4A8-79F389F3B4B8}" type="datetime1">
               <a:rPr lang="de-DE" smtClean="0"/>
-              <a:t>28.09.21</a:t>
+              <a:t>29.09.21</a:t>
             </a:fld>
             <a:endParaRPr lang="en-US"/>
           </a:p>
@@ -5388,7 +5789,7 @@
         <p:spPr>
           <a:xfrm>
             <a:off x="460713" y="1690351"/>
-            <a:ext cx="11253806" cy="1477328"/>
+            <a:ext cx="11253806" cy="1846659"/>
           </a:xfrm>
           <a:prstGeom prst="rect">
             <a:avLst/>
@@ -5450,6 +5851,19 @@
                 <a:cs typeface="Arial" panose="020B0604020202020204" pitchFamily="34" charset="0"/>
               </a:rPr>
               <a:t>Only male participants</a:t>
+            </a:r>
+          </a:p>
+          <a:p>
+            <a:pPr marL="342900" indent="-342900" algn="l">
+              <a:buFont typeface="Arial" panose="020B0604020202020204" pitchFamily="34" charset="0"/>
+              <a:buChar char="•"/>
+            </a:pPr>
+            <a:r>
+              <a:rPr lang="en-US" sz="2400" dirty="0">
+                <a:latin typeface="Arial" panose="020B0604020202020204" pitchFamily="34" charset="0"/>
+                <a:cs typeface="Arial" panose="020B0604020202020204" pitchFamily="34" charset="0"/>
+              </a:rPr>
+              <a:t>Paid participation</a:t>
             </a:r>
           </a:p>
         </p:txBody>
@@ -6456,6 +6870,51 @@
                       </p:childTnLst>
                     </p:cTn>
                   </p:par>
+                  <p:par>
+                    <p:cTn id="13" fill="hold">
+                      <p:stCondLst>
+                        <p:cond delay="indefinite"/>
+                      </p:stCondLst>
+                      <p:childTnLst>
+                        <p:par>
+                          <p:cTn id="14" fill="hold">
+                            <p:stCondLst>
+                              <p:cond delay="0"/>
+                            </p:stCondLst>
+                            <p:childTnLst>
+                              <p:par>
+                                <p:cTn id="15" presetID="1" presetClass="entr" presetSubtype="0" fill="hold" grpId="0" nodeType="clickEffect">
+                                  <p:stCondLst>
+                                    <p:cond delay="0"/>
+                                  </p:stCondLst>
+                                  <p:childTnLst>
+                                    <p:set>
+                                      <p:cBhvr>
+                                        <p:cTn id="16" dur="1" fill="hold">
+                                          <p:stCondLst>
+                                            <p:cond delay="0"/>
+                                          </p:stCondLst>
+                                        </p:cTn>
+                                        <p:tgtEl>
+                                          <p:spTgt spid="24"/>
+                                        </p:tgtEl>
+                                        <p:attrNameLst>
+                                          <p:attrName>style.visibility</p:attrName>
+                                        </p:attrNameLst>
+                                      </p:cBhvr>
+                                      <p:to>
+                                        <p:strVal val="visible"/>
+                                      </p:to>
+                                    </p:set>
+                                  </p:childTnLst>
+                                </p:cTn>
+                              </p:par>
+                            </p:childTnLst>
+                          </p:cTn>
+                        </p:par>
+                      </p:childTnLst>
+                    </p:cTn>
+                  </p:par>
                 </p:childTnLst>
               </p:cTn>
               <p:prevCondLst>
@@ -6478,6 +6937,7 @@
       </p:par>
     </p:tnLst>
     <p:bldLst>
+      <p:bldP spid="24" grpId="0" animBg="1"/>
       <p:bldP spid="13" grpId="0" animBg="1"/>
     </p:bldLst>
   </p:timing>
@@ -6862,8 +7322,8 @@
           </a:prstGeom>
         </p:spPr>
       </p:pic>
-      <mc:AlternateContent xmlns:mc="http://schemas.openxmlformats.org/markup-compatibility/2006">
-        <mc:Choice xmlns:a14="http://schemas.microsoft.com/office/drawing/2010/main" Requires="a14">
+      <mc:AlternateContent xmlns:mc="http://schemas.openxmlformats.org/markup-compatibility/2006" xmlns:a14="http://schemas.microsoft.com/office/drawing/2010/main">
+        <mc:Choice Requires="a14">
           <p:sp>
             <p:nvSpPr>
               <p:cNvPr id="24" name="Rectangle 23">
@@ -7006,7 +7466,7 @@
             </p:txBody>
           </p:sp>
         </mc:Choice>
-        <mc:Fallback>
+        <mc:Fallback xmlns="">
           <p:sp>
             <p:nvSpPr>
               <p:cNvPr id="24" name="Rectangle 23">
@@ -7646,8 +8106,8 @@
           </p:style>
         </p:cxnSp>
       </p:grpSp>
-      <mc:AlternateContent xmlns:mc="http://schemas.openxmlformats.org/markup-compatibility/2006">
-        <mc:Choice xmlns:a14="http://schemas.microsoft.com/office/drawing/2010/main" Requires="a14">
+      <mc:AlternateContent xmlns:mc="http://schemas.openxmlformats.org/markup-compatibility/2006" xmlns:a14="http://schemas.microsoft.com/office/drawing/2010/main">
+        <mc:Choice Requires="a14">
           <p:sp>
             <p:nvSpPr>
               <p:cNvPr id="22" name="TextBox 21">
@@ -7948,7 +8408,7 @@
             </p:txBody>
           </p:sp>
         </mc:Choice>
-        <mc:Fallback>
+        <mc:Fallback xmlns="">
           <p:sp>
             <p:nvSpPr>
               <p:cNvPr id="22" name="TextBox 21">
@@ -7972,7 +8432,7 @@
                 <a:avLst/>
               </a:prstGeom>
               <a:blipFill>
-                <a:blip r:embed="rId2"/>
+                <a:blip r:embed="rId3"/>
                 <a:stretch>
                   <a:fillRect l="-418" t="-22581" r="-418" b="-35484"/>
                 </a:stretch>
@@ -8008,7 +8468,7 @@
           <p:nvPr/>
         </p:nvPicPr>
         <p:blipFill>
-          <a:blip r:embed="rId3"/>
+          <a:blip r:embed="rId4"/>
           <a:stretch>
             <a:fillRect/>
           </a:stretch>
@@ -8304,7 +8764,7 @@
             <p:nvPr/>
           </p:nvPicPr>
           <p:blipFill>
-            <a:blip r:embed="rId2">
+            <a:blip r:embed="rId3">
               <a:extLst>
                 <a:ext uri="{28A0092B-C50C-407E-A947-70E740481C1C}">
                   <a14:useLocalDpi xmlns:a14="http://schemas.microsoft.com/office/drawing/2010/main" val="0"/>
@@ -8353,7 +8813,7 @@
               <p:spPr>
                 <a:xfrm>
                   <a:off x="7517350" y="1988846"/>
-                  <a:ext cx="1368152" cy="969496"/>
+                  <a:ext cx="1386962" cy="969496"/>
                 </a:xfrm>
                 <a:prstGeom prst="rect">
                   <a:avLst/>
@@ -8509,15 +8969,15 @@
               <p:spPr>
                 <a:xfrm>
                   <a:off x="7517350" y="1988846"/>
-                  <a:ext cx="1368152" cy="969496"/>
+                  <a:ext cx="1386962" cy="969496"/>
                 </a:xfrm>
                 <a:prstGeom prst="rect">
                   <a:avLst/>
                 </a:prstGeom>
                 <a:blipFill>
-                  <a:blip r:embed="rId3"/>
+                  <a:blip r:embed="rId4"/>
                   <a:stretch>
-                    <a:fillRect l="-917" r="-1835" b="-5195"/>
+                    <a:fillRect r="-901" b="-5195"/>
                   </a:stretch>
                 </a:blipFill>
               </p:spPr>
@@ -8566,69 +9026,6 @@
                 <a:spAutoFit/>
               </a:bodyPr>
               <a:lstStyle/>
-              <a:p>
-                <a:pPr marL="342900" indent="-342900">
-                  <a:buFont typeface="Arial" panose="020B0604020202020204" pitchFamily="34" charset="0"/>
-                  <a:buChar char="•"/>
-                </a:pPr>
-                <a:r>
-                  <a:rPr lang="en-US" sz="2400" dirty="0">
-                    <a:latin typeface="Arial" panose="020B0604020202020204" pitchFamily="34" charset="0"/>
-                    <a:cs typeface="Arial" panose="020B0604020202020204" pitchFamily="34" charset="0"/>
-                  </a:rPr>
-                  <a:t>Stepwise </a:t>
-                </a:r>
-                <a:r>
-                  <a:rPr lang="de-DE" sz="2400" dirty="0">
-                    <a:latin typeface="Arial" panose="020B0604020202020204" pitchFamily="34" charset="0"/>
-                    <a:cs typeface="Arial" panose="020B0604020202020204" pitchFamily="34" charset="0"/>
-                  </a:rPr>
-                  <a:t>+ </a:t>
-                </a:r>
-                <a14:m>
-                  <m:oMath xmlns:m="http://schemas.openxmlformats.org/officeDocument/2006/math">
-                    <m:r>
-                      <a:rPr lang="de-DE" sz="2400" i="1">
-                        <a:latin typeface="Cambria Math" panose="02040503050406030204" pitchFamily="18" charset="0"/>
-                        <a:cs typeface="Arial" panose="020B0604020202020204" pitchFamily="34" charset="0"/>
-                      </a:rPr>
-                      <m:t>𝑡𝑟𝑒𝑎𝑡</m:t>
-                    </m:r>
-                    <m:r>
-                      <a:rPr lang="de-DE" sz="2400" b="0" i="1" smtClean="0">
-                        <a:latin typeface="Cambria Math" panose="02040503050406030204" pitchFamily="18" charset="0"/>
-                        <a:cs typeface="Arial" panose="020B0604020202020204" pitchFamily="34" charset="0"/>
-                      </a:rPr>
-                      <m:t> </m:t>
-                    </m:r>
-                    <m:r>
-                      <a:rPr lang="de-DE" sz="2400" i="1">
-                        <a:latin typeface="Cambria Math" panose="02040503050406030204" pitchFamily="18" charset="0"/>
-                        <a:cs typeface="Arial" panose="020B0604020202020204" pitchFamily="34" charset="0"/>
-                      </a:rPr>
-                      <m:t>×</m:t>
-                    </m:r>
-                    <m:r>
-                      <a:rPr lang="de-DE" sz="2400" b="0" i="1" smtClean="0">
-                        <a:latin typeface="Cambria Math" panose="02040503050406030204" pitchFamily="18" charset="0"/>
-                        <a:cs typeface="Arial" panose="020B0604020202020204" pitchFamily="34" charset="0"/>
-                      </a:rPr>
-                      <m:t> </m:t>
-                    </m:r>
-                    <m:r>
-                      <a:rPr lang="de-DE" sz="2400" b="0" i="1" smtClean="0">
-                        <a:latin typeface="Cambria Math" panose="02040503050406030204" pitchFamily="18" charset="0"/>
-                        <a:cs typeface="Arial" panose="020B0604020202020204" pitchFamily="34" charset="0"/>
-                      </a:rPr>
-                      <m:t>𝑚𝑎𝑟𝑟𝑖𝑒𝑑</m:t>
-                    </m:r>
-                  </m:oMath>
-                </a14:m>
-                <a:endParaRPr lang="en-US" sz="2400" i="1" dirty="0">
-                  <a:latin typeface="Arial" panose="020B0604020202020204" pitchFamily="34" charset="0"/>
-                  <a:cs typeface="Arial" panose="020B0604020202020204" pitchFamily="34" charset="0"/>
-                </a:endParaRPr>
-              </a:p>
               <a:p>
                 <a:pPr marL="342900" indent="-342900">
                   <a:buFont typeface="Arial" panose="020B0604020202020204" pitchFamily="34" charset="0"/>
@@ -8751,6 +9148,69 @@
                     <a:latin typeface="Arial" panose="020B0604020202020204" pitchFamily="34" charset="0"/>
                     <a:cs typeface="Arial" panose="020B0604020202020204" pitchFamily="34" charset="0"/>
                   </a:rPr>
+                  <a:t>Stepwise </a:t>
+                </a:r>
+                <a:r>
+                  <a:rPr lang="de-DE" sz="2400" dirty="0">
+                    <a:latin typeface="Arial" panose="020B0604020202020204" pitchFamily="34" charset="0"/>
+                    <a:cs typeface="Arial" panose="020B0604020202020204" pitchFamily="34" charset="0"/>
+                  </a:rPr>
+                  <a:t>+ </a:t>
+                </a:r>
+                <a14:m>
+                  <m:oMath xmlns:m="http://schemas.openxmlformats.org/officeDocument/2006/math">
+                    <m:r>
+                      <a:rPr lang="de-DE" sz="2400" i="1">
+                        <a:latin typeface="Cambria Math" panose="02040503050406030204" pitchFamily="18" charset="0"/>
+                        <a:cs typeface="Arial" panose="020B0604020202020204" pitchFamily="34" charset="0"/>
+                      </a:rPr>
+                      <m:t>𝑡𝑟𝑒𝑎𝑡</m:t>
+                    </m:r>
+                    <m:r>
+                      <a:rPr lang="de-DE" sz="2400" i="1">
+                        <a:latin typeface="Cambria Math" panose="02040503050406030204" pitchFamily="18" charset="0"/>
+                        <a:cs typeface="Arial" panose="020B0604020202020204" pitchFamily="34" charset="0"/>
+                      </a:rPr>
+                      <m:t> </m:t>
+                    </m:r>
+                    <m:r>
+                      <a:rPr lang="de-DE" sz="2400" i="1">
+                        <a:latin typeface="Cambria Math" panose="02040503050406030204" pitchFamily="18" charset="0"/>
+                        <a:cs typeface="Arial" panose="020B0604020202020204" pitchFamily="34" charset="0"/>
+                      </a:rPr>
+                      <m:t>×</m:t>
+                    </m:r>
+                    <m:r>
+                      <a:rPr lang="de-DE" sz="2400" i="1">
+                        <a:latin typeface="Cambria Math" panose="02040503050406030204" pitchFamily="18" charset="0"/>
+                        <a:cs typeface="Arial" panose="020B0604020202020204" pitchFamily="34" charset="0"/>
+                      </a:rPr>
+                      <m:t> </m:t>
+                    </m:r>
+                    <m:r>
+                      <a:rPr lang="de-DE" sz="2400" i="1">
+                        <a:latin typeface="Cambria Math" panose="02040503050406030204" pitchFamily="18" charset="0"/>
+                        <a:cs typeface="Arial" panose="020B0604020202020204" pitchFamily="34" charset="0"/>
+                      </a:rPr>
+                      <m:t>𝑚𝑎𝑟𝑟𝑖𝑒𝑑</m:t>
+                    </m:r>
+                  </m:oMath>
+                </a14:m>
+                <a:endParaRPr lang="en-US" sz="2400" dirty="0">
+                  <a:latin typeface="Arial" panose="020B0604020202020204" pitchFamily="34" charset="0"/>
+                  <a:cs typeface="Arial" panose="020B0604020202020204" pitchFamily="34" charset="0"/>
+                </a:endParaRPr>
+              </a:p>
+              <a:p>
+                <a:pPr marL="342900" indent="-342900">
+                  <a:buFont typeface="Arial" panose="020B0604020202020204" pitchFamily="34" charset="0"/>
+                  <a:buChar char="•"/>
+                </a:pPr>
+                <a:r>
+                  <a:rPr lang="en-US" sz="2400" dirty="0">
+                    <a:latin typeface="Arial" panose="020B0604020202020204" pitchFamily="34" charset="0"/>
+                    <a:cs typeface="Arial" panose="020B0604020202020204" pitchFamily="34" charset="0"/>
+                  </a:rPr>
                   <a:t>Stepwise</a:t>
                 </a:r>
                 <a:r>
@@ -8785,7 +9245,7 @@
                     </m:r>
                   </m:oMath>
                 </a14:m>
-                <a:endParaRPr lang="en-US" sz="2400" i="1" dirty="0">
+                <a:endParaRPr lang="de-DE" sz="2400" dirty="0">
                   <a:latin typeface="Arial" panose="020B0604020202020204" pitchFamily="34" charset="0"/>
                   <a:cs typeface="Arial" panose="020B0604020202020204" pitchFamily="34" charset="0"/>
                 </a:endParaRPr>
@@ -8817,7 +9277,7 @@
                 <a:avLst/>
               </a:prstGeom>
               <a:blipFill>
-                <a:blip r:embed="rId4"/>
+                <a:blip r:embed="rId5"/>
                 <a:stretch>
                   <a:fillRect l="-2607" t="-6838" b="-11111"/>
                 </a:stretch>
@@ -8936,7 +9396,7 @@
             <p:nvPr/>
           </p:nvPicPr>
           <p:blipFill>
-            <a:blip r:embed="rId5"/>
+            <a:blip r:embed="rId6"/>
             <a:stretch>
               <a:fillRect/>
             </a:stretch>
@@ -8951,8 +9411,8 @@
             </a:prstGeom>
           </p:spPr>
         </p:pic>
-        <mc:AlternateContent xmlns:mc="http://schemas.openxmlformats.org/markup-compatibility/2006">
-          <mc:Choice xmlns:a14="http://schemas.microsoft.com/office/drawing/2010/main" Requires="a14">
+        <mc:AlternateContent xmlns:mc="http://schemas.openxmlformats.org/markup-compatibility/2006" xmlns:a14="http://schemas.microsoft.com/office/drawing/2010/main">
+          <mc:Choice Requires="a14">
             <p:sp>
               <p:nvSpPr>
                 <p:cNvPr id="11" name="TextBox 10">
@@ -9039,7 +9499,7 @@
               </p:txBody>
             </p:sp>
           </mc:Choice>
-          <mc:Fallback>
+          <mc:Fallback xmlns="">
             <p:sp>
               <p:nvSpPr>
                 <p:cNvPr id="11" name="TextBox 10">
@@ -9063,7 +9523,7 @@
                   <a:avLst/>
                 </a:prstGeom>
                 <a:blipFill>
-                  <a:blip r:embed="rId6"/>
+                  <a:blip r:embed="rId7"/>
                   <a:stretch>
                     <a:fillRect l="-4217" t="-30769" r="-3012" b="-61538"/>
                   </a:stretch>
@@ -9191,6 +9651,48 @@
           </p:style>
         </p:cxnSp>
       </p:grpSp>
+      <p:cxnSp>
+        <p:nvCxnSpPr>
+          <p:cNvPr id="13" name="Straight Arrow Connector 12">
+            <a:extLst>
+              <a:ext uri="{FF2B5EF4-FFF2-40B4-BE49-F238E27FC236}">
+                <a16:creationId xmlns:a16="http://schemas.microsoft.com/office/drawing/2014/main" id="{B338FAE7-6044-3944-BDDF-7D8CC78B0088}"/>
+              </a:ext>
+            </a:extLst>
+          </p:cNvPr>
+          <p:cNvCxnSpPr/>
+          <p:nvPr/>
+        </p:nvCxnSpPr>
+        <p:spPr>
+          <a:xfrm>
+            <a:off x="3287688" y="3220370"/>
+            <a:ext cx="0" cy="496662"/>
+          </a:xfrm>
+          <a:prstGeom prst="straightConnector1">
+            <a:avLst/>
+          </a:prstGeom>
+          <a:ln w="28575">
+            <a:solidFill>
+              <a:schemeClr val="tx1"/>
+            </a:solidFill>
+            <a:tailEnd type="triangle"/>
+          </a:ln>
+        </p:spPr>
+        <p:style>
+          <a:lnRef idx="1">
+            <a:schemeClr val="accent1"/>
+          </a:lnRef>
+          <a:fillRef idx="0">
+            <a:schemeClr val="accent1"/>
+          </a:fillRef>
+          <a:effectRef idx="0">
+            <a:schemeClr val="accent1"/>
+          </a:effectRef>
+          <a:fontRef idx="minor">
+            <a:schemeClr val="tx1"/>
+          </a:fontRef>
+        </p:style>
+      </p:cxnSp>
     </p:spTree>
     <p:extLst>
       <p:ext uri="{BB962C8B-B14F-4D97-AF65-F5344CB8AC3E}">
@@ -9547,8 +10049,8 @@
         </p:nvGrpSpPr>
         <p:grpSpPr>
           <a:xfrm>
-            <a:off x="6816080" y="3580226"/>
-            <a:ext cx="4752528" cy="2646463"/>
+            <a:off x="7280268" y="4098512"/>
+            <a:ext cx="4661457" cy="2595750"/>
             <a:chOff x="5879976" y="3818692"/>
             <a:chExt cx="5216707" cy="2802582"/>
           </a:xfrm>
@@ -9568,7 +10070,7 @@
             <p:nvPr/>
           </p:nvPicPr>
           <p:blipFill rotWithShape="1">
-            <a:blip r:embed="rId2"/>
+            <a:blip r:embed="rId3"/>
             <a:srcRect t="18160" r="6327" b="4690"/>
             <a:stretch/>
           </p:blipFill>
@@ -9640,15 +10142,15 @@
           <p:nvPr/>
         </p:nvPicPr>
         <p:blipFill>
-          <a:blip r:embed="rId3"/>
+          <a:blip r:embed="rId4"/>
           <a:stretch>
             <a:fillRect/>
           </a:stretch>
         </p:blipFill>
         <p:spPr>
           <a:xfrm>
-            <a:off x="460713" y="3580226"/>
-            <a:ext cx="4537978" cy="2513342"/>
+            <a:off x="191344" y="4195949"/>
+            <a:ext cx="4432881" cy="2455134"/>
           </a:xfrm>
           <a:prstGeom prst="rect">
             <a:avLst/>
@@ -9661,36 +10163,6 @@
             <a:extLst>
               <a:ext uri="{FF2B5EF4-FFF2-40B4-BE49-F238E27FC236}">
                 <a16:creationId xmlns:a16="http://schemas.microsoft.com/office/drawing/2014/main" id="{5A6D6F91-8026-B847-A225-95BE7BB19BB5}"/>
-              </a:ext>
-            </a:extLst>
-          </p:cNvPr>
-          <p:cNvPicPr>
-            <a:picLocks noChangeAspect="1"/>
-          </p:cNvPicPr>
-          <p:nvPr/>
-        </p:nvPicPr>
-        <p:blipFill>
-          <a:blip r:embed="rId4"/>
-          <a:stretch>
-            <a:fillRect/>
-          </a:stretch>
-        </p:blipFill>
-        <p:spPr>
-          <a:xfrm>
-            <a:off x="460713" y="1066884"/>
-            <a:ext cx="4537978" cy="2513342"/>
-          </a:xfrm>
-          <a:prstGeom prst="rect">
-            <a:avLst/>
-          </a:prstGeom>
-        </p:spPr>
-      </p:pic>
-      <p:pic>
-        <p:nvPicPr>
-          <p:cNvPr id="26" name="Picture 25" descr="Chart, scatter chart&#10;&#10;Description automatically generated">
-            <a:extLst>
-              <a:ext uri="{FF2B5EF4-FFF2-40B4-BE49-F238E27FC236}">
-                <a16:creationId xmlns:a16="http://schemas.microsoft.com/office/drawing/2014/main" id="{405CC8F7-5ADE-324A-B20A-AFF71A9DABF5}"/>
               </a:ext>
             </a:extLst>
           </p:cNvPr>
@@ -9707,14 +10179,44 @@
         </p:blipFill>
         <p:spPr>
           <a:xfrm>
-            <a:off x="6816080" y="1066884"/>
-            <a:ext cx="4537978" cy="2513342"/>
+            <a:off x="191344" y="1682606"/>
+            <a:ext cx="4432881" cy="2455134"/>
           </a:xfrm>
           <a:prstGeom prst="rect">
             <a:avLst/>
           </a:prstGeom>
         </p:spPr>
       </p:pic>
+      <p:pic>
+        <p:nvPicPr>
+          <p:cNvPr id="26" name="Picture 25" descr="Chart, scatter chart&#10;&#10;Description automatically generated">
+            <a:extLst>
+              <a:ext uri="{FF2B5EF4-FFF2-40B4-BE49-F238E27FC236}">
+                <a16:creationId xmlns:a16="http://schemas.microsoft.com/office/drawing/2014/main" id="{405CC8F7-5ADE-324A-B20A-AFF71A9DABF5}"/>
+              </a:ext>
+            </a:extLst>
+          </p:cNvPr>
+          <p:cNvPicPr>
+            <a:picLocks noChangeAspect="1"/>
+          </p:cNvPicPr>
+          <p:nvPr/>
+        </p:nvPicPr>
+        <p:blipFill>
+          <a:blip r:embed="rId6"/>
+          <a:stretch>
+            <a:fillRect/>
+          </a:stretch>
+        </p:blipFill>
+        <p:spPr>
+          <a:xfrm>
+            <a:off x="7280268" y="1588496"/>
+            <a:ext cx="4451019" cy="2465180"/>
+          </a:xfrm>
+          <a:prstGeom prst="rect">
+            <a:avLst/>
+          </a:prstGeom>
+        </p:spPr>
+      </p:pic>
       <p:sp>
         <p:nvSpPr>
           <p:cNvPr id="27" name="Rectangle 26">
@@ -9729,8 +10231,8 @@
         </p:nvSpPr>
         <p:spPr>
           <a:xfrm>
-            <a:off x="3647369" y="6149753"/>
-            <a:ext cx="4897263" cy="365125"/>
+            <a:off x="4934745" y="2708920"/>
+            <a:ext cx="2160279" cy="2304256"/>
           </a:xfrm>
           <a:prstGeom prst="rect">
             <a:avLst/>
@@ -9773,11 +10275,460 @@
                 <a:latin typeface="Arial" panose="020B0604020202020204" pitchFamily="34" charset="0"/>
                 <a:cs typeface="Arial" panose="020B0604020202020204" pitchFamily="34" charset="0"/>
               </a:rPr>
-              <a:t>No major assumption violations</a:t>
-            </a:r>
-          </a:p>
-        </p:txBody>
-      </p:sp>
+              <a:t>No major assumption violations </a:t>
+            </a:r>
+          </a:p>
+          <a:p>
+            <a:pPr algn="ctr"/>
+            <a:r>
+              <a:rPr lang="en-US" sz="2000" dirty="0">
+                <a:solidFill>
+                  <a:schemeClr val="tx1"/>
+                </a:solidFill>
+                <a:latin typeface="Arial" panose="020B0604020202020204" pitchFamily="34" charset="0"/>
+                <a:cs typeface="Arial" panose="020B0604020202020204" pitchFamily="34" charset="0"/>
+              </a:rPr>
+              <a:t>+ </a:t>
+            </a:r>
+          </a:p>
+          <a:p>
+            <a:pPr algn="ctr"/>
+            <a:r>
+              <a:rPr lang="en-US" sz="2000" dirty="0">
+                <a:solidFill>
+                  <a:schemeClr val="tx1"/>
+                </a:solidFill>
+                <a:latin typeface="Arial" panose="020B0604020202020204" pitchFamily="34" charset="0"/>
+                <a:cs typeface="Arial" panose="020B0604020202020204" pitchFamily="34" charset="0"/>
+              </a:rPr>
+              <a:t>no multicollinearity issues (VIF)</a:t>
+            </a:r>
+          </a:p>
+        </p:txBody>
+      </p:sp>
+      <mc:AlternateContent xmlns:mc="http://schemas.openxmlformats.org/markup-compatibility/2006">
+        <mc:Choice xmlns:a14="http://schemas.microsoft.com/office/drawing/2010/main" Requires="a14">
+          <p:sp>
+            <p:nvSpPr>
+              <p:cNvPr id="16" name="TextBox 15">
+                <a:extLst>
+                  <a:ext uri="{FF2B5EF4-FFF2-40B4-BE49-F238E27FC236}">
+                    <a16:creationId xmlns:a16="http://schemas.microsoft.com/office/drawing/2014/main" id="{79D975B1-A147-A743-ADA4-C6A2B827C41F}"/>
+                  </a:ext>
+                </a:extLst>
+              </p:cNvPr>
+              <p:cNvSpPr txBox="1"/>
+              <p:nvPr/>
+            </p:nvSpPr>
+            <p:spPr>
+              <a:xfrm>
+                <a:off x="1894176" y="1051763"/>
+                <a:ext cx="8403647" cy="388889"/>
+              </a:xfrm>
+              <a:prstGeom prst="rect">
+                <a:avLst/>
+              </a:prstGeom>
+              <a:noFill/>
+            </p:spPr>
+            <p:txBody>
+              <a:bodyPr wrap="none" lIns="0" tIns="0" rIns="0" bIns="0" rtlCol="0">
+                <a:spAutoFit/>
+              </a:bodyPr>
+              <a:lstStyle/>
+              <a:p>
+                <a:pPr algn="l"/>
+                <a14:m>
+                  <m:oMathPara xmlns:m="http://schemas.openxmlformats.org/officeDocument/2006/math">
+                    <m:oMathParaPr>
+                      <m:jc m:val="centerGroup"/>
+                    </m:oMathParaPr>
+                    <m:oMath xmlns:m="http://schemas.openxmlformats.org/officeDocument/2006/math">
+                      <m:acc>
+                        <m:accPr>
+                          <m:chr m:val="̂"/>
+                          <m:ctrlPr>
+                            <a:rPr lang="de-DE" sz="2400" b="0" i="1" smtClean="0">
+                              <a:latin typeface="Cambria Math" panose="02040503050406030204" pitchFamily="18" charset="0"/>
+                              <a:cs typeface="Arial" panose="020B0604020202020204" pitchFamily="34" charset="0"/>
+                            </a:rPr>
+                          </m:ctrlPr>
+                        </m:accPr>
+                        <m:e>
+                          <m:r>
+                            <a:rPr lang="de-DE" sz="2400" b="0" i="1" smtClean="0">
+                              <a:latin typeface="Cambria Math" panose="02040503050406030204" pitchFamily="18" charset="0"/>
+                              <a:cs typeface="Arial" panose="020B0604020202020204" pitchFamily="34" charset="0"/>
+                            </a:rPr>
+                            <m:t>𝑦</m:t>
+                          </m:r>
+                        </m:e>
+                      </m:acc>
+                      <m:r>
+                        <a:rPr lang="de-DE" sz="2400" b="0" i="1" smtClean="0">
+                          <a:latin typeface="Cambria Math" panose="02040503050406030204" pitchFamily="18" charset="0"/>
+                          <a:cs typeface="Arial" panose="020B0604020202020204" pitchFamily="34" charset="0"/>
+                        </a:rPr>
+                        <m:t>=</m:t>
+                      </m:r>
+                      <m:acc>
+                        <m:accPr>
+                          <m:chr m:val="̂"/>
+                          <m:ctrlPr>
+                            <a:rPr lang="de-DE" sz="2400" b="0" i="1" smtClean="0">
+                              <a:latin typeface="Cambria Math" panose="02040503050406030204" pitchFamily="18" charset="0"/>
+                              <a:cs typeface="Arial" panose="020B0604020202020204" pitchFamily="34" charset="0"/>
+                            </a:rPr>
+                          </m:ctrlPr>
+                        </m:accPr>
+                        <m:e>
+                          <m:sSub>
+                            <m:sSubPr>
+                              <m:ctrlPr>
+                                <a:rPr lang="de-DE" sz="2400" b="0" i="1" smtClean="0">
+                                  <a:latin typeface="Cambria Math" panose="02040503050406030204" pitchFamily="18" charset="0"/>
+                                  <a:cs typeface="Arial" panose="020B0604020202020204" pitchFamily="34" charset="0"/>
+                                </a:rPr>
+                              </m:ctrlPr>
+                            </m:sSubPr>
+                            <m:e>
+                              <m:r>
+                                <a:rPr lang="de-DE" sz="2400" b="0" i="1" smtClean="0">
+                                  <a:latin typeface="Cambria Math" panose="02040503050406030204" pitchFamily="18" charset="0"/>
+                                  <a:cs typeface="Arial" panose="020B0604020202020204" pitchFamily="34" charset="0"/>
+                                </a:rPr>
+                                <m:t>𝛽</m:t>
+                              </m:r>
+                            </m:e>
+                            <m:sub>
+                              <m:r>
+                                <a:rPr lang="de-DE" sz="2400" b="0" i="1" smtClean="0">
+                                  <a:latin typeface="Cambria Math" panose="02040503050406030204" pitchFamily="18" charset="0"/>
+                                  <a:cs typeface="Arial" panose="020B0604020202020204" pitchFamily="34" charset="0"/>
+                                </a:rPr>
+                                <m:t>0</m:t>
+                              </m:r>
+                            </m:sub>
+                          </m:sSub>
+                        </m:e>
+                      </m:acc>
+                      <m:r>
+                        <a:rPr lang="de-DE" sz="2400" b="0" i="1" smtClean="0">
+                          <a:latin typeface="Cambria Math" panose="02040503050406030204" pitchFamily="18" charset="0"/>
+                          <a:cs typeface="Arial" panose="020B0604020202020204" pitchFamily="34" charset="0"/>
+                        </a:rPr>
+                        <m:t>+</m:t>
+                      </m:r>
+                      <m:acc>
+                        <m:accPr>
+                          <m:chr m:val="̂"/>
+                          <m:ctrlPr>
+                            <a:rPr lang="de-DE" sz="2400" b="0" i="1" smtClean="0">
+                              <a:latin typeface="Cambria Math" panose="02040503050406030204" pitchFamily="18" charset="0"/>
+                              <a:cs typeface="Arial" panose="020B0604020202020204" pitchFamily="34" charset="0"/>
+                            </a:rPr>
+                          </m:ctrlPr>
+                        </m:accPr>
+                        <m:e>
+                          <m:sSub>
+                            <m:sSubPr>
+                              <m:ctrlPr>
+                                <a:rPr lang="de-DE" sz="2400" b="0" i="1" smtClean="0">
+                                  <a:latin typeface="Cambria Math" panose="02040503050406030204" pitchFamily="18" charset="0"/>
+                                  <a:cs typeface="Arial" panose="020B0604020202020204" pitchFamily="34" charset="0"/>
+                                </a:rPr>
+                              </m:ctrlPr>
+                            </m:sSubPr>
+                            <m:e>
+                              <m:r>
+                                <a:rPr lang="de-DE" sz="2400" b="0" i="1" smtClean="0">
+                                  <a:latin typeface="Cambria Math" panose="02040503050406030204" pitchFamily="18" charset="0"/>
+                                  <a:cs typeface="Arial" panose="020B0604020202020204" pitchFamily="34" charset="0"/>
+                                </a:rPr>
+                                <m:t>𝛽</m:t>
+                              </m:r>
+                            </m:e>
+                            <m:sub>
+                              <m:r>
+                                <a:rPr lang="de-DE" sz="2400" b="0" i="1" smtClean="0">
+                                  <a:latin typeface="Cambria Math" panose="02040503050406030204" pitchFamily="18" charset="0"/>
+                                  <a:cs typeface="Arial" panose="020B0604020202020204" pitchFamily="34" charset="0"/>
+                                </a:rPr>
+                                <m:t>1</m:t>
+                              </m:r>
+                            </m:sub>
+                          </m:sSub>
+                        </m:e>
+                      </m:acc>
+                      <m:r>
+                        <a:rPr lang="de-DE" sz="2400" b="0" i="1" smtClean="0">
+                          <a:latin typeface="Cambria Math" panose="02040503050406030204" pitchFamily="18" charset="0"/>
+                          <a:cs typeface="Arial" panose="020B0604020202020204" pitchFamily="34" charset="0"/>
+                        </a:rPr>
+                        <m:t>⋅</m:t>
+                      </m:r>
+                      <m:r>
+                        <a:rPr lang="de-DE" sz="2400" b="0" i="1" smtClean="0">
+                          <a:latin typeface="Cambria Math" panose="02040503050406030204" pitchFamily="18" charset="0"/>
+                          <a:cs typeface="Arial" panose="020B0604020202020204" pitchFamily="34" charset="0"/>
+                        </a:rPr>
+                        <m:t>𝑡𝑟𝑒𝑎𝑡</m:t>
+                      </m:r>
+                      <m:r>
+                        <a:rPr lang="de-DE" sz="2400" b="0" i="1" smtClean="0">
+                          <a:latin typeface="Cambria Math" panose="02040503050406030204" pitchFamily="18" charset="0"/>
+                          <a:cs typeface="Arial" panose="020B0604020202020204" pitchFamily="34" charset="0"/>
+                        </a:rPr>
+                        <m:t>+</m:t>
+                      </m:r>
+                      <m:acc>
+                        <m:accPr>
+                          <m:chr m:val="̂"/>
+                          <m:ctrlPr>
+                            <a:rPr lang="de-DE" sz="2400" b="0" i="1" smtClean="0">
+                              <a:latin typeface="Cambria Math" panose="02040503050406030204" pitchFamily="18" charset="0"/>
+                              <a:cs typeface="Arial" panose="020B0604020202020204" pitchFamily="34" charset="0"/>
+                            </a:rPr>
+                          </m:ctrlPr>
+                        </m:accPr>
+                        <m:e>
+                          <m:sSub>
+                            <m:sSubPr>
+                              <m:ctrlPr>
+                                <a:rPr lang="de-DE" sz="2400" b="0" i="1" smtClean="0">
+                                  <a:latin typeface="Cambria Math" panose="02040503050406030204" pitchFamily="18" charset="0"/>
+                                  <a:cs typeface="Arial" panose="020B0604020202020204" pitchFamily="34" charset="0"/>
+                                </a:rPr>
+                              </m:ctrlPr>
+                            </m:sSubPr>
+                            <m:e>
+                              <m:r>
+                                <a:rPr lang="de-DE" sz="2400" b="0" i="1" smtClean="0">
+                                  <a:latin typeface="Cambria Math" panose="02040503050406030204" pitchFamily="18" charset="0"/>
+                                  <a:cs typeface="Arial" panose="020B0604020202020204" pitchFamily="34" charset="0"/>
+                                </a:rPr>
+                                <m:t>𝛽</m:t>
+                              </m:r>
+                            </m:e>
+                            <m:sub>
+                              <m:r>
+                                <a:rPr lang="de-DE" sz="2400" b="0" i="1" smtClean="0">
+                                  <a:latin typeface="Cambria Math" panose="02040503050406030204" pitchFamily="18" charset="0"/>
+                                  <a:cs typeface="Arial" panose="020B0604020202020204" pitchFamily="34" charset="0"/>
+                                </a:rPr>
+                                <m:t>2</m:t>
+                              </m:r>
+                            </m:sub>
+                          </m:sSub>
+                        </m:e>
+                      </m:acc>
+                      <m:r>
+                        <a:rPr lang="de-DE" sz="2400" b="0" i="1" smtClean="0">
+                          <a:latin typeface="Cambria Math" panose="02040503050406030204" pitchFamily="18" charset="0"/>
+                          <a:cs typeface="Arial" panose="020B0604020202020204" pitchFamily="34" charset="0"/>
+                        </a:rPr>
+                        <m:t>⋅</m:t>
+                      </m:r>
+                      <m:r>
+                        <a:rPr lang="de-DE" sz="2400" b="0" i="1" smtClean="0">
+                          <a:latin typeface="Cambria Math" panose="02040503050406030204" pitchFamily="18" charset="0"/>
+                          <a:cs typeface="Arial" panose="020B0604020202020204" pitchFamily="34" charset="0"/>
+                        </a:rPr>
+                        <m:t>𝑎𝑔𝑒</m:t>
+                      </m:r>
+                      <m:r>
+                        <a:rPr lang="de-DE" sz="2400" b="0" i="1" smtClean="0">
+                          <a:latin typeface="Cambria Math" panose="02040503050406030204" pitchFamily="18" charset="0"/>
+                          <a:cs typeface="Arial" panose="020B0604020202020204" pitchFamily="34" charset="0"/>
+                        </a:rPr>
+                        <m:t>+</m:t>
+                      </m:r>
+                      <m:acc>
+                        <m:accPr>
+                          <m:chr m:val="̂"/>
+                          <m:ctrlPr>
+                            <a:rPr lang="de-DE" sz="2400" b="0" i="1" smtClean="0">
+                              <a:latin typeface="Cambria Math" panose="02040503050406030204" pitchFamily="18" charset="0"/>
+                              <a:cs typeface="Arial" panose="020B0604020202020204" pitchFamily="34" charset="0"/>
+                            </a:rPr>
+                          </m:ctrlPr>
+                        </m:accPr>
+                        <m:e>
+                          <m:sSub>
+                            <m:sSubPr>
+                              <m:ctrlPr>
+                                <a:rPr lang="de-DE" sz="2400" b="0" i="1" smtClean="0">
+                                  <a:latin typeface="Cambria Math" panose="02040503050406030204" pitchFamily="18" charset="0"/>
+                                  <a:cs typeface="Arial" panose="020B0604020202020204" pitchFamily="34" charset="0"/>
+                                </a:rPr>
+                              </m:ctrlPr>
+                            </m:sSubPr>
+                            <m:e>
+                              <m:r>
+                                <a:rPr lang="de-DE" sz="2400" b="0" i="1" smtClean="0">
+                                  <a:latin typeface="Cambria Math" panose="02040503050406030204" pitchFamily="18" charset="0"/>
+                                  <a:cs typeface="Arial" panose="020B0604020202020204" pitchFamily="34" charset="0"/>
+                                </a:rPr>
+                                <m:t>𝛽</m:t>
+                              </m:r>
+                            </m:e>
+                            <m:sub>
+                              <m:r>
+                                <a:rPr lang="de-DE" sz="2400" b="0" i="1" smtClean="0">
+                                  <a:latin typeface="Cambria Math" panose="02040503050406030204" pitchFamily="18" charset="0"/>
+                                  <a:cs typeface="Arial" panose="020B0604020202020204" pitchFamily="34" charset="0"/>
+                                </a:rPr>
+                                <m:t>3</m:t>
+                              </m:r>
+                            </m:sub>
+                          </m:sSub>
+                        </m:e>
+                      </m:acc>
+                      <m:r>
+                        <a:rPr lang="de-DE" sz="2400" b="0" i="1" smtClean="0">
+                          <a:latin typeface="Cambria Math" panose="02040503050406030204" pitchFamily="18" charset="0"/>
+                          <a:cs typeface="Arial" panose="020B0604020202020204" pitchFamily="34" charset="0"/>
+                        </a:rPr>
+                        <m:t>⋅</m:t>
+                      </m:r>
+                      <m:r>
+                        <a:rPr lang="de-DE" sz="2400" b="0" i="1" smtClean="0">
+                          <a:latin typeface="Cambria Math" panose="02040503050406030204" pitchFamily="18" charset="0"/>
+                          <a:cs typeface="Arial" panose="020B0604020202020204" pitchFamily="34" charset="0"/>
+                        </a:rPr>
+                        <m:t>𝑚𝑎𝑟𝑟𝑖𝑒𝑑</m:t>
+                      </m:r>
+                      <m:r>
+                        <a:rPr lang="de-DE" sz="2400" b="0" i="1" smtClean="0">
+                          <a:latin typeface="Cambria Math" panose="02040503050406030204" pitchFamily="18" charset="0"/>
+                          <a:cs typeface="Arial" panose="020B0604020202020204" pitchFamily="34" charset="0"/>
+                        </a:rPr>
+                        <m:t>+</m:t>
+                      </m:r>
+                      <m:acc>
+                        <m:accPr>
+                          <m:chr m:val="̂"/>
+                          <m:ctrlPr>
+                            <a:rPr lang="de-DE" sz="2400" b="0" i="1" smtClean="0">
+                              <a:latin typeface="Cambria Math" panose="02040503050406030204" pitchFamily="18" charset="0"/>
+                              <a:cs typeface="Arial" panose="020B0604020202020204" pitchFamily="34" charset="0"/>
+                            </a:rPr>
+                          </m:ctrlPr>
+                        </m:accPr>
+                        <m:e>
+                          <m:sSub>
+                            <m:sSubPr>
+                              <m:ctrlPr>
+                                <a:rPr lang="de-DE" sz="2400" b="0" i="1" smtClean="0">
+                                  <a:latin typeface="Cambria Math" panose="02040503050406030204" pitchFamily="18" charset="0"/>
+                                  <a:cs typeface="Arial" panose="020B0604020202020204" pitchFamily="34" charset="0"/>
+                                </a:rPr>
+                              </m:ctrlPr>
+                            </m:sSubPr>
+                            <m:e>
+                              <m:r>
+                                <a:rPr lang="de-DE" sz="2400" b="0" i="1" smtClean="0">
+                                  <a:latin typeface="Cambria Math" panose="02040503050406030204" pitchFamily="18" charset="0"/>
+                                  <a:cs typeface="Arial" panose="020B0604020202020204" pitchFamily="34" charset="0"/>
+                                </a:rPr>
+                                <m:t>𝛽</m:t>
+                              </m:r>
+                            </m:e>
+                            <m:sub>
+                              <m:r>
+                                <a:rPr lang="de-DE" sz="2400" b="0" i="1" smtClean="0">
+                                  <a:latin typeface="Cambria Math" panose="02040503050406030204" pitchFamily="18" charset="0"/>
+                                  <a:cs typeface="Arial" panose="020B0604020202020204" pitchFamily="34" charset="0"/>
+                                </a:rPr>
+                                <m:t>4</m:t>
+                              </m:r>
+                            </m:sub>
+                          </m:sSub>
+                        </m:e>
+                      </m:acc>
+                      <m:r>
+                        <a:rPr lang="de-DE" sz="2400" b="0" i="1" smtClean="0">
+                          <a:latin typeface="Cambria Math" panose="02040503050406030204" pitchFamily="18" charset="0"/>
+                          <a:cs typeface="Arial" panose="020B0604020202020204" pitchFamily="34" charset="0"/>
+                        </a:rPr>
+                        <m:t>⋅</m:t>
+                      </m:r>
+                      <m:r>
+                        <a:rPr lang="de-DE" sz="2400" b="0" i="1" smtClean="0">
+                          <a:latin typeface="Cambria Math" panose="02040503050406030204" pitchFamily="18" charset="0"/>
+                          <a:cs typeface="Arial" panose="020B0604020202020204" pitchFamily="34" charset="0"/>
+                        </a:rPr>
+                        <m:t>𝑡𝑟𝑒𝑎𝑡</m:t>
+                      </m:r>
+                      <m:r>
+                        <a:rPr lang="de-DE" sz="2400" b="0" i="1" smtClean="0">
+                          <a:latin typeface="Cambria Math" panose="02040503050406030204" pitchFamily="18" charset="0"/>
+                          <a:cs typeface="Arial" panose="020B0604020202020204" pitchFamily="34" charset="0"/>
+                        </a:rPr>
+                        <m:t>×</m:t>
+                      </m:r>
+                      <m:r>
+                        <a:rPr lang="de-DE" sz="2400" b="0" i="1" smtClean="0">
+                          <a:latin typeface="Cambria Math" panose="02040503050406030204" pitchFamily="18" charset="0"/>
+                          <a:cs typeface="Arial" panose="020B0604020202020204" pitchFamily="34" charset="0"/>
+                        </a:rPr>
+                        <m:t>𝑎𝑔𝑒</m:t>
+                      </m:r>
+                    </m:oMath>
+                  </m:oMathPara>
+                </a14:m>
+                <a:endParaRPr lang="en-US" sz="2400" dirty="0">
+                  <a:latin typeface="Arial" panose="020B0604020202020204" pitchFamily="34" charset="0"/>
+                  <a:cs typeface="Arial" panose="020B0604020202020204" pitchFamily="34" charset="0"/>
+                </a:endParaRPr>
+              </a:p>
+            </p:txBody>
+          </p:sp>
+        </mc:Choice>
+        <mc:Fallback>
+          <p:sp>
+            <p:nvSpPr>
+              <p:cNvPr id="16" name="TextBox 15">
+                <a:extLst>
+                  <a:ext uri="{FF2B5EF4-FFF2-40B4-BE49-F238E27FC236}">
+                    <a16:creationId xmlns:a16="http://schemas.microsoft.com/office/drawing/2014/main" id="{79D975B1-A147-A743-ADA4-C6A2B827C41F}"/>
+                  </a:ext>
+                </a:extLst>
+              </p:cNvPr>
+              <p:cNvSpPr txBox="1">
+                <a:spLocks noRot="1" noChangeAspect="1" noMove="1" noResize="1" noEditPoints="1" noAdjustHandles="1" noChangeArrowheads="1" noChangeShapeType="1" noTextEdit="1"/>
+              </p:cNvSpPr>
+              <p:nvPr/>
+            </p:nvSpPr>
+            <p:spPr>
+              <a:xfrm>
+                <a:off x="1894176" y="1051763"/>
+                <a:ext cx="8403647" cy="388889"/>
+              </a:xfrm>
+              <a:prstGeom prst="rect">
+                <a:avLst/>
+              </a:prstGeom>
+              <a:blipFill>
+                <a:blip r:embed="rId7"/>
+                <a:stretch>
+                  <a:fillRect l="-302" t="-22581" r="-302" b="-32258"/>
+                </a:stretch>
+              </a:blipFill>
+            </p:spPr>
+            <p:txBody>
+              <a:bodyPr/>
+              <a:lstStyle/>
+              <a:p>
+                <a:r>
+                  <a:rPr lang="en-US">
+                    <a:noFill/>
+                  </a:rPr>
+                  <a:t> </a:t>
+                </a:r>
+              </a:p>
+            </p:txBody>
+          </p:sp>
+        </mc:Fallback>
+      </mc:AlternateContent>
     </p:spTree>
     <p:extLst>
       <p:ext uri="{BB962C8B-B14F-4D97-AF65-F5344CB8AC3E}">
@@ -9933,36 +10884,6 @@
           <p:nvPr/>
         </p:nvPicPr>
         <p:blipFill>
-          <a:blip r:embed="rId2"/>
-          <a:stretch>
-            <a:fillRect/>
-          </a:stretch>
-        </p:blipFill>
-        <p:spPr>
-          <a:xfrm>
-            <a:off x="5556607" y="1124744"/>
-            <a:ext cx="6174680" cy="1882009"/>
-          </a:xfrm>
-          <a:prstGeom prst="rect">
-            <a:avLst/>
-          </a:prstGeom>
-        </p:spPr>
-      </p:pic>
-      <p:pic>
-        <p:nvPicPr>
-          <p:cNvPr id="10" name="Picture 9" descr="Chart, line chart&#10;&#10;Description automatically generated">
-            <a:extLst>
-              <a:ext uri="{FF2B5EF4-FFF2-40B4-BE49-F238E27FC236}">
-                <a16:creationId xmlns:a16="http://schemas.microsoft.com/office/drawing/2014/main" id="{1FB34245-67B5-EF48-8ABD-5C3CE9425A98}"/>
-              </a:ext>
-            </a:extLst>
-          </p:cNvPr>
-          <p:cNvPicPr>
-            <a:picLocks noChangeAspect="1"/>
-          </p:cNvPicPr>
-          <p:nvPr/>
-        </p:nvPicPr>
-        <p:blipFill>
           <a:blip r:embed="rId3"/>
           <a:stretch>
             <a:fillRect/>
@@ -9970,8 +10891,225 @@
         </p:blipFill>
         <p:spPr>
           <a:xfrm>
-            <a:off x="5556607" y="3092938"/>
-            <a:ext cx="5743290" cy="3445974"/>
+            <a:off x="453964" y="1670899"/>
+            <a:ext cx="5235832" cy="1595853"/>
+          </a:xfrm>
+          <a:prstGeom prst="rect">
+            <a:avLst/>
+          </a:prstGeom>
+        </p:spPr>
+      </p:pic>
+      <p:sp>
+        <p:nvSpPr>
+          <p:cNvPr id="6" name="TextBox 5">
+            <a:extLst>
+              <a:ext uri="{FF2B5EF4-FFF2-40B4-BE49-F238E27FC236}">
+                <a16:creationId xmlns:a16="http://schemas.microsoft.com/office/drawing/2014/main" id="{C23CDA49-30B5-F746-AD13-FAD403AE75BE}"/>
+              </a:ext>
+            </a:extLst>
+          </p:cNvPr>
+          <p:cNvSpPr txBox="1"/>
+          <p:nvPr/>
+        </p:nvSpPr>
+        <p:spPr>
+          <a:xfrm>
+            <a:off x="7078991" y="5753559"/>
+            <a:ext cx="4526111" cy="369332"/>
+          </a:xfrm>
+          <a:prstGeom prst="rect">
+            <a:avLst/>
+          </a:prstGeom>
+          <a:noFill/>
+        </p:spPr>
+        <p:txBody>
+          <a:bodyPr wrap="none" lIns="0" tIns="0" rIns="0" bIns="0" rtlCol="0">
+            <a:spAutoFit/>
+          </a:bodyPr>
+          <a:lstStyle/>
+          <a:p>
+            <a:pPr algn="l"/>
+            <a:r>
+              <a:rPr lang="en-US" sz="2400" dirty="0">
+                <a:latin typeface="Arial" panose="020B0604020202020204" pitchFamily="34" charset="0"/>
+                <a:cs typeface="Arial" panose="020B0604020202020204" pitchFamily="34" charset="0"/>
+              </a:rPr>
+              <a:t>TODO: CI for all vars in </a:t>
+            </a:r>
+            <a:r>
+              <a:rPr lang="en-US" sz="2400" dirty="0" err="1">
+                <a:latin typeface="Arial" panose="020B0604020202020204" pitchFamily="34" charset="0"/>
+                <a:cs typeface="Arial" panose="020B0604020202020204" pitchFamily="34" charset="0"/>
+              </a:rPr>
+              <a:t>sep</a:t>
+            </a:r>
+            <a:r>
+              <a:rPr lang="en-US" sz="2400" dirty="0">
+                <a:latin typeface="Arial" panose="020B0604020202020204" pitchFamily="34" charset="0"/>
+                <a:cs typeface="Arial" panose="020B0604020202020204" pitchFamily="34" charset="0"/>
+              </a:rPr>
+              <a:t> table</a:t>
+            </a:r>
+          </a:p>
+        </p:txBody>
+      </p:sp>
+      <p:sp>
+        <p:nvSpPr>
+          <p:cNvPr id="7" name="TextBox 6">
+            <a:extLst>
+              <a:ext uri="{FF2B5EF4-FFF2-40B4-BE49-F238E27FC236}">
+                <a16:creationId xmlns:a16="http://schemas.microsoft.com/office/drawing/2014/main" id="{88ED2B36-EF4D-9A40-BF95-82096A4715C4}"/>
+              </a:ext>
+            </a:extLst>
+          </p:cNvPr>
+          <p:cNvSpPr txBox="1"/>
+          <p:nvPr/>
+        </p:nvSpPr>
+        <p:spPr>
+          <a:xfrm>
+            <a:off x="7104112" y="4221088"/>
+            <a:ext cx="1473160" cy="738664"/>
+          </a:xfrm>
+          <a:prstGeom prst="rect">
+            <a:avLst/>
+          </a:prstGeom>
+          <a:noFill/>
+        </p:spPr>
+        <p:txBody>
+          <a:bodyPr wrap="none" lIns="0" tIns="0" rIns="0" bIns="0" rtlCol="0">
+            <a:spAutoFit/>
+          </a:bodyPr>
+          <a:lstStyle/>
+          <a:p>
+            <a:pPr algn="l"/>
+            <a:r>
+              <a:rPr lang="en-US" sz="2400" dirty="0">
+                <a:latin typeface="Arial" panose="020B0604020202020204" pitchFamily="34" charset="0"/>
+                <a:cs typeface="Arial" panose="020B0604020202020204" pitchFamily="34" charset="0"/>
+              </a:rPr>
+              <a:t>Limitations</a:t>
+            </a:r>
+          </a:p>
+          <a:p>
+            <a:pPr algn="l"/>
+            <a:r>
+              <a:rPr lang="en-US" sz="2400" dirty="0">
+                <a:latin typeface="Arial" panose="020B0604020202020204" pitchFamily="34" charset="0"/>
+                <a:cs typeface="Arial" panose="020B0604020202020204" pitchFamily="34" charset="0"/>
+              </a:rPr>
+              <a:t>- Low R2</a:t>
+            </a:r>
+          </a:p>
+        </p:txBody>
+      </p:sp>
+      <p:sp>
+        <p:nvSpPr>
+          <p:cNvPr id="9" name="TextBox 8">
+            <a:extLst>
+              <a:ext uri="{FF2B5EF4-FFF2-40B4-BE49-F238E27FC236}">
+                <a16:creationId xmlns:a16="http://schemas.microsoft.com/office/drawing/2014/main" id="{5864DE45-F31F-F34E-BAC6-E015E30D4D60}"/>
+              </a:ext>
+            </a:extLst>
+          </p:cNvPr>
+          <p:cNvSpPr txBox="1"/>
+          <p:nvPr/>
+        </p:nvSpPr>
+        <p:spPr>
+          <a:xfrm>
+            <a:off x="460713" y="1147906"/>
+            <a:ext cx="888064" cy="369332"/>
+          </a:xfrm>
+          <a:prstGeom prst="rect">
+            <a:avLst/>
+          </a:prstGeom>
+          <a:noFill/>
+        </p:spPr>
+        <p:txBody>
+          <a:bodyPr wrap="none" lIns="0" tIns="0" rIns="0" bIns="0" rtlCol="0">
+            <a:spAutoFit/>
+          </a:bodyPr>
+          <a:lstStyle/>
+          <a:p>
+            <a:pPr algn="l"/>
+            <a:r>
+              <a:rPr lang="en-US" sz="2400" b="1" dirty="0">
+                <a:solidFill>
+                  <a:srgbClr val="03529B"/>
+                </a:solidFill>
+                <a:latin typeface="Arial" panose="020B0604020202020204" pitchFamily="34" charset="0"/>
+                <a:cs typeface="Arial" panose="020B0604020202020204" pitchFamily="34" charset="0"/>
+              </a:rPr>
+              <a:t>Model</a:t>
+            </a:r>
+          </a:p>
+        </p:txBody>
+      </p:sp>
+      <p:cxnSp>
+        <p:nvCxnSpPr>
+          <p:cNvPr id="11" name="Straight Connector 10">
+            <a:extLst>
+              <a:ext uri="{FF2B5EF4-FFF2-40B4-BE49-F238E27FC236}">
+                <a16:creationId xmlns:a16="http://schemas.microsoft.com/office/drawing/2014/main" id="{F45F55A1-178F-204B-8122-0D25726930AE}"/>
+              </a:ext>
+            </a:extLst>
+          </p:cNvPr>
+          <p:cNvCxnSpPr>
+            <a:cxnSpLocks/>
+          </p:cNvCxnSpPr>
+          <p:nvPr/>
+        </p:nvCxnSpPr>
+        <p:spPr>
+          <a:xfrm>
+            <a:off x="460713" y="1520934"/>
+            <a:ext cx="5209425" cy="0"/>
+          </a:xfrm>
+          <a:prstGeom prst="line">
+            <a:avLst/>
+          </a:prstGeom>
+          <a:ln w="28575">
+            <a:solidFill>
+              <a:srgbClr val="03529B"/>
+            </a:solidFill>
+          </a:ln>
+        </p:spPr>
+        <p:style>
+          <a:lnRef idx="1">
+            <a:schemeClr val="accent1"/>
+          </a:lnRef>
+          <a:fillRef idx="0">
+            <a:schemeClr val="accent1"/>
+          </a:fillRef>
+          <a:effectRef idx="0">
+            <a:schemeClr val="accent1"/>
+          </a:effectRef>
+          <a:fontRef idx="minor">
+            <a:schemeClr val="tx1"/>
+          </a:fontRef>
+        </p:style>
+      </p:cxnSp>
+      <p:pic>
+        <p:nvPicPr>
+          <p:cNvPr id="12" name="Picture 11" descr="Chart, line chart&#10;&#10;Description automatically generated">
+            <a:extLst>
+              <a:ext uri="{FF2B5EF4-FFF2-40B4-BE49-F238E27FC236}">
+                <a16:creationId xmlns:a16="http://schemas.microsoft.com/office/drawing/2014/main" id="{1230B900-9738-584F-8D23-FB718BC7087A}"/>
+              </a:ext>
+            </a:extLst>
+          </p:cNvPr>
+          <p:cNvPicPr>
+            <a:picLocks noChangeAspect="1"/>
+          </p:cNvPicPr>
+          <p:nvPr/>
+        </p:nvPicPr>
+        <p:blipFill>
+          <a:blip r:embed="rId4"/>
+          <a:stretch>
+            <a:fillRect/>
+          </a:stretch>
+        </p:blipFill>
+        <p:spPr>
+          <a:xfrm>
+            <a:off x="184448" y="3333794"/>
+            <a:ext cx="5623516" cy="3374110"/>
           </a:xfrm>
           <a:prstGeom prst="rect">
             <a:avLst/>

--- a/Presentation/slide_deck.pptx
+++ b/Presentation/slide_deck.pptx
@@ -5,20 +5,19 @@
     <p:sldMasterId id="2147483648" r:id="rId1"/>
   </p:sldMasterIdLst>
   <p:notesMasterIdLst>
-    <p:notesMasterId r:id="rId13"/>
+    <p:notesMasterId r:id="rId12"/>
   </p:notesMasterIdLst>
   <p:sldIdLst>
     <p:sldId id="256" r:id="rId2"/>
-    <p:sldId id="260" r:id="rId3"/>
-    <p:sldId id="259" r:id="rId4"/>
-    <p:sldId id="264" r:id="rId5"/>
-    <p:sldId id="269" r:id="rId6"/>
-    <p:sldId id="266" r:id="rId7"/>
-    <p:sldId id="268" r:id="rId8"/>
-    <p:sldId id="271" r:id="rId9"/>
-    <p:sldId id="270" r:id="rId10"/>
-    <p:sldId id="267" r:id="rId11"/>
-    <p:sldId id="272" r:id="rId12"/>
+    <p:sldId id="259" r:id="rId3"/>
+    <p:sldId id="264" r:id="rId4"/>
+    <p:sldId id="269" r:id="rId5"/>
+    <p:sldId id="266" r:id="rId6"/>
+    <p:sldId id="268" r:id="rId7"/>
+    <p:sldId id="273" r:id="rId8"/>
+    <p:sldId id="270" r:id="rId9"/>
+    <p:sldId id="267" r:id="rId10"/>
+    <p:sldId id="272" r:id="rId11"/>
   </p:sldIdLst>
   <p:sldSz cx="12192000" cy="6858000"/>
   <p:notesSz cx="6858000" cy="9144000"/>
@@ -547,7 +546,7 @@
           <a:p>
             <a:fld id="{F5134806-D19D-A540-9B0B-614DC5FE67CD}" type="slidenum">
               <a:rPr lang="en-US" smtClean="0"/>
-              <a:t>6</a:t>
+              <a:t>5</a:t>
             </a:fld>
             <a:endParaRPr lang="en-US"/>
           </a:p>
@@ -635,7 +634,7 @@
           <a:p>
             <a:fld id="{F5134806-D19D-A540-9B0B-614DC5FE67CD}" type="slidenum">
               <a:rPr lang="en-US" smtClean="0"/>
-              <a:t>7</a:t>
+              <a:t>6</a:t>
             </a:fld>
             <a:endParaRPr lang="en-US"/>
           </a:p>
@@ -770,7 +769,7 @@
           <a:p>
             <a:fld id="{F5134806-D19D-A540-9B0B-614DC5FE67CD}" type="slidenum">
               <a:rPr lang="en-US" smtClean="0"/>
-              <a:t>8</a:t>
+              <a:t>7</a:t>
             </a:fld>
             <a:endParaRPr lang="en-US"/>
           </a:p>
@@ -779,7 +778,7 @@
     </p:spTree>
     <p:extLst>
       <p:ext uri="{BB962C8B-B14F-4D97-AF65-F5344CB8AC3E}">
-        <p14:creationId xmlns:p14="http://schemas.microsoft.com/office/powerpoint/2010/main" val="638928056"/>
+        <p14:creationId xmlns:p14="http://schemas.microsoft.com/office/powerpoint/2010/main" val="3747869741"/>
       </p:ext>
     </p:extLst>
   </p:cSld>
@@ -857,7 +856,7 @@
           <a:p>
             <a:fld id="{F5134806-D19D-A540-9B0B-614DC5FE67CD}" type="slidenum">
               <a:rPr lang="en-US" smtClean="0"/>
-              <a:t>9</a:t>
+              <a:t>8</a:t>
             </a:fld>
             <a:endParaRPr lang="en-US"/>
           </a:p>
@@ -3539,8 +3538,13 @@
     <p:bg>
       <p:bgPr>
         <a:blipFill dpi="0" rotWithShape="1">
-          <a:blip r:embed="rId13">
+          <a:blip r:embed="rId13" cstate="hqprint">
             <a:lum/>
+            <a:extLst>
+              <a:ext uri="{28A0092B-C50C-407E-A947-70E740481C1C}">
+                <a14:useLocalDpi xmlns:a14="http://schemas.microsoft.com/office/drawing/2010/main"/>
+              </a:ext>
+            </a:extLst>
           </a:blip>
           <a:srcRect/>
           <a:stretch>
@@ -4290,212 +4294,6 @@
 </file>
 
 <file path=ppt/slides/slide10.xml><?xml version="1.0" encoding="utf-8"?>
-<p:sld xmlns:a="http://schemas.openxmlformats.org/drawingml/2006/main" xmlns:r="http://schemas.openxmlformats.org/officeDocument/2006/relationships" xmlns:p="http://schemas.openxmlformats.org/presentationml/2006/main">
-  <p:cSld>
-    <p:spTree>
-      <p:nvGrpSpPr>
-        <p:cNvPr id="1" name=""/>
-        <p:cNvGrpSpPr/>
-        <p:nvPr/>
-      </p:nvGrpSpPr>
-      <p:grpSpPr>
-        <a:xfrm>
-          <a:off x="0" y="0"/>
-          <a:ext cx="0" cy="0"/>
-          <a:chOff x="0" y="0"/>
-          <a:chExt cx="0" cy="0"/>
-        </a:xfrm>
-      </p:grpSpPr>
-      <p:sp>
-        <p:nvSpPr>
-          <p:cNvPr id="2" name="Slide Number Placeholder 1">
-            <a:extLst>
-              <a:ext uri="{FF2B5EF4-FFF2-40B4-BE49-F238E27FC236}">
-                <a16:creationId xmlns:a16="http://schemas.microsoft.com/office/drawing/2014/main" id="{9B12371F-989E-EE43-B20F-90E48B433F0A}"/>
-              </a:ext>
-            </a:extLst>
-          </p:cNvPr>
-          <p:cNvSpPr>
-            <a:spLocks noGrp="1"/>
-          </p:cNvSpPr>
-          <p:nvPr>
-            <p:ph type="sldNum" sz="quarter" idx="12"/>
-          </p:nvPr>
-        </p:nvSpPr>
-        <p:spPr/>
-        <p:txBody>
-          <a:bodyPr/>
-          <a:lstStyle/>
-          <a:p>
-            <a:fld id="{2D00CA07-45C7-8142-9F4D-3A07AD48DFA1}" type="slidenum">
-              <a:rPr lang="en-US" smtClean="0"/>
-              <a:t>10</a:t>
-            </a:fld>
-            <a:endParaRPr lang="en-US"/>
-          </a:p>
-        </p:txBody>
-      </p:sp>
-      <p:sp>
-        <p:nvSpPr>
-          <p:cNvPr id="3" name="TextBox 2">
-            <a:extLst>
-              <a:ext uri="{FF2B5EF4-FFF2-40B4-BE49-F238E27FC236}">
-                <a16:creationId xmlns:a16="http://schemas.microsoft.com/office/drawing/2014/main" id="{2B4E9B55-4425-2740-A108-76FF69BA3D12}"/>
-              </a:ext>
-            </a:extLst>
-          </p:cNvPr>
-          <p:cNvSpPr txBox="1"/>
-          <p:nvPr/>
-        </p:nvSpPr>
-        <p:spPr>
-          <a:xfrm>
-            <a:off x="460713" y="332656"/>
-            <a:ext cx="2487861" cy="553998"/>
-          </a:xfrm>
-          <a:prstGeom prst="rect">
-            <a:avLst/>
-          </a:prstGeom>
-          <a:noFill/>
-        </p:spPr>
-        <p:txBody>
-          <a:bodyPr wrap="none" lIns="0" tIns="0" rIns="0" bIns="0" rtlCol="0">
-            <a:spAutoFit/>
-          </a:bodyPr>
-          <a:lstStyle/>
-          <a:p>
-            <a:r>
-              <a:rPr lang="en-US" sz="3600" b="1" dirty="0">
-                <a:latin typeface="Arial" panose="020B0604020202020204" pitchFamily="34" charset="0"/>
-                <a:cs typeface="Arial" panose="020B0604020202020204" pitchFamily="34" charset="0"/>
-              </a:rPr>
-              <a:t>References</a:t>
-            </a:r>
-          </a:p>
-        </p:txBody>
-      </p:sp>
-      <p:cxnSp>
-        <p:nvCxnSpPr>
-          <p:cNvPr id="4" name="Straight Connector 3">
-            <a:extLst>
-              <a:ext uri="{FF2B5EF4-FFF2-40B4-BE49-F238E27FC236}">
-                <a16:creationId xmlns:a16="http://schemas.microsoft.com/office/drawing/2014/main" id="{CFDF23E1-C7BD-4C48-9E8A-53704A4D662C}"/>
-              </a:ext>
-            </a:extLst>
-          </p:cNvPr>
-          <p:cNvCxnSpPr>
-            <a:cxnSpLocks/>
-          </p:cNvCxnSpPr>
-          <p:nvPr/>
-        </p:nvCxnSpPr>
-        <p:spPr>
-          <a:xfrm>
-            <a:off x="460714" y="886654"/>
-            <a:ext cx="11270573" cy="0"/>
-          </a:xfrm>
-          <a:prstGeom prst="line">
-            <a:avLst/>
-          </a:prstGeom>
-          <a:ln w="38100">
-            <a:solidFill>
-              <a:schemeClr val="tx1"/>
-            </a:solidFill>
-          </a:ln>
-        </p:spPr>
-        <p:style>
-          <a:lnRef idx="1">
-            <a:schemeClr val="accent1"/>
-          </a:lnRef>
-          <a:fillRef idx="0">
-            <a:schemeClr val="accent1"/>
-          </a:fillRef>
-          <a:effectRef idx="0">
-            <a:schemeClr val="accent1"/>
-          </a:effectRef>
-          <a:fontRef idx="minor">
-            <a:schemeClr val="tx1"/>
-          </a:fontRef>
-        </p:style>
-      </p:cxnSp>
-      <p:sp>
-        <p:nvSpPr>
-          <p:cNvPr id="5" name="TextBox 4">
-            <a:extLst>
-              <a:ext uri="{FF2B5EF4-FFF2-40B4-BE49-F238E27FC236}">
-                <a16:creationId xmlns:a16="http://schemas.microsoft.com/office/drawing/2014/main" id="{A282371E-38BA-5141-AE1B-F1AE656FF39C}"/>
-              </a:ext>
-            </a:extLst>
-          </p:cNvPr>
-          <p:cNvSpPr txBox="1"/>
-          <p:nvPr/>
-        </p:nvSpPr>
-        <p:spPr>
-          <a:xfrm>
-            <a:off x="455385" y="1268760"/>
-            <a:ext cx="11270572" cy="1477328"/>
-          </a:xfrm>
-          <a:prstGeom prst="rect">
-            <a:avLst/>
-          </a:prstGeom>
-          <a:noFill/>
-        </p:spPr>
-        <p:txBody>
-          <a:bodyPr wrap="square" lIns="0" tIns="0" rIns="0" bIns="0" rtlCol="0">
-            <a:spAutoFit/>
-          </a:bodyPr>
-          <a:lstStyle/>
-          <a:p>
-            <a:pPr marL="457200" indent="-457200">
-              <a:buFont typeface="+mj-lt"/>
-              <a:buAutoNum type="arabicPeriod"/>
-            </a:pPr>
-            <a:r>
-              <a:rPr lang="en-US" sz="2400" dirty="0">
-                <a:latin typeface="Arial" panose="020B0604020202020204" pitchFamily="34" charset="0"/>
-                <a:cs typeface="Arial" panose="020B0604020202020204" pitchFamily="34" charset="0"/>
-              </a:rPr>
-              <a:t>Lalonde, R. J. (1986), Evaluating the econometric evaluations of training programs with experimental data, </a:t>
-            </a:r>
-            <a:r>
-              <a:rPr lang="en-US" sz="2400" i="1" dirty="0">
-                <a:latin typeface="Arial" panose="020B0604020202020204" pitchFamily="34" charset="0"/>
-                <a:cs typeface="Arial" panose="020B0604020202020204" pitchFamily="34" charset="0"/>
-              </a:rPr>
-              <a:t>The American Economic Review</a:t>
-            </a:r>
-            <a:r>
-              <a:rPr lang="en-US" sz="2400" dirty="0">
-                <a:latin typeface="Arial" panose="020B0604020202020204" pitchFamily="34" charset="0"/>
-                <a:cs typeface="Arial" panose="020B0604020202020204" pitchFamily="34" charset="0"/>
-              </a:rPr>
-              <a:t>, 76, 604 - 620.</a:t>
-            </a:r>
-          </a:p>
-          <a:p>
-            <a:pPr marL="457200" indent="-457200" algn="just">
-              <a:buFont typeface="+mj-lt"/>
-              <a:buAutoNum type="arabicPeriod"/>
-            </a:pPr>
-            <a:endParaRPr lang="en-US" sz="2400" dirty="0">
-              <a:latin typeface="Arial" panose="020B0604020202020204" pitchFamily="34" charset="0"/>
-              <a:cs typeface="Arial" panose="020B0604020202020204" pitchFamily="34" charset="0"/>
-            </a:endParaRPr>
-          </a:p>
-        </p:txBody>
-      </p:sp>
-    </p:spTree>
-    <p:extLst>
-      <p:ext uri="{BB962C8B-B14F-4D97-AF65-F5344CB8AC3E}">
-        <p14:creationId xmlns:p14="http://schemas.microsoft.com/office/powerpoint/2010/main" val="2249029831"/>
-      </p:ext>
-    </p:extLst>
-  </p:cSld>
-  <p:clrMapOvr>
-    <a:masterClrMapping/>
-  </p:clrMapOvr>
-</p:sld>
-</file>
-
-<file path=ppt/slides/slide11.xml><?xml version="1.0" encoding="utf-8"?>
 <p:sld xmlns:a="http://schemas.openxmlformats.org/drawingml/2006/main" xmlns:r="http://schemas.openxmlformats.org/officeDocument/2006/relationships" xmlns:p="http://schemas.openxmlformats.org/presentationml/2006/main" show="0">
   <p:cSld>
     <p:spTree>
@@ -4535,7 +4333,7 @@
           <a:p>
             <a:fld id="{2D00CA07-45C7-8142-9F4D-3A07AD48DFA1}" type="slidenum">
               <a:rPr lang="en-US" smtClean="0"/>
-              <a:t>11</a:t>
+              <a:t>10</a:t>
             </a:fld>
             <a:endParaRPr lang="en-US"/>
           </a:p>
@@ -4636,496 +4434,6 @@
 </file>
 
 <file path=ppt/slides/slide2.xml><?xml version="1.0" encoding="utf-8"?>
-<p:sld xmlns:a="http://schemas.openxmlformats.org/drawingml/2006/main" xmlns:r="http://schemas.openxmlformats.org/officeDocument/2006/relationships" xmlns:p="http://schemas.openxmlformats.org/presentationml/2006/main" show="0">
-  <p:cSld>
-    <p:spTree>
-      <p:nvGrpSpPr>
-        <p:cNvPr id="1" name=""/>
-        <p:cNvGrpSpPr/>
-        <p:nvPr/>
-      </p:nvGrpSpPr>
-      <p:grpSpPr>
-        <a:xfrm>
-          <a:off x="0" y="0"/>
-          <a:ext cx="0" cy="0"/>
-          <a:chOff x="0" y="0"/>
-          <a:chExt cx="0" cy="0"/>
-        </a:xfrm>
-      </p:grpSpPr>
-      <p:sp>
-        <p:nvSpPr>
-          <p:cNvPr id="2" name="Slide Number Placeholder 1">
-            <a:extLst>
-              <a:ext uri="{FF2B5EF4-FFF2-40B4-BE49-F238E27FC236}">
-                <a16:creationId xmlns:a16="http://schemas.microsoft.com/office/drawing/2014/main" id="{B854B1D3-9D48-284F-B62E-6BB1A876D3F8}"/>
-              </a:ext>
-            </a:extLst>
-          </p:cNvPr>
-          <p:cNvSpPr>
-            <a:spLocks noGrp="1"/>
-          </p:cNvSpPr>
-          <p:nvPr>
-            <p:ph type="sldNum" sz="quarter" idx="12"/>
-          </p:nvPr>
-        </p:nvSpPr>
-        <p:spPr/>
-        <p:txBody>
-          <a:bodyPr/>
-          <a:lstStyle/>
-          <a:p>
-            <a:fld id="{2D00CA07-45C7-8142-9F4D-3A07AD48DFA1}" type="slidenum">
-              <a:rPr lang="en-US" smtClean="0"/>
-              <a:t>2</a:t>
-            </a:fld>
-            <a:endParaRPr lang="en-US"/>
-          </a:p>
-        </p:txBody>
-      </p:sp>
-      <p:sp>
-        <p:nvSpPr>
-          <p:cNvPr id="3" name="TextBox 2">
-            <a:extLst>
-              <a:ext uri="{FF2B5EF4-FFF2-40B4-BE49-F238E27FC236}">
-                <a16:creationId xmlns:a16="http://schemas.microsoft.com/office/drawing/2014/main" id="{A70D8A1C-105A-C94A-A36B-D18710BCC2CD}"/>
-              </a:ext>
-            </a:extLst>
-          </p:cNvPr>
-          <p:cNvSpPr txBox="1"/>
-          <p:nvPr/>
-        </p:nvSpPr>
-        <p:spPr>
-          <a:xfrm>
-            <a:off x="767408" y="548680"/>
-            <a:ext cx="1436291" cy="369332"/>
-          </a:xfrm>
-          <a:prstGeom prst="rect">
-            <a:avLst/>
-          </a:prstGeom>
-          <a:noFill/>
-        </p:spPr>
-        <p:txBody>
-          <a:bodyPr wrap="none" lIns="0" tIns="0" rIns="0" bIns="0" rtlCol="0">
-            <a:spAutoFit/>
-          </a:bodyPr>
-          <a:lstStyle/>
-          <a:p>
-            <a:pPr algn="l"/>
-            <a:r>
-              <a:rPr lang="en-US" sz="2400" dirty="0">
-                <a:latin typeface="Arial" panose="020B0604020202020204" pitchFamily="34" charset="0"/>
-                <a:cs typeface="Arial" panose="020B0604020202020204" pitchFamily="34" charset="0"/>
-              </a:rPr>
-              <a:t>Plan Part I</a:t>
-            </a:r>
-          </a:p>
-        </p:txBody>
-      </p:sp>
-      <p:sp>
-        <p:nvSpPr>
-          <p:cNvPr id="4" name="TextBox 3">
-            <a:extLst>
-              <a:ext uri="{FF2B5EF4-FFF2-40B4-BE49-F238E27FC236}">
-                <a16:creationId xmlns:a16="http://schemas.microsoft.com/office/drawing/2014/main" id="{F82EC506-50BC-A44E-B49E-761346717201}"/>
-              </a:ext>
-            </a:extLst>
-          </p:cNvPr>
-          <p:cNvSpPr txBox="1"/>
-          <p:nvPr/>
-        </p:nvSpPr>
-        <p:spPr>
-          <a:xfrm>
-            <a:off x="551384" y="1089741"/>
-            <a:ext cx="10913971" cy="6771084"/>
-          </a:xfrm>
-          <a:prstGeom prst="rect">
-            <a:avLst/>
-          </a:prstGeom>
-          <a:noFill/>
-        </p:spPr>
-        <p:txBody>
-          <a:bodyPr wrap="square" lIns="0" tIns="0" rIns="0" bIns="0" rtlCol="0">
-            <a:spAutoFit/>
-          </a:bodyPr>
-          <a:lstStyle/>
-          <a:p>
-            <a:pPr algn="l"/>
-            <a:r>
-              <a:rPr lang="en-US" sz="2000" b="1" dirty="0">
-                <a:latin typeface="Arial" panose="020B0604020202020204" pitchFamily="34" charset="0"/>
-                <a:cs typeface="Arial" panose="020B0604020202020204" pitchFamily="34" charset="0"/>
-              </a:rPr>
-              <a:t>EDA</a:t>
-            </a:r>
-          </a:p>
-          <a:p>
-            <a:pPr marL="342900" indent="-342900" algn="l">
-              <a:buFontTx/>
-              <a:buChar char="-"/>
-            </a:pPr>
-            <a:r>
-              <a:rPr lang="en-US" sz="2000" dirty="0">
-                <a:latin typeface="Arial" panose="020B0604020202020204" pitchFamily="34" charset="0"/>
-                <a:cs typeface="Arial" panose="020B0604020202020204" pitchFamily="34" charset="0"/>
-              </a:rPr>
-              <a:t>Pretty plot</a:t>
-            </a:r>
-          </a:p>
-          <a:p>
-            <a:pPr algn="l"/>
-            <a:endParaRPr lang="en-US" sz="2000" b="1" dirty="0">
-              <a:latin typeface="Arial" panose="020B0604020202020204" pitchFamily="34" charset="0"/>
-              <a:cs typeface="Arial" panose="020B0604020202020204" pitchFamily="34" charset="0"/>
-            </a:endParaRPr>
-          </a:p>
-          <a:p>
-            <a:pPr algn="l"/>
-            <a:r>
-              <a:rPr lang="en-US" sz="2000" b="1" dirty="0">
-                <a:latin typeface="Arial" panose="020B0604020202020204" pitchFamily="34" charset="0"/>
-                <a:cs typeface="Arial" panose="020B0604020202020204" pitchFamily="34" charset="0"/>
-              </a:rPr>
-              <a:t>Experiments</a:t>
-            </a:r>
-          </a:p>
-          <a:p>
-            <a:pPr marL="342900" indent="-342900" algn="l">
-              <a:buFontTx/>
-              <a:buChar char="-"/>
-            </a:pPr>
-            <a:r>
-              <a:rPr lang="en-US" sz="2000" dirty="0">
-                <a:latin typeface="Arial" panose="020B0604020202020204" pitchFamily="34" charset="0"/>
-                <a:cs typeface="Arial" panose="020B0604020202020204" pitchFamily="34" charset="0"/>
-              </a:rPr>
-              <a:t>Issues with re78 (zero inflation)</a:t>
-            </a:r>
-          </a:p>
-          <a:p>
-            <a:pPr algn="l"/>
-            <a:endParaRPr lang="en-US" sz="2000" b="1" dirty="0">
-              <a:latin typeface="Arial" panose="020B0604020202020204" pitchFamily="34" charset="0"/>
-              <a:cs typeface="Arial" panose="020B0604020202020204" pitchFamily="34" charset="0"/>
-            </a:endParaRPr>
-          </a:p>
-          <a:p>
-            <a:pPr algn="l"/>
-            <a:r>
-              <a:rPr lang="en-US" sz="2000" b="1" dirty="0">
-                <a:latin typeface="Arial" panose="020B0604020202020204" pitchFamily="34" charset="0"/>
-                <a:cs typeface="Arial" panose="020B0604020202020204" pitchFamily="34" charset="0"/>
-              </a:rPr>
-              <a:t>Process description</a:t>
-            </a:r>
-          </a:p>
-          <a:p>
-            <a:pPr marL="342900" indent="-342900" algn="l">
-              <a:buFontTx/>
-              <a:buChar char="-"/>
-            </a:pPr>
-            <a:r>
-              <a:rPr lang="en-US" sz="2000" dirty="0">
-                <a:latin typeface="Arial" panose="020B0604020202020204" pitchFamily="34" charset="0"/>
-                <a:cs typeface="Arial" panose="020B0604020202020204" pitchFamily="34" charset="0"/>
-              </a:rPr>
-              <a:t>Stepwise</a:t>
-            </a:r>
-          </a:p>
-          <a:p>
-            <a:pPr marL="800100" lvl="1" indent="-342900">
-              <a:buFontTx/>
-              <a:buChar char="-"/>
-            </a:pPr>
-            <a:r>
-              <a:rPr lang="en-US" sz="2000" dirty="0">
-                <a:latin typeface="Arial" panose="020B0604020202020204" pitchFamily="34" charset="0"/>
-                <a:cs typeface="Arial" panose="020B0604020202020204" pitchFamily="34" charset="0"/>
-              </a:rPr>
-              <a:t>Null: only treat</a:t>
-            </a:r>
-          </a:p>
-          <a:p>
-            <a:pPr marL="800100" lvl="1" indent="-342900">
-              <a:buFontTx/>
-              <a:buChar char="-"/>
-            </a:pPr>
-            <a:r>
-              <a:rPr lang="en-US" sz="2000" dirty="0">
-                <a:latin typeface="Arial" panose="020B0604020202020204" pitchFamily="34" charset="0"/>
-                <a:cs typeface="Arial" panose="020B0604020202020204" pitchFamily="34" charset="0"/>
-              </a:rPr>
-              <a:t>Full: All mean effects</a:t>
-            </a:r>
-          </a:p>
-          <a:p>
-            <a:pPr marL="800100" lvl="1" indent="-342900">
-              <a:buFontTx/>
-              <a:buChar char="-"/>
-            </a:pPr>
-            <a:r>
-              <a:rPr lang="en-US" sz="2000" dirty="0">
-                <a:latin typeface="Arial" panose="020B0604020202020204" pitchFamily="34" charset="0"/>
-                <a:cs typeface="Arial" panose="020B0604020202020204" pitchFamily="34" charset="0"/>
-              </a:rPr>
-              <a:t>Uses: treat + age + married</a:t>
-            </a:r>
-          </a:p>
-          <a:p>
-            <a:pPr marL="342900" indent="-342900">
-              <a:buFontTx/>
-              <a:buChar char="-"/>
-            </a:pPr>
-            <a:r>
-              <a:rPr lang="en-US" sz="2000" dirty="0">
-                <a:latin typeface="Arial" panose="020B0604020202020204" pitchFamily="34" charset="0"/>
-                <a:cs typeface="Arial" panose="020B0604020202020204" pitchFamily="34" charset="0"/>
-              </a:rPr>
-              <a:t>Test interactions of  these 3</a:t>
-            </a:r>
-          </a:p>
-          <a:p>
-            <a:pPr marL="800100" lvl="1" indent="-342900">
-              <a:buFontTx/>
-              <a:buChar char="-"/>
-            </a:pPr>
-            <a:r>
-              <a:rPr lang="en-US" sz="2000" dirty="0" err="1">
-                <a:latin typeface="Arial" panose="020B0604020202020204" pitchFamily="34" charset="0"/>
-                <a:cs typeface="Arial" panose="020B0604020202020204" pitchFamily="34" charset="0"/>
-              </a:rPr>
-              <a:t>Anova</a:t>
-            </a:r>
-            <a:r>
-              <a:rPr lang="en-US" sz="2000" dirty="0">
-                <a:latin typeface="Arial" panose="020B0604020202020204" pitchFamily="34" charset="0"/>
-                <a:cs typeface="Arial" panose="020B0604020202020204" pitchFamily="34" charset="0"/>
-              </a:rPr>
-              <a:t>: SIG: Treat x age | NS: Treat x married, married x age</a:t>
-            </a:r>
-          </a:p>
-          <a:p>
-            <a:pPr marL="342900" indent="-342900">
-              <a:buFontTx/>
-              <a:buChar char="-"/>
-            </a:pPr>
-            <a:r>
-              <a:rPr lang="en-US" sz="2000" dirty="0">
-                <a:latin typeface="Arial" panose="020B0604020202020204" pitchFamily="34" charset="0"/>
-                <a:cs typeface="Arial" panose="020B0604020202020204" pitchFamily="34" charset="0"/>
-              </a:rPr>
-              <a:t>Test interactions between demographic groups</a:t>
-            </a:r>
-          </a:p>
-          <a:p>
-            <a:pPr marL="800100" lvl="1" indent="-342900">
-              <a:buFontTx/>
-              <a:buChar char="-"/>
-            </a:pPr>
-            <a:r>
-              <a:rPr lang="en-US" sz="2000" dirty="0">
-                <a:latin typeface="Arial" panose="020B0604020202020204" pitchFamily="34" charset="0"/>
-                <a:cs typeface="Arial" panose="020B0604020202020204" pitchFamily="34" charset="0"/>
-              </a:rPr>
-              <a:t>No sig interactions for AIC result VS. AIC result + race x treat interaction</a:t>
-            </a:r>
-          </a:p>
-          <a:p>
-            <a:pPr marL="342900" indent="-342900">
-              <a:buFontTx/>
-              <a:buChar char="-"/>
-            </a:pPr>
-            <a:r>
-              <a:rPr lang="en-US" sz="2000" dirty="0">
-                <a:latin typeface="Arial" panose="020B0604020202020204" pitchFamily="34" charset="0"/>
-                <a:cs typeface="Arial" panose="020B0604020202020204" pitchFamily="34" charset="0"/>
-              </a:rPr>
-              <a:t>Model assessment</a:t>
-            </a:r>
-          </a:p>
-          <a:p>
-            <a:pPr marL="800100" lvl="1" indent="-342900">
-              <a:buFontTx/>
-              <a:buChar char="-"/>
-            </a:pPr>
-            <a:r>
-              <a:rPr lang="en-US" sz="2000" dirty="0" err="1">
-                <a:latin typeface="Arial" panose="020B0604020202020204" pitchFamily="34" charset="0"/>
-                <a:cs typeface="Arial" panose="020B0604020202020204" pitchFamily="34" charset="0"/>
-              </a:rPr>
-              <a:t>Nuice</a:t>
-            </a:r>
-            <a:r>
-              <a:rPr lang="en-US" sz="2000" dirty="0">
-                <a:latin typeface="Arial" panose="020B0604020202020204" pitchFamily="34" charset="0"/>
-                <a:cs typeface="Arial" panose="020B0604020202020204" pitchFamily="34" charset="0"/>
-              </a:rPr>
-              <a:t>, but a couple of outliers, they are not influential -&gt; ignore</a:t>
-            </a:r>
-          </a:p>
-          <a:p>
-            <a:pPr marL="800100" lvl="1" indent="-342900">
-              <a:buFontTx/>
-              <a:buChar char="-"/>
-            </a:pPr>
-            <a:endParaRPr lang="en-US" sz="2000" dirty="0">
-              <a:latin typeface="Arial" panose="020B0604020202020204" pitchFamily="34" charset="0"/>
-              <a:cs typeface="Arial" panose="020B0604020202020204" pitchFamily="34" charset="0"/>
-            </a:endParaRPr>
-          </a:p>
-          <a:p>
-            <a:pPr marL="800100" lvl="1" indent="-342900">
-              <a:buFontTx/>
-              <a:buChar char="-"/>
-            </a:pPr>
-            <a:endParaRPr lang="en-US" sz="2000" dirty="0">
-              <a:latin typeface="Arial" panose="020B0604020202020204" pitchFamily="34" charset="0"/>
-              <a:cs typeface="Arial" panose="020B0604020202020204" pitchFamily="34" charset="0"/>
-            </a:endParaRPr>
-          </a:p>
-          <a:p>
-            <a:pPr marL="800100" lvl="1" indent="-342900">
-              <a:buFontTx/>
-              <a:buChar char="-"/>
-            </a:pPr>
-            <a:endParaRPr lang="en-US" sz="2000" dirty="0">
-              <a:latin typeface="Arial" panose="020B0604020202020204" pitchFamily="34" charset="0"/>
-              <a:cs typeface="Arial" panose="020B0604020202020204" pitchFamily="34" charset="0"/>
-            </a:endParaRPr>
-          </a:p>
-          <a:p>
-            <a:pPr marL="342900" indent="-342900">
-              <a:buFontTx/>
-              <a:buChar char="-"/>
-            </a:pPr>
-            <a:endParaRPr lang="en-US" sz="2000" dirty="0">
-              <a:latin typeface="Arial" panose="020B0604020202020204" pitchFamily="34" charset="0"/>
-              <a:cs typeface="Arial" panose="020B0604020202020204" pitchFamily="34" charset="0"/>
-            </a:endParaRPr>
-          </a:p>
-          <a:p>
-            <a:pPr marL="342900" indent="-342900" algn="l">
-              <a:buFontTx/>
-              <a:buChar char="-"/>
-            </a:pPr>
-            <a:endParaRPr lang="en-US" sz="2000" dirty="0">
-              <a:latin typeface="Arial" panose="020B0604020202020204" pitchFamily="34" charset="0"/>
-              <a:cs typeface="Arial" panose="020B0604020202020204" pitchFamily="34" charset="0"/>
-            </a:endParaRPr>
-          </a:p>
-        </p:txBody>
-      </p:sp>
-      <p:pic>
-        <p:nvPicPr>
-          <p:cNvPr id="5" name="Picture 4">
-            <a:extLst>
-              <a:ext uri="{FF2B5EF4-FFF2-40B4-BE49-F238E27FC236}">
-                <a16:creationId xmlns:a16="http://schemas.microsoft.com/office/drawing/2014/main" id="{D60A6A20-BA13-B445-98C4-855935A46F3D}"/>
-              </a:ext>
-            </a:extLst>
-          </p:cNvPr>
-          <p:cNvPicPr>
-            <a:picLocks noChangeAspect="1"/>
-          </p:cNvPicPr>
-          <p:nvPr/>
-        </p:nvPicPr>
-        <p:blipFill>
-          <a:blip r:embed="rId2"/>
-          <a:stretch>
-            <a:fillRect/>
-          </a:stretch>
-        </p:blipFill>
-        <p:spPr>
-          <a:xfrm>
-            <a:off x="4511824" y="548680"/>
-            <a:ext cx="3212112" cy="1113532"/>
-          </a:xfrm>
-          <a:prstGeom prst="rect">
-            <a:avLst/>
-          </a:prstGeom>
-        </p:spPr>
-      </p:pic>
-      <p:sp>
-        <p:nvSpPr>
-          <p:cNvPr id="6" name="TextBox 5">
-            <a:extLst>
-              <a:ext uri="{FF2B5EF4-FFF2-40B4-BE49-F238E27FC236}">
-                <a16:creationId xmlns:a16="http://schemas.microsoft.com/office/drawing/2014/main" id="{26A56D10-50C0-B045-8DAA-C4397B556404}"/>
-              </a:ext>
-            </a:extLst>
-          </p:cNvPr>
-          <p:cNvSpPr txBox="1"/>
-          <p:nvPr/>
-        </p:nvSpPr>
-        <p:spPr>
-          <a:xfrm>
-            <a:off x="4511824" y="166725"/>
-            <a:ext cx="3977692" cy="369332"/>
-          </a:xfrm>
-          <a:prstGeom prst="rect">
-            <a:avLst/>
-          </a:prstGeom>
-          <a:noFill/>
-        </p:spPr>
-        <p:txBody>
-          <a:bodyPr wrap="none" lIns="0" tIns="0" rIns="0" bIns="0" rtlCol="0">
-            <a:spAutoFit/>
-          </a:bodyPr>
-          <a:lstStyle/>
-          <a:p>
-            <a:pPr algn="l"/>
-            <a:r>
-              <a:rPr lang="en-US" sz="2400" dirty="0">
-                <a:latin typeface="Arial" panose="020B0604020202020204" pitchFamily="34" charset="0"/>
-                <a:cs typeface="Arial" panose="020B0604020202020204" pitchFamily="34" charset="0"/>
-              </a:rPr>
-              <a:t>Final model AIC + treat x age</a:t>
-            </a:r>
-          </a:p>
-        </p:txBody>
-      </p:sp>
-      <p:pic>
-        <p:nvPicPr>
-          <p:cNvPr id="7" name="Picture 6">
-            <a:extLst>
-              <a:ext uri="{FF2B5EF4-FFF2-40B4-BE49-F238E27FC236}">
-                <a16:creationId xmlns:a16="http://schemas.microsoft.com/office/drawing/2014/main" id="{9D544BCF-E0D3-A74C-B9AA-42E46625A08F}"/>
-              </a:ext>
-            </a:extLst>
-          </p:cNvPr>
-          <p:cNvPicPr>
-            <a:picLocks noChangeAspect="1"/>
-          </p:cNvPicPr>
-          <p:nvPr/>
-        </p:nvPicPr>
-        <p:blipFill>
-          <a:blip r:embed="rId3"/>
-          <a:stretch>
-            <a:fillRect/>
-          </a:stretch>
-        </p:blipFill>
-        <p:spPr>
-          <a:xfrm>
-            <a:off x="7738826" y="535050"/>
-            <a:ext cx="4032530" cy="1171716"/>
-          </a:xfrm>
-          <a:prstGeom prst="rect">
-            <a:avLst/>
-          </a:prstGeom>
-        </p:spPr>
-      </p:pic>
-    </p:spTree>
-    <p:extLst>
-      <p:ext uri="{BB962C8B-B14F-4D97-AF65-F5344CB8AC3E}">
-        <p14:creationId xmlns:p14="http://schemas.microsoft.com/office/powerpoint/2010/main" val="1506158686"/>
-      </p:ext>
-    </p:extLst>
-  </p:cSld>
-  <p:clrMapOvr>
-    <a:masterClrMapping/>
-  </p:clrMapOvr>
-</p:sld>
-</file>
-
-<file path=ppt/slides/slide3.xml><?xml version="1.0" encoding="utf-8"?>
 <p:sld xmlns:a="http://schemas.openxmlformats.org/drawingml/2006/main" xmlns:r="http://schemas.openxmlformats.org/officeDocument/2006/relationships" xmlns:p="http://schemas.openxmlformats.org/presentationml/2006/main">
   <p:cSld>
     <p:spTree>
@@ -5165,7 +4473,7 @@
           <a:p>
             <a:fld id="{2D00CA07-45C7-8142-9F4D-3A07AD48DFA1}" type="slidenum">
               <a:rPr lang="en-US" smtClean="0"/>
-              <a:t>3</a:t>
+              <a:t>2</a:t>
             </a:fld>
             <a:endParaRPr lang="en-US"/>
           </a:p>
@@ -6051,7 +5359,7 @@
 </p:sld>
 </file>
 
-<file path=ppt/slides/slide4.xml><?xml version="1.0" encoding="utf-8"?>
+<file path=ppt/slides/slide3.xml><?xml version="1.0" encoding="utf-8"?>
 <p:sld xmlns:a="http://schemas.openxmlformats.org/drawingml/2006/main" xmlns:r="http://schemas.openxmlformats.org/officeDocument/2006/relationships" xmlns:p="http://schemas.openxmlformats.org/presentationml/2006/main">
   <p:cSld>
     <p:spTree>
@@ -6143,7 +5451,7 @@
           <a:p>
             <a:fld id="{2D00CA07-45C7-8142-9F4D-3A07AD48DFA1}" type="slidenum">
               <a:rPr lang="en-US" smtClean="0"/>
-              <a:t>4</a:t>
+              <a:t>3</a:t>
             </a:fld>
             <a:endParaRPr lang="en-US"/>
           </a:p>
@@ -6330,7 +5638,13 @@
           <p:nvPr/>
         </p:nvPicPr>
         <p:blipFill rotWithShape="1">
-          <a:blip r:embed="rId2"/>
+          <a:blip r:embed="rId2" cstate="hqprint">
+            <a:extLst>
+              <a:ext uri="{28A0092B-C50C-407E-A947-70E740481C1C}">
+                <a14:useLocalDpi xmlns:a14="http://schemas.microsoft.com/office/drawing/2010/main"/>
+              </a:ext>
+            </a:extLst>
+          </a:blip>
           <a:srcRect t="6488"/>
           <a:stretch/>
         </p:blipFill>
@@ -6574,7 +5888,7 @@
             <a:blip r:embed="rId4">
               <a:extLst>
                 <a:ext uri="{28A0092B-C50C-407E-A947-70E740481C1C}">
-                  <a14:useLocalDpi xmlns:a14="http://schemas.microsoft.com/office/drawing/2010/main" val="0"/>
+                  <a14:useLocalDpi xmlns:a14="http://schemas.microsoft.com/office/drawing/2010/main"/>
                 </a:ext>
               </a:extLst>
             </a:blip>
@@ -6658,7 +5972,13 @@
           <p:nvPr/>
         </p:nvPicPr>
         <p:blipFill>
-          <a:blip r:embed="rId5"/>
+          <a:blip r:embed="rId5" cstate="hqprint">
+            <a:extLst>
+              <a:ext uri="{28A0092B-C50C-407E-A947-70E740481C1C}">
+                <a14:useLocalDpi xmlns:a14="http://schemas.microsoft.com/office/drawing/2010/main"/>
+              </a:ext>
+            </a:extLst>
+          </a:blip>
           <a:stretch>
             <a:fillRect/>
           </a:stretch>
@@ -6944,7 +6264,7 @@
 </p:sld>
 </file>
 
-<file path=ppt/slides/slide5.xml><?xml version="1.0" encoding="utf-8"?>
+<file path=ppt/slides/slide4.xml><?xml version="1.0" encoding="utf-8"?>
 <p:sld xmlns:a="http://schemas.openxmlformats.org/drawingml/2006/main" xmlns:r="http://schemas.openxmlformats.org/officeDocument/2006/relationships" xmlns:p="http://schemas.openxmlformats.org/presentationml/2006/main">
   <p:cSld>
     <p:spTree>
@@ -7036,7 +6356,7 @@
           <a:p>
             <a:fld id="{2D00CA07-45C7-8142-9F4D-3A07AD48DFA1}" type="slidenum">
               <a:rPr lang="en-US" smtClean="0"/>
-              <a:t>5</a:t>
+              <a:t>4</a:t>
             </a:fld>
             <a:endParaRPr lang="en-US"/>
           </a:p>
@@ -7308,7 +6628,13 @@
           <p:nvPr/>
         </p:nvPicPr>
         <p:blipFill rotWithShape="1">
-          <a:blip r:embed="rId2"/>
+          <a:blip r:embed="rId2" cstate="hqprint">
+            <a:extLst>
+              <a:ext uri="{28A0092B-C50C-407E-A947-70E740481C1C}">
+                <a14:useLocalDpi xmlns:a14="http://schemas.microsoft.com/office/drawing/2010/main"/>
+              </a:ext>
+            </a:extLst>
+          </a:blip>
           <a:srcRect t="6488"/>
           <a:stretch/>
         </p:blipFill>
@@ -7529,7 +6855,13 @@
           <p:nvPr/>
         </p:nvPicPr>
         <p:blipFill>
-          <a:blip r:embed="rId4"/>
+          <a:blip r:embed="rId4" cstate="hqprint">
+            <a:extLst>
+              <a:ext uri="{28A0092B-C50C-407E-A947-70E740481C1C}">
+                <a14:useLocalDpi xmlns:a14="http://schemas.microsoft.com/office/drawing/2010/main"/>
+              </a:ext>
+            </a:extLst>
+          </a:blip>
           <a:stretch>
             <a:fillRect/>
           </a:stretch>
@@ -7620,7 +6952,7 @@
 </p:sld>
 </file>
 
-<file path=ppt/slides/slide6.xml><?xml version="1.0" encoding="utf-8"?>
+<file path=ppt/slides/slide5.xml><?xml version="1.0" encoding="utf-8"?>
 <p:sld xmlns:a="http://schemas.openxmlformats.org/drawingml/2006/main" xmlns:r="http://schemas.openxmlformats.org/officeDocument/2006/relationships" xmlns:p="http://schemas.openxmlformats.org/presentationml/2006/main">
   <p:cSld>
     <p:spTree>
@@ -7660,7 +6992,7 @@
           <a:p>
             <a:fld id="{2D00CA07-45C7-8142-9F4D-3A07AD48DFA1}" type="slidenum">
               <a:rPr lang="en-US" smtClean="0"/>
-              <a:t>6</a:t>
+              <a:t>5</a:t>
             </a:fld>
             <a:endParaRPr lang="en-US"/>
           </a:p>
@@ -8602,7 +7934,7 @@
 </p:sld>
 </file>
 
-<file path=ppt/slides/slide7.xml><?xml version="1.0" encoding="utf-8"?>
+<file path=ppt/slides/slide6.xml><?xml version="1.0" encoding="utf-8"?>
 <p:sld xmlns:a="http://schemas.openxmlformats.org/drawingml/2006/main" xmlns:r="http://schemas.openxmlformats.org/officeDocument/2006/relationships" xmlns:p="http://schemas.openxmlformats.org/presentationml/2006/main">
   <p:cSld>
     <p:spTree>
@@ -8642,7 +7974,7 @@
           <a:p>
             <a:fld id="{2D00CA07-45C7-8142-9F4D-3A07AD48DFA1}" type="slidenum">
               <a:rPr lang="en-US" smtClean="0"/>
-              <a:t>7</a:t>
+              <a:t>6</a:t>
             </a:fld>
             <a:endParaRPr lang="en-US"/>
           </a:p>
@@ -8767,7 +8099,7 @@
             <a:blip r:embed="rId3">
               <a:extLst>
                 <a:ext uri="{28A0092B-C50C-407E-A947-70E740481C1C}">
-                  <a14:useLocalDpi xmlns:a14="http://schemas.microsoft.com/office/drawing/2010/main" val="0"/>
+                  <a14:useLocalDpi xmlns:a14="http://schemas.microsoft.com/office/drawing/2010/main"/>
                 </a:ext>
               </a:extLst>
             </a:blip>
@@ -8796,8 +8128,8 @@
             </a:extLst>
           </p:spPr>
         </p:pic>
-        <mc:AlternateContent xmlns:mc="http://schemas.openxmlformats.org/markup-compatibility/2006">
-          <mc:Choice xmlns:a14="http://schemas.microsoft.com/office/drawing/2010/main" Requires="a14">
+        <mc:AlternateContent xmlns:mc="http://schemas.openxmlformats.org/markup-compatibility/2006" xmlns:a14="http://schemas.microsoft.com/office/drawing/2010/main">
+          <mc:Choice Requires="a14">
             <p:sp>
               <p:nvSpPr>
                 <p:cNvPr id="5" name="TextBox 4">
@@ -8951,7 +8283,7 @@
               </p:txBody>
             </p:sp>
           </mc:Choice>
-          <mc:Fallback>
+          <mc:Fallback xmlns="">
             <p:sp>
               <p:nvSpPr>
                 <p:cNvPr id="5" name="TextBox 4">
@@ -8997,8 +8329,8 @@
           </mc:Fallback>
         </mc:AlternateContent>
       </p:grpSp>
-      <mc:AlternateContent xmlns:mc="http://schemas.openxmlformats.org/markup-compatibility/2006">
-        <mc:Choice xmlns:a14="http://schemas.microsoft.com/office/drawing/2010/main" Requires="a14">
+      <mc:AlternateContent xmlns:mc="http://schemas.openxmlformats.org/markup-compatibility/2006" xmlns:a14="http://schemas.microsoft.com/office/drawing/2010/main">
+        <mc:Choice Requires="a14">
           <p:sp>
             <p:nvSpPr>
               <p:cNvPr id="6" name="TextBox 5">
@@ -9171,21 +8503,7 @@
                         <a:latin typeface="Cambria Math" panose="02040503050406030204" pitchFamily="18" charset="0"/>
                         <a:cs typeface="Arial" panose="020B0604020202020204" pitchFamily="34" charset="0"/>
                       </a:rPr>
-                      <m:t> </m:t>
-                    </m:r>
-                    <m:r>
-                      <a:rPr lang="de-DE" sz="2400" i="1">
-                        <a:latin typeface="Cambria Math" panose="02040503050406030204" pitchFamily="18" charset="0"/>
-                        <a:cs typeface="Arial" panose="020B0604020202020204" pitchFamily="34" charset="0"/>
-                      </a:rPr>
-                      <m:t>×</m:t>
-                    </m:r>
-                    <m:r>
-                      <a:rPr lang="de-DE" sz="2400" i="1">
-                        <a:latin typeface="Cambria Math" panose="02040503050406030204" pitchFamily="18" charset="0"/>
-                        <a:cs typeface="Arial" panose="020B0604020202020204" pitchFamily="34" charset="0"/>
-                      </a:rPr>
-                      <m:t> </m:t>
+                      <m:t> × </m:t>
                     </m:r>
                     <m:r>
                       <a:rPr lang="de-DE" sz="2400" i="1">
@@ -9253,7 +8571,7 @@
             </p:txBody>
           </p:sp>
         </mc:Choice>
-        <mc:Fallback>
+        <mc:Fallback xmlns="">
           <p:sp>
             <p:nvSpPr>
               <p:cNvPr id="6" name="TextBox 5">
@@ -9361,190 +8679,6 @@
           </a:p>
         </p:txBody>
       </p:sp>
-      <p:grpSp>
-        <p:nvGrpSpPr>
-          <p:cNvPr id="12" name="Group 11">
-            <a:extLst>
-              <a:ext uri="{FF2B5EF4-FFF2-40B4-BE49-F238E27FC236}">
-                <a16:creationId xmlns:a16="http://schemas.microsoft.com/office/drawing/2014/main" id="{C2CA156F-480B-F347-9D98-5723A029B549}"/>
-              </a:ext>
-            </a:extLst>
-          </p:cNvPr>
-          <p:cNvGrpSpPr/>
-          <p:nvPr/>
-        </p:nvGrpSpPr>
-        <p:grpSpPr>
-          <a:xfrm>
-            <a:off x="460713" y="3717032"/>
-            <a:ext cx="6283359" cy="1162602"/>
-            <a:chOff x="460713" y="3723347"/>
-            <a:chExt cx="6283359" cy="1162602"/>
-          </a:xfrm>
-        </p:grpSpPr>
-        <p:pic>
-          <p:nvPicPr>
-            <p:cNvPr id="9" name="Picture 8">
-              <a:extLst>
-                <a:ext uri="{FF2B5EF4-FFF2-40B4-BE49-F238E27FC236}">
-                  <a16:creationId xmlns:a16="http://schemas.microsoft.com/office/drawing/2014/main" id="{1D4A5FAD-B6FF-C44F-BDAD-DD45198FA183}"/>
-                </a:ext>
-              </a:extLst>
-            </p:cNvPr>
-            <p:cNvPicPr>
-              <a:picLocks noChangeAspect="1"/>
-            </p:cNvPicPr>
-            <p:nvPr/>
-          </p:nvPicPr>
-          <p:blipFill>
-            <a:blip r:embed="rId6"/>
-            <a:stretch>
-              <a:fillRect/>
-            </a:stretch>
-          </p:blipFill>
-          <p:spPr>
-            <a:xfrm>
-              <a:off x="460713" y="3723347"/>
-              <a:ext cx="6283359" cy="993325"/>
-            </a:xfrm>
-            <a:prstGeom prst="rect">
-              <a:avLst/>
-            </a:prstGeom>
-          </p:spPr>
-        </p:pic>
-        <mc:AlternateContent xmlns:mc="http://schemas.openxmlformats.org/markup-compatibility/2006" xmlns:a14="http://schemas.microsoft.com/office/drawing/2010/main">
-          <mc:Choice Requires="a14">
-            <p:sp>
-              <p:nvSpPr>
-                <p:cNvPr id="11" name="TextBox 10">
-                  <a:extLst>
-                    <a:ext uri="{FF2B5EF4-FFF2-40B4-BE49-F238E27FC236}">
-                      <a16:creationId xmlns:a16="http://schemas.microsoft.com/office/drawing/2014/main" id="{DF93CEBC-CF98-934C-B654-1614F4825313}"/>
-                    </a:ext>
-                  </a:extLst>
-                </p:cNvPr>
-                <p:cNvSpPr txBox="1"/>
-                <p:nvPr/>
-              </p:nvSpPr>
-              <p:spPr>
-                <a:xfrm>
-                  <a:off x="510580" y="4716672"/>
-                  <a:ext cx="2100062" cy="169277"/>
-                </a:xfrm>
-                <a:prstGeom prst="rect">
-                  <a:avLst/>
-                </a:prstGeom>
-                <a:noFill/>
-              </p:spPr>
-              <p:txBody>
-                <a:bodyPr wrap="none" lIns="0" tIns="0" rIns="0" bIns="0" rtlCol="0">
-                  <a:spAutoFit/>
-                </a:bodyPr>
-                <a:lstStyle/>
-                <a:p>
-                  <a:r>
-                    <a:rPr lang="en-US" sz="1100" dirty="0">
-                      <a:solidFill>
-                        <a:srgbClr val="000000"/>
-                      </a:solidFill>
-                      <a:latin typeface="Arial" panose="020B0604020202020204" pitchFamily="34" charset="0"/>
-                      <a:cs typeface="Arial" panose="020B0604020202020204" pitchFamily="34" charset="0"/>
-                    </a:rPr>
-                    <a:t>F Test for </a:t>
-                  </a:r>
-                  <a14:m>
-                    <m:oMath xmlns:m="http://schemas.openxmlformats.org/officeDocument/2006/math">
-                      <m:r>
-                        <a:rPr lang="de-DE" sz="1100" i="1">
-                          <a:solidFill>
-                            <a:srgbClr val="000000"/>
-                          </a:solidFill>
-                          <a:latin typeface="Cambria Math" panose="02040503050406030204" pitchFamily="18" charset="0"/>
-                          <a:cs typeface="Arial" panose="020B0604020202020204" pitchFamily="34" charset="0"/>
-                        </a:rPr>
-                        <m:t>𝑡𝑟𝑒𝑎𝑡</m:t>
-                      </m:r>
-                      <m:r>
-                        <a:rPr lang="de-DE" sz="1100" i="1">
-                          <a:solidFill>
-                            <a:srgbClr val="000000"/>
-                          </a:solidFill>
-                          <a:latin typeface="Cambria Math" panose="02040503050406030204" pitchFamily="18" charset="0"/>
-                          <a:cs typeface="Arial" panose="020B0604020202020204" pitchFamily="34" charset="0"/>
-                        </a:rPr>
-                        <m:t> × </m:t>
-                      </m:r>
-                      <m:r>
-                        <a:rPr lang="de-DE" sz="1100" i="1">
-                          <a:solidFill>
-                            <a:srgbClr val="000000"/>
-                          </a:solidFill>
-                          <a:latin typeface="Cambria Math" panose="02040503050406030204" pitchFamily="18" charset="0"/>
-                          <a:cs typeface="Arial" panose="020B0604020202020204" pitchFamily="34" charset="0"/>
-                        </a:rPr>
-                        <m:t>𝑎𝑔𝑒</m:t>
-                      </m:r>
-                    </m:oMath>
-                  </a14:m>
-                  <a:r>
-                    <a:rPr lang="en-US" sz="1100" dirty="0">
-                      <a:solidFill>
-                        <a:srgbClr val="000000"/>
-                      </a:solidFill>
-                      <a:latin typeface="Arial" panose="020B0604020202020204" pitchFamily="34" charset="0"/>
-                      <a:cs typeface="Arial" panose="020B0604020202020204" pitchFamily="34" charset="0"/>
-                    </a:rPr>
-                    <a:t> interaction </a:t>
-                  </a:r>
-                </a:p>
-              </p:txBody>
-            </p:sp>
-          </mc:Choice>
-          <mc:Fallback xmlns="">
-            <p:sp>
-              <p:nvSpPr>
-                <p:cNvPr id="11" name="TextBox 10">
-                  <a:extLst>
-                    <a:ext uri="{FF2B5EF4-FFF2-40B4-BE49-F238E27FC236}">
-                      <a16:creationId xmlns:a16="http://schemas.microsoft.com/office/drawing/2014/main" id="{DF93CEBC-CF98-934C-B654-1614F4825313}"/>
-                    </a:ext>
-                  </a:extLst>
-                </p:cNvPr>
-                <p:cNvSpPr txBox="1">
-                  <a:spLocks noRot="1" noChangeAspect="1" noMove="1" noResize="1" noEditPoints="1" noAdjustHandles="1" noChangeArrowheads="1" noChangeShapeType="1" noTextEdit="1"/>
-                </p:cNvSpPr>
-                <p:nvPr/>
-              </p:nvSpPr>
-              <p:spPr>
-                <a:xfrm>
-                  <a:off x="510580" y="4716672"/>
-                  <a:ext cx="2100062" cy="169277"/>
-                </a:xfrm>
-                <a:prstGeom prst="rect">
-                  <a:avLst/>
-                </a:prstGeom>
-                <a:blipFill>
-                  <a:blip r:embed="rId7"/>
-                  <a:stretch>
-                    <a:fillRect l="-4217" t="-30769" r="-3012" b="-61538"/>
-                  </a:stretch>
-                </a:blipFill>
-              </p:spPr>
-              <p:txBody>
-                <a:bodyPr/>
-                <a:lstStyle/>
-                <a:p>
-                  <a:r>
-                    <a:rPr lang="en-US">
-                      <a:noFill/>
-                    </a:rPr>
-                    <a:t> </a:t>
-                  </a:r>
-                </a:p>
-              </p:txBody>
-            </p:sp>
-          </mc:Fallback>
-        </mc:AlternateContent>
-      </p:grpSp>
       <p:grpSp>
         <p:nvGrpSpPr>
           <p:cNvPr id="14" name="Group 13">
@@ -9651,48 +8785,253 @@
           </p:style>
         </p:cxnSp>
       </p:grpSp>
-      <p:cxnSp>
-        <p:nvCxnSpPr>
-          <p:cNvPr id="13" name="Straight Arrow Connector 12">
-            <a:extLst>
-              <a:ext uri="{FF2B5EF4-FFF2-40B4-BE49-F238E27FC236}">
-                <a16:creationId xmlns:a16="http://schemas.microsoft.com/office/drawing/2014/main" id="{B338FAE7-6044-3944-BDDF-7D8CC78B0088}"/>
-              </a:ext>
-            </a:extLst>
-          </p:cNvPr>
-          <p:cNvCxnSpPr/>
+      <p:grpSp>
+        <p:nvGrpSpPr>
+          <p:cNvPr id="7" name="Group 6">
+            <a:extLst>
+              <a:ext uri="{FF2B5EF4-FFF2-40B4-BE49-F238E27FC236}">
+                <a16:creationId xmlns:a16="http://schemas.microsoft.com/office/drawing/2014/main" id="{BE3DF31F-21E2-AB46-AB81-184E56448294}"/>
+              </a:ext>
+            </a:extLst>
+          </p:cNvPr>
+          <p:cNvGrpSpPr/>
           <p:nvPr/>
-        </p:nvCxnSpPr>
-        <p:spPr>
+        </p:nvGrpSpPr>
+        <p:grpSpPr>
           <a:xfrm>
-            <a:off x="3287688" y="3220370"/>
-            <a:ext cx="0" cy="496662"/>
+            <a:off x="460713" y="3220370"/>
+            <a:ext cx="6283359" cy="1659264"/>
+            <a:chOff x="460713" y="3220370"/>
+            <a:chExt cx="6283359" cy="1659264"/>
           </a:xfrm>
-          <a:prstGeom prst="straightConnector1">
-            <a:avLst/>
-          </a:prstGeom>
-          <a:ln w="28575">
-            <a:solidFill>
+        </p:grpSpPr>
+        <p:grpSp>
+          <p:nvGrpSpPr>
+            <p:cNvPr id="12" name="Group 11">
+              <a:extLst>
+                <a:ext uri="{FF2B5EF4-FFF2-40B4-BE49-F238E27FC236}">
+                  <a16:creationId xmlns:a16="http://schemas.microsoft.com/office/drawing/2014/main" id="{C2CA156F-480B-F347-9D98-5723A029B549}"/>
+                </a:ext>
+              </a:extLst>
+            </p:cNvPr>
+            <p:cNvGrpSpPr/>
+            <p:nvPr/>
+          </p:nvGrpSpPr>
+          <p:grpSpPr>
+            <a:xfrm>
+              <a:off x="460713" y="3717032"/>
+              <a:ext cx="6283359" cy="1162602"/>
+              <a:chOff x="460713" y="3723347"/>
+              <a:chExt cx="6283359" cy="1162602"/>
+            </a:xfrm>
+          </p:grpSpPr>
+          <p:pic>
+            <p:nvPicPr>
+              <p:cNvPr id="9" name="Picture 8">
+                <a:extLst>
+                  <a:ext uri="{FF2B5EF4-FFF2-40B4-BE49-F238E27FC236}">
+                    <a16:creationId xmlns:a16="http://schemas.microsoft.com/office/drawing/2014/main" id="{1D4A5FAD-B6FF-C44F-BDAD-DD45198FA183}"/>
+                  </a:ext>
+                </a:extLst>
+              </p:cNvPr>
+              <p:cNvPicPr>
+                <a:picLocks noChangeAspect="1"/>
+              </p:cNvPicPr>
+              <p:nvPr/>
+            </p:nvPicPr>
+            <p:blipFill>
+              <a:blip r:embed="rId6"/>
+              <a:stretch>
+                <a:fillRect/>
+              </a:stretch>
+            </p:blipFill>
+            <p:spPr>
+              <a:xfrm>
+                <a:off x="460713" y="3723347"/>
+                <a:ext cx="6283359" cy="993325"/>
+              </a:xfrm>
+              <a:prstGeom prst="rect">
+                <a:avLst/>
+              </a:prstGeom>
+            </p:spPr>
+          </p:pic>
+          <mc:AlternateContent xmlns:mc="http://schemas.openxmlformats.org/markup-compatibility/2006" xmlns:a14="http://schemas.microsoft.com/office/drawing/2010/main">
+            <mc:Choice Requires="a14">
+              <p:sp>
+                <p:nvSpPr>
+                  <p:cNvPr id="11" name="TextBox 10">
+                    <a:extLst>
+                      <a:ext uri="{FF2B5EF4-FFF2-40B4-BE49-F238E27FC236}">
+                        <a16:creationId xmlns:a16="http://schemas.microsoft.com/office/drawing/2014/main" id="{DF93CEBC-CF98-934C-B654-1614F4825313}"/>
+                      </a:ext>
+                    </a:extLst>
+                  </p:cNvPr>
+                  <p:cNvSpPr txBox="1"/>
+                  <p:nvPr/>
+                </p:nvSpPr>
+                <p:spPr>
+                  <a:xfrm>
+                    <a:off x="510580" y="4716672"/>
+                    <a:ext cx="2100062" cy="169277"/>
+                  </a:xfrm>
+                  <a:prstGeom prst="rect">
+                    <a:avLst/>
+                  </a:prstGeom>
+                  <a:noFill/>
+                </p:spPr>
+                <p:txBody>
+                  <a:bodyPr wrap="none" lIns="0" tIns="0" rIns="0" bIns="0" rtlCol="0">
+                    <a:spAutoFit/>
+                  </a:bodyPr>
+                  <a:lstStyle/>
+                  <a:p>
+                    <a:r>
+                      <a:rPr lang="en-US" sz="1100" dirty="0">
+                        <a:solidFill>
+                          <a:srgbClr val="000000"/>
+                        </a:solidFill>
+                        <a:latin typeface="Arial" panose="020B0604020202020204" pitchFamily="34" charset="0"/>
+                        <a:cs typeface="Arial" panose="020B0604020202020204" pitchFamily="34" charset="0"/>
+                      </a:rPr>
+                      <a:t>F Test for </a:t>
+                    </a:r>
+                    <a14:m>
+                      <m:oMath xmlns:m="http://schemas.openxmlformats.org/officeDocument/2006/math">
+                        <m:r>
+                          <a:rPr lang="de-DE" sz="1100" i="1">
+                            <a:solidFill>
+                              <a:srgbClr val="000000"/>
+                            </a:solidFill>
+                            <a:latin typeface="Cambria Math" panose="02040503050406030204" pitchFamily="18" charset="0"/>
+                            <a:cs typeface="Arial" panose="020B0604020202020204" pitchFamily="34" charset="0"/>
+                          </a:rPr>
+                          <m:t>𝑡𝑟𝑒𝑎𝑡</m:t>
+                        </m:r>
+                        <m:r>
+                          <a:rPr lang="de-DE" sz="1100" i="1">
+                            <a:solidFill>
+                              <a:srgbClr val="000000"/>
+                            </a:solidFill>
+                            <a:latin typeface="Cambria Math" panose="02040503050406030204" pitchFamily="18" charset="0"/>
+                            <a:cs typeface="Arial" panose="020B0604020202020204" pitchFamily="34" charset="0"/>
+                          </a:rPr>
+                          <m:t> × </m:t>
+                        </m:r>
+                        <m:r>
+                          <a:rPr lang="de-DE" sz="1100" i="1">
+                            <a:solidFill>
+                              <a:srgbClr val="000000"/>
+                            </a:solidFill>
+                            <a:latin typeface="Cambria Math" panose="02040503050406030204" pitchFamily="18" charset="0"/>
+                            <a:cs typeface="Arial" panose="020B0604020202020204" pitchFamily="34" charset="0"/>
+                          </a:rPr>
+                          <m:t>𝑎𝑔𝑒</m:t>
+                        </m:r>
+                      </m:oMath>
+                    </a14:m>
+                    <a:r>
+                      <a:rPr lang="en-US" sz="1100" dirty="0">
+                        <a:solidFill>
+                          <a:srgbClr val="000000"/>
+                        </a:solidFill>
+                        <a:latin typeface="Arial" panose="020B0604020202020204" pitchFamily="34" charset="0"/>
+                        <a:cs typeface="Arial" panose="020B0604020202020204" pitchFamily="34" charset="0"/>
+                      </a:rPr>
+                      <a:t> interaction </a:t>
+                    </a:r>
+                  </a:p>
+                </p:txBody>
+              </p:sp>
+            </mc:Choice>
+            <mc:Fallback xmlns="">
+              <p:sp>
+                <p:nvSpPr>
+                  <p:cNvPr id="11" name="TextBox 10">
+                    <a:extLst>
+                      <a:ext uri="{FF2B5EF4-FFF2-40B4-BE49-F238E27FC236}">
+                        <a16:creationId xmlns:a16="http://schemas.microsoft.com/office/drawing/2014/main" id="{DF93CEBC-CF98-934C-B654-1614F4825313}"/>
+                      </a:ext>
+                    </a:extLst>
+                  </p:cNvPr>
+                  <p:cNvSpPr txBox="1">
+                    <a:spLocks noRot="1" noChangeAspect="1" noMove="1" noResize="1" noEditPoints="1" noAdjustHandles="1" noChangeArrowheads="1" noChangeShapeType="1" noTextEdit="1"/>
+                  </p:cNvSpPr>
+                  <p:nvPr/>
+                </p:nvSpPr>
+                <p:spPr>
+                  <a:xfrm>
+                    <a:off x="510580" y="4716672"/>
+                    <a:ext cx="2100062" cy="169277"/>
+                  </a:xfrm>
+                  <a:prstGeom prst="rect">
+                    <a:avLst/>
+                  </a:prstGeom>
+                  <a:blipFill>
+                    <a:blip r:embed="rId7"/>
+                    <a:stretch>
+                      <a:fillRect l="-4217" t="-30769" r="-3012" b="-61538"/>
+                    </a:stretch>
+                  </a:blipFill>
+                </p:spPr>
+                <p:txBody>
+                  <a:bodyPr/>
+                  <a:lstStyle/>
+                  <a:p>
+                    <a:r>
+                      <a:rPr lang="en-US">
+                        <a:noFill/>
+                      </a:rPr>
+                      <a:t> </a:t>
+                    </a:r>
+                  </a:p>
+                </p:txBody>
+              </p:sp>
+            </mc:Fallback>
+          </mc:AlternateContent>
+        </p:grpSp>
+        <p:cxnSp>
+          <p:nvCxnSpPr>
+            <p:cNvPr id="13" name="Straight Arrow Connector 12">
+              <a:extLst>
+                <a:ext uri="{FF2B5EF4-FFF2-40B4-BE49-F238E27FC236}">
+                  <a16:creationId xmlns:a16="http://schemas.microsoft.com/office/drawing/2014/main" id="{B338FAE7-6044-3944-BDDF-7D8CC78B0088}"/>
+                </a:ext>
+              </a:extLst>
+            </p:cNvPr>
+            <p:cNvCxnSpPr/>
+            <p:nvPr/>
+          </p:nvCxnSpPr>
+          <p:spPr>
+            <a:xfrm>
+              <a:off x="3287688" y="3220370"/>
+              <a:ext cx="0" cy="496662"/>
+            </a:xfrm>
+            <a:prstGeom prst="straightConnector1">
+              <a:avLst/>
+            </a:prstGeom>
+            <a:ln w="28575">
+              <a:solidFill>
+                <a:schemeClr val="tx1"/>
+              </a:solidFill>
+              <a:tailEnd type="triangle"/>
+            </a:ln>
+          </p:spPr>
+          <p:style>
+            <a:lnRef idx="1">
+              <a:schemeClr val="accent1"/>
+            </a:lnRef>
+            <a:fillRef idx="0">
+              <a:schemeClr val="accent1"/>
+            </a:fillRef>
+            <a:effectRef idx="0">
+              <a:schemeClr val="accent1"/>
+            </a:effectRef>
+            <a:fontRef idx="minor">
               <a:schemeClr val="tx1"/>
-            </a:solidFill>
-            <a:tailEnd type="triangle"/>
-          </a:ln>
-        </p:spPr>
-        <p:style>
-          <a:lnRef idx="1">
-            <a:schemeClr val="accent1"/>
-          </a:lnRef>
-          <a:fillRef idx="0">
-            <a:schemeClr val="accent1"/>
-          </a:fillRef>
-          <a:effectRef idx="0">
-            <a:schemeClr val="accent1"/>
-          </a:effectRef>
-          <a:fontRef idx="minor">
-            <a:schemeClr val="tx1"/>
-          </a:fontRef>
-        </p:style>
-      </p:cxnSp>
+            </a:fontRef>
+          </p:style>
+        </p:cxnSp>
+      </p:grpSp>
     </p:spTree>
     <p:extLst>
       <p:ext uri="{BB962C8B-B14F-4D97-AF65-F5344CB8AC3E}">
@@ -9782,7 +9121,7 @@
                                           </p:stCondLst>
                                         </p:cTn>
                                         <p:tgtEl>
-                                          <p:spTgt spid="12"/>
+                                          <p:spTgt spid="7"/>
                                         </p:tgtEl>
                                         <p:attrNameLst>
                                           <p:attrName>style.visibility</p:attrName>
@@ -9856,7 +9195,7 @@
 </p:sld>
 </file>
 
-<file path=ppt/slides/slide8.xml><?xml version="1.0" encoding="utf-8"?>
+<file path=ppt/slides/slide7.xml><?xml version="1.0" encoding="utf-8"?>
 <p:sld xmlns:a="http://schemas.openxmlformats.org/drawingml/2006/main" xmlns:r="http://schemas.openxmlformats.org/officeDocument/2006/relationships" xmlns:p="http://schemas.openxmlformats.org/presentationml/2006/main">
   <p:cSld>
     <p:spTree>
@@ -9887,7 +9226,7 @@
         </p:nvSpPr>
         <p:spPr>
           <a:xfrm>
-            <a:off x="246887" y="6023447"/>
+            <a:off x="254867" y="6028111"/>
             <a:ext cx="1188452" cy="497233"/>
           </a:xfrm>
           <a:prstGeom prst="rect">
@@ -9922,35 +9261,6 @@
           <a:p>
             <a:pPr algn="ctr"/>
             <a:endParaRPr lang="en-US" dirty="0"/>
-          </a:p>
-        </p:txBody>
-      </p:sp>
-      <p:sp>
-        <p:nvSpPr>
-          <p:cNvPr id="2" name="Slide Number Placeholder 1">
-            <a:extLst>
-              <a:ext uri="{FF2B5EF4-FFF2-40B4-BE49-F238E27FC236}">
-                <a16:creationId xmlns:a16="http://schemas.microsoft.com/office/drawing/2014/main" id="{9B12371F-989E-EE43-B20F-90E48B433F0A}"/>
-              </a:ext>
-            </a:extLst>
-          </p:cNvPr>
-          <p:cNvSpPr>
-            <a:spLocks noGrp="1"/>
-          </p:cNvSpPr>
-          <p:nvPr>
-            <p:ph type="sldNum" sz="quarter" idx="12"/>
-          </p:nvPr>
-        </p:nvSpPr>
-        <p:spPr/>
-        <p:txBody>
-          <a:bodyPr/>
-          <a:lstStyle/>
-          <a:p>
-            <a:fld id="{2D00CA07-45C7-8142-9F4D-3A07AD48DFA1}" type="slidenum">
-              <a:rPr lang="en-US" smtClean="0"/>
-              <a:t>8</a:t>
-            </a:fld>
-            <a:endParaRPr lang="en-US"/>
           </a:p>
         </p:txBody>
       </p:sp>
@@ -10049,10 +9359,10 @@
         </p:nvGrpSpPr>
         <p:grpSpPr>
           <a:xfrm>
-            <a:off x="7280268" y="4098512"/>
-            <a:ext cx="4661457" cy="2595750"/>
-            <a:chOff x="5879976" y="3818692"/>
-            <a:chExt cx="5216707" cy="2802582"/>
+            <a:off x="6672066" y="4604520"/>
+            <a:ext cx="3949688" cy="2041169"/>
+            <a:chOff x="5879977" y="3853069"/>
+            <a:chExt cx="5216707" cy="2815582"/>
           </a:xfrm>
         </p:grpSpPr>
         <p:pic>
@@ -10070,13 +9380,19 @@
             <p:nvPr/>
           </p:nvPicPr>
           <p:blipFill rotWithShape="1">
-            <a:blip r:embed="rId3"/>
-            <a:srcRect t="18160" r="6327" b="4690"/>
+            <a:blip r:embed="rId3" cstate="hqprint">
+              <a:extLst>
+                <a:ext uri="{28A0092B-C50C-407E-A947-70E740481C1C}">
+                  <a14:useLocalDpi xmlns:a14="http://schemas.microsoft.com/office/drawing/2010/main"/>
+                </a:ext>
+              </a:extLst>
+            </a:blip>
+            <a:srcRect/>
             <a:stretch/>
           </p:blipFill>
           <p:spPr>
             <a:xfrm>
-              <a:off x="5879976" y="3933056"/>
+              <a:off x="5879977" y="3980433"/>
               <a:ext cx="5216707" cy="2688218"/>
             </a:xfrm>
             <a:prstGeom prst="rect">
@@ -10098,8 +9414,8 @@
           </p:nvSpPr>
           <p:spPr>
             <a:xfrm>
-              <a:off x="7499276" y="3818692"/>
-              <a:ext cx="1978106" cy="215444"/>
+              <a:off x="7877231" y="3853069"/>
+              <a:ext cx="2244263" cy="254728"/>
             </a:xfrm>
             <a:prstGeom prst="rect">
               <a:avLst/>
@@ -10114,7 +9430,7 @@
             <a:p>
               <a:pPr algn="l"/>
               <a:r>
-                <a:rPr lang="en-US" sz="1400" b="1" dirty="0">
+                <a:rPr lang="en-US" sz="1200" b="1" dirty="0">
                   <a:solidFill>
                     <a:srgbClr val="000000"/>
                   </a:solidFill>
@@ -10149,8 +9465,8 @@
         </p:blipFill>
         <p:spPr>
           <a:xfrm>
-            <a:off x="191344" y="4195949"/>
-            <a:ext cx="4432881" cy="2455134"/>
+            <a:off x="460712" y="4581128"/>
+            <a:ext cx="3949687" cy="2054218"/>
           </a:xfrm>
           <a:prstGeom prst="rect">
             <a:avLst/>
@@ -10179,8 +9495,8 @@
         </p:blipFill>
         <p:spPr>
           <a:xfrm>
-            <a:off x="191344" y="1682606"/>
-            <a:ext cx="4432881" cy="2455134"/>
+            <a:off x="460712" y="2068782"/>
+            <a:ext cx="3902161" cy="2067423"/>
           </a:xfrm>
           <a:prstGeom prst="rect">
             <a:avLst/>
@@ -10209,103 +9525,14 @@
         </p:blipFill>
         <p:spPr>
           <a:xfrm>
-            <a:off x="7280268" y="1588496"/>
-            <a:ext cx="4451019" cy="2465180"/>
+            <a:off x="6672066" y="2094954"/>
+            <a:ext cx="4012976" cy="2126134"/>
           </a:xfrm>
           <a:prstGeom prst="rect">
             <a:avLst/>
           </a:prstGeom>
         </p:spPr>
       </p:pic>
-      <p:sp>
-        <p:nvSpPr>
-          <p:cNvPr id="27" name="Rectangle 26">
-            <a:extLst>
-              <a:ext uri="{FF2B5EF4-FFF2-40B4-BE49-F238E27FC236}">
-                <a16:creationId xmlns:a16="http://schemas.microsoft.com/office/drawing/2014/main" id="{279F64A4-B22C-F844-9B28-030CF67CDB50}"/>
-              </a:ext>
-            </a:extLst>
-          </p:cNvPr>
-          <p:cNvSpPr/>
-          <p:nvPr/>
-        </p:nvSpPr>
-        <p:spPr>
-          <a:xfrm>
-            <a:off x="4934745" y="2708920"/>
-            <a:ext cx="2160279" cy="2304256"/>
-          </a:xfrm>
-          <a:prstGeom prst="rect">
-            <a:avLst/>
-          </a:prstGeom>
-          <a:solidFill>
-            <a:schemeClr val="bg1">
-              <a:lumMod val="95000"/>
-            </a:schemeClr>
-          </a:solidFill>
-          <a:ln w="28575">
-            <a:noFill/>
-          </a:ln>
-        </p:spPr>
-        <p:style>
-          <a:lnRef idx="2">
-            <a:schemeClr val="accent1">
-              <a:shade val="50000"/>
-            </a:schemeClr>
-          </a:lnRef>
-          <a:fillRef idx="1">
-            <a:schemeClr val="accent1"/>
-          </a:fillRef>
-          <a:effectRef idx="0">
-            <a:schemeClr val="accent1"/>
-          </a:effectRef>
-          <a:fontRef idx="minor">
-            <a:schemeClr val="lt1"/>
-          </a:fontRef>
-        </p:style>
-        <p:txBody>
-          <a:bodyPr rtlCol="0" anchor="ctr"/>
-          <a:lstStyle/>
-          <a:p>
-            <a:pPr algn="ctr"/>
-            <a:r>
-              <a:rPr lang="en-US" sz="2000" dirty="0">
-                <a:solidFill>
-                  <a:schemeClr val="tx1"/>
-                </a:solidFill>
-                <a:latin typeface="Arial" panose="020B0604020202020204" pitchFamily="34" charset="0"/>
-                <a:cs typeface="Arial" panose="020B0604020202020204" pitchFamily="34" charset="0"/>
-              </a:rPr>
-              <a:t>No major assumption violations </a:t>
-            </a:r>
-          </a:p>
-          <a:p>
-            <a:pPr algn="ctr"/>
-            <a:r>
-              <a:rPr lang="en-US" sz="2000" dirty="0">
-                <a:solidFill>
-                  <a:schemeClr val="tx1"/>
-                </a:solidFill>
-                <a:latin typeface="Arial" panose="020B0604020202020204" pitchFamily="34" charset="0"/>
-                <a:cs typeface="Arial" panose="020B0604020202020204" pitchFamily="34" charset="0"/>
-              </a:rPr>
-              <a:t>+ </a:t>
-            </a:r>
-          </a:p>
-          <a:p>
-            <a:pPr algn="ctr"/>
-            <a:r>
-              <a:rPr lang="en-US" sz="2000" dirty="0">
-                <a:solidFill>
-                  <a:schemeClr val="tx1"/>
-                </a:solidFill>
-                <a:latin typeface="Arial" panose="020B0604020202020204" pitchFamily="34" charset="0"/>
-                <a:cs typeface="Arial" panose="020B0604020202020204" pitchFamily="34" charset="0"/>
-              </a:rPr>
-              <a:t>no multicollinearity issues (VIF)</a:t>
-            </a:r>
-          </a:p>
-        </p:txBody>
-      </p:sp>
       <mc:AlternateContent xmlns:mc="http://schemas.openxmlformats.org/markup-compatibility/2006">
         <mc:Choice xmlns:a14="http://schemas.microsoft.com/office/drawing/2010/main" Requires="a14">
           <p:sp>
@@ -10322,8 +9549,8 @@
             </p:nvSpPr>
             <p:spPr>
               <a:xfrm>
-                <a:off x="1894176" y="1051763"/>
-                <a:ext cx="8403647" cy="388889"/>
+                <a:off x="2588052" y="1112589"/>
+                <a:ext cx="7015895" cy="324128"/>
               </a:xfrm>
               <a:prstGeom prst="rect">
                 <a:avLst/>
@@ -10347,7 +9574,7 @@
                         <m:accPr>
                           <m:chr m:val="̂"/>
                           <m:ctrlPr>
-                            <a:rPr lang="de-DE" sz="2400" b="0" i="1" smtClean="0">
+                            <a:rPr lang="de-DE" sz="2000" b="0" i="1" smtClean="0">
                               <a:latin typeface="Cambria Math" panose="02040503050406030204" pitchFamily="18" charset="0"/>
                               <a:cs typeface="Arial" panose="020B0604020202020204" pitchFamily="34" charset="0"/>
                             </a:rPr>
@@ -10355,7 +9582,7 @@
                         </m:accPr>
                         <m:e>
                           <m:r>
-                            <a:rPr lang="de-DE" sz="2400" b="0" i="1" smtClean="0">
+                            <a:rPr lang="de-DE" sz="2000" b="0" i="1" smtClean="0">
                               <a:latin typeface="Cambria Math" panose="02040503050406030204" pitchFamily="18" charset="0"/>
                               <a:cs typeface="Arial" panose="020B0604020202020204" pitchFamily="34" charset="0"/>
                             </a:rPr>
@@ -10364,7 +9591,7 @@
                         </m:e>
                       </m:acc>
                       <m:r>
-                        <a:rPr lang="de-DE" sz="2400" b="0" i="1" smtClean="0">
+                        <a:rPr lang="de-DE" sz="2000" b="0" i="1" smtClean="0">
                           <a:latin typeface="Cambria Math" panose="02040503050406030204" pitchFamily="18" charset="0"/>
                           <a:cs typeface="Arial" panose="020B0604020202020204" pitchFamily="34" charset="0"/>
                         </a:rPr>
@@ -10374,7 +9601,7 @@
                         <m:accPr>
                           <m:chr m:val="̂"/>
                           <m:ctrlPr>
-                            <a:rPr lang="de-DE" sz="2400" b="0" i="1" smtClean="0">
+                            <a:rPr lang="de-DE" sz="2000" b="0" i="1" smtClean="0">
                               <a:latin typeface="Cambria Math" panose="02040503050406030204" pitchFamily="18" charset="0"/>
                               <a:cs typeface="Arial" panose="020B0604020202020204" pitchFamily="34" charset="0"/>
                             </a:rPr>
@@ -10384,7 +9611,7 @@
                           <m:sSub>
                             <m:sSubPr>
                               <m:ctrlPr>
-                                <a:rPr lang="de-DE" sz="2400" b="0" i="1" smtClean="0">
+                                <a:rPr lang="de-DE" sz="2000" b="0" i="1" smtClean="0">
                                   <a:latin typeface="Cambria Math" panose="02040503050406030204" pitchFamily="18" charset="0"/>
                                   <a:cs typeface="Arial" panose="020B0604020202020204" pitchFamily="34" charset="0"/>
                                 </a:rPr>
@@ -10392,7 +9619,7 @@
                             </m:sSubPr>
                             <m:e>
                               <m:r>
-                                <a:rPr lang="de-DE" sz="2400" b="0" i="1" smtClean="0">
+                                <a:rPr lang="de-DE" sz="2000" b="0" i="1" smtClean="0">
                                   <a:latin typeface="Cambria Math" panose="02040503050406030204" pitchFamily="18" charset="0"/>
                                   <a:cs typeface="Arial" panose="020B0604020202020204" pitchFamily="34" charset="0"/>
                                 </a:rPr>
@@ -10401,7 +9628,7 @@
                             </m:e>
                             <m:sub>
                               <m:r>
-                                <a:rPr lang="de-DE" sz="2400" b="0" i="1" smtClean="0">
+                                <a:rPr lang="de-DE" sz="2000" b="0" i="1" smtClean="0">
                                   <a:latin typeface="Cambria Math" panose="02040503050406030204" pitchFamily="18" charset="0"/>
                                   <a:cs typeface="Arial" panose="020B0604020202020204" pitchFamily="34" charset="0"/>
                                 </a:rPr>
@@ -10412,7 +9639,7 @@
                         </m:e>
                       </m:acc>
                       <m:r>
-                        <a:rPr lang="de-DE" sz="2400" b="0" i="1" smtClean="0">
+                        <a:rPr lang="de-DE" sz="2000" b="0" i="1" smtClean="0">
                           <a:latin typeface="Cambria Math" panose="02040503050406030204" pitchFamily="18" charset="0"/>
                           <a:cs typeface="Arial" panose="020B0604020202020204" pitchFamily="34" charset="0"/>
                         </a:rPr>
@@ -10422,7 +9649,7 @@
                         <m:accPr>
                           <m:chr m:val="̂"/>
                           <m:ctrlPr>
-                            <a:rPr lang="de-DE" sz="2400" b="0" i="1" smtClean="0">
+                            <a:rPr lang="de-DE" sz="2000" b="0" i="1" smtClean="0">
                               <a:latin typeface="Cambria Math" panose="02040503050406030204" pitchFamily="18" charset="0"/>
                               <a:cs typeface="Arial" panose="020B0604020202020204" pitchFamily="34" charset="0"/>
                             </a:rPr>
@@ -10432,7 +9659,7 @@
                           <m:sSub>
                             <m:sSubPr>
                               <m:ctrlPr>
-                                <a:rPr lang="de-DE" sz="2400" b="0" i="1" smtClean="0">
+                                <a:rPr lang="de-DE" sz="2000" b="0" i="1" smtClean="0">
                                   <a:latin typeface="Cambria Math" panose="02040503050406030204" pitchFamily="18" charset="0"/>
                                   <a:cs typeface="Arial" panose="020B0604020202020204" pitchFamily="34" charset="0"/>
                                 </a:rPr>
@@ -10440,7 +9667,7 @@
                             </m:sSubPr>
                             <m:e>
                               <m:r>
-                                <a:rPr lang="de-DE" sz="2400" b="0" i="1" smtClean="0">
+                                <a:rPr lang="de-DE" sz="2000" b="0" i="1" smtClean="0">
                                   <a:latin typeface="Cambria Math" panose="02040503050406030204" pitchFamily="18" charset="0"/>
                                   <a:cs typeface="Arial" panose="020B0604020202020204" pitchFamily="34" charset="0"/>
                                 </a:rPr>
@@ -10449,7 +9676,7 @@
                             </m:e>
                             <m:sub>
                               <m:r>
-                                <a:rPr lang="de-DE" sz="2400" b="0" i="1" smtClean="0">
+                                <a:rPr lang="de-DE" sz="2000" b="0" i="1" smtClean="0">
                                   <a:latin typeface="Cambria Math" panose="02040503050406030204" pitchFamily="18" charset="0"/>
                                   <a:cs typeface="Arial" panose="020B0604020202020204" pitchFamily="34" charset="0"/>
                                 </a:rPr>
@@ -10460,21 +9687,21 @@
                         </m:e>
                       </m:acc>
                       <m:r>
-                        <a:rPr lang="de-DE" sz="2400" b="0" i="1" smtClean="0">
+                        <a:rPr lang="de-DE" sz="2000" b="0" i="1" smtClean="0">
                           <a:latin typeface="Cambria Math" panose="02040503050406030204" pitchFamily="18" charset="0"/>
                           <a:cs typeface="Arial" panose="020B0604020202020204" pitchFamily="34" charset="0"/>
                         </a:rPr>
                         <m:t>⋅</m:t>
                       </m:r>
                       <m:r>
-                        <a:rPr lang="de-DE" sz="2400" b="0" i="1" smtClean="0">
+                        <a:rPr lang="de-DE" sz="2000" b="0" i="1" smtClean="0">
                           <a:latin typeface="Cambria Math" panose="02040503050406030204" pitchFamily="18" charset="0"/>
                           <a:cs typeface="Arial" panose="020B0604020202020204" pitchFamily="34" charset="0"/>
                         </a:rPr>
                         <m:t>𝑡𝑟𝑒𝑎𝑡</m:t>
                       </m:r>
                       <m:r>
-                        <a:rPr lang="de-DE" sz="2400" b="0" i="1" smtClean="0">
+                        <a:rPr lang="de-DE" sz="2000" b="0" i="1" smtClean="0">
                           <a:latin typeface="Cambria Math" panose="02040503050406030204" pitchFamily="18" charset="0"/>
                           <a:cs typeface="Arial" panose="020B0604020202020204" pitchFamily="34" charset="0"/>
                         </a:rPr>
@@ -10484,7 +9711,7 @@
                         <m:accPr>
                           <m:chr m:val="̂"/>
                           <m:ctrlPr>
-                            <a:rPr lang="de-DE" sz="2400" b="0" i="1" smtClean="0">
+                            <a:rPr lang="de-DE" sz="2000" b="0" i="1" smtClean="0">
                               <a:latin typeface="Cambria Math" panose="02040503050406030204" pitchFamily="18" charset="0"/>
                               <a:cs typeface="Arial" panose="020B0604020202020204" pitchFamily="34" charset="0"/>
                             </a:rPr>
@@ -10494,7 +9721,7 @@
                           <m:sSub>
                             <m:sSubPr>
                               <m:ctrlPr>
-                                <a:rPr lang="de-DE" sz="2400" b="0" i="1" smtClean="0">
+                                <a:rPr lang="de-DE" sz="2000" b="0" i="1" smtClean="0">
                                   <a:latin typeface="Cambria Math" panose="02040503050406030204" pitchFamily="18" charset="0"/>
                                   <a:cs typeface="Arial" panose="020B0604020202020204" pitchFamily="34" charset="0"/>
                                 </a:rPr>
@@ -10502,7 +9729,7 @@
                             </m:sSubPr>
                             <m:e>
                               <m:r>
-                                <a:rPr lang="de-DE" sz="2400" b="0" i="1" smtClean="0">
+                                <a:rPr lang="de-DE" sz="2000" b="0" i="1" smtClean="0">
                                   <a:latin typeface="Cambria Math" panose="02040503050406030204" pitchFamily="18" charset="0"/>
                                   <a:cs typeface="Arial" panose="020B0604020202020204" pitchFamily="34" charset="0"/>
                                 </a:rPr>
@@ -10511,7 +9738,7 @@
                             </m:e>
                             <m:sub>
                               <m:r>
-                                <a:rPr lang="de-DE" sz="2400" b="0" i="1" smtClean="0">
+                                <a:rPr lang="de-DE" sz="2000" b="0" i="1" smtClean="0">
                                   <a:latin typeface="Cambria Math" panose="02040503050406030204" pitchFamily="18" charset="0"/>
                                   <a:cs typeface="Arial" panose="020B0604020202020204" pitchFamily="34" charset="0"/>
                                 </a:rPr>
@@ -10522,21 +9749,21 @@
                         </m:e>
                       </m:acc>
                       <m:r>
-                        <a:rPr lang="de-DE" sz="2400" b="0" i="1" smtClean="0">
+                        <a:rPr lang="de-DE" sz="2000" b="0" i="1" smtClean="0">
                           <a:latin typeface="Cambria Math" panose="02040503050406030204" pitchFamily="18" charset="0"/>
                           <a:cs typeface="Arial" panose="020B0604020202020204" pitchFamily="34" charset="0"/>
                         </a:rPr>
                         <m:t>⋅</m:t>
                       </m:r>
                       <m:r>
-                        <a:rPr lang="de-DE" sz="2400" b="0" i="1" smtClean="0">
+                        <a:rPr lang="de-DE" sz="2000" b="0" i="1" smtClean="0">
                           <a:latin typeface="Cambria Math" panose="02040503050406030204" pitchFamily="18" charset="0"/>
                           <a:cs typeface="Arial" panose="020B0604020202020204" pitchFamily="34" charset="0"/>
                         </a:rPr>
                         <m:t>𝑎𝑔𝑒</m:t>
                       </m:r>
                       <m:r>
-                        <a:rPr lang="de-DE" sz="2400" b="0" i="1" smtClean="0">
+                        <a:rPr lang="de-DE" sz="2000" b="0" i="1" smtClean="0">
                           <a:latin typeface="Cambria Math" panose="02040503050406030204" pitchFamily="18" charset="0"/>
                           <a:cs typeface="Arial" panose="020B0604020202020204" pitchFamily="34" charset="0"/>
                         </a:rPr>
@@ -10546,7 +9773,7 @@
                         <m:accPr>
                           <m:chr m:val="̂"/>
                           <m:ctrlPr>
-                            <a:rPr lang="de-DE" sz="2400" b="0" i="1" smtClean="0">
+                            <a:rPr lang="de-DE" sz="2000" b="0" i="1" smtClean="0">
                               <a:latin typeface="Cambria Math" panose="02040503050406030204" pitchFamily="18" charset="0"/>
                               <a:cs typeface="Arial" panose="020B0604020202020204" pitchFamily="34" charset="0"/>
                             </a:rPr>
@@ -10556,7 +9783,7 @@
                           <m:sSub>
                             <m:sSubPr>
                               <m:ctrlPr>
-                                <a:rPr lang="de-DE" sz="2400" b="0" i="1" smtClean="0">
+                                <a:rPr lang="de-DE" sz="2000" b="0" i="1" smtClean="0">
                                   <a:latin typeface="Cambria Math" panose="02040503050406030204" pitchFamily="18" charset="0"/>
                                   <a:cs typeface="Arial" panose="020B0604020202020204" pitchFamily="34" charset="0"/>
                                 </a:rPr>
@@ -10564,7 +9791,7 @@
                             </m:sSubPr>
                             <m:e>
                               <m:r>
-                                <a:rPr lang="de-DE" sz="2400" b="0" i="1" smtClean="0">
+                                <a:rPr lang="de-DE" sz="2000" b="0" i="1" smtClean="0">
                                   <a:latin typeface="Cambria Math" panose="02040503050406030204" pitchFamily="18" charset="0"/>
                                   <a:cs typeface="Arial" panose="020B0604020202020204" pitchFamily="34" charset="0"/>
                                 </a:rPr>
@@ -10573,7 +9800,7 @@
                             </m:e>
                             <m:sub>
                               <m:r>
-                                <a:rPr lang="de-DE" sz="2400" b="0" i="1" smtClean="0">
+                                <a:rPr lang="de-DE" sz="2000" b="0" i="1" smtClean="0">
                                   <a:latin typeface="Cambria Math" panose="02040503050406030204" pitchFamily="18" charset="0"/>
                                   <a:cs typeface="Arial" panose="020B0604020202020204" pitchFamily="34" charset="0"/>
                                 </a:rPr>
@@ -10584,21 +9811,21 @@
                         </m:e>
                       </m:acc>
                       <m:r>
-                        <a:rPr lang="de-DE" sz="2400" b="0" i="1" smtClean="0">
+                        <a:rPr lang="de-DE" sz="2000" b="0" i="1" smtClean="0">
                           <a:latin typeface="Cambria Math" panose="02040503050406030204" pitchFamily="18" charset="0"/>
                           <a:cs typeface="Arial" panose="020B0604020202020204" pitchFamily="34" charset="0"/>
                         </a:rPr>
                         <m:t>⋅</m:t>
                       </m:r>
                       <m:r>
-                        <a:rPr lang="de-DE" sz="2400" b="0" i="1" smtClean="0">
+                        <a:rPr lang="de-DE" sz="2000" b="0" i="1" smtClean="0">
                           <a:latin typeface="Cambria Math" panose="02040503050406030204" pitchFamily="18" charset="0"/>
                           <a:cs typeface="Arial" panose="020B0604020202020204" pitchFamily="34" charset="0"/>
                         </a:rPr>
                         <m:t>𝑚𝑎𝑟𝑟𝑖𝑒𝑑</m:t>
                       </m:r>
                       <m:r>
-                        <a:rPr lang="de-DE" sz="2400" b="0" i="1" smtClean="0">
+                        <a:rPr lang="de-DE" sz="2000" b="0" i="1" smtClean="0">
                           <a:latin typeface="Cambria Math" panose="02040503050406030204" pitchFamily="18" charset="0"/>
                           <a:cs typeface="Arial" panose="020B0604020202020204" pitchFamily="34" charset="0"/>
                         </a:rPr>
@@ -10608,7 +9835,7 @@
                         <m:accPr>
                           <m:chr m:val="̂"/>
                           <m:ctrlPr>
-                            <a:rPr lang="de-DE" sz="2400" b="0" i="1" smtClean="0">
+                            <a:rPr lang="de-DE" sz="2000" b="0" i="1" smtClean="0">
                               <a:latin typeface="Cambria Math" panose="02040503050406030204" pitchFamily="18" charset="0"/>
                               <a:cs typeface="Arial" panose="020B0604020202020204" pitchFamily="34" charset="0"/>
                             </a:rPr>
@@ -10618,7 +9845,7 @@
                           <m:sSub>
                             <m:sSubPr>
                               <m:ctrlPr>
-                                <a:rPr lang="de-DE" sz="2400" b="0" i="1" smtClean="0">
+                                <a:rPr lang="de-DE" sz="2000" b="0" i="1" smtClean="0">
                                   <a:latin typeface="Cambria Math" panose="02040503050406030204" pitchFamily="18" charset="0"/>
                                   <a:cs typeface="Arial" panose="020B0604020202020204" pitchFamily="34" charset="0"/>
                                 </a:rPr>
@@ -10626,7 +9853,7 @@
                             </m:sSubPr>
                             <m:e>
                               <m:r>
-                                <a:rPr lang="de-DE" sz="2400" b="0" i="1" smtClean="0">
+                                <a:rPr lang="de-DE" sz="2000" b="0" i="1" smtClean="0">
                                   <a:latin typeface="Cambria Math" panose="02040503050406030204" pitchFamily="18" charset="0"/>
                                   <a:cs typeface="Arial" panose="020B0604020202020204" pitchFamily="34" charset="0"/>
                                 </a:rPr>
@@ -10635,7 +9862,7 @@
                             </m:e>
                             <m:sub>
                               <m:r>
-                                <a:rPr lang="de-DE" sz="2400" b="0" i="1" smtClean="0">
+                                <a:rPr lang="de-DE" sz="2000" b="0" i="1" smtClean="0">
                                   <a:latin typeface="Cambria Math" panose="02040503050406030204" pitchFamily="18" charset="0"/>
                                   <a:cs typeface="Arial" panose="020B0604020202020204" pitchFamily="34" charset="0"/>
                                 </a:rPr>
@@ -10646,28 +9873,28 @@
                         </m:e>
                       </m:acc>
                       <m:r>
-                        <a:rPr lang="de-DE" sz="2400" b="0" i="1" smtClean="0">
+                        <a:rPr lang="de-DE" sz="2000" b="0" i="1" smtClean="0">
                           <a:latin typeface="Cambria Math" panose="02040503050406030204" pitchFamily="18" charset="0"/>
                           <a:cs typeface="Arial" panose="020B0604020202020204" pitchFamily="34" charset="0"/>
                         </a:rPr>
                         <m:t>⋅</m:t>
                       </m:r>
                       <m:r>
-                        <a:rPr lang="de-DE" sz="2400" b="0" i="1" smtClean="0">
+                        <a:rPr lang="de-DE" sz="2000" b="0" i="1" smtClean="0">
                           <a:latin typeface="Cambria Math" panose="02040503050406030204" pitchFamily="18" charset="0"/>
                           <a:cs typeface="Arial" panose="020B0604020202020204" pitchFamily="34" charset="0"/>
                         </a:rPr>
                         <m:t>𝑡𝑟𝑒𝑎𝑡</m:t>
                       </m:r>
                       <m:r>
-                        <a:rPr lang="de-DE" sz="2400" b="0" i="1" smtClean="0">
+                        <a:rPr lang="de-DE" sz="2000" b="0" i="1" smtClean="0">
                           <a:latin typeface="Cambria Math" panose="02040503050406030204" pitchFamily="18" charset="0"/>
                           <a:cs typeface="Arial" panose="020B0604020202020204" pitchFamily="34" charset="0"/>
                         </a:rPr>
                         <m:t>×</m:t>
                       </m:r>
                       <m:r>
-                        <a:rPr lang="de-DE" sz="2400" b="0" i="1" smtClean="0">
+                        <a:rPr lang="de-DE" sz="2000" b="0" i="1" smtClean="0">
                           <a:latin typeface="Cambria Math" panose="02040503050406030204" pitchFamily="18" charset="0"/>
                           <a:cs typeface="Arial" panose="020B0604020202020204" pitchFamily="34" charset="0"/>
                         </a:rPr>
@@ -10676,7 +9903,7 @@
                     </m:oMath>
                   </m:oMathPara>
                 </a14:m>
-                <a:endParaRPr lang="en-US" sz="2400" dirty="0">
+                <a:endParaRPr lang="en-US" sz="2000" dirty="0">
                   <a:latin typeface="Arial" panose="020B0604020202020204" pitchFamily="34" charset="0"/>
                   <a:cs typeface="Arial" panose="020B0604020202020204" pitchFamily="34" charset="0"/>
                 </a:endParaRPr>
@@ -10701,8 +9928,8 @@
             </p:nvSpPr>
             <p:spPr>
               <a:xfrm>
-                <a:off x="1894176" y="1051763"/>
-                <a:ext cx="8403647" cy="388889"/>
+                <a:off x="2588052" y="1112589"/>
+                <a:ext cx="7015895" cy="324128"/>
               </a:xfrm>
               <a:prstGeom prst="rect">
                 <a:avLst/>
@@ -10710,7 +9937,7 @@
               <a:blipFill>
                 <a:blip r:embed="rId7"/>
                 <a:stretch>
-                  <a:fillRect l="-302" t="-22581" r="-302" b="-32258"/>
+                  <a:fillRect l="-362" t="-11111" r="-362" b="-29630"/>
                 </a:stretch>
               </a:blipFill>
             </p:spPr>
@@ -10729,10 +9956,564 @@
           </p:sp>
         </mc:Fallback>
       </mc:AlternateContent>
+      <p:grpSp>
+        <p:nvGrpSpPr>
+          <p:cNvPr id="17" name="Group 16">
+            <a:extLst>
+              <a:ext uri="{FF2B5EF4-FFF2-40B4-BE49-F238E27FC236}">
+                <a16:creationId xmlns:a16="http://schemas.microsoft.com/office/drawing/2014/main" id="{ED16F161-50FE-DA45-9D83-59F9226B3E17}"/>
+              </a:ext>
+            </a:extLst>
+          </p:cNvPr>
+          <p:cNvGrpSpPr/>
+          <p:nvPr/>
+        </p:nvGrpSpPr>
+        <p:grpSpPr>
+          <a:xfrm>
+            <a:off x="460713" y="1628804"/>
+            <a:ext cx="5059224" cy="373028"/>
+            <a:chOff x="460713" y="1147906"/>
+            <a:chExt cx="5209425" cy="373028"/>
+          </a:xfrm>
+        </p:grpSpPr>
+        <p:sp>
+          <p:nvSpPr>
+            <p:cNvPr id="18" name="TextBox 17">
+              <a:extLst>
+                <a:ext uri="{FF2B5EF4-FFF2-40B4-BE49-F238E27FC236}">
+                  <a16:creationId xmlns:a16="http://schemas.microsoft.com/office/drawing/2014/main" id="{66964DFD-C5F4-FF42-8F01-4F48287B25E5}"/>
+                </a:ext>
+              </a:extLst>
+            </p:cNvPr>
+            <p:cNvSpPr txBox="1"/>
+            <p:nvPr/>
+          </p:nvSpPr>
+          <p:spPr>
+            <a:xfrm>
+              <a:off x="460713" y="1147906"/>
+              <a:ext cx="4649350" cy="369332"/>
+            </a:xfrm>
+            <a:prstGeom prst="rect">
+              <a:avLst/>
+            </a:prstGeom>
+            <a:noFill/>
+          </p:spPr>
+          <p:txBody>
+            <a:bodyPr wrap="none" lIns="0" tIns="0" rIns="0" bIns="0" rtlCol="0">
+              <a:spAutoFit/>
+            </a:bodyPr>
+            <a:lstStyle/>
+            <a:p>
+              <a:pPr algn="l"/>
+              <a:r>
+                <a:rPr lang="en-US" sz="2400" b="1" dirty="0">
+                  <a:solidFill>
+                    <a:srgbClr val="03529B"/>
+                  </a:solidFill>
+                  <a:latin typeface="Arial" panose="020B0604020202020204" pitchFamily="34" charset="0"/>
+                  <a:cs typeface="Arial" panose="020B0604020202020204" pitchFamily="34" charset="0"/>
+                </a:rPr>
+                <a:t>Equal Variance &amp; Independence</a:t>
+              </a:r>
+            </a:p>
+          </p:txBody>
+        </p:sp>
+        <p:cxnSp>
+          <p:nvCxnSpPr>
+            <p:cNvPr id="19" name="Straight Connector 18">
+              <a:extLst>
+                <a:ext uri="{FF2B5EF4-FFF2-40B4-BE49-F238E27FC236}">
+                  <a16:creationId xmlns:a16="http://schemas.microsoft.com/office/drawing/2014/main" id="{2871FD64-03DE-8C48-9364-A2919134A963}"/>
+                </a:ext>
+              </a:extLst>
+            </p:cNvPr>
+            <p:cNvCxnSpPr>
+              <a:cxnSpLocks/>
+            </p:cNvCxnSpPr>
+            <p:nvPr/>
+          </p:nvCxnSpPr>
+          <p:spPr>
+            <a:xfrm>
+              <a:off x="460713" y="1520934"/>
+              <a:ext cx="5209425" cy="0"/>
+            </a:xfrm>
+            <a:prstGeom prst="line">
+              <a:avLst/>
+            </a:prstGeom>
+            <a:ln w="28575">
+              <a:solidFill>
+                <a:srgbClr val="03529B"/>
+              </a:solidFill>
+            </a:ln>
+          </p:spPr>
+          <p:style>
+            <a:lnRef idx="1">
+              <a:schemeClr val="accent1"/>
+            </a:lnRef>
+            <a:fillRef idx="0">
+              <a:schemeClr val="accent1"/>
+            </a:fillRef>
+            <a:effectRef idx="0">
+              <a:schemeClr val="accent1"/>
+            </a:effectRef>
+            <a:fontRef idx="minor">
+              <a:schemeClr val="tx1"/>
+            </a:fontRef>
+          </p:style>
+        </p:cxnSp>
+      </p:grpSp>
+      <p:grpSp>
+        <p:nvGrpSpPr>
+          <p:cNvPr id="20" name="Group 19">
+            <a:extLst>
+              <a:ext uri="{FF2B5EF4-FFF2-40B4-BE49-F238E27FC236}">
+                <a16:creationId xmlns:a16="http://schemas.microsoft.com/office/drawing/2014/main" id="{BB77C4A6-58A0-0D47-8F22-3FBAF91B3E2A}"/>
+              </a:ext>
+            </a:extLst>
+          </p:cNvPr>
+          <p:cNvGrpSpPr/>
+          <p:nvPr/>
+        </p:nvGrpSpPr>
+        <p:grpSpPr>
+          <a:xfrm>
+            <a:off x="6672068" y="1632255"/>
+            <a:ext cx="5059222" cy="373028"/>
+            <a:chOff x="460713" y="1147906"/>
+            <a:chExt cx="5209425" cy="373028"/>
+          </a:xfrm>
+        </p:grpSpPr>
+        <p:sp>
+          <p:nvSpPr>
+            <p:cNvPr id="21" name="TextBox 20">
+              <a:extLst>
+                <a:ext uri="{FF2B5EF4-FFF2-40B4-BE49-F238E27FC236}">
+                  <a16:creationId xmlns:a16="http://schemas.microsoft.com/office/drawing/2014/main" id="{02B04664-FAD5-AE4E-B4C6-203E4BD59F44}"/>
+                </a:ext>
+              </a:extLst>
+            </p:cNvPr>
+            <p:cNvSpPr txBox="1"/>
+            <p:nvPr/>
+          </p:nvSpPr>
+          <p:spPr>
+            <a:xfrm>
+              <a:off x="460713" y="1147906"/>
+              <a:ext cx="1282402" cy="369332"/>
+            </a:xfrm>
+            <a:prstGeom prst="rect">
+              <a:avLst/>
+            </a:prstGeom>
+            <a:noFill/>
+          </p:spPr>
+          <p:txBody>
+            <a:bodyPr wrap="none" lIns="0" tIns="0" rIns="0" bIns="0" rtlCol="0">
+              <a:spAutoFit/>
+            </a:bodyPr>
+            <a:lstStyle/>
+            <a:p>
+              <a:pPr algn="l"/>
+              <a:r>
+                <a:rPr lang="en-US" sz="2400" b="1" dirty="0">
+                  <a:solidFill>
+                    <a:srgbClr val="03529B"/>
+                  </a:solidFill>
+                  <a:latin typeface="Arial" panose="020B0604020202020204" pitchFamily="34" charset="0"/>
+                  <a:cs typeface="Arial" panose="020B0604020202020204" pitchFamily="34" charset="0"/>
+                </a:rPr>
+                <a:t>Linearity</a:t>
+              </a:r>
+            </a:p>
+          </p:txBody>
+        </p:sp>
+        <p:cxnSp>
+          <p:nvCxnSpPr>
+            <p:cNvPr id="23" name="Straight Connector 22">
+              <a:extLst>
+                <a:ext uri="{FF2B5EF4-FFF2-40B4-BE49-F238E27FC236}">
+                  <a16:creationId xmlns:a16="http://schemas.microsoft.com/office/drawing/2014/main" id="{7A44AFEE-839F-BA47-BC04-0FFB6CD6D868}"/>
+                </a:ext>
+              </a:extLst>
+            </p:cNvPr>
+            <p:cNvCxnSpPr>
+              <a:cxnSpLocks/>
+            </p:cNvCxnSpPr>
+            <p:nvPr/>
+          </p:nvCxnSpPr>
+          <p:spPr>
+            <a:xfrm>
+              <a:off x="460713" y="1520934"/>
+              <a:ext cx="5209425" cy="0"/>
+            </a:xfrm>
+            <a:prstGeom prst="line">
+              <a:avLst/>
+            </a:prstGeom>
+            <a:ln w="28575">
+              <a:solidFill>
+                <a:srgbClr val="03529B"/>
+              </a:solidFill>
+            </a:ln>
+          </p:spPr>
+          <p:style>
+            <a:lnRef idx="1">
+              <a:schemeClr val="accent1"/>
+            </a:lnRef>
+            <a:fillRef idx="0">
+              <a:schemeClr val="accent1"/>
+            </a:fillRef>
+            <a:effectRef idx="0">
+              <a:schemeClr val="accent1"/>
+            </a:effectRef>
+            <a:fontRef idx="minor">
+              <a:schemeClr val="tx1"/>
+            </a:fontRef>
+          </p:style>
+        </p:cxnSp>
+      </p:grpSp>
+      <p:grpSp>
+        <p:nvGrpSpPr>
+          <p:cNvPr id="25" name="Group 24">
+            <a:extLst>
+              <a:ext uri="{FF2B5EF4-FFF2-40B4-BE49-F238E27FC236}">
+                <a16:creationId xmlns:a16="http://schemas.microsoft.com/office/drawing/2014/main" id="{18F50F5D-8425-4848-B667-E2E10BA10F88}"/>
+              </a:ext>
+            </a:extLst>
+          </p:cNvPr>
+          <p:cNvGrpSpPr/>
+          <p:nvPr/>
+        </p:nvGrpSpPr>
+        <p:grpSpPr>
+          <a:xfrm>
+            <a:off x="460713" y="4149080"/>
+            <a:ext cx="5059224" cy="373028"/>
+            <a:chOff x="460713" y="1147906"/>
+            <a:chExt cx="5209425" cy="373028"/>
+          </a:xfrm>
+        </p:grpSpPr>
+        <p:sp>
+          <p:nvSpPr>
+            <p:cNvPr id="27" name="TextBox 26">
+              <a:extLst>
+                <a:ext uri="{FF2B5EF4-FFF2-40B4-BE49-F238E27FC236}">
+                  <a16:creationId xmlns:a16="http://schemas.microsoft.com/office/drawing/2014/main" id="{872CFA06-7591-7844-AF3E-3C19718EC81B}"/>
+                </a:ext>
+              </a:extLst>
+            </p:cNvPr>
+            <p:cNvSpPr txBox="1"/>
+            <p:nvPr/>
+          </p:nvSpPr>
+          <p:spPr>
+            <a:xfrm>
+              <a:off x="460713" y="1147906"/>
+              <a:ext cx="1420261" cy="369332"/>
+            </a:xfrm>
+            <a:prstGeom prst="rect">
+              <a:avLst/>
+            </a:prstGeom>
+            <a:noFill/>
+          </p:spPr>
+          <p:txBody>
+            <a:bodyPr wrap="none" lIns="0" tIns="0" rIns="0" bIns="0" rtlCol="0">
+              <a:spAutoFit/>
+            </a:bodyPr>
+            <a:lstStyle/>
+            <a:p>
+              <a:pPr algn="l"/>
+              <a:r>
+                <a:rPr lang="en-US" sz="2400" b="1" dirty="0">
+                  <a:solidFill>
+                    <a:srgbClr val="03529B"/>
+                  </a:solidFill>
+                  <a:latin typeface="Arial" panose="020B0604020202020204" pitchFamily="34" charset="0"/>
+                  <a:cs typeface="Arial" panose="020B0604020202020204" pitchFamily="34" charset="0"/>
+                </a:rPr>
+                <a:t>Normality</a:t>
+              </a:r>
+            </a:p>
+          </p:txBody>
+        </p:sp>
+        <p:cxnSp>
+          <p:nvCxnSpPr>
+            <p:cNvPr id="28" name="Straight Connector 27">
+              <a:extLst>
+                <a:ext uri="{FF2B5EF4-FFF2-40B4-BE49-F238E27FC236}">
+                  <a16:creationId xmlns:a16="http://schemas.microsoft.com/office/drawing/2014/main" id="{593E14CF-E5A4-AF49-A924-5C0F42BC6C47}"/>
+                </a:ext>
+              </a:extLst>
+            </p:cNvPr>
+            <p:cNvCxnSpPr>
+              <a:cxnSpLocks/>
+            </p:cNvCxnSpPr>
+            <p:nvPr/>
+          </p:nvCxnSpPr>
+          <p:spPr>
+            <a:xfrm>
+              <a:off x="460713" y="1520934"/>
+              <a:ext cx="5209425" cy="0"/>
+            </a:xfrm>
+            <a:prstGeom prst="line">
+              <a:avLst/>
+            </a:prstGeom>
+            <a:ln w="28575">
+              <a:solidFill>
+                <a:srgbClr val="03529B"/>
+              </a:solidFill>
+            </a:ln>
+          </p:spPr>
+          <p:style>
+            <a:lnRef idx="1">
+              <a:schemeClr val="accent1"/>
+            </a:lnRef>
+            <a:fillRef idx="0">
+              <a:schemeClr val="accent1"/>
+            </a:fillRef>
+            <a:effectRef idx="0">
+              <a:schemeClr val="accent1"/>
+            </a:effectRef>
+            <a:fontRef idx="minor">
+              <a:schemeClr val="tx1"/>
+            </a:fontRef>
+          </p:style>
+        </p:cxnSp>
+      </p:grpSp>
+      <p:grpSp>
+        <p:nvGrpSpPr>
+          <p:cNvPr id="29" name="Group 28">
+            <a:extLst>
+              <a:ext uri="{FF2B5EF4-FFF2-40B4-BE49-F238E27FC236}">
+                <a16:creationId xmlns:a16="http://schemas.microsoft.com/office/drawing/2014/main" id="{9E6B4251-508F-1442-9B1E-D3D94F814A69}"/>
+              </a:ext>
+            </a:extLst>
+          </p:cNvPr>
+          <p:cNvGrpSpPr/>
+          <p:nvPr/>
+        </p:nvGrpSpPr>
+        <p:grpSpPr>
+          <a:xfrm>
+            <a:off x="6672066" y="4158075"/>
+            <a:ext cx="5059222" cy="373028"/>
+            <a:chOff x="460713" y="1147906"/>
+            <a:chExt cx="5209425" cy="373028"/>
+          </a:xfrm>
+        </p:grpSpPr>
+        <p:sp>
+          <p:nvSpPr>
+            <p:cNvPr id="30" name="TextBox 29">
+              <a:extLst>
+                <a:ext uri="{FF2B5EF4-FFF2-40B4-BE49-F238E27FC236}">
+                  <a16:creationId xmlns:a16="http://schemas.microsoft.com/office/drawing/2014/main" id="{ED5FB491-BF89-974A-8364-8BFAD2C17870}"/>
+                </a:ext>
+              </a:extLst>
+            </p:cNvPr>
+            <p:cNvSpPr txBox="1"/>
+            <p:nvPr/>
+          </p:nvSpPr>
+          <p:spPr>
+            <a:xfrm>
+              <a:off x="460713" y="1147906"/>
+              <a:ext cx="1162178" cy="369332"/>
+            </a:xfrm>
+            <a:prstGeom prst="rect">
+              <a:avLst/>
+            </a:prstGeom>
+            <a:noFill/>
+          </p:spPr>
+          <p:txBody>
+            <a:bodyPr wrap="none" lIns="0" tIns="0" rIns="0" bIns="0" rtlCol="0">
+              <a:spAutoFit/>
+            </a:bodyPr>
+            <a:lstStyle/>
+            <a:p>
+              <a:pPr algn="l"/>
+              <a:r>
+                <a:rPr lang="en-US" sz="2400" b="1" dirty="0">
+                  <a:solidFill>
+                    <a:srgbClr val="03529B"/>
+                  </a:solidFill>
+                  <a:latin typeface="Arial" panose="020B0604020202020204" pitchFamily="34" charset="0"/>
+                  <a:cs typeface="Arial" panose="020B0604020202020204" pitchFamily="34" charset="0"/>
+                </a:rPr>
+                <a:t>Outliers</a:t>
+              </a:r>
+            </a:p>
+          </p:txBody>
+        </p:sp>
+        <p:cxnSp>
+          <p:nvCxnSpPr>
+            <p:cNvPr id="31" name="Straight Connector 30">
+              <a:extLst>
+                <a:ext uri="{FF2B5EF4-FFF2-40B4-BE49-F238E27FC236}">
+                  <a16:creationId xmlns:a16="http://schemas.microsoft.com/office/drawing/2014/main" id="{846E2A28-8E71-E242-8BD1-76F6C2C7C048}"/>
+                </a:ext>
+              </a:extLst>
+            </p:cNvPr>
+            <p:cNvCxnSpPr>
+              <a:cxnSpLocks/>
+            </p:cNvCxnSpPr>
+            <p:nvPr/>
+          </p:nvCxnSpPr>
+          <p:spPr>
+            <a:xfrm>
+              <a:off x="460713" y="1520934"/>
+              <a:ext cx="5209425" cy="0"/>
+            </a:xfrm>
+            <a:prstGeom prst="line">
+              <a:avLst/>
+            </a:prstGeom>
+            <a:ln w="28575">
+              <a:solidFill>
+                <a:srgbClr val="03529B"/>
+              </a:solidFill>
+            </a:ln>
+          </p:spPr>
+          <p:style>
+            <a:lnRef idx="1">
+              <a:schemeClr val="accent1"/>
+            </a:lnRef>
+            <a:fillRef idx="0">
+              <a:schemeClr val="accent1"/>
+            </a:fillRef>
+            <a:effectRef idx="0">
+              <a:schemeClr val="accent1"/>
+            </a:effectRef>
+            <a:fontRef idx="minor">
+              <a:schemeClr val="tx1"/>
+            </a:fontRef>
+          </p:style>
+        </p:cxnSp>
+      </p:grpSp>
+      <p:sp>
+        <p:nvSpPr>
+          <p:cNvPr id="32" name="Slide Number Placeholder 1">
+            <a:extLst>
+              <a:ext uri="{FF2B5EF4-FFF2-40B4-BE49-F238E27FC236}">
+                <a16:creationId xmlns:a16="http://schemas.microsoft.com/office/drawing/2014/main" id="{46C6F634-1BDD-2940-9652-063C6C638B15}"/>
+              </a:ext>
+            </a:extLst>
+          </p:cNvPr>
+          <p:cNvSpPr txBox="1">
+            <a:spLocks/>
+          </p:cNvSpPr>
+          <p:nvPr/>
+        </p:nvSpPr>
+        <p:spPr>
+          <a:xfrm>
+            <a:off x="9264352" y="6356350"/>
+            <a:ext cx="2743200" cy="365125"/>
+          </a:xfrm>
+          <a:prstGeom prst="rect">
+            <a:avLst/>
+          </a:prstGeom>
+        </p:spPr>
+        <p:txBody>
+          <a:bodyPr vert="horz" lIns="91440" tIns="45720" rIns="91440" bIns="45720" rtlCol="0" anchor="ctr"/>
+          <a:lstStyle>
+            <a:defPPr>
+              <a:defRPr lang="en-US"/>
+            </a:defPPr>
+            <a:lvl1pPr marL="0" algn="r" defTabSz="914400" rtl="0" eaLnBrk="1" latinLnBrk="0" hangingPunct="1">
+              <a:defRPr sz="1200" kern="1200">
+                <a:solidFill>
+                  <a:schemeClr val="tx1"/>
+                </a:solidFill>
+                <a:latin typeface="Arial" panose="020B0604020202020204" pitchFamily="34" charset="0"/>
+                <a:ea typeface="+mn-ea"/>
+                <a:cs typeface="Arial" panose="020B0604020202020204" pitchFamily="34" charset="0"/>
+              </a:defRPr>
+            </a:lvl1pPr>
+            <a:lvl2pPr marL="457200" algn="l" defTabSz="914400" rtl="0" eaLnBrk="1" latinLnBrk="0" hangingPunct="1">
+              <a:defRPr sz="1800" kern="1200">
+                <a:solidFill>
+                  <a:schemeClr val="tx1"/>
+                </a:solidFill>
+                <a:latin typeface="+mn-lt"/>
+                <a:ea typeface="+mn-ea"/>
+                <a:cs typeface="+mn-cs"/>
+              </a:defRPr>
+            </a:lvl2pPr>
+            <a:lvl3pPr marL="914400" algn="l" defTabSz="914400" rtl="0" eaLnBrk="1" latinLnBrk="0" hangingPunct="1">
+              <a:defRPr sz="1800" kern="1200">
+                <a:solidFill>
+                  <a:schemeClr val="tx1"/>
+                </a:solidFill>
+                <a:latin typeface="+mn-lt"/>
+                <a:ea typeface="+mn-ea"/>
+                <a:cs typeface="+mn-cs"/>
+              </a:defRPr>
+            </a:lvl3pPr>
+            <a:lvl4pPr marL="1371600" algn="l" defTabSz="914400" rtl="0" eaLnBrk="1" latinLnBrk="0" hangingPunct="1">
+              <a:defRPr sz="1800" kern="1200">
+                <a:solidFill>
+                  <a:schemeClr val="tx1"/>
+                </a:solidFill>
+                <a:latin typeface="+mn-lt"/>
+                <a:ea typeface="+mn-ea"/>
+                <a:cs typeface="+mn-cs"/>
+              </a:defRPr>
+            </a:lvl4pPr>
+            <a:lvl5pPr marL="1828800" algn="l" defTabSz="914400" rtl="0" eaLnBrk="1" latinLnBrk="0" hangingPunct="1">
+              <a:defRPr sz="1800" kern="1200">
+                <a:solidFill>
+                  <a:schemeClr val="tx1"/>
+                </a:solidFill>
+                <a:latin typeface="+mn-lt"/>
+                <a:ea typeface="+mn-ea"/>
+                <a:cs typeface="+mn-cs"/>
+              </a:defRPr>
+            </a:lvl5pPr>
+            <a:lvl6pPr marL="2286000" algn="l" defTabSz="914400" rtl="0" eaLnBrk="1" latinLnBrk="0" hangingPunct="1">
+              <a:defRPr sz="1800" kern="1200">
+                <a:solidFill>
+                  <a:schemeClr val="tx1"/>
+                </a:solidFill>
+                <a:latin typeface="+mn-lt"/>
+                <a:ea typeface="+mn-ea"/>
+                <a:cs typeface="+mn-cs"/>
+              </a:defRPr>
+            </a:lvl6pPr>
+            <a:lvl7pPr marL="2743200" algn="l" defTabSz="914400" rtl="0" eaLnBrk="1" latinLnBrk="0" hangingPunct="1">
+              <a:defRPr sz="1800" kern="1200">
+                <a:solidFill>
+                  <a:schemeClr val="tx1"/>
+                </a:solidFill>
+                <a:latin typeface="+mn-lt"/>
+                <a:ea typeface="+mn-ea"/>
+                <a:cs typeface="+mn-cs"/>
+              </a:defRPr>
+            </a:lvl7pPr>
+            <a:lvl8pPr marL="3200400" algn="l" defTabSz="914400" rtl="0" eaLnBrk="1" latinLnBrk="0" hangingPunct="1">
+              <a:defRPr sz="1800" kern="1200">
+                <a:solidFill>
+                  <a:schemeClr val="tx1"/>
+                </a:solidFill>
+                <a:latin typeface="+mn-lt"/>
+                <a:ea typeface="+mn-ea"/>
+                <a:cs typeface="+mn-cs"/>
+              </a:defRPr>
+            </a:lvl8pPr>
+            <a:lvl9pPr marL="3657600" algn="l" defTabSz="914400" rtl="0" eaLnBrk="1" latinLnBrk="0" hangingPunct="1">
+              <a:defRPr sz="1800" kern="1200">
+                <a:solidFill>
+                  <a:schemeClr val="tx1"/>
+                </a:solidFill>
+                <a:latin typeface="+mn-lt"/>
+                <a:ea typeface="+mn-ea"/>
+                <a:cs typeface="+mn-cs"/>
+              </a:defRPr>
+            </a:lvl9pPr>
+          </a:lstStyle>
+          <a:p>
+            <a:fld id="{2D00CA07-45C7-8142-9F4D-3A07AD48DFA1}" type="slidenum">
+              <a:rPr lang="en-US" smtClean="0"/>
+              <a:pPr/>
+              <a:t>7</a:t>
+            </a:fld>
+            <a:endParaRPr lang="en-US"/>
+          </a:p>
+        </p:txBody>
+      </p:sp>
     </p:spTree>
     <p:extLst>
       <p:ext uri="{BB962C8B-B14F-4D97-AF65-F5344CB8AC3E}">
-        <p14:creationId xmlns:p14="http://schemas.microsoft.com/office/powerpoint/2010/main" val="4125710335"/>
+        <p14:creationId xmlns:p14="http://schemas.microsoft.com/office/powerpoint/2010/main" val="3148170173"/>
       </p:ext>
     </p:extLst>
   </p:cSld>
@@ -10742,7 +10523,7 @@
 </p:sld>
 </file>
 
-<file path=ppt/slides/slide9.xml><?xml version="1.0" encoding="utf-8"?>
+<file path=ppt/slides/slide8.xml><?xml version="1.0" encoding="utf-8"?>
 <p:sld xmlns:a="http://schemas.openxmlformats.org/drawingml/2006/main" xmlns:r="http://schemas.openxmlformats.org/officeDocument/2006/relationships" xmlns:p="http://schemas.openxmlformats.org/presentationml/2006/main">
   <p:cSld>
     <p:spTree>
@@ -10782,7 +10563,7 @@
           <a:p>
             <a:fld id="{2D00CA07-45C7-8142-9F4D-3A07AD48DFA1}" type="slidenum">
               <a:rPr lang="en-US" smtClean="0"/>
-              <a:t>9</a:t>
+              <a:t>8</a:t>
             </a:fld>
             <a:endParaRPr lang="en-US"/>
           </a:p>
@@ -10899,12 +10680,824 @@
           </a:prstGeom>
         </p:spPr>
       </p:pic>
+      <p:grpSp>
+        <p:nvGrpSpPr>
+          <p:cNvPr id="13" name="Group 12">
+            <a:extLst>
+              <a:ext uri="{FF2B5EF4-FFF2-40B4-BE49-F238E27FC236}">
+                <a16:creationId xmlns:a16="http://schemas.microsoft.com/office/drawing/2014/main" id="{8E985FFC-9E59-6F4F-9F75-C95E2250FD53}"/>
+              </a:ext>
+            </a:extLst>
+          </p:cNvPr>
+          <p:cNvGrpSpPr/>
+          <p:nvPr/>
+        </p:nvGrpSpPr>
+        <p:grpSpPr>
+          <a:xfrm>
+            <a:off x="460713" y="1147906"/>
+            <a:ext cx="5209425" cy="373028"/>
+            <a:chOff x="460713" y="1147906"/>
+            <a:chExt cx="5209425" cy="373028"/>
+          </a:xfrm>
+        </p:grpSpPr>
+        <p:sp>
+          <p:nvSpPr>
+            <p:cNvPr id="9" name="TextBox 8">
+              <a:extLst>
+                <a:ext uri="{FF2B5EF4-FFF2-40B4-BE49-F238E27FC236}">
+                  <a16:creationId xmlns:a16="http://schemas.microsoft.com/office/drawing/2014/main" id="{5864DE45-F31F-F34E-BAC6-E015E30D4D60}"/>
+                </a:ext>
+              </a:extLst>
+            </p:cNvPr>
+            <p:cNvSpPr txBox="1"/>
+            <p:nvPr/>
+          </p:nvSpPr>
+          <p:spPr>
+            <a:xfrm>
+              <a:off x="460713" y="1147906"/>
+              <a:ext cx="888064" cy="369332"/>
+            </a:xfrm>
+            <a:prstGeom prst="rect">
+              <a:avLst/>
+            </a:prstGeom>
+            <a:noFill/>
+          </p:spPr>
+          <p:txBody>
+            <a:bodyPr wrap="none" lIns="0" tIns="0" rIns="0" bIns="0" rtlCol="0">
+              <a:spAutoFit/>
+            </a:bodyPr>
+            <a:lstStyle/>
+            <a:p>
+              <a:pPr algn="l"/>
+              <a:r>
+                <a:rPr lang="en-US" sz="2400" b="1" dirty="0">
+                  <a:solidFill>
+                    <a:srgbClr val="03529B"/>
+                  </a:solidFill>
+                  <a:latin typeface="Arial" panose="020B0604020202020204" pitchFamily="34" charset="0"/>
+                  <a:cs typeface="Arial" panose="020B0604020202020204" pitchFamily="34" charset="0"/>
+                </a:rPr>
+                <a:t>Model</a:t>
+              </a:r>
+            </a:p>
+          </p:txBody>
+        </p:sp>
+        <p:cxnSp>
+          <p:nvCxnSpPr>
+            <p:cNvPr id="11" name="Straight Connector 10">
+              <a:extLst>
+                <a:ext uri="{FF2B5EF4-FFF2-40B4-BE49-F238E27FC236}">
+                  <a16:creationId xmlns:a16="http://schemas.microsoft.com/office/drawing/2014/main" id="{F45F55A1-178F-204B-8122-0D25726930AE}"/>
+                </a:ext>
+              </a:extLst>
+            </p:cNvPr>
+            <p:cNvCxnSpPr>
+              <a:cxnSpLocks/>
+            </p:cNvCxnSpPr>
+            <p:nvPr/>
+          </p:nvCxnSpPr>
+          <p:spPr>
+            <a:xfrm>
+              <a:off x="460713" y="1520934"/>
+              <a:ext cx="5209425" cy="0"/>
+            </a:xfrm>
+            <a:prstGeom prst="line">
+              <a:avLst/>
+            </a:prstGeom>
+            <a:ln w="28575">
+              <a:solidFill>
+                <a:srgbClr val="03529B"/>
+              </a:solidFill>
+            </a:ln>
+          </p:spPr>
+          <p:style>
+            <a:lnRef idx="1">
+              <a:schemeClr val="accent1"/>
+            </a:lnRef>
+            <a:fillRef idx="0">
+              <a:schemeClr val="accent1"/>
+            </a:fillRef>
+            <a:effectRef idx="0">
+              <a:schemeClr val="accent1"/>
+            </a:effectRef>
+            <a:fontRef idx="minor">
+              <a:schemeClr val="tx1"/>
+            </a:fontRef>
+          </p:style>
+        </p:cxnSp>
+      </p:grpSp>
+      <p:pic>
+        <p:nvPicPr>
+          <p:cNvPr id="12" name="Picture 11" descr="Chart, line chart&#10;&#10;Description automatically generated">
+            <a:extLst>
+              <a:ext uri="{FF2B5EF4-FFF2-40B4-BE49-F238E27FC236}">
+                <a16:creationId xmlns:a16="http://schemas.microsoft.com/office/drawing/2014/main" id="{1230B900-9738-584F-8D23-FB718BC7087A}"/>
+              </a:ext>
+            </a:extLst>
+          </p:cNvPr>
+          <p:cNvPicPr>
+            <a:picLocks noChangeAspect="1"/>
+          </p:cNvPicPr>
+          <p:nvPr/>
+        </p:nvPicPr>
+        <p:blipFill>
+          <a:blip r:embed="rId4" cstate="hqprint">
+            <a:extLst>
+              <a:ext uri="{28A0092B-C50C-407E-A947-70E740481C1C}">
+                <a14:useLocalDpi xmlns:a14="http://schemas.microsoft.com/office/drawing/2010/main"/>
+              </a:ext>
+            </a:extLst>
+          </a:blip>
+          <a:stretch>
+            <a:fillRect/>
+          </a:stretch>
+        </p:blipFill>
+        <p:spPr>
+          <a:xfrm>
+            <a:off x="184448" y="3333794"/>
+            <a:ext cx="5623516" cy="3374110"/>
+          </a:xfrm>
+          <a:prstGeom prst="rect">
+            <a:avLst/>
+          </a:prstGeom>
+        </p:spPr>
+      </p:pic>
+      <p:grpSp>
+        <p:nvGrpSpPr>
+          <p:cNvPr id="14" name="Group 13">
+            <a:extLst>
+              <a:ext uri="{FF2B5EF4-FFF2-40B4-BE49-F238E27FC236}">
+                <a16:creationId xmlns:a16="http://schemas.microsoft.com/office/drawing/2014/main" id="{82C53F35-88EE-F748-AC08-58571B0D71A4}"/>
+              </a:ext>
+            </a:extLst>
+          </p:cNvPr>
+          <p:cNvGrpSpPr/>
+          <p:nvPr/>
+        </p:nvGrpSpPr>
+        <p:grpSpPr>
+          <a:xfrm>
+            <a:off x="6168008" y="3588068"/>
+            <a:ext cx="5542218" cy="373028"/>
+            <a:chOff x="460713" y="1147906"/>
+            <a:chExt cx="5209425" cy="373028"/>
+          </a:xfrm>
+        </p:grpSpPr>
+        <p:sp>
+          <p:nvSpPr>
+            <p:cNvPr id="15" name="TextBox 14">
+              <a:extLst>
+                <a:ext uri="{FF2B5EF4-FFF2-40B4-BE49-F238E27FC236}">
+                  <a16:creationId xmlns:a16="http://schemas.microsoft.com/office/drawing/2014/main" id="{F2C28596-9845-9F4B-927D-CAD543E87821}"/>
+                </a:ext>
+              </a:extLst>
+            </p:cNvPr>
+            <p:cNvSpPr txBox="1"/>
+            <p:nvPr/>
+          </p:nvSpPr>
+          <p:spPr>
+            <a:xfrm>
+              <a:off x="460713" y="1147906"/>
+              <a:ext cx="1515947" cy="369332"/>
+            </a:xfrm>
+            <a:prstGeom prst="rect">
+              <a:avLst/>
+            </a:prstGeom>
+            <a:noFill/>
+          </p:spPr>
+          <p:txBody>
+            <a:bodyPr wrap="none" lIns="0" tIns="0" rIns="0" bIns="0" rtlCol="0">
+              <a:spAutoFit/>
+            </a:bodyPr>
+            <a:lstStyle/>
+            <a:p>
+              <a:pPr algn="l"/>
+              <a:r>
+                <a:rPr lang="en-US" sz="2400" b="1" dirty="0">
+                  <a:solidFill>
+                    <a:srgbClr val="03529B"/>
+                  </a:solidFill>
+                  <a:latin typeface="Arial" panose="020B0604020202020204" pitchFamily="34" charset="0"/>
+                  <a:cs typeface="Arial" panose="020B0604020202020204" pitchFamily="34" charset="0"/>
+                </a:rPr>
+                <a:t>Limitations</a:t>
+              </a:r>
+            </a:p>
+          </p:txBody>
+        </p:sp>
+        <p:cxnSp>
+          <p:nvCxnSpPr>
+            <p:cNvPr id="16" name="Straight Connector 15">
+              <a:extLst>
+                <a:ext uri="{FF2B5EF4-FFF2-40B4-BE49-F238E27FC236}">
+                  <a16:creationId xmlns:a16="http://schemas.microsoft.com/office/drawing/2014/main" id="{E9F46A27-5061-7047-86DF-01E4BDC21446}"/>
+                </a:ext>
+              </a:extLst>
+            </p:cNvPr>
+            <p:cNvCxnSpPr>
+              <a:cxnSpLocks/>
+            </p:cNvCxnSpPr>
+            <p:nvPr/>
+          </p:nvCxnSpPr>
+          <p:spPr>
+            <a:xfrm>
+              <a:off x="460713" y="1520934"/>
+              <a:ext cx="5209425" cy="0"/>
+            </a:xfrm>
+            <a:prstGeom prst="line">
+              <a:avLst/>
+            </a:prstGeom>
+            <a:ln w="28575">
+              <a:solidFill>
+                <a:srgbClr val="03529B"/>
+              </a:solidFill>
+            </a:ln>
+          </p:spPr>
+          <p:style>
+            <a:lnRef idx="1">
+              <a:schemeClr val="accent1"/>
+            </a:lnRef>
+            <a:fillRef idx="0">
+              <a:schemeClr val="accent1"/>
+            </a:fillRef>
+            <a:effectRef idx="0">
+              <a:schemeClr val="accent1"/>
+            </a:effectRef>
+            <a:fontRef idx="minor">
+              <a:schemeClr val="tx1"/>
+            </a:fontRef>
+          </p:style>
+        </p:cxnSp>
+      </p:grpSp>
+      <mc:AlternateContent xmlns:mc="http://schemas.openxmlformats.org/markup-compatibility/2006">
+        <mc:Choice xmlns:a14="http://schemas.microsoft.com/office/drawing/2010/main" Requires="a14">
+          <p:sp>
+            <p:nvSpPr>
+              <p:cNvPr id="8" name="TextBox 7">
+                <a:extLst>
+                  <a:ext uri="{FF2B5EF4-FFF2-40B4-BE49-F238E27FC236}">
+                    <a16:creationId xmlns:a16="http://schemas.microsoft.com/office/drawing/2014/main" id="{57967891-FCCC-7A42-87BD-634EB943DD7C}"/>
+                  </a:ext>
+                </a:extLst>
+              </p:cNvPr>
+              <p:cNvSpPr txBox="1"/>
+              <p:nvPr/>
+            </p:nvSpPr>
+            <p:spPr>
+              <a:xfrm>
+                <a:off x="6168007" y="4123137"/>
+                <a:ext cx="4607415" cy="1477328"/>
+              </a:xfrm>
+              <a:prstGeom prst="rect">
+                <a:avLst/>
+              </a:prstGeom>
+              <a:noFill/>
+            </p:spPr>
+            <p:txBody>
+              <a:bodyPr wrap="none" lIns="0" tIns="0" rIns="0" bIns="0" rtlCol="0">
+                <a:spAutoFit/>
+              </a:bodyPr>
+              <a:lstStyle/>
+              <a:p>
+                <a:pPr marL="342900" indent="-342900" algn="l">
+                  <a:buFont typeface="Arial" panose="020B0604020202020204" pitchFamily="34" charset="0"/>
+                  <a:buChar char="•"/>
+                </a:pPr>
+                <a:r>
+                  <a:rPr lang="en-US" sz="2400" dirty="0">
+                    <a:latin typeface="Arial" panose="020B0604020202020204" pitchFamily="34" charset="0"/>
+                    <a:cs typeface="Arial" panose="020B0604020202020204" pitchFamily="34" charset="0"/>
+                  </a:rPr>
+                  <a:t>Explained variance: </a:t>
+                </a:r>
+                <a14:m>
+                  <m:oMath xmlns:m="http://schemas.openxmlformats.org/officeDocument/2006/math">
+                    <m:sSup>
+                      <m:sSupPr>
+                        <m:ctrlPr>
+                          <a:rPr lang="en-US" sz="2400" b="0" i="1" smtClean="0">
+                            <a:latin typeface="Cambria Math" panose="02040503050406030204" pitchFamily="18" charset="0"/>
+                            <a:cs typeface="Arial" panose="020B0604020202020204" pitchFamily="34" charset="0"/>
+                          </a:rPr>
+                        </m:ctrlPr>
+                      </m:sSupPr>
+                      <m:e>
+                        <m:r>
+                          <a:rPr lang="en-US" sz="2400" b="0" i="1" smtClean="0">
+                            <a:latin typeface="Cambria Math" panose="02040503050406030204" pitchFamily="18" charset="0"/>
+                            <a:cs typeface="Arial" panose="020B0604020202020204" pitchFamily="34" charset="0"/>
+                          </a:rPr>
+                          <m:t>𝑅</m:t>
+                        </m:r>
+                      </m:e>
+                      <m:sup>
+                        <m:r>
+                          <a:rPr lang="en-US" sz="2400" b="0" i="1" smtClean="0">
+                            <a:latin typeface="Cambria Math" panose="02040503050406030204" pitchFamily="18" charset="0"/>
+                            <a:cs typeface="Arial" panose="020B0604020202020204" pitchFamily="34" charset="0"/>
+                          </a:rPr>
+                          <m:t>2</m:t>
+                        </m:r>
+                      </m:sup>
+                    </m:sSup>
+                    <m:r>
+                      <a:rPr lang="en-US" sz="2400" b="0" i="1" smtClean="0">
+                        <a:latin typeface="Cambria Math" panose="02040503050406030204" pitchFamily="18" charset="0"/>
+                        <a:cs typeface="Arial" panose="020B0604020202020204" pitchFamily="34" charset="0"/>
+                      </a:rPr>
+                      <m:t>≈0.07</m:t>
+                    </m:r>
+                    <m:r>
+                      <a:rPr lang="de-DE" sz="2400" b="0" i="1" smtClean="0">
+                        <a:latin typeface="Cambria Math" panose="02040503050406030204" pitchFamily="18" charset="0"/>
+                        <a:cs typeface="Arial" panose="020B0604020202020204" pitchFamily="34" charset="0"/>
+                      </a:rPr>
+                      <m:t>4</m:t>
+                    </m:r>
+                  </m:oMath>
+                </a14:m>
+                <a:endParaRPr lang="de-DE" sz="2400" b="0" dirty="0">
+                  <a:latin typeface="Arial" panose="020B0604020202020204" pitchFamily="34" charset="0"/>
+                  <a:cs typeface="Arial" panose="020B0604020202020204" pitchFamily="34" charset="0"/>
+                </a:endParaRPr>
+              </a:p>
+              <a:p>
+                <a:pPr marL="342900" indent="-342900" algn="l">
+                  <a:buFont typeface="Arial" panose="020B0604020202020204" pitchFamily="34" charset="0"/>
+                  <a:buChar char="•"/>
+                </a:pPr>
+                <a:r>
+                  <a:rPr lang="en-US" sz="2400" b="0" dirty="0">
+                    <a:latin typeface="Arial" panose="020B0604020202020204" pitchFamily="34" charset="0"/>
+                    <a:cs typeface="Arial" panose="020B0604020202020204" pitchFamily="34" charset="0"/>
+                  </a:rPr>
+                  <a:t>Omitted variable bias</a:t>
+                </a:r>
+              </a:p>
+              <a:p>
+                <a:pPr marL="342900" indent="-342900" algn="l">
+                  <a:buFont typeface="Arial" panose="020B0604020202020204" pitchFamily="34" charset="0"/>
+                  <a:buChar char="•"/>
+                </a:pPr>
+                <a:r>
+                  <a:rPr lang="en-US" sz="2400" dirty="0">
+                    <a:latin typeface="Arial" panose="020B0604020202020204" pitchFamily="34" charset="0"/>
+                    <a:cs typeface="Arial" panose="020B0604020202020204" pitchFamily="34" charset="0"/>
+                  </a:rPr>
+                  <a:t>Strong assignment bias!</a:t>
+                </a:r>
+                <a:endParaRPr lang="en-US" sz="2400" b="0" dirty="0">
+                  <a:latin typeface="Arial" panose="020B0604020202020204" pitchFamily="34" charset="0"/>
+                  <a:cs typeface="Arial" panose="020B0604020202020204" pitchFamily="34" charset="0"/>
+                </a:endParaRPr>
+              </a:p>
+              <a:p>
+                <a:pPr marL="342900" indent="-342900" algn="l">
+                  <a:buFont typeface="Arial" panose="020B0604020202020204" pitchFamily="34" charset="0"/>
+                  <a:buChar char="•"/>
+                </a:pPr>
+                <a:endParaRPr lang="en-US" sz="2400" dirty="0">
+                  <a:latin typeface="Arial" panose="020B0604020202020204" pitchFamily="34" charset="0"/>
+                  <a:cs typeface="Arial" panose="020B0604020202020204" pitchFamily="34" charset="0"/>
+                </a:endParaRPr>
+              </a:p>
+            </p:txBody>
+          </p:sp>
+        </mc:Choice>
+        <mc:Fallback>
+          <p:sp>
+            <p:nvSpPr>
+              <p:cNvPr id="8" name="TextBox 7">
+                <a:extLst>
+                  <a:ext uri="{FF2B5EF4-FFF2-40B4-BE49-F238E27FC236}">
+                    <a16:creationId xmlns:a16="http://schemas.microsoft.com/office/drawing/2014/main" id="{57967891-FCCC-7A42-87BD-634EB943DD7C}"/>
+                  </a:ext>
+                </a:extLst>
+              </p:cNvPr>
+              <p:cNvSpPr txBox="1">
+                <a:spLocks noRot="1" noChangeAspect="1" noMove="1" noResize="1" noEditPoints="1" noAdjustHandles="1" noChangeArrowheads="1" noChangeShapeType="1" noTextEdit="1"/>
+              </p:cNvSpPr>
+              <p:nvPr/>
+            </p:nvSpPr>
+            <p:spPr>
+              <a:xfrm>
+                <a:off x="6168007" y="4123137"/>
+                <a:ext cx="4607415" cy="1477328"/>
+              </a:xfrm>
+              <a:prstGeom prst="rect">
+                <a:avLst/>
+              </a:prstGeom>
+              <a:blipFill>
+                <a:blip r:embed="rId5"/>
+                <a:stretch>
+                  <a:fillRect l="-3846" t="-5932" r="-1099"/>
+                </a:stretch>
+              </a:blipFill>
+            </p:spPr>
+            <p:txBody>
+              <a:bodyPr/>
+              <a:lstStyle/>
+              <a:p>
+                <a:r>
+                  <a:rPr lang="en-US">
+                    <a:noFill/>
+                  </a:rPr>
+                  <a:t> </a:t>
+                </a:r>
+              </a:p>
+            </p:txBody>
+          </p:sp>
+        </mc:Fallback>
+      </mc:AlternateContent>
+      <p:grpSp>
+        <p:nvGrpSpPr>
+          <p:cNvPr id="17" name="Group 16">
+            <a:extLst>
+              <a:ext uri="{FF2B5EF4-FFF2-40B4-BE49-F238E27FC236}">
+                <a16:creationId xmlns:a16="http://schemas.microsoft.com/office/drawing/2014/main" id="{ABCEFD92-5D3D-F74B-9234-B05A4A4B9EEA}"/>
+              </a:ext>
+            </a:extLst>
+          </p:cNvPr>
+          <p:cNvGrpSpPr/>
+          <p:nvPr/>
+        </p:nvGrpSpPr>
+        <p:grpSpPr>
+          <a:xfrm>
+            <a:off x="6168008" y="1147906"/>
+            <a:ext cx="5563279" cy="373028"/>
+            <a:chOff x="460713" y="1147906"/>
+            <a:chExt cx="5209425" cy="373028"/>
+          </a:xfrm>
+        </p:grpSpPr>
+        <p:sp>
+          <p:nvSpPr>
+            <p:cNvPr id="18" name="TextBox 17">
+              <a:extLst>
+                <a:ext uri="{FF2B5EF4-FFF2-40B4-BE49-F238E27FC236}">
+                  <a16:creationId xmlns:a16="http://schemas.microsoft.com/office/drawing/2014/main" id="{89ACAB79-9F83-A34C-A264-34E97A63BF22}"/>
+                </a:ext>
+              </a:extLst>
+            </p:cNvPr>
+            <p:cNvSpPr txBox="1"/>
+            <p:nvPr/>
+          </p:nvSpPr>
+          <p:spPr>
+            <a:xfrm>
+              <a:off x="460713" y="1147906"/>
+              <a:ext cx="3636492" cy="369332"/>
+            </a:xfrm>
+            <a:prstGeom prst="rect">
+              <a:avLst/>
+            </a:prstGeom>
+            <a:noFill/>
+          </p:spPr>
+          <p:txBody>
+            <a:bodyPr wrap="none" lIns="0" tIns="0" rIns="0" bIns="0" rtlCol="0">
+              <a:spAutoFit/>
+            </a:bodyPr>
+            <a:lstStyle/>
+            <a:p>
+              <a:pPr algn="l"/>
+              <a:r>
+                <a:rPr lang="en-US" sz="2400" b="1" dirty="0">
+                  <a:solidFill>
+                    <a:srgbClr val="03529B"/>
+                  </a:solidFill>
+                  <a:latin typeface="Arial" panose="020B0604020202020204" pitchFamily="34" charset="0"/>
+                  <a:cs typeface="Arial" panose="020B0604020202020204" pitchFamily="34" charset="0"/>
+                </a:rPr>
+                <a:t>Confidence Intervals (95%)</a:t>
+              </a:r>
+            </a:p>
+          </p:txBody>
+        </p:sp>
+        <p:cxnSp>
+          <p:nvCxnSpPr>
+            <p:cNvPr id="19" name="Straight Connector 18">
+              <a:extLst>
+                <a:ext uri="{FF2B5EF4-FFF2-40B4-BE49-F238E27FC236}">
+                  <a16:creationId xmlns:a16="http://schemas.microsoft.com/office/drawing/2014/main" id="{1C1C4B12-CC4B-1E4D-ACD6-FE9D4E2E6CB8}"/>
+                </a:ext>
+              </a:extLst>
+            </p:cNvPr>
+            <p:cNvCxnSpPr>
+              <a:cxnSpLocks/>
+            </p:cNvCxnSpPr>
+            <p:nvPr/>
+          </p:nvCxnSpPr>
+          <p:spPr>
+            <a:xfrm>
+              <a:off x="460713" y="1520934"/>
+              <a:ext cx="5209425" cy="0"/>
+            </a:xfrm>
+            <a:prstGeom prst="line">
+              <a:avLst/>
+            </a:prstGeom>
+            <a:ln w="28575">
+              <a:solidFill>
+                <a:srgbClr val="03529B"/>
+              </a:solidFill>
+            </a:ln>
+          </p:spPr>
+          <p:style>
+            <a:lnRef idx="1">
+              <a:schemeClr val="accent1"/>
+            </a:lnRef>
+            <a:fillRef idx="0">
+              <a:schemeClr val="accent1"/>
+            </a:fillRef>
+            <a:effectRef idx="0">
+              <a:schemeClr val="accent1"/>
+            </a:effectRef>
+            <a:fontRef idx="minor">
+              <a:schemeClr val="tx1"/>
+            </a:fontRef>
+          </p:style>
+        </p:cxnSp>
+      </p:grpSp>
+      <p:pic>
+        <p:nvPicPr>
+          <p:cNvPr id="7" name="Picture 6">
+            <a:extLst>
+              <a:ext uri="{FF2B5EF4-FFF2-40B4-BE49-F238E27FC236}">
+                <a16:creationId xmlns:a16="http://schemas.microsoft.com/office/drawing/2014/main" id="{1403E56F-FD5C-784E-99B6-37C4CDA263B6}"/>
+              </a:ext>
+            </a:extLst>
+          </p:cNvPr>
+          <p:cNvPicPr>
+            <a:picLocks noChangeAspect="1"/>
+          </p:cNvPicPr>
+          <p:nvPr/>
+        </p:nvPicPr>
+        <p:blipFill>
+          <a:blip r:embed="rId6"/>
+          <a:stretch>
+            <a:fillRect/>
+          </a:stretch>
+        </p:blipFill>
+        <p:spPr>
+          <a:xfrm>
+            <a:off x="6168008" y="1657657"/>
+            <a:ext cx="3672408" cy="1612276"/>
+          </a:xfrm>
+          <a:prstGeom prst="rect">
+            <a:avLst/>
+          </a:prstGeom>
+        </p:spPr>
+      </p:pic>
+      <p:pic>
+        <p:nvPicPr>
+          <p:cNvPr id="10" name="Picture 9">
+            <a:extLst>
+              <a:ext uri="{FF2B5EF4-FFF2-40B4-BE49-F238E27FC236}">
+                <a16:creationId xmlns:a16="http://schemas.microsoft.com/office/drawing/2014/main" id="{344E8983-48FB-4744-9936-5D0700BA81E9}"/>
+              </a:ext>
+            </a:extLst>
+          </p:cNvPr>
+          <p:cNvPicPr>
+            <a:picLocks noChangeAspect="1"/>
+          </p:cNvPicPr>
+          <p:nvPr/>
+        </p:nvPicPr>
+        <p:blipFill>
+          <a:blip r:embed="rId7"/>
+          <a:stretch>
+            <a:fillRect/>
+          </a:stretch>
+        </p:blipFill>
+        <p:spPr>
+          <a:xfrm>
+            <a:off x="6456040" y="5334383"/>
+            <a:ext cx="3595471" cy="1021871"/>
+          </a:xfrm>
+          <a:prstGeom prst="rect">
+            <a:avLst/>
+          </a:prstGeom>
+        </p:spPr>
+      </p:pic>
+    </p:spTree>
+    <p:extLst>
+      <p:ext uri="{BB962C8B-B14F-4D97-AF65-F5344CB8AC3E}">
+        <p14:creationId xmlns:p14="http://schemas.microsoft.com/office/powerpoint/2010/main" val="3395229835"/>
+      </p:ext>
+    </p:extLst>
+  </p:cSld>
+  <p:clrMapOvr>
+    <a:masterClrMapping/>
+  </p:clrMapOvr>
+  <p:timing>
+    <p:tnLst>
+      <p:par>
+        <p:cTn id="1" dur="indefinite" restart="never" nodeType="tmRoot">
+          <p:childTnLst>
+            <p:seq concurrent="1" nextAc="seek">
+              <p:cTn id="2" dur="indefinite" nodeType="mainSeq">
+                <p:childTnLst>
+                  <p:par>
+                    <p:cTn id="3" fill="hold">
+                      <p:stCondLst>
+                        <p:cond delay="indefinite"/>
+                      </p:stCondLst>
+                      <p:childTnLst>
+                        <p:par>
+                          <p:cTn id="4" fill="hold">
+                            <p:stCondLst>
+                              <p:cond delay="0"/>
+                            </p:stCondLst>
+                            <p:childTnLst>
+                              <p:par>
+                                <p:cTn id="5" presetID="1" presetClass="entr" presetSubtype="0" fill="hold" nodeType="clickEffect">
+                                  <p:stCondLst>
+                                    <p:cond delay="0"/>
+                                  </p:stCondLst>
+                                  <p:childTnLst>
+                                    <p:set>
+                                      <p:cBhvr>
+                                        <p:cTn id="6" dur="1" fill="hold">
+                                          <p:stCondLst>
+                                            <p:cond delay="0"/>
+                                          </p:stCondLst>
+                                        </p:cTn>
+                                        <p:tgtEl>
+                                          <p:spTgt spid="14"/>
+                                        </p:tgtEl>
+                                        <p:attrNameLst>
+                                          <p:attrName>style.visibility</p:attrName>
+                                        </p:attrNameLst>
+                                      </p:cBhvr>
+                                      <p:to>
+                                        <p:strVal val="visible"/>
+                                      </p:to>
+                                    </p:set>
+                                  </p:childTnLst>
+                                </p:cTn>
+                              </p:par>
+                              <p:par>
+                                <p:cTn id="7" presetID="1" presetClass="entr" presetSubtype="0" fill="hold" grpId="0" nodeType="withEffect">
+                                  <p:stCondLst>
+                                    <p:cond delay="0"/>
+                                  </p:stCondLst>
+                                  <p:childTnLst>
+                                    <p:set>
+                                      <p:cBhvr>
+                                        <p:cTn id="8" dur="1" fill="hold">
+                                          <p:stCondLst>
+                                            <p:cond delay="0"/>
+                                          </p:stCondLst>
+                                        </p:cTn>
+                                        <p:tgtEl>
+                                          <p:spTgt spid="8"/>
+                                        </p:tgtEl>
+                                        <p:attrNameLst>
+                                          <p:attrName>style.visibility</p:attrName>
+                                        </p:attrNameLst>
+                                      </p:cBhvr>
+                                      <p:to>
+                                        <p:strVal val="visible"/>
+                                      </p:to>
+                                    </p:set>
+                                  </p:childTnLst>
+                                </p:cTn>
+                              </p:par>
+                              <p:par>
+                                <p:cTn id="9" presetID="1" presetClass="entr" presetSubtype="0" fill="hold" nodeType="withEffect">
+                                  <p:stCondLst>
+                                    <p:cond delay="0"/>
+                                  </p:stCondLst>
+                                  <p:childTnLst>
+                                    <p:set>
+                                      <p:cBhvr>
+                                        <p:cTn id="10" dur="1" fill="hold">
+                                          <p:stCondLst>
+                                            <p:cond delay="0"/>
+                                          </p:stCondLst>
+                                        </p:cTn>
+                                        <p:tgtEl>
+                                          <p:spTgt spid="17"/>
+                                        </p:tgtEl>
+                                        <p:attrNameLst>
+                                          <p:attrName>style.visibility</p:attrName>
+                                        </p:attrNameLst>
+                                      </p:cBhvr>
+                                      <p:to>
+                                        <p:strVal val="visible"/>
+                                      </p:to>
+                                    </p:set>
+                                  </p:childTnLst>
+                                </p:cTn>
+                              </p:par>
+                              <p:par>
+                                <p:cTn id="11" presetID="1" presetClass="entr" presetSubtype="0" fill="hold" nodeType="withEffect">
+                                  <p:stCondLst>
+                                    <p:cond delay="0"/>
+                                  </p:stCondLst>
+                                  <p:childTnLst>
+                                    <p:set>
+                                      <p:cBhvr>
+                                        <p:cTn id="12" dur="1" fill="hold">
+                                          <p:stCondLst>
+                                            <p:cond delay="0"/>
+                                          </p:stCondLst>
+                                        </p:cTn>
+                                        <p:tgtEl>
+                                          <p:spTgt spid="7"/>
+                                        </p:tgtEl>
+                                        <p:attrNameLst>
+                                          <p:attrName>style.visibility</p:attrName>
+                                        </p:attrNameLst>
+                                      </p:cBhvr>
+                                      <p:to>
+                                        <p:strVal val="visible"/>
+                                      </p:to>
+                                    </p:set>
+                                  </p:childTnLst>
+                                </p:cTn>
+                              </p:par>
+                            </p:childTnLst>
+                          </p:cTn>
+                        </p:par>
+                      </p:childTnLst>
+                    </p:cTn>
+                  </p:par>
+                </p:childTnLst>
+              </p:cTn>
+              <p:prevCondLst>
+                <p:cond evt="onPrev" delay="0">
+                  <p:tgtEl>
+                    <p:sldTgt/>
+                  </p:tgtEl>
+                </p:cond>
+              </p:prevCondLst>
+              <p:nextCondLst>
+                <p:cond evt="onNext" delay="0">
+                  <p:tgtEl>
+                    <p:sldTgt/>
+                  </p:tgtEl>
+                </p:cond>
+              </p:nextCondLst>
+            </p:seq>
+          </p:childTnLst>
+        </p:cTn>
+      </p:par>
+    </p:tnLst>
+    <p:bldLst>
+      <p:bldP spid="8" grpId="0"/>
+    </p:bldLst>
+  </p:timing>
+</p:sld>
+</file>
+
+<file path=ppt/slides/slide9.xml><?xml version="1.0" encoding="utf-8"?>
+<p:sld xmlns:a="http://schemas.openxmlformats.org/drawingml/2006/main" xmlns:r="http://schemas.openxmlformats.org/officeDocument/2006/relationships" xmlns:p="http://schemas.openxmlformats.org/presentationml/2006/main">
+  <p:cSld>
+    <p:spTree>
+      <p:nvGrpSpPr>
+        <p:cNvPr id="1" name=""/>
+        <p:cNvGrpSpPr/>
+        <p:nvPr/>
+      </p:nvGrpSpPr>
+      <p:grpSpPr>
+        <a:xfrm>
+          <a:off x="0" y="0"/>
+          <a:ext cx="0" cy="0"/>
+          <a:chOff x="0" y="0"/>
+          <a:chExt cx="0" cy="0"/>
+        </a:xfrm>
+      </p:grpSpPr>
       <p:sp>
         <p:nvSpPr>
-          <p:cNvPr id="6" name="TextBox 5">
-            <a:extLst>
-              <a:ext uri="{FF2B5EF4-FFF2-40B4-BE49-F238E27FC236}">
-                <a16:creationId xmlns:a16="http://schemas.microsoft.com/office/drawing/2014/main" id="{C23CDA49-30B5-F746-AD13-FAD403AE75BE}"/>
+          <p:cNvPr id="2" name="Slide Number Placeholder 1">
+            <a:extLst>
+              <a:ext uri="{FF2B5EF4-FFF2-40B4-BE49-F238E27FC236}">
+                <a16:creationId xmlns:a16="http://schemas.microsoft.com/office/drawing/2014/main" id="{9B12371F-989E-EE43-B20F-90E48B433F0A}"/>
+              </a:ext>
+            </a:extLst>
+          </p:cNvPr>
+          <p:cNvSpPr>
+            <a:spLocks noGrp="1"/>
+          </p:cNvSpPr>
+          <p:nvPr>
+            <p:ph type="sldNum" sz="quarter" idx="12"/>
+          </p:nvPr>
+        </p:nvSpPr>
+        <p:spPr/>
+        <p:txBody>
+          <a:bodyPr/>
+          <a:lstStyle/>
+          <a:p>
+            <a:fld id="{2D00CA07-45C7-8142-9F4D-3A07AD48DFA1}" type="slidenum">
+              <a:rPr lang="en-US" smtClean="0"/>
+              <a:t>9</a:t>
+            </a:fld>
+            <a:endParaRPr lang="en-US"/>
+          </a:p>
+        </p:txBody>
+      </p:sp>
+      <p:sp>
+        <p:nvSpPr>
+          <p:cNvPr id="3" name="TextBox 2">
+            <a:extLst>
+              <a:ext uri="{FF2B5EF4-FFF2-40B4-BE49-F238E27FC236}">
+                <a16:creationId xmlns:a16="http://schemas.microsoft.com/office/drawing/2014/main" id="{2B4E9B55-4425-2740-A108-76FF69BA3D12}"/>
               </a:ext>
             </a:extLst>
           </p:cNvPr>
@@ -10913,8 +11506,8 @@
         </p:nvSpPr>
         <p:spPr>
           <a:xfrm>
-            <a:off x="7078991" y="5753559"/>
-            <a:ext cx="4526111" cy="369332"/>
+            <a:off x="460713" y="332656"/>
+            <a:ext cx="2487861" cy="553998"/>
           </a:xfrm>
           <a:prstGeom prst="rect">
             <a:avLst/>
@@ -10927,128 +11520,22 @@
           </a:bodyPr>
           <a:lstStyle/>
           <a:p>
-            <a:pPr algn="l"/>
             <a:r>
-              <a:rPr lang="en-US" sz="2400" dirty="0">
+              <a:rPr lang="en-US" sz="3600" b="1" dirty="0">
                 <a:latin typeface="Arial" panose="020B0604020202020204" pitchFamily="34" charset="0"/>
                 <a:cs typeface="Arial" panose="020B0604020202020204" pitchFamily="34" charset="0"/>
               </a:rPr>
-              <a:t>TODO: CI for all vars in </a:t>
-            </a:r>
-            <a:r>
-              <a:rPr lang="en-US" sz="2400" dirty="0" err="1">
-                <a:latin typeface="Arial" panose="020B0604020202020204" pitchFamily="34" charset="0"/>
-                <a:cs typeface="Arial" panose="020B0604020202020204" pitchFamily="34" charset="0"/>
-              </a:rPr>
-              <a:t>sep</a:t>
-            </a:r>
-            <a:r>
-              <a:rPr lang="en-US" sz="2400" dirty="0">
-                <a:latin typeface="Arial" panose="020B0604020202020204" pitchFamily="34" charset="0"/>
-                <a:cs typeface="Arial" panose="020B0604020202020204" pitchFamily="34" charset="0"/>
-              </a:rPr>
-              <a:t> table</a:t>
-            </a:r>
-          </a:p>
-        </p:txBody>
-      </p:sp>
-      <p:sp>
-        <p:nvSpPr>
-          <p:cNvPr id="7" name="TextBox 6">
-            <a:extLst>
-              <a:ext uri="{FF2B5EF4-FFF2-40B4-BE49-F238E27FC236}">
-                <a16:creationId xmlns:a16="http://schemas.microsoft.com/office/drawing/2014/main" id="{88ED2B36-EF4D-9A40-BF95-82096A4715C4}"/>
-              </a:ext>
-            </a:extLst>
-          </p:cNvPr>
-          <p:cNvSpPr txBox="1"/>
-          <p:nvPr/>
-        </p:nvSpPr>
-        <p:spPr>
-          <a:xfrm>
-            <a:off x="7104112" y="4221088"/>
-            <a:ext cx="1473160" cy="738664"/>
-          </a:xfrm>
-          <a:prstGeom prst="rect">
-            <a:avLst/>
-          </a:prstGeom>
-          <a:noFill/>
-        </p:spPr>
-        <p:txBody>
-          <a:bodyPr wrap="none" lIns="0" tIns="0" rIns="0" bIns="0" rtlCol="0">
-            <a:spAutoFit/>
-          </a:bodyPr>
-          <a:lstStyle/>
-          <a:p>
-            <a:pPr algn="l"/>
-            <a:r>
-              <a:rPr lang="en-US" sz="2400" dirty="0">
-                <a:latin typeface="Arial" panose="020B0604020202020204" pitchFamily="34" charset="0"/>
-                <a:cs typeface="Arial" panose="020B0604020202020204" pitchFamily="34" charset="0"/>
-              </a:rPr>
-              <a:t>Limitations</a:t>
-            </a:r>
-          </a:p>
-          <a:p>
-            <a:pPr algn="l"/>
-            <a:r>
-              <a:rPr lang="en-US" sz="2400" dirty="0">
-                <a:latin typeface="Arial" panose="020B0604020202020204" pitchFamily="34" charset="0"/>
-                <a:cs typeface="Arial" panose="020B0604020202020204" pitchFamily="34" charset="0"/>
-              </a:rPr>
-              <a:t>- Low R2</a:t>
-            </a:r>
-          </a:p>
-        </p:txBody>
-      </p:sp>
-      <p:sp>
-        <p:nvSpPr>
-          <p:cNvPr id="9" name="TextBox 8">
-            <a:extLst>
-              <a:ext uri="{FF2B5EF4-FFF2-40B4-BE49-F238E27FC236}">
-                <a16:creationId xmlns:a16="http://schemas.microsoft.com/office/drawing/2014/main" id="{5864DE45-F31F-F34E-BAC6-E015E30D4D60}"/>
-              </a:ext>
-            </a:extLst>
-          </p:cNvPr>
-          <p:cNvSpPr txBox="1"/>
-          <p:nvPr/>
-        </p:nvSpPr>
-        <p:spPr>
-          <a:xfrm>
-            <a:off x="460713" y="1147906"/>
-            <a:ext cx="888064" cy="369332"/>
-          </a:xfrm>
-          <a:prstGeom prst="rect">
-            <a:avLst/>
-          </a:prstGeom>
-          <a:noFill/>
-        </p:spPr>
-        <p:txBody>
-          <a:bodyPr wrap="none" lIns="0" tIns="0" rIns="0" bIns="0" rtlCol="0">
-            <a:spAutoFit/>
-          </a:bodyPr>
-          <a:lstStyle/>
-          <a:p>
-            <a:pPr algn="l"/>
-            <a:r>
-              <a:rPr lang="en-US" sz="2400" b="1" dirty="0">
-                <a:solidFill>
-                  <a:srgbClr val="03529B"/>
-                </a:solidFill>
-                <a:latin typeface="Arial" panose="020B0604020202020204" pitchFamily="34" charset="0"/>
-                <a:cs typeface="Arial" panose="020B0604020202020204" pitchFamily="34" charset="0"/>
-              </a:rPr>
-              <a:t>Model</a:t>
+              <a:t>References</a:t>
             </a:r>
           </a:p>
         </p:txBody>
       </p:sp>
       <p:cxnSp>
         <p:nvCxnSpPr>
-          <p:cNvPr id="11" name="Straight Connector 10">
-            <a:extLst>
-              <a:ext uri="{FF2B5EF4-FFF2-40B4-BE49-F238E27FC236}">
-                <a16:creationId xmlns:a16="http://schemas.microsoft.com/office/drawing/2014/main" id="{F45F55A1-178F-204B-8122-0D25726930AE}"/>
+          <p:cNvPr id="4" name="Straight Connector 3">
+            <a:extLst>
+              <a:ext uri="{FF2B5EF4-FFF2-40B4-BE49-F238E27FC236}">
+                <a16:creationId xmlns:a16="http://schemas.microsoft.com/office/drawing/2014/main" id="{CFDF23E1-C7BD-4C48-9E8A-53704A4D662C}"/>
               </a:ext>
             </a:extLst>
           </p:cNvPr>
@@ -11059,15 +11546,15 @@
         </p:nvCxnSpPr>
         <p:spPr>
           <a:xfrm>
-            <a:off x="460713" y="1520934"/>
-            <a:ext cx="5209425" cy="0"/>
+            <a:off x="460714" y="886654"/>
+            <a:ext cx="11270573" cy="0"/>
           </a:xfrm>
           <a:prstGeom prst="line">
             <a:avLst/>
           </a:prstGeom>
-          <a:ln w="28575">
+          <a:ln w="38100">
             <a:solidFill>
-              <a:srgbClr val="03529B"/>
+              <a:schemeClr val="tx1"/>
             </a:solidFill>
           </a:ln>
         </p:spPr>
@@ -11086,40 +11573,76 @@
           </a:fontRef>
         </p:style>
       </p:cxnSp>
-      <p:pic>
-        <p:nvPicPr>
-          <p:cNvPr id="12" name="Picture 11" descr="Chart, line chart&#10;&#10;Description automatically generated">
-            <a:extLst>
-              <a:ext uri="{FF2B5EF4-FFF2-40B4-BE49-F238E27FC236}">
-                <a16:creationId xmlns:a16="http://schemas.microsoft.com/office/drawing/2014/main" id="{1230B900-9738-584F-8D23-FB718BC7087A}"/>
-              </a:ext>
-            </a:extLst>
-          </p:cNvPr>
-          <p:cNvPicPr>
-            <a:picLocks noChangeAspect="1"/>
-          </p:cNvPicPr>
+      <p:sp>
+        <p:nvSpPr>
+          <p:cNvPr id="5" name="TextBox 4">
+            <a:extLst>
+              <a:ext uri="{FF2B5EF4-FFF2-40B4-BE49-F238E27FC236}">
+                <a16:creationId xmlns:a16="http://schemas.microsoft.com/office/drawing/2014/main" id="{A282371E-38BA-5141-AE1B-F1AE656FF39C}"/>
+              </a:ext>
+            </a:extLst>
+          </p:cNvPr>
+          <p:cNvSpPr txBox="1"/>
           <p:nvPr/>
-        </p:nvPicPr>
-        <p:blipFill>
-          <a:blip r:embed="rId4"/>
-          <a:stretch>
-            <a:fillRect/>
-          </a:stretch>
-        </p:blipFill>
+        </p:nvSpPr>
         <p:spPr>
           <a:xfrm>
-            <a:off x="184448" y="3333794"/>
-            <a:ext cx="5623516" cy="3374110"/>
+            <a:off x="455385" y="1268760"/>
+            <a:ext cx="11270572" cy="1477328"/>
           </a:xfrm>
           <a:prstGeom prst="rect">
             <a:avLst/>
           </a:prstGeom>
+          <a:noFill/>
         </p:spPr>
-      </p:pic>
+        <p:txBody>
+          <a:bodyPr wrap="square" lIns="0" tIns="0" rIns="0" bIns="0" rtlCol="0">
+            <a:spAutoFit/>
+          </a:bodyPr>
+          <a:lstStyle/>
+          <a:p>
+            <a:pPr marL="457200" indent="-457200">
+              <a:buFont typeface="+mj-lt"/>
+              <a:buAutoNum type="arabicPeriod"/>
+            </a:pPr>
+            <a:r>
+              <a:rPr lang="en-US" sz="2400" dirty="0">
+                <a:latin typeface="Arial" panose="020B0604020202020204" pitchFamily="34" charset="0"/>
+                <a:cs typeface="Arial" panose="020B0604020202020204" pitchFamily="34" charset="0"/>
+              </a:rPr>
+              <a:t>Lalonde, R. J. (1986), Evaluating the econometric evaluations of training programs with experimental data, </a:t>
+            </a:r>
+            <a:r>
+              <a:rPr lang="en-US" sz="2400" i="1" dirty="0">
+                <a:latin typeface="Arial" panose="020B0604020202020204" pitchFamily="34" charset="0"/>
+                <a:cs typeface="Arial" panose="020B0604020202020204" pitchFamily="34" charset="0"/>
+              </a:rPr>
+              <a:t>The American Economic Review</a:t>
+            </a:r>
+            <a:r>
+              <a:rPr lang="en-US" sz="2400" dirty="0">
+                <a:latin typeface="Arial" panose="020B0604020202020204" pitchFamily="34" charset="0"/>
+                <a:cs typeface="Arial" panose="020B0604020202020204" pitchFamily="34" charset="0"/>
+              </a:rPr>
+              <a:t>, 76, 604 - 620.</a:t>
+            </a:r>
+          </a:p>
+          <a:p>
+            <a:pPr marL="457200" indent="-457200" algn="just">
+              <a:buFont typeface="+mj-lt"/>
+              <a:buAutoNum type="arabicPeriod"/>
+            </a:pPr>
+            <a:endParaRPr lang="en-US" sz="2400" dirty="0">
+              <a:latin typeface="Arial" panose="020B0604020202020204" pitchFamily="34" charset="0"/>
+              <a:cs typeface="Arial" panose="020B0604020202020204" pitchFamily="34" charset="0"/>
+            </a:endParaRPr>
+          </a:p>
+        </p:txBody>
+      </p:sp>
     </p:spTree>
     <p:extLst>
       <p:ext uri="{BB962C8B-B14F-4D97-AF65-F5344CB8AC3E}">
-        <p14:creationId xmlns:p14="http://schemas.microsoft.com/office/powerpoint/2010/main" val="3395229835"/>
+        <p14:creationId xmlns:p14="http://schemas.microsoft.com/office/powerpoint/2010/main" val="2249029831"/>
       </p:ext>
     </p:extLst>
   </p:cSld>

--- a/Presentation/slide_deck.pptx
+++ b/Presentation/slide_deck.pptx
@@ -11400,6 +11400,33 @@
                                         </p:cTn>
                                         <p:tgtEl>
                                           <p:spTgt spid="7"/>
+                                        </p:tgtEl>
+                                        <p:attrNameLst>
+                                          <p:attrName>style.visibility</p:attrName>
+                                        </p:attrNameLst>
+                                      </p:cBhvr>
+                                      <p:to>
+                                        <p:strVal val="visible"/>
+                                      </p:to>
+                                    </p:set>
+                                  </p:childTnLst>
+                                </p:cTn>
+                              </p:par>
+                              <p:par>
+                                <p:cTn id="13" presetID="1" presetClass="entr" presetSubtype="0" fill="hold" nodeType="withEffect">
+                                  <p:stCondLst>
+                                    <p:cond delay="0"/>
+                                  </p:stCondLst>
+                                  <p:childTnLst>
+                                    <p:set>
+                                      <p:cBhvr>
+                                        <p:cTn id="14" dur="1" fill="hold">
+                                          <p:stCondLst>
+                                            <p:cond delay="0"/>
+                                          </p:stCondLst>
+                                        </p:cTn>
+                                        <p:tgtEl>
+                                          <p:spTgt spid="10"/>
                                         </p:tgtEl>
                                         <p:attrNameLst>
                                           <p:attrName>style.visibility</p:attrName>

--- a/Presentation/slide_deck.pptx
+++ b/Presentation/slide_deck.pptx
@@ -206,7 +206,7 @@
           <a:p>
             <a:fld id="{3398E8B9-81F1-424D-AE77-F968A2DCD636}" type="datetimeFigureOut">
               <a:rPr lang="en-US" smtClean="0"/>
-              <a:t>9/29/21</a:t>
+              <a:t>9/30/21</a:t>
             </a:fld>
             <a:endParaRPr lang="en-US"/>
           </a:p>
@@ -1024,7 +1024,7 @@
           <a:p>
             <a:fld id="{D7919F00-95C3-E345-9A68-6806DD4786C7}" type="datetime1">
               <a:rPr lang="de-DE" smtClean="0"/>
-              <a:t>29.09.21</a:t>
+              <a:t>30.09.21</a:t>
             </a:fld>
             <a:endParaRPr lang="en-US"/>
           </a:p>
@@ -1224,7 +1224,7 @@
           <a:p>
             <a:fld id="{EEF8CF17-46D6-4746-9F83-62838F7FFA9E}" type="datetime1">
               <a:rPr lang="de-DE" smtClean="0"/>
-              <a:t>29.09.21</a:t>
+              <a:t>30.09.21</a:t>
             </a:fld>
             <a:endParaRPr lang="en-US"/>
           </a:p>
@@ -1434,7 +1434,7 @@
           <a:p>
             <a:fld id="{846669D5-C56A-D444-8228-920498C21CB5}" type="datetime1">
               <a:rPr lang="de-DE" smtClean="0"/>
-              <a:t>29.09.21</a:t>
+              <a:t>30.09.21</a:t>
             </a:fld>
             <a:endParaRPr lang="en-US"/>
           </a:p>
@@ -1634,7 +1634,7 @@
           <a:p>
             <a:fld id="{6B2A11E0-3F60-484C-B31C-C335BE773633}" type="datetime1">
               <a:rPr lang="de-DE" smtClean="0"/>
-              <a:t>29.09.21</a:t>
+              <a:t>30.09.21</a:t>
             </a:fld>
             <a:endParaRPr lang="en-US"/>
           </a:p>
@@ -1910,7 +1910,7 @@
           <a:p>
             <a:fld id="{AD0CF0BE-8C02-7A46-B8F9-9A1A359A3221}" type="datetime1">
               <a:rPr lang="de-DE" smtClean="0"/>
-              <a:t>29.09.21</a:t>
+              <a:t>30.09.21</a:t>
             </a:fld>
             <a:endParaRPr lang="en-US"/>
           </a:p>
@@ -2178,7 +2178,7 @@
           <a:p>
             <a:fld id="{E3D55EAB-06EA-2B41-8799-9D715C6BB5C9}" type="datetime1">
               <a:rPr lang="de-DE" smtClean="0"/>
-              <a:t>29.09.21</a:t>
+              <a:t>30.09.21</a:t>
             </a:fld>
             <a:endParaRPr lang="en-US"/>
           </a:p>
@@ -2593,7 +2593,7 @@
           <a:p>
             <a:fld id="{899C43E9-79E3-0343-886E-B54191E8154C}" type="datetime1">
               <a:rPr lang="de-DE" smtClean="0"/>
-              <a:t>29.09.21</a:t>
+              <a:t>30.09.21</a:t>
             </a:fld>
             <a:endParaRPr lang="en-US"/>
           </a:p>
@@ -2735,7 +2735,7 @@
           <a:p>
             <a:fld id="{38D1FDF0-7FAD-B74F-9C14-35E95702474C}" type="datetime1">
               <a:rPr lang="de-DE" smtClean="0"/>
-              <a:t>29.09.21</a:t>
+              <a:t>30.09.21</a:t>
             </a:fld>
             <a:endParaRPr lang="en-US"/>
           </a:p>
@@ -2848,7 +2848,7 @@
           <a:p>
             <a:fld id="{40CA08E2-633C-6F4C-B416-7B24EADBD5D5}" type="datetime1">
               <a:rPr lang="de-DE" smtClean="0"/>
-              <a:t>29.09.21</a:t>
+              <a:t>30.09.21</a:t>
             </a:fld>
             <a:endParaRPr lang="en-US"/>
           </a:p>
@@ -3166,7 +3166,7 @@
           <a:p>
             <a:fld id="{25A8823F-BF39-4B48-92AC-7573D6900421}" type="datetime1">
               <a:rPr lang="de-DE" smtClean="0"/>
-              <a:t>29.09.21</a:t>
+              <a:t>30.09.21</a:t>
             </a:fld>
             <a:endParaRPr lang="en-US"/>
           </a:p>
@@ -3459,7 +3459,7 @@
           <a:p>
             <a:fld id="{9133BCCA-5C2C-1E48-9D3E-EC5297EB8560}" type="datetime1">
               <a:rPr lang="de-DE" smtClean="0"/>
-              <a:t>29.09.21</a:t>
+              <a:t>30.09.21</a:t>
             </a:fld>
             <a:endParaRPr lang="en-US"/>
           </a:p>
@@ -3716,7 +3716,7 @@
           <a:p>
             <a:fld id="{4ECDE09A-B1E7-BF49-A4A8-79F389F3B4B8}" type="datetime1">
               <a:rPr lang="de-DE" smtClean="0"/>
-              <a:t>29.09.21</a:t>
+              <a:t>30.09.21</a:t>
             </a:fld>
             <a:endParaRPr lang="en-US"/>
           </a:p>
@@ -9533,8 +9533,8 @@
           </a:prstGeom>
         </p:spPr>
       </p:pic>
-      <mc:AlternateContent xmlns:mc="http://schemas.openxmlformats.org/markup-compatibility/2006">
-        <mc:Choice xmlns:a14="http://schemas.microsoft.com/office/drawing/2010/main" Requires="a14">
+      <mc:AlternateContent xmlns:mc="http://schemas.openxmlformats.org/markup-compatibility/2006" xmlns:a14="http://schemas.microsoft.com/office/drawing/2010/main">
+        <mc:Choice Requires="a14">
           <p:sp>
             <p:nvSpPr>
               <p:cNvPr id="16" name="TextBox 15">
@@ -9911,7 +9911,7 @@
             </p:txBody>
           </p:sp>
         </mc:Choice>
-        <mc:Fallback>
+        <mc:Fallback xmlns="">
           <p:sp>
             <p:nvSpPr>
               <p:cNvPr id="16" name="TextBox 15">
@@ -10928,8 +10928,8 @@
           </p:style>
         </p:cxnSp>
       </p:grpSp>
-      <mc:AlternateContent xmlns:mc="http://schemas.openxmlformats.org/markup-compatibility/2006">
-        <mc:Choice xmlns:a14="http://schemas.microsoft.com/office/drawing/2010/main" Requires="a14">
+      <mc:AlternateContent xmlns:mc="http://schemas.openxmlformats.org/markup-compatibility/2006" xmlns:a14="http://schemas.microsoft.com/office/drawing/2010/main">
+        <mc:Choice Requires="a14">
           <p:sp>
             <p:nvSpPr>
               <p:cNvPr id="8" name="TextBox 7">
@@ -11063,7 +11063,7 @@
             </p:txBody>
           </p:sp>
         </mc:Choice>
-        <mc:Fallback>
+        <mc:Fallback xmlns="">
           <p:sp>
             <p:nvSpPr>
               <p:cNvPr id="8" name="TextBox 7">
